--- a/CD PPT.pptx
+++ b/CD PPT.pptx
@@ -142,6 +142,22 @@
       </a:defRPr>
     </a:lvl9pPr>
   </p:defaultTextStyle>
+  <p:extLst>
+    <p:ext uri="{EFAFB233-063F-42B5-8137-9DF3F51BA10A}">
+      <p15:sldGuideLst xmlns:p15="http://schemas.microsoft.com/office/powerpoint/2012/main">
+        <p15:guide id="1" orient="horz" pos="2160">
+          <p15:clr>
+            <a:srgbClr val="A4A3A4"/>
+          </p15:clr>
+        </p15:guide>
+        <p15:guide id="2" pos="2880">
+          <p15:clr>
+            <a:srgbClr val="A4A3A4"/>
+          </p15:clr>
+        </p15:guide>
+      </p15:sldGuideLst>
+    </p:ext>
+  </p:extLst>
 </p:presentation>
 </file>
 
@@ -183,10 +199,9 @@
           <a:lstStyle/>
           <a:p>
             <a:r>
-              <a:rPr lang="en-US" smtClean="0"/>
+              <a:rPr lang="en-US"/>
               <a:t>Click to edit Master title style</a:t>
             </a:r>
-            <a:endParaRPr lang="en-US"/>
           </a:p>
         </p:txBody>
       </p:sp>
@@ -302,10 +317,9 @@
           </a:lstStyle>
           <a:p>
             <a:r>
-              <a:rPr lang="en-US" smtClean="0"/>
+              <a:rPr lang="en-US"/>
               <a:t>Click to edit Master subtitle style</a:t>
             </a:r>
-            <a:endParaRPr lang="en-US"/>
           </a:p>
         </p:txBody>
       </p:sp>
@@ -327,7 +341,7 @@
             <a:fld id="{1D8BD707-D9CF-40AE-B4C6-C98DA3205C09}" type="datetimeFigureOut">
               <a:rPr lang="en-US" smtClean="0"/>
               <a:pPr/>
-              <a:t>05-Feb-24</a:t>
+              <a:t>2/5/2024</a:t>
             </a:fld>
             <a:endParaRPr lang="en-US"/>
           </a:p>
@@ -417,10 +431,9 @@
           <a:lstStyle/>
           <a:p>
             <a:r>
-              <a:rPr lang="en-US" smtClean="0"/>
+              <a:rPr lang="en-US"/>
               <a:t>Click to edit Master title style</a:t>
             </a:r>
-            <a:endParaRPr lang="en-US"/>
           </a:p>
         </p:txBody>
       </p:sp>
@@ -441,38 +454,37 @@
           <a:p>
             <a:pPr lvl="0"/>
             <a:r>
-              <a:rPr lang="en-US" smtClean="0"/>
+              <a:rPr lang="en-US"/>
               <a:t>Click to edit Master text styles</a:t>
             </a:r>
           </a:p>
           <a:p>
             <a:pPr lvl="1"/>
             <a:r>
-              <a:rPr lang="en-US" smtClean="0"/>
+              <a:rPr lang="en-US"/>
               <a:t>Second level</a:t>
             </a:r>
           </a:p>
           <a:p>
             <a:pPr lvl="2"/>
             <a:r>
-              <a:rPr lang="en-US" smtClean="0"/>
+              <a:rPr lang="en-US"/>
               <a:t>Third level</a:t>
             </a:r>
           </a:p>
           <a:p>
             <a:pPr lvl="3"/>
             <a:r>
-              <a:rPr lang="en-US" smtClean="0"/>
+              <a:rPr lang="en-US"/>
               <a:t>Fourth level</a:t>
             </a:r>
           </a:p>
           <a:p>
             <a:pPr lvl="4"/>
             <a:r>
-              <a:rPr lang="en-US" smtClean="0"/>
+              <a:rPr lang="en-US"/>
               <a:t>Fifth level</a:t>
             </a:r>
-            <a:endParaRPr lang="en-US"/>
           </a:p>
         </p:txBody>
       </p:sp>
@@ -494,7 +506,7 @@
             <a:fld id="{1D8BD707-D9CF-40AE-B4C6-C98DA3205C09}" type="datetimeFigureOut">
               <a:rPr lang="en-US" smtClean="0"/>
               <a:pPr/>
-              <a:t>05-Feb-24</a:t>
+              <a:t>2/5/2024</a:t>
             </a:fld>
             <a:endParaRPr lang="en-US"/>
           </a:p>
@@ -589,10 +601,9 @@
           <a:lstStyle/>
           <a:p>
             <a:r>
-              <a:rPr lang="en-US" smtClean="0"/>
+              <a:rPr lang="en-US"/>
               <a:t>Click to edit Master title style</a:t>
             </a:r>
-            <a:endParaRPr lang="en-US"/>
           </a:p>
         </p:txBody>
       </p:sp>
@@ -618,38 +629,37 @@
           <a:p>
             <a:pPr lvl="0"/>
             <a:r>
-              <a:rPr lang="en-US" smtClean="0"/>
+              <a:rPr lang="en-US"/>
               <a:t>Click to edit Master text styles</a:t>
             </a:r>
           </a:p>
           <a:p>
             <a:pPr lvl="1"/>
             <a:r>
-              <a:rPr lang="en-US" smtClean="0"/>
+              <a:rPr lang="en-US"/>
               <a:t>Second level</a:t>
             </a:r>
           </a:p>
           <a:p>
             <a:pPr lvl="2"/>
             <a:r>
-              <a:rPr lang="en-US" smtClean="0"/>
+              <a:rPr lang="en-US"/>
               <a:t>Third level</a:t>
             </a:r>
           </a:p>
           <a:p>
             <a:pPr lvl="3"/>
             <a:r>
-              <a:rPr lang="en-US" smtClean="0"/>
+              <a:rPr lang="en-US"/>
               <a:t>Fourth level</a:t>
             </a:r>
           </a:p>
           <a:p>
             <a:pPr lvl="4"/>
             <a:r>
-              <a:rPr lang="en-US" smtClean="0"/>
+              <a:rPr lang="en-US"/>
               <a:t>Fifth level</a:t>
             </a:r>
-            <a:endParaRPr lang="en-US"/>
           </a:p>
         </p:txBody>
       </p:sp>
@@ -671,7 +681,7 @@
             <a:fld id="{1D8BD707-D9CF-40AE-B4C6-C98DA3205C09}" type="datetimeFigureOut">
               <a:rPr lang="en-US" smtClean="0"/>
               <a:pPr/>
-              <a:t>05-Feb-24</a:t>
+              <a:t>2/5/2024</a:t>
             </a:fld>
             <a:endParaRPr lang="en-US"/>
           </a:p>
@@ -761,10 +771,9 @@
           <a:lstStyle/>
           <a:p>
             <a:r>
-              <a:rPr lang="en-US" smtClean="0"/>
+              <a:rPr lang="en-US"/>
               <a:t>Click to edit Master title style</a:t>
             </a:r>
-            <a:endParaRPr lang="en-US"/>
           </a:p>
         </p:txBody>
       </p:sp>
@@ -785,38 +794,37 @@
           <a:p>
             <a:pPr lvl="0"/>
             <a:r>
-              <a:rPr lang="en-US" smtClean="0"/>
+              <a:rPr lang="en-US"/>
               <a:t>Click to edit Master text styles</a:t>
             </a:r>
           </a:p>
           <a:p>
             <a:pPr lvl="1"/>
             <a:r>
-              <a:rPr lang="en-US" smtClean="0"/>
+              <a:rPr lang="en-US"/>
               <a:t>Second level</a:t>
             </a:r>
           </a:p>
           <a:p>
             <a:pPr lvl="2"/>
             <a:r>
-              <a:rPr lang="en-US" smtClean="0"/>
+              <a:rPr lang="en-US"/>
               <a:t>Third level</a:t>
             </a:r>
           </a:p>
           <a:p>
             <a:pPr lvl="3"/>
             <a:r>
-              <a:rPr lang="en-US" smtClean="0"/>
+              <a:rPr lang="en-US"/>
               <a:t>Fourth level</a:t>
             </a:r>
           </a:p>
           <a:p>
             <a:pPr lvl="4"/>
             <a:r>
-              <a:rPr lang="en-US" smtClean="0"/>
+              <a:rPr lang="en-US"/>
               <a:t>Fifth level</a:t>
             </a:r>
-            <a:endParaRPr lang="en-US"/>
           </a:p>
         </p:txBody>
       </p:sp>
@@ -838,7 +846,7 @@
             <a:fld id="{1D8BD707-D9CF-40AE-B4C6-C98DA3205C09}" type="datetimeFigureOut">
               <a:rPr lang="en-US" smtClean="0"/>
               <a:pPr/>
-              <a:t>05-Feb-24</a:t>
+              <a:t>2/5/2024</a:t>
             </a:fld>
             <a:endParaRPr lang="en-US"/>
           </a:p>
@@ -937,10 +945,9 @@
           </a:lstStyle>
           <a:p>
             <a:r>
-              <a:rPr lang="en-US" smtClean="0"/>
+              <a:rPr lang="en-US"/>
               <a:t>Click to edit Master title style</a:t>
             </a:r>
-            <a:endParaRPr lang="en-US"/>
           </a:p>
         </p:txBody>
       </p:sp>
@@ -1057,7 +1064,7 @@
           <a:p>
             <a:pPr lvl="0"/>
             <a:r>
-              <a:rPr lang="en-US" smtClean="0"/>
+              <a:rPr lang="en-US"/>
               <a:t>Click to edit Master text styles</a:t>
             </a:r>
           </a:p>
@@ -1081,7 +1088,7 @@
             <a:fld id="{1D8BD707-D9CF-40AE-B4C6-C98DA3205C09}" type="datetimeFigureOut">
               <a:rPr lang="en-US" smtClean="0"/>
               <a:pPr/>
-              <a:t>05-Feb-24</a:t>
+              <a:t>2/5/2024</a:t>
             </a:fld>
             <a:endParaRPr lang="en-US"/>
           </a:p>
@@ -1171,10 +1178,9 @@
           <a:lstStyle/>
           <a:p>
             <a:r>
-              <a:rPr lang="en-US" smtClean="0"/>
+              <a:rPr lang="en-US"/>
               <a:t>Click to edit Master title style</a:t>
             </a:r>
-            <a:endParaRPr lang="en-US"/>
           </a:p>
         </p:txBody>
       </p:sp>
@@ -1228,38 +1234,37 @@
           <a:p>
             <a:pPr lvl="0"/>
             <a:r>
-              <a:rPr lang="en-US" smtClean="0"/>
+              <a:rPr lang="en-US"/>
               <a:t>Click to edit Master text styles</a:t>
             </a:r>
           </a:p>
           <a:p>
             <a:pPr lvl="1"/>
             <a:r>
-              <a:rPr lang="en-US" smtClean="0"/>
+              <a:rPr lang="en-US"/>
               <a:t>Second level</a:t>
             </a:r>
           </a:p>
           <a:p>
             <a:pPr lvl="2"/>
             <a:r>
-              <a:rPr lang="en-US" smtClean="0"/>
+              <a:rPr lang="en-US"/>
               <a:t>Third level</a:t>
             </a:r>
           </a:p>
           <a:p>
             <a:pPr lvl="3"/>
             <a:r>
-              <a:rPr lang="en-US" smtClean="0"/>
+              <a:rPr lang="en-US"/>
               <a:t>Fourth level</a:t>
             </a:r>
           </a:p>
           <a:p>
             <a:pPr lvl="4"/>
             <a:r>
-              <a:rPr lang="en-US" smtClean="0"/>
+              <a:rPr lang="en-US"/>
               <a:t>Fifth level</a:t>
             </a:r>
-            <a:endParaRPr lang="en-US"/>
           </a:p>
         </p:txBody>
       </p:sp>
@@ -1313,38 +1318,37 @@
           <a:p>
             <a:pPr lvl="0"/>
             <a:r>
-              <a:rPr lang="en-US" smtClean="0"/>
+              <a:rPr lang="en-US"/>
               <a:t>Click to edit Master text styles</a:t>
             </a:r>
           </a:p>
           <a:p>
             <a:pPr lvl="1"/>
             <a:r>
-              <a:rPr lang="en-US" smtClean="0"/>
+              <a:rPr lang="en-US"/>
               <a:t>Second level</a:t>
             </a:r>
           </a:p>
           <a:p>
             <a:pPr lvl="2"/>
             <a:r>
-              <a:rPr lang="en-US" smtClean="0"/>
+              <a:rPr lang="en-US"/>
               <a:t>Third level</a:t>
             </a:r>
           </a:p>
           <a:p>
             <a:pPr lvl="3"/>
             <a:r>
-              <a:rPr lang="en-US" smtClean="0"/>
+              <a:rPr lang="en-US"/>
               <a:t>Fourth level</a:t>
             </a:r>
           </a:p>
           <a:p>
             <a:pPr lvl="4"/>
             <a:r>
-              <a:rPr lang="en-US" smtClean="0"/>
+              <a:rPr lang="en-US"/>
               <a:t>Fifth level</a:t>
             </a:r>
-            <a:endParaRPr lang="en-US"/>
           </a:p>
         </p:txBody>
       </p:sp>
@@ -1366,7 +1370,7 @@
             <a:fld id="{1D8BD707-D9CF-40AE-B4C6-C98DA3205C09}" type="datetimeFigureOut">
               <a:rPr lang="en-US" smtClean="0"/>
               <a:pPr/>
-              <a:t>05-Feb-24</a:t>
+              <a:t>2/5/2024</a:t>
             </a:fld>
             <a:endParaRPr lang="en-US"/>
           </a:p>
@@ -1460,10 +1464,9 @@
           </a:lstStyle>
           <a:p>
             <a:r>
-              <a:rPr lang="en-US" smtClean="0"/>
+              <a:rPr lang="en-US"/>
               <a:t>Click to edit Master title style</a:t>
             </a:r>
-            <a:endParaRPr lang="en-US"/>
           </a:p>
         </p:txBody>
       </p:sp>
@@ -1526,7 +1529,7 @@
           <a:p>
             <a:pPr lvl="0"/>
             <a:r>
-              <a:rPr lang="en-US" smtClean="0"/>
+              <a:rPr lang="en-US"/>
               <a:t>Click to edit Master text styles</a:t>
             </a:r>
           </a:p>
@@ -1582,38 +1585,37 @@
           <a:p>
             <a:pPr lvl="0"/>
             <a:r>
-              <a:rPr lang="en-US" smtClean="0"/>
+              <a:rPr lang="en-US"/>
               <a:t>Click to edit Master text styles</a:t>
             </a:r>
           </a:p>
           <a:p>
             <a:pPr lvl="1"/>
             <a:r>
-              <a:rPr lang="en-US" smtClean="0"/>
+              <a:rPr lang="en-US"/>
               <a:t>Second level</a:t>
             </a:r>
           </a:p>
           <a:p>
             <a:pPr lvl="2"/>
             <a:r>
-              <a:rPr lang="en-US" smtClean="0"/>
+              <a:rPr lang="en-US"/>
               <a:t>Third level</a:t>
             </a:r>
           </a:p>
           <a:p>
             <a:pPr lvl="3"/>
             <a:r>
-              <a:rPr lang="en-US" smtClean="0"/>
+              <a:rPr lang="en-US"/>
               <a:t>Fourth level</a:t>
             </a:r>
           </a:p>
           <a:p>
             <a:pPr lvl="4"/>
             <a:r>
-              <a:rPr lang="en-US" smtClean="0"/>
+              <a:rPr lang="en-US"/>
               <a:t>Fifth level</a:t>
             </a:r>
-            <a:endParaRPr lang="en-US"/>
           </a:p>
         </p:txBody>
       </p:sp>
@@ -1676,7 +1678,7 @@
           <a:p>
             <a:pPr lvl="0"/>
             <a:r>
-              <a:rPr lang="en-US" smtClean="0"/>
+              <a:rPr lang="en-US"/>
               <a:t>Click to edit Master text styles</a:t>
             </a:r>
           </a:p>
@@ -1732,38 +1734,37 @@
           <a:p>
             <a:pPr lvl="0"/>
             <a:r>
-              <a:rPr lang="en-US" smtClean="0"/>
+              <a:rPr lang="en-US"/>
               <a:t>Click to edit Master text styles</a:t>
             </a:r>
           </a:p>
           <a:p>
             <a:pPr lvl="1"/>
             <a:r>
-              <a:rPr lang="en-US" smtClean="0"/>
+              <a:rPr lang="en-US"/>
               <a:t>Second level</a:t>
             </a:r>
           </a:p>
           <a:p>
             <a:pPr lvl="2"/>
             <a:r>
-              <a:rPr lang="en-US" smtClean="0"/>
+              <a:rPr lang="en-US"/>
               <a:t>Third level</a:t>
             </a:r>
           </a:p>
           <a:p>
             <a:pPr lvl="3"/>
             <a:r>
-              <a:rPr lang="en-US" smtClean="0"/>
+              <a:rPr lang="en-US"/>
               <a:t>Fourth level</a:t>
             </a:r>
           </a:p>
           <a:p>
             <a:pPr lvl="4"/>
             <a:r>
-              <a:rPr lang="en-US" smtClean="0"/>
+              <a:rPr lang="en-US"/>
               <a:t>Fifth level</a:t>
             </a:r>
-            <a:endParaRPr lang="en-US"/>
           </a:p>
         </p:txBody>
       </p:sp>
@@ -1785,7 +1786,7 @@
             <a:fld id="{1D8BD707-D9CF-40AE-B4C6-C98DA3205C09}" type="datetimeFigureOut">
               <a:rPr lang="en-US" smtClean="0"/>
               <a:pPr/>
-              <a:t>05-Feb-24</a:t>
+              <a:t>2/5/2024</a:t>
             </a:fld>
             <a:endParaRPr lang="en-US"/>
           </a:p>
@@ -1875,10 +1876,9 @@
           <a:lstStyle/>
           <a:p>
             <a:r>
-              <a:rPr lang="en-US" smtClean="0"/>
+              <a:rPr lang="en-US"/>
               <a:t>Click to edit Master title style</a:t>
             </a:r>
-            <a:endParaRPr lang="en-US"/>
           </a:p>
         </p:txBody>
       </p:sp>
@@ -1900,7 +1900,7 @@
             <a:fld id="{1D8BD707-D9CF-40AE-B4C6-C98DA3205C09}" type="datetimeFigureOut">
               <a:rPr lang="en-US" smtClean="0"/>
               <a:pPr/>
-              <a:t>05-Feb-24</a:t>
+              <a:t>2/5/2024</a:t>
             </a:fld>
             <a:endParaRPr lang="en-US"/>
           </a:p>
@@ -1992,7 +1992,7 @@
             <a:fld id="{1D8BD707-D9CF-40AE-B4C6-C98DA3205C09}" type="datetimeFigureOut">
               <a:rPr lang="en-US" smtClean="0"/>
               <a:pPr/>
-              <a:t>05-Feb-24</a:t>
+              <a:t>2/5/2024</a:t>
             </a:fld>
             <a:endParaRPr lang="en-US"/>
           </a:p>
@@ -2091,10 +2091,9 @@
           </a:lstStyle>
           <a:p>
             <a:r>
-              <a:rPr lang="en-US" smtClean="0"/>
+              <a:rPr lang="en-US"/>
               <a:t>Click to edit Master title style</a:t>
             </a:r>
-            <a:endParaRPr lang="en-US"/>
           </a:p>
         </p:txBody>
       </p:sp>
@@ -2148,38 +2147,37 @@
           <a:p>
             <a:pPr lvl="0"/>
             <a:r>
-              <a:rPr lang="en-US" smtClean="0"/>
+              <a:rPr lang="en-US"/>
               <a:t>Click to edit Master text styles</a:t>
             </a:r>
           </a:p>
           <a:p>
             <a:pPr lvl="1"/>
             <a:r>
-              <a:rPr lang="en-US" smtClean="0"/>
+              <a:rPr lang="en-US"/>
               <a:t>Second level</a:t>
             </a:r>
           </a:p>
           <a:p>
             <a:pPr lvl="2"/>
             <a:r>
-              <a:rPr lang="en-US" smtClean="0"/>
+              <a:rPr lang="en-US"/>
               <a:t>Third level</a:t>
             </a:r>
           </a:p>
           <a:p>
             <a:pPr lvl="3"/>
             <a:r>
-              <a:rPr lang="en-US" smtClean="0"/>
+              <a:rPr lang="en-US"/>
               <a:t>Fourth level</a:t>
             </a:r>
           </a:p>
           <a:p>
             <a:pPr lvl="4"/>
             <a:r>
-              <a:rPr lang="en-US" smtClean="0"/>
+              <a:rPr lang="en-US"/>
               <a:t>Fifth level</a:t>
             </a:r>
-            <a:endParaRPr lang="en-US"/>
           </a:p>
         </p:txBody>
       </p:sp>
@@ -2242,7 +2240,7 @@
           <a:p>
             <a:pPr lvl="0"/>
             <a:r>
-              <a:rPr lang="en-US" smtClean="0"/>
+              <a:rPr lang="en-US"/>
               <a:t>Click to edit Master text styles</a:t>
             </a:r>
           </a:p>
@@ -2266,7 +2264,7 @@
             <a:fld id="{1D8BD707-D9CF-40AE-B4C6-C98DA3205C09}" type="datetimeFigureOut">
               <a:rPr lang="en-US" smtClean="0"/>
               <a:pPr/>
-              <a:t>05-Feb-24</a:t>
+              <a:t>2/5/2024</a:t>
             </a:fld>
             <a:endParaRPr lang="en-US"/>
           </a:p>
@@ -2365,10 +2363,9 @@
           </a:lstStyle>
           <a:p>
             <a:r>
-              <a:rPr lang="en-US" smtClean="0"/>
+              <a:rPr lang="en-US"/>
               <a:t>Click to edit Master title style</a:t>
             </a:r>
-            <a:endParaRPr lang="en-US"/>
           </a:p>
         </p:txBody>
       </p:sp>
@@ -2492,7 +2489,7 @@
           <a:p>
             <a:pPr lvl="0"/>
             <a:r>
-              <a:rPr lang="en-US" smtClean="0"/>
+              <a:rPr lang="en-US"/>
               <a:t>Click to edit Master text styles</a:t>
             </a:r>
           </a:p>
@@ -2516,7 +2513,7 @@
             <a:fld id="{1D8BD707-D9CF-40AE-B4C6-C98DA3205C09}" type="datetimeFigureOut">
               <a:rPr lang="en-US" smtClean="0"/>
               <a:pPr/>
-              <a:t>05-Feb-24</a:t>
+              <a:t>2/5/2024</a:t>
             </a:fld>
             <a:endParaRPr lang="en-US"/>
           </a:p>
@@ -2621,10 +2618,9 @@
           <a:lstStyle/>
           <a:p>
             <a:r>
-              <a:rPr lang="en-US" smtClean="0"/>
+              <a:rPr lang="en-US"/>
               <a:t>Click to edit Master title style</a:t>
             </a:r>
-            <a:endParaRPr lang="en-US"/>
           </a:p>
         </p:txBody>
       </p:sp>
@@ -2655,38 +2651,37 @@
           <a:p>
             <a:pPr lvl="0"/>
             <a:r>
-              <a:rPr lang="en-US" smtClean="0"/>
+              <a:rPr lang="en-US"/>
               <a:t>Click to edit Master text styles</a:t>
             </a:r>
           </a:p>
           <a:p>
             <a:pPr lvl="1"/>
             <a:r>
-              <a:rPr lang="en-US" smtClean="0"/>
+              <a:rPr lang="en-US"/>
               <a:t>Second level</a:t>
             </a:r>
           </a:p>
           <a:p>
             <a:pPr lvl="2"/>
             <a:r>
-              <a:rPr lang="en-US" smtClean="0"/>
+              <a:rPr lang="en-US"/>
               <a:t>Third level</a:t>
             </a:r>
           </a:p>
           <a:p>
             <a:pPr lvl="3"/>
             <a:r>
-              <a:rPr lang="en-US" smtClean="0"/>
+              <a:rPr lang="en-US"/>
               <a:t>Fourth level</a:t>
             </a:r>
           </a:p>
           <a:p>
             <a:pPr lvl="4"/>
             <a:r>
-              <a:rPr lang="en-US" smtClean="0"/>
+              <a:rPr lang="en-US"/>
               <a:t>Fifth level</a:t>
             </a:r>
-            <a:endParaRPr lang="en-US"/>
           </a:p>
         </p:txBody>
       </p:sp>
@@ -2726,7 +2721,7 @@
             <a:fld id="{1D8BD707-D9CF-40AE-B4C6-C98DA3205C09}" type="datetimeFigureOut">
               <a:rPr lang="en-US" smtClean="0"/>
               <a:pPr/>
-              <a:t>05-Feb-24</a:t>
+              <a:t>2/5/2024</a:t>
             </a:fld>
             <a:endParaRPr lang="en-US"/>
           </a:p>
@@ -3121,7 +3116,7 @@
           <a:p>
             <a:pPr algn="r"/>
             <a:r>
-              <a:rPr lang="en-US" sz="2800" b="1" dirty="0" smtClean="0">
+              <a:rPr lang="en-US" sz="2800" b="1" dirty="0">
                 <a:solidFill>
                   <a:schemeClr val="tx1"/>
                 </a:solidFill>
@@ -3131,12 +3126,12 @@
           </a:p>
           <a:p>
             <a:pPr algn="r"/>
-            <a:endParaRPr lang="en-US" sz="2800" dirty="0" smtClean="0"/>
+            <a:endParaRPr lang="en-US" sz="2800" dirty="0"/>
           </a:p>
           <a:p>
             <a:pPr algn="l"/>
             <a:r>
-              <a:rPr lang="en-US" sz="2800" b="1" dirty="0" smtClean="0">
+              <a:rPr lang="en-US" sz="2800" b="1" dirty="0">
                 <a:solidFill>
                   <a:schemeClr val="tx1"/>
                 </a:solidFill>
@@ -3144,7 +3139,7 @@
               <a:t>Submitted To: </a:t>
             </a:r>
             <a:r>
-              <a:rPr lang="en-US" sz="2800" dirty="0" smtClean="0">
+              <a:rPr lang="en-US" sz="2800" dirty="0">
                 <a:solidFill>
                   <a:schemeClr val="tx1"/>
                 </a:solidFill>
@@ -3154,7 +3149,7 @@
           </a:p>
           <a:p>
             <a:pPr algn="l"/>
-            <a:endParaRPr lang="en-US" sz="2800" dirty="0" smtClean="0">
+            <a:endParaRPr lang="en-US" sz="2800" dirty="0">
               <a:solidFill>
                 <a:schemeClr val="tx1"/>
               </a:solidFill>
@@ -3163,37 +3158,21 @@
           <a:p>
             <a:pPr algn="l"/>
             <a:r>
-              <a:rPr lang="en-US" sz="2800" b="1" u="sng" dirty="0" smtClean="0">
+              <a:rPr lang="en-US" sz="2800" b="1" u="sng" dirty="0">
                 <a:solidFill>
                   <a:schemeClr val="tx1"/>
                 </a:solidFill>
               </a:rPr>
-              <a:t>Group </a:t>
-            </a:r>
-            <a:r>
-              <a:rPr lang="en-US" sz="2800" b="1" u="sng" dirty="0" smtClean="0">
-                <a:solidFill>
-                  <a:schemeClr val="tx1"/>
-                </a:solidFill>
-              </a:rPr>
-              <a:t>members</a:t>
-            </a:r>
-            <a:r>
-              <a:rPr lang="en-US" sz="2800" b="1" u="sng" dirty="0" smtClean="0">
-                <a:solidFill>
-                  <a:schemeClr val="tx1"/>
-                </a:solidFill>
-              </a:rPr>
-              <a:t>:-</a:t>
-            </a:r>
-            <a:endParaRPr lang="en-US" sz="2800" b="1" dirty="0" smtClean="0"/>
+              <a:t>Group members:-</a:t>
+            </a:r>
+            <a:endParaRPr lang="en-US" sz="2800" b="1" dirty="0"/>
           </a:p>
           <a:p>
             <a:pPr marL="514350" indent="-514350" algn="l">
               <a:buAutoNum type="arabicPeriod"/>
             </a:pPr>
             <a:r>
-              <a:rPr lang="en-US" sz="2800" dirty="0" smtClean="0">
+              <a:rPr lang="en-US" sz="2800" dirty="0">
                 <a:solidFill>
                   <a:schemeClr val="tx1"/>
                 </a:solidFill>
@@ -3206,7 +3185,7 @@
               <a:buAutoNum type="arabicPeriod"/>
             </a:pPr>
             <a:r>
-              <a:rPr lang="en-US" sz="2800" dirty="0" smtClean="0">
+              <a:rPr lang="en-US" sz="2800" dirty="0">
                 <a:solidFill>
                   <a:schemeClr val="tx1"/>
                 </a:solidFill>
@@ -3219,7 +3198,7 @@
               <a:buAutoNum type="arabicPeriod"/>
             </a:pPr>
             <a:r>
-              <a:rPr lang="en-US" sz="2800" dirty="0" smtClean="0">
+              <a:rPr lang="en-US" sz="2800" dirty="0">
                 <a:solidFill>
                   <a:schemeClr val="tx1"/>
                 </a:solidFill>
@@ -3232,7 +3211,7 @@
               <a:buAutoNum type="arabicPeriod"/>
             </a:pPr>
             <a:r>
-              <a:rPr lang="en-US" sz="2800" dirty="0" smtClean="0">
+              <a:rPr lang="en-US" sz="2800" dirty="0">
                 <a:solidFill>
                   <a:schemeClr val="tx1"/>
                 </a:solidFill>
@@ -3245,7 +3224,7 @@
               <a:buAutoNum type="arabicPeriod"/>
             </a:pPr>
             <a:r>
-              <a:rPr lang="en-US" sz="2800" dirty="0" smtClean="0">
+              <a:rPr lang="en-US" sz="2800" dirty="0">
                 <a:solidFill>
                   <a:schemeClr val="tx1"/>
                 </a:solidFill>
@@ -3257,13 +3236,13 @@
             <a:pPr marL="514350" indent="-514350" algn="l">
               <a:buAutoNum type="arabicPeriod"/>
             </a:pPr>
-            <a:endParaRPr lang="en-US" sz="2800" dirty="0" smtClean="0"/>
+            <a:endParaRPr lang="en-US" sz="2800" dirty="0"/>
           </a:p>
           <a:p>
             <a:pPr marL="514350" indent="-514350" algn="l">
               <a:buAutoNum type="arabicPeriod"/>
             </a:pPr>
-            <a:endParaRPr lang="en-US" sz="2800" dirty="0" smtClean="0">
+            <a:endParaRPr lang="en-US" sz="2800" dirty="0">
               <a:solidFill>
                 <a:schemeClr val="tx1"/>
               </a:solidFill>
@@ -3310,13 +3289,6 @@
   <p:clrMapOvr>
     <a:masterClrMapping/>
   </p:clrMapOvr>
-  <p:timing>
-    <p:tnLst>
-      <p:par>
-        <p:cTn id="1" dur="indefinite" restart="never" nodeType="tmRoot"/>
-      </p:par>
-    </p:tnLst>
-  </p:timing>
 </p:sld>
 </file>
 
@@ -3363,12 +3335,8 @@
               <a:buNone/>
             </a:pPr>
             <a:r>
-              <a:rPr lang="en-US" b="1" u="sng" dirty="0" smtClean="0"/>
-              <a:t>Format of a FLEX </a:t>
-            </a:r>
-            <a:r>
-              <a:rPr lang="en-US" b="1" u="sng" dirty="0" smtClean="0"/>
-              <a:t>Program</a:t>
+              <a:rPr lang="en-US" b="1" u="sng" dirty="0"/>
+              <a:t>Format of a FLEX Program</a:t>
             </a:r>
           </a:p>
           <a:p>
@@ -3376,20 +3344,12 @@
               <a:buNone/>
             </a:pPr>
             <a:r>
-              <a:rPr lang="en-US" sz="2800" dirty="0" smtClean="0">
+              <a:rPr lang="en-US" sz="2800" dirty="0">
                 <a:solidFill>
                   <a:srgbClr val="C00000"/>
                 </a:solidFill>
               </a:rPr>
-              <a:t>Definition </a:t>
-            </a:r>
-            <a:r>
-              <a:rPr lang="en-US" sz="2800" dirty="0" smtClean="0">
-                <a:solidFill>
-                  <a:srgbClr val="C00000"/>
-                </a:solidFill>
-              </a:rPr>
-              <a:t>section</a:t>
+              <a:t>Definition section</a:t>
             </a:r>
           </a:p>
           <a:p>
@@ -3397,7 +3357,7 @@
               <a:buNone/>
             </a:pPr>
             <a:r>
-              <a:rPr lang="en-US" sz="2800" dirty="0" smtClean="0">
+              <a:rPr lang="en-US" sz="2800" dirty="0">
                 <a:solidFill>
                   <a:srgbClr val="C00000"/>
                 </a:solidFill>
@@ -3410,7 +3370,7 @@
               <a:buNone/>
             </a:pPr>
             <a:r>
-              <a:rPr lang="en-US" sz="2800" dirty="0" smtClean="0">
+              <a:rPr lang="en-US" sz="2800" dirty="0">
                 <a:solidFill>
                   <a:srgbClr val="C00000"/>
                 </a:solidFill>
@@ -3423,7 +3383,7 @@
               <a:buNone/>
             </a:pPr>
             <a:r>
-              <a:rPr lang="en-US" sz="2800" dirty="0" smtClean="0">
+              <a:rPr lang="en-US" sz="2800" dirty="0">
                 <a:solidFill>
                   <a:srgbClr val="C00000"/>
                 </a:solidFill>
@@ -3436,28 +3396,12 @@
               <a:buNone/>
             </a:pPr>
             <a:r>
-              <a:rPr lang="en-US" sz="2800" dirty="0" smtClean="0">
+              <a:rPr lang="en-US" sz="2800" dirty="0">
                 <a:solidFill>
                   <a:srgbClr val="C00000"/>
                 </a:solidFill>
               </a:rPr>
-              <a:t>User </a:t>
-            </a:r>
-            <a:r>
-              <a:rPr lang="en-US" sz="2800" dirty="0" smtClean="0">
-                <a:solidFill>
-                  <a:srgbClr val="C00000"/>
-                </a:solidFill>
-              </a:rPr>
-              <a:t>code </a:t>
-            </a:r>
-            <a:r>
-              <a:rPr lang="en-US" sz="2800" dirty="0" smtClean="0">
-                <a:solidFill>
-                  <a:srgbClr val="C00000"/>
-                </a:solidFill>
-              </a:rPr>
-              <a:t>section</a:t>
+              <a:t>User code section</a:t>
             </a:r>
           </a:p>
           <a:p>
@@ -3466,10 +3410,9 @@
               <a:buChar char="v"/>
             </a:pPr>
             <a:r>
-              <a:rPr lang="en-US" dirty="0" smtClean="0"/>
+              <a:rPr lang="en-US" dirty="0"/>
               <a:t>Definition section: The definition section contains the declaration of variables, regular definitions, manifest constants. </a:t>
             </a:r>
-            <a:endParaRPr lang="en-US" dirty="0" smtClean="0"/>
           </a:p>
           <a:p>
             <a:pPr marL="0">
@@ -3477,14 +3420,9 @@
               <a:buChar char="v"/>
             </a:pPr>
             <a:r>
-              <a:rPr lang="en-US" dirty="0" smtClean="0"/>
-              <a:t>The </a:t>
-            </a:r>
-            <a:r>
-              <a:rPr lang="en-US" dirty="0" smtClean="0"/>
-              <a:t>rules section contains a series of rules in the form: pattern action and pattern must be unintended and action begin on the same line in {} brackets. </a:t>
-            </a:r>
-            <a:endParaRPr lang="en-US" dirty="0" smtClean="0"/>
+              <a:rPr lang="en-US" dirty="0"/>
+              <a:t>The rules section contains a series of rules in the form: pattern action and pattern must be unintended and action begin on the same line in {} brackets. </a:t>
+            </a:r>
           </a:p>
           <a:p>
             <a:pPr marL="0">
@@ -3492,12 +3430,8 @@
               <a:buChar char="v"/>
             </a:pPr>
             <a:r>
-              <a:rPr lang="en-US" dirty="0" smtClean="0"/>
-              <a:t>This </a:t>
-            </a:r>
-            <a:r>
-              <a:rPr lang="en-US" dirty="0" smtClean="0"/>
-              <a:t>section contains C statements and additional functions. We can also compile these functions separately and load them with the lexical analyzer.</a:t>
+              <a:rPr lang="en-US" dirty="0"/>
+              <a:t>This section contains C statements and additional functions. We can also compile these functions separately and load them with the lexical analyzer.</a:t>
             </a:r>
           </a:p>
         </p:txBody>
@@ -3507,13 +3441,6 @@
   <p:clrMapOvr>
     <a:masterClrMapping/>
   </p:clrMapOvr>
-  <p:timing>
-    <p:tnLst>
-      <p:par>
-        <p:cTn id="1" dur="indefinite" restart="never" nodeType="tmRoot"/>
-      </p:par>
-    </p:tnLst>
-  </p:timing>
 </p:sld>
 </file>
 
@@ -3558,19 +3485,15 @@
               <a:buNone/>
             </a:pPr>
             <a:r>
-              <a:rPr lang="en-US" sz="3000" b="1" u="sng" dirty="0" smtClean="0"/>
-              <a:t>C </a:t>
-            </a:r>
-            <a:r>
-              <a:rPr lang="en-US" sz="3000" b="1" u="sng" dirty="0" smtClean="0"/>
-              <a:t>Program</a:t>
-            </a:r>
-          </a:p>
-          <a:p>
-            <a:pPr>
-              <a:buNone/>
-            </a:pPr>
-            <a:endParaRPr lang="en-US" sz="3000" b="1" u="sng" dirty="0" smtClean="0"/>
+              <a:rPr lang="en-US" sz="3000" b="1" u="sng" dirty="0"/>
+              <a:t>C Program</a:t>
+            </a:r>
+          </a:p>
+          <a:p>
+            <a:pPr>
+              <a:buNone/>
+            </a:pPr>
+            <a:endParaRPr lang="en-US" sz="3000" b="1" u="sng" dirty="0"/>
           </a:p>
           <a:p>
             <a:pPr>
@@ -3578,22 +3501,17 @@
               <a:buChar char="v"/>
             </a:pPr>
             <a:r>
-              <a:rPr lang="en-US" dirty="0" smtClean="0"/>
-              <a:t> </a:t>
-            </a:r>
-            <a:r>
-              <a:rPr lang="en-US" dirty="0" smtClean="0"/>
-              <a:t>This section describes the input C program which is fed to the flex script in order to generate the </a:t>
-            </a:r>
-            <a:r>
-              <a:rPr lang="en-US" dirty="0" err="1" smtClean="0"/>
+              <a:rPr lang="en-US" dirty="0"/>
+              <a:t> This section describes the input C program which is fed to the flex script in order to generate the </a:t>
+            </a:r>
+            <a:r>
+              <a:rPr lang="en-US" dirty="0" err="1"/>
               <a:t>lex</a:t>
             </a:r>
             <a:r>
-              <a:rPr lang="en-US" dirty="0" smtClean="0"/>
+              <a:rPr lang="en-US" dirty="0"/>
               <a:t> file after taking all the rules mentioned in the account. </a:t>
             </a:r>
-            <a:endParaRPr lang="en-US" dirty="0" smtClean="0"/>
           </a:p>
           <a:p>
             <a:pPr>
@@ -3601,14 +3519,9 @@
               <a:buChar char="v"/>
             </a:pPr>
             <a:r>
-              <a:rPr lang="en-US" dirty="0" smtClean="0"/>
-              <a:t>Finally</a:t>
-            </a:r>
-            <a:r>
-              <a:rPr lang="en-US" dirty="0" smtClean="0"/>
-              <a:t>, a file called lex.yy.c is generated, which when executed recognizes the tokens present in the C program which was given as an input. The script also has an option to take standard input instead of taking input from a file.</a:t>
-            </a:r>
-            <a:endParaRPr lang="en-US" dirty="0"/>
+              <a:rPr lang="en-US" dirty="0"/>
+              <a:t>Finally, a file called lex.yy.c is generated, which when executed recognizes the tokens present in the C program which was given as an input. The script also has an option to take standard input instead of taking input from a file.</a:t>
+            </a:r>
           </a:p>
         </p:txBody>
       </p:sp>
@@ -3617,13 +3530,6 @@
   <p:clrMapOvr>
     <a:masterClrMapping/>
   </p:clrMapOvr>
-  <p:timing>
-    <p:tnLst>
-      <p:par>
-        <p:cTn id="1" dur="indefinite" restart="never" nodeType="tmRoot"/>
-      </p:par>
-    </p:tnLst>
-  </p:timing>
 </p:sld>
 </file>
 
@@ -3668,10 +3574,9 @@
           <a:p>
             <a:pPr algn="l"/>
             <a:r>
-              <a:rPr lang="en-US" sz="3200" b="1" dirty="0" smtClean="0"/>
+              <a:rPr lang="en-US" sz="3200" b="1" dirty="0"/>
               <a:t>Output :</a:t>
             </a:r>
-            <a:endParaRPr lang="en-US" sz="3200" b="1" dirty="0"/>
           </a:p>
         </p:txBody>
       </p:sp>
@@ -3703,13 +3608,6 @@
   <p:clrMapOvr>
     <a:masterClrMapping/>
   </p:clrMapOvr>
-  <p:timing>
-    <p:tnLst>
-      <p:par>
-        <p:cTn id="1" dur="indefinite" restart="never" nodeType="tmRoot"/>
-      </p:par>
-    </p:tnLst>
-  </p:timing>
 </p:sld>
 </file>
 
@@ -3759,13 +3657,6 @@
   <p:clrMapOvr>
     <a:masterClrMapping/>
   </p:clrMapOvr>
-  <p:timing>
-    <p:tnLst>
-      <p:par>
-        <p:cTn id="1" dur="indefinite" restart="never" nodeType="tmRoot"/>
-      </p:par>
-    </p:tnLst>
-  </p:timing>
 </p:sld>
 </file>
 
@@ -3810,7 +3701,7 @@
           <a:p>
             <a:pPr algn="l"/>
             <a:r>
-              <a:rPr lang="en-US" sz="3200" b="1" dirty="0" smtClean="0">
+              <a:rPr lang="en-US" sz="3200" b="1" dirty="0">
                 <a:solidFill>
                   <a:srgbClr val="FF0000"/>
                 </a:solidFill>
@@ -3847,18 +3738,9 @@
               <a:buChar char="v"/>
             </a:pPr>
             <a:r>
-              <a:rPr lang="en-US" dirty="0" smtClean="0"/>
-              <a:t>The Regular Expressions for most of the features of </a:t>
-            </a:r>
-            <a:r>
-              <a:rPr lang="en-US" dirty="0" smtClean="0"/>
-              <a:t>C are </a:t>
-            </a:r>
-            <a:r>
-              <a:rPr lang="en-US" dirty="0" smtClean="0"/>
-              <a:t>fairly straightforward. However, a few features require a significant amount of thought, such as: </a:t>
-            </a:r>
-            <a:endParaRPr lang="en-US" dirty="0" smtClean="0"/>
+              <a:rPr lang="en-US" dirty="0"/>
+              <a:t>The Regular Expressions for most of the features of C are fairly straightforward. However, a few features require a significant amount of thought, such as: </a:t>
+            </a:r>
           </a:p>
           <a:p>
             <a:pPr>
@@ -3866,49 +3748,37 @@
               <a:buChar char="v"/>
             </a:pPr>
             <a:r>
-              <a:rPr lang="en-US" b="1" dirty="0" smtClean="0"/>
+              <a:rPr lang="en-US" b="1" dirty="0"/>
               <a:t>The </a:t>
             </a:r>
             <a:r>
-              <a:rPr lang="en-US" b="1" dirty="0" err="1" smtClean="0"/>
+              <a:rPr lang="en-US" b="1" dirty="0" err="1"/>
               <a:t>Regex</a:t>
             </a:r>
             <a:r>
-              <a:rPr lang="en-US" b="1" dirty="0" smtClean="0"/>
+              <a:rPr lang="en-US" b="1" dirty="0"/>
               <a:t> for Identifiers: </a:t>
             </a:r>
             <a:r>
-              <a:rPr lang="en-US" dirty="0" smtClean="0"/>
-              <a:t>The lexer must correctly recognize all valid identifiers in C, including the ones having one or more underscores</a:t>
-            </a:r>
-            <a:r>
-              <a:rPr lang="en-US" dirty="0" smtClean="0"/>
-              <a:t>.</a:t>
-            </a:r>
-          </a:p>
-          <a:p>
-            <a:pPr>
-              <a:buNone/>
-            </a:pPr>
-            <a:r>
-              <a:rPr lang="en-US" dirty="0" smtClean="0"/>
-              <a:t>{</a:t>
-            </a:r>
-            <a:r>
-              <a:rPr lang="en-US" dirty="0" smtClean="0"/>
-              <a:t>alpha}({alpha}|{digit}|{und</a:t>
-            </a:r>
-            <a:r>
-              <a:rPr lang="en-US" dirty="0" smtClean="0"/>
-              <a:t>})*</a:t>
-            </a:r>
-          </a:p>
-          <a:p>
-            <a:pPr>
-              <a:buNone/>
-            </a:pPr>
-            <a:r>
-              <a:rPr lang="en-US" u="sng" dirty="0" smtClean="0"/>
+              <a:rPr lang="en-US" dirty="0"/>
+              <a:t>The lexer must correctly recognize all valid identifiers in C, including the ones having one or more underscores.</a:t>
+            </a:r>
+          </a:p>
+          <a:p>
+            <a:pPr>
+              <a:buNone/>
+            </a:pPr>
+            <a:r>
+              <a:rPr lang="en-US" dirty="0"/>
+              <a:t>{alpha}({alpha}|{digit}|{und})*</a:t>
+            </a:r>
+          </a:p>
+          <a:p>
+            <a:pPr>
+              <a:buNone/>
+            </a:pPr>
+            <a:r>
+              <a:rPr lang="en-US" u="sng" dirty="0"/>
               <a:t>Where:-</a:t>
             </a:r>
           </a:p>
@@ -3917,38 +3787,25 @@
               <a:buNone/>
             </a:pPr>
             <a:r>
-              <a:rPr lang="en-US" dirty="0" smtClean="0"/>
-              <a:t>alpha </a:t>
-            </a:r>
-            <a:r>
-              <a:rPr lang="en-US" dirty="0" smtClean="0"/>
-              <a:t>[</a:t>
-            </a:r>
-            <a:r>
-              <a:rPr lang="en-US" dirty="0" smtClean="0"/>
-              <a:t>A-Z, a-z]</a:t>
-            </a:r>
-          </a:p>
-          <a:p>
-            <a:pPr>
-              <a:buNone/>
-            </a:pPr>
-            <a:r>
-              <a:rPr lang="en-US" dirty="0" smtClean="0"/>
-              <a:t>digit </a:t>
-            </a:r>
-            <a:r>
-              <a:rPr lang="en-US" dirty="0" smtClean="0"/>
-              <a:t>[0-9] </a:t>
-            </a:r>
-            <a:endParaRPr lang="en-US" dirty="0" smtClean="0"/>
-          </a:p>
-          <a:p>
-            <a:pPr>
-              <a:buNone/>
-            </a:pPr>
-            <a:r>
-              <a:rPr lang="en-US" dirty="0" smtClean="0"/>
+              <a:rPr lang="en-US" dirty="0"/>
+              <a:t>alpha [A-Z, a-z]</a:t>
+            </a:r>
+          </a:p>
+          <a:p>
+            <a:pPr>
+              <a:buNone/>
+            </a:pPr>
+            <a:r>
+              <a:rPr lang="en-US" dirty="0"/>
+              <a:t>digit [0-9] </a:t>
+            </a:r>
+          </a:p>
+          <a:p>
+            <a:pPr>
+              <a:buNone/>
+            </a:pPr>
+            <a:r>
+              <a:rPr lang="en-US" dirty="0"/>
               <a:t>und [ _ ] </a:t>
             </a:r>
           </a:p>
@@ -3957,14 +3814,9 @@
               <a:buNone/>
             </a:pPr>
             <a:r>
-              <a:rPr lang="en-US" dirty="0" smtClean="0"/>
-              <a:t>space </a:t>
-            </a:r>
-            <a:r>
-              <a:rPr lang="en-US" dirty="0" smtClean="0"/>
-              <a:t>[ ]</a:t>
-            </a:r>
-            <a:endParaRPr lang="en-US" dirty="0"/>
+              <a:rPr lang="en-US" dirty="0"/>
+              <a:t>space [ ]</a:t>
+            </a:r>
           </a:p>
         </p:txBody>
       </p:sp>
@@ -3973,13 +3825,6 @@
   <p:clrMapOvr>
     <a:masterClrMapping/>
   </p:clrMapOvr>
-  <p:timing>
-    <p:tnLst>
-      <p:par>
-        <p:cTn id="1" dur="indefinite" restart="never" nodeType="tmRoot"/>
-      </p:par>
-    </p:tnLst>
-  </p:timing>
 </p:sld>
 </file>
 
@@ -4025,28 +3870,24 @@
               <a:buChar char="v"/>
             </a:pPr>
             <a:r>
-              <a:rPr lang="en-US" b="1" u="sng" dirty="0" smtClean="0"/>
+              <a:rPr lang="en-US" b="1" u="sng" dirty="0"/>
               <a:t>Multiline comments should be supported</a:t>
             </a:r>
             <a:r>
-              <a:rPr lang="en-US" b="1" dirty="0" smtClean="0"/>
+              <a:rPr lang="en-US" b="1" dirty="0"/>
               <a:t>: </a:t>
             </a:r>
             <a:r>
-              <a:rPr lang="en-US" dirty="0" smtClean="0"/>
+              <a:rPr lang="en-US" dirty="0"/>
               <a:t>This has been supported by checking the </a:t>
             </a:r>
             <a:r>
-              <a:rPr lang="en-US" dirty="0" err="1" smtClean="0"/>
+              <a:rPr lang="en-US" dirty="0" err="1"/>
               <a:t>occurence</a:t>
             </a:r>
             <a:r>
-              <a:rPr lang="en-US" dirty="0" smtClean="0"/>
-              <a:t> of ‘/*’ and ‘*/’ in the code. The statements between them has been excluded. Errors for unmatched and nested comments have also been displayed</a:t>
-            </a:r>
-            <a:r>
-              <a:rPr lang="en-US" dirty="0" smtClean="0"/>
-              <a:t>.</a:t>
+              <a:rPr lang="en-US" dirty="0"/>
+              <a:t> of ‘/*’ and ‘*/’ in the code. The statements between them has been excluded. Errors for unmatched and nested comments have also been displayed.</a:t>
             </a:r>
           </a:p>
           <a:p>
@@ -4055,28 +3896,24 @@
               <a:buChar char="v"/>
             </a:pPr>
             <a:r>
-              <a:rPr lang="en-US" b="1" u="sng" dirty="0" smtClean="0"/>
+              <a:rPr lang="en-US" b="1" u="sng" dirty="0"/>
               <a:t>Literals</a:t>
             </a:r>
             <a:r>
-              <a:rPr lang="en-US" b="1" dirty="0" smtClean="0"/>
+              <a:rPr lang="en-US" b="1" dirty="0"/>
               <a:t>: </a:t>
             </a:r>
             <a:r>
-              <a:rPr lang="en-US" dirty="0" smtClean="0"/>
+              <a:rPr lang="en-US" dirty="0"/>
               <a:t>Different regular expressions have been implemented in the code to support all kinds of literals, </a:t>
             </a:r>
             <a:r>
-              <a:rPr lang="en-US" dirty="0" err="1" smtClean="0"/>
+              <a:rPr lang="en-US" dirty="0" err="1"/>
               <a:t>i.e</a:t>
             </a:r>
             <a:r>
-              <a:rPr lang="en-US" dirty="0" smtClean="0"/>
-              <a:t> integers, floats, strings, etc. Float : ({digit}+)\.({digit</a:t>
-            </a:r>
-            <a:r>
-              <a:rPr lang="en-US" dirty="0" smtClean="0"/>
-              <a:t>}+)</a:t>
+              <a:rPr lang="en-US" dirty="0"/>
+              <a:t> integers, floats, strings, etc. Float : ({digit}+)\.({digit}+)</a:t>
             </a:r>
           </a:p>
           <a:p>
@@ -4085,18 +3922,17 @@
               <a:buChar char="v"/>
             </a:pPr>
             <a:r>
-              <a:rPr lang="en-US" b="1" u="sng" dirty="0" smtClean="0"/>
+              <a:rPr lang="en-US" b="1" u="sng" dirty="0"/>
               <a:t>Error Handling for Incomplete String</a:t>
             </a:r>
             <a:r>
-              <a:rPr lang="en-US" b="1" dirty="0" smtClean="0"/>
+              <a:rPr lang="en-US" b="1" dirty="0"/>
               <a:t>: </a:t>
             </a:r>
             <a:r>
-              <a:rPr lang="en-US" dirty="0" smtClean="0"/>
+              <a:rPr lang="en-US" dirty="0"/>
               <a:t>Open and close quote missing, both kind of errors have been handled in the rules written in the script.</a:t>
             </a:r>
-            <a:endParaRPr lang="en-US" dirty="0"/>
           </a:p>
         </p:txBody>
       </p:sp>
@@ -4105,13 +3941,6 @@
   <p:clrMapOvr>
     <a:masterClrMapping/>
   </p:clrMapOvr>
-  <p:timing>
-    <p:tnLst>
-      <p:par>
-        <p:cTn id="1" dur="indefinite" restart="never" nodeType="tmRoot"/>
-      </p:par>
-    </p:tnLst>
-  </p:timing>
 </p:sld>
 </file>
 
@@ -4159,28 +3988,24 @@
               <a:buChar char="v"/>
             </a:pPr>
             <a:r>
-              <a:rPr lang="en-US" b="1" u="sng" dirty="0" smtClean="0"/>
+              <a:rPr lang="en-US" b="1" u="sng" dirty="0"/>
               <a:t>Error Handling for Unmatched Comments</a:t>
             </a:r>
             <a:r>
-              <a:rPr lang="en-US" b="1" dirty="0" smtClean="0"/>
+              <a:rPr lang="en-US" b="1" dirty="0"/>
               <a:t>: </a:t>
             </a:r>
             <a:r>
-              <a:rPr lang="en-US" dirty="0" smtClean="0"/>
+              <a:rPr lang="en-US" dirty="0"/>
               <a:t>This has been handled by adding </a:t>
             </a:r>
             <a:r>
-              <a:rPr lang="en-US" dirty="0" err="1" smtClean="0"/>
+              <a:rPr lang="en-US" dirty="0" err="1"/>
               <a:t>lookahead</a:t>
             </a:r>
             <a:r>
-              <a:rPr lang="en-US" dirty="0" smtClean="0"/>
-              <a:t> characters to operator regular expression. If there is an unmatched comment then it does not match with any of the patterns in the rule. Hence it goes to default state which in turn throws an error</a:t>
-            </a:r>
-            <a:r>
-              <a:rPr lang="en-US" dirty="0" smtClean="0"/>
-              <a:t>.</a:t>
+              <a:rPr lang="en-US" dirty="0"/>
+              <a:t> characters to operator regular expression. If there is an unmatched comment then it does not match with any of the patterns in the rule. Hence it goes to default state which in turn throws an error.</a:t>
             </a:r>
           </a:p>
           <a:p>
@@ -4189,28 +4014,24 @@
               <a:buChar char="v"/>
             </a:pPr>
             <a:r>
-              <a:rPr lang="en-US" b="1" u="sng" dirty="0" smtClean="0"/>
+              <a:rPr lang="en-US" b="1" u="sng" dirty="0"/>
               <a:t>Error Handling for unclean integer constant</a:t>
             </a:r>
             <a:r>
-              <a:rPr lang="en-US" b="1" dirty="0" smtClean="0"/>
+              <a:rPr lang="en-US" b="1" dirty="0"/>
               <a:t>: </a:t>
             </a:r>
             <a:r>
-              <a:rPr lang="en-US" dirty="0" smtClean="0"/>
+              <a:rPr lang="en-US" dirty="0"/>
               <a:t>This has been handled by adding appropriate </a:t>
             </a:r>
             <a:r>
-              <a:rPr lang="en-US" dirty="0" err="1" smtClean="0"/>
+              <a:rPr lang="en-US" dirty="0" err="1"/>
               <a:t>lookahead</a:t>
             </a:r>
             <a:r>
-              <a:rPr lang="en-US" dirty="0" smtClean="0"/>
-              <a:t> characters for integer constant. E.g. int a = 786rt, is rejected as the integer constant should never follow an alphabet</a:t>
-            </a:r>
-            <a:r>
-              <a:rPr lang="en-US" dirty="0" smtClean="0"/>
-              <a:t>.</a:t>
+              <a:rPr lang="en-US" dirty="0"/>
+              <a:t> characters for integer constant. E.g. int a = 786rt, is rejected as the integer constant should never follow an alphabet.</a:t>
             </a:r>
           </a:p>
           <a:p>
@@ -4219,18 +4040,17 @@
               <a:buChar char="v"/>
             </a:pPr>
             <a:r>
-              <a:rPr lang="en-US" b="1" u="sng" dirty="0" smtClean="0"/>
+              <a:rPr lang="en-US" b="1" u="sng" dirty="0"/>
               <a:t>User Defined Functions</a:t>
             </a:r>
             <a:r>
-              <a:rPr lang="en-US" b="1" dirty="0" smtClean="0"/>
+              <a:rPr lang="en-US" b="1" dirty="0"/>
               <a:t> : </a:t>
             </a:r>
             <a:r>
-              <a:rPr lang="en-US" dirty="0" smtClean="0"/>
+              <a:rPr lang="en-US" dirty="0"/>
               <a:t>User-defined functions are also supported. Parsing is done for return type, function name, parameters as well as opening and closing braces. {alpha}({alpha}|{digit}|{und})*\(({alpha}|{digit}|{und}|{space})*\)</a:t>
             </a:r>
-            <a:endParaRPr lang="en-US" dirty="0"/>
           </a:p>
         </p:txBody>
       </p:sp>
@@ -4239,13 +4059,6 @@
   <p:clrMapOvr>
     <a:masterClrMapping/>
   </p:clrMapOvr>
-  <p:timing>
-    <p:tnLst>
-      <p:par>
-        <p:cTn id="1" dur="indefinite" restart="never" nodeType="tmRoot"/>
-      </p:par>
-    </p:tnLst>
-  </p:timing>
 </p:sld>
 </file>
 
@@ -4288,30 +4101,19 @@
           </a:xfrm>
         </p:spPr>
         <p:txBody>
-          <a:bodyPr/>
-          <a:lstStyle/>
-          <a:p>
-            <a:r>
-              <a:rPr lang="en-US" b="1" dirty="0" smtClean="0">
-                <a:effectLst>
-                  <a:outerShdw blurRad="38100" dist="38100" dir="2700000" algn="tl">
-                    <a:srgbClr val="000000">
-                      <a:alpha val="43137"/>
-                    </a:srgbClr>
-                  </a:outerShdw>
-                </a:effectLst>
+          <a:bodyPr>
+            <a:normAutofit/>
+          </a:bodyPr>
+          <a:lstStyle/>
+          <a:p>
+            <a:r>
+              <a:rPr lang="en-US" sz="4800" b="1" dirty="0">
+                <a:solidFill>
+                  <a:srgbClr val="FF0000"/>
+                </a:solidFill>
               </a:rPr>
-              <a:t>Parser for the C Language</a:t>
-            </a:r>
-            <a:endParaRPr lang="en-US" b="1" dirty="0">
-              <a:effectLst>
-                <a:outerShdw blurRad="38100" dist="38100" dir="2700000" algn="tl">
-                  <a:srgbClr val="000000">
-                    <a:alpha val="43137"/>
-                  </a:srgbClr>
-                </a:outerShdw>
-              </a:effectLst>
-            </a:endParaRPr>
+              <a:t>Syntax Analysis</a:t>
+            </a:r>
           </a:p>
         </p:txBody>
       </p:sp>
@@ -4343,78 +4145,7 @@
               </a:spcBef>
               <a:buNone/>
             </a:pPr>
-            <a:r>
-              <a:rPr lang="en-US" sz="4000" b="1" dirty="0" smtClean="0">
-                <a:solidFill>
-                  <a:srgbClr val="FF0000"/>
-                </a:solidFill>
-                <a:latin typeface="+mj-lt"/>
-                <a:ea typeface="+mj-ea"/>
-                <a:cs typeface="+mj-cs"/>
-              </a:rPr>
-              <a:t>Abstract</a:t>
-            </a:r>
-          </a:p>
-          <a:p>
-            <a:pPr>
-              <a:spcBef>
-                <a:spcPct val="0"/>
-              </a:spcBef>
-              <a:buFont typeface="Wingdings" pitchFamily="2" charset="2"/>
-              <a:buChar char="v"/>
-            </a:pPr>
-            <a:r>
-              <a:rPr lang="en-US" sz="3000" dirty="0" smtClean="0"/>
-              <a:t>This report contains the details of the tasks finished as a part of Phase Two of the Compiler Design Lab</a:t>
-            </a:r>
-            <a:r>
-              <a:rPr lang="en-US" sz="3000" dirty="0" smtClean="0"/>
-              <a:t>.</a:t>
-            </a:r>
-          </a:p>
-          <a:p>
-            <a:pPr>
-              <a:spcBef>
-                <a:spcPct val="0"/>
-              </a:spcBef>
-              <a:buFont typeface="Wingdings" pitchFamily="2" charset="2"/>
-              <a:buChar char="v"/>
-            </a:pPr>
-            <a:r>
-              <a:rPr lang="en-US" sz="2800" dirty="0" smtClean="0"/>
-              <a:t>This phase involved the development of a Parser for C language which makes use of the C lexer to parse the given C input file</a:t>
-            </a:r>
-            <a:r>
-              <a:rPr lang="en-US" sz="2800" dirty="0" smtClean="0"/>
-              <a:t>.</a:t>
-            </a:r>
-          </a:p>
-          <a:p>
-            <a:pPr>
-              <a:spcBef>
-                <a:spcPct val="0"/>
-              </a:spcBef>
-              <a:buFont typeface="Wingdings" pitchFamily="2" charset="2"/>
-              <a:buChar char="v"/>
-            </a:pPr>
-            <a:r>
-              <a:rPr lang="en-US" sz="2800" dirty="0" smtClean="0"/>
-              <a:t>The previous work was concentrated at developing a lexical analyzer(flex script) to generate a stream of tokens from the source code and populate the symbol table</a:t>
-            </a:r>
-            <a:r>
-              <a:rPr lang="en-US" sz="2800" dirty="0" smtClean="0"/>
-              <a:t>.</a:t>
-            </a:r>
-            <a:endParaRPr lang="en-US" sz="3000" dirty="0" smtClean="0"/>
-          </a:p>
-          <a:p>
-            <a:pPr>
-              <a:spcBef>
-                <a:spcPct val="0"/>
-              </a:spcBef>
-              <a:buNone/>
-            </a:pPr>
-            <a:endParaRPr lang="en-US" sz="4000" b="1" dirty="0" smtClean="0">
+            <a:endParaRPr lang="en-US" sz="4000" b="1" dirty="0">
               <a:solidFill>
                 <a:srgbClr val="FF0000"/>
               </a:solidFill>
@@ -4423,6 +4154,62 @@
               <a:cs typeface="+mj-cs"/>
             </a:endParaRPr>
           </a:p>
+          <a:p>
+            <a:pPr>
+              <a:spcBef>
+                <a:spcPct val="0"/>
+              </a:spcBef>
+              <a:buFont typeface="Wingdings" pitchFamily="2" charset="2"/>
+              <a:buChar char="v"/>
+            </a:pPr>
+            <a:r>
+              <a:rPr lang="en-US" sz="3000" dirty="0"/>
+              <a:t>This report contains the details of the tasks finished as a part of Phase Two of the Compiler Design Lab.</a:t>
+            </a:r>
+          </a:p>
+          <a:p>
+            <a:pPr>
+              <a:spcBef>
+                <a:spcPct val="0"/>
+              </a:spcBef>
+              <a:buFont typeface="Wingdings" pitchFamily="2" charset="2"/>
+              <a:buChar char="v"/>
+            </a:pPr>
+            <a:r>
+              <a:rPr lang="en-US" sz="2800" dirty="0"/>
+              <a:t>This phase involved the development of a Parser for C language which makes use of the C lexer to parse the given C input file.</a:t>
+            </a:r>
+          </a:p>
+          <a:p>
+            <a:pPr>
+              <a:spcBef>
+                <a:spcPct val="0"/>
+              </a:spcBef>
+              <a:buFont typeface="Wingdings" pitchFamily="2" charset="2"/>
+              <a:buChar char="v"/>
+            </a:pPr>
+            <a:r>
+              <a:rPr lang="en-US" sz="2800" dirty="0"/>
+              <a:t>The previous work was concentrated at developing a lexical analyzer(flex script) to generate a stream of tokens from the source code and populate the symbol table.</a:t>
+            </a:r>
+            <a:endParaRPr lang="en-US" sz="3000" dirty="0"/>
+          </a:p>
+          <a:p>
+            <a:pPr>
+              <a:spcBef>
+                <a:spcPct val="0"/>
+              </a:spcBef>
+              <a:buNone/>
+            </a:pPr>
+            <a:endParaRPr lang="en-US" sz="4000" b="1" dirty="0">
+              <a:solidFill>
+                <a:srgbClr val="FF0000"/>
+              </a:solidFill>
+              <a:latin typeface="+mj-lt"/>
+              <a:ea typeface="+mj-ea"/>
+              <a:cs typeface="+mj-cs"/>
+            </a:endParaRPr>
+          </a:p>
         </p:txBody>
       </p:sp>
     </p:spTree>
@@ -4430,13 +4217,6 @@
   <p:clrMapOvr>
     <a:overrideClrMapping bg1="lt1" tx1="dk1" bg2="lt2" tx2="dk2" accent1="accent1" accent2="accent2" accent3="accent3" accent4="accent4" accent5="accent5" accent6="accent6" hlink="hlink" folHlink="folHlink"/>
   </p:clrMapOvr>
-  <p:timing>
-    <p:tnLst>
-      <p:par>
-        <p:cTn id="1" dur="indefinite" restart="never" nodeType="tmRoot"/>
-      </p:par>
-    </p:tnLst>
-  </p:timing>
 </p:sld>
 </file>
 
@@ -4484,12 +4264,8 @@
               <a:buChar char="v"/>
             </a:pPr>
             <a:r>
-              <a:rPr lang="en-US" dirty="0" smtClean="0"/>
-              <a:t>The lexical analyzer is only able to handle errors involving invalid tokens. However, in C language there may also be present number of errors in the structure of a language (syntax), unbalanced parenthesis etc</a:t>
-            </a:r>
-            <a:r>
-              <a:rPr lang="en-US" dirty="0" smtClean="0"/>
-              <a:t>.</a:t>
+              <a:rPr lang="en-US" dirty="0"/>
+              <a:t>The lexical analyzer is only able to handle errors involving invalid tokens. However, in C language there may also be present number of errors in the structure of a language (syntax), unbalanced parenthesis etc.</a:t>
             </a:r>
           </a:p>
           <a:p>
@@ -4498,12 +4274,8 @@
               <a:buChar char="v"/>
             </a:pPr>
             <a:r>
-              <a:rPr lang="en-US" dirty="0" smtClean="0"/>
-              <a:t>Thus a parser is needed to be developed for handling these errors. After the lexical phase, the compiler enters the syntax analysis phase</a:t>
-            </a:r>
-            <a:r>
-              <a:rPr lang="en-US" dirty="0" smtClean="0"/>
-              <a:t>.</a:t>
+              <a:rPr lang="en-US" dirty="0"/>
+              <a:t>Thus a parser is needed to be developed for handling these errors. After the lexical phase, the compiler enters the syntax analysis phase.</a:t>
             </a:r>
           </a:p>
           <a:p>
@@ -4512,18 +4284,9 @@
               <a:buChar char="v"/>
             </a:pPr>
             <a:r>
-              <a:rPr lang="en-US" dirty="0" smtClean="0"/>
-              <a:t>Thus the parse becomes a part of the syntax analysis phase. In the syntax analysis phase, a compiler verifies whether or not the tokens generated by the lexical analyzer are grouped according to the syntactic rules of the language</a:t>
-            </a:r>
-            <a:r>
-              <a:rPr lang="en-US" dirty="0" smtClean="0"/>
-              <a:t>. </a:t>
-            </a:r>
-            <a:r>
-              <a:rPr lang="en-US" dirty="0" smtClean="0"/>
-              <a:t>This is done by a parser. </a:t>
-            </a:r>
-            <a:endParaRPr lang="en-US" dirty="0"/>
+              <a:rPr lang="en-US" dirty="0"/>
+              <a:t>Thus the parse becomes a part of the syntax analysis phase. In the syntax analysis phase, a compiler verifies whether or not the tokens generated by the lexical analyzer are grouped according to the syntactic rules of the language. This is done by a parser. </a:t>
+            </a:r>
           </a:p>
         </p:txBody>
       </p:sp>
@@ -4532,13 +4295,6 @@
   <p:clrMapOvr>
     <a:masterClrMapping/>
   </p:clrMapOvr>
-  <p:timing>
-    <p:tnLst>
-      <p:par>
-        <p:cTn id="1" dur="indefinite" restart="never" nodeType="tmRoot"/>
-      </p:par>
-    </p:tnLst>
-  </p:timing>
 </p:sld>
 </file>
 
@@ -4584,14 +4340,9 @@
               <a:buChar char="v"/>
             </a:pPr>
             <a:r>
-              <a:rPr lang="en-US" dirty="0" smtClean="0"/>
-              <a:t>The </a:t>
-            </a:r>
-            <a:r>
-              <a:rPr lang="en-US" dirty="0" smtClean="0"/>
-              <a:t>parser obtains a string of tokens from the lexical analyzer and verifies that the string can be the grammar for the source language. It detects and reports any syntax errors and produces a parse tree from which intermediate code can be generated.</a:t>
-            </a:r>
-            <a:endParaRPr lang="en-US" dirty="0"/>
+              <a:rPr lang="en-US" dirty="0"/>
+              <a:t>The parser obtains a string of tokens from the lexical analyzer and verifies that the string can be the grammar for the source language. It detects and reports any syntax errors and produces a parse tree from which intermediate code can be generated.</a:t>
+            </a:r>
           </a:p>
         </p:txBody>
       </p:sp>
@@ -4600,13 +4351,6 @@
   <p:clrMapOvr>
     <a:masterClrMapping/>
   </p:clrMapOvr>
-  <p:timing>
-    <p:tnLst>
-      <p:par>
-        <p:cTn id="1" dur="indefinite" restart="never" nodeType="tmRoot"/>
-      </p:par>
-    </p:tnLst>
-  </p:timing>
 </p:sld>
 </file>
 
@@ -4637,20 +4381,33 @@
             <p:ph type="title"/>
           </p:nvPr>
         </p:nvSpPr>
-        <p:spPr/>
-        <p:txBody>
-          <a:bodyPr/>
-          <a:lstStyle/>
-          <a:p>
-            <a:pPr algn="l"/>
-            <a:r>
-              <a:rPr lang="en-US" b="1" dirty="0" smtClean="0">
+        <p:spPr>
+          <a:xfrm>
+            <a:off x="685800" y="457200"/>
+            <a:ext cx="8229600" cy="1143000"/>
+          </a:xfrm>
+        </p:spPr>
+        <p:txBody>
+          <a:bodyPr>
+            <a:normAutofit fontScale="90000"/>
+          </a:bodyPr>
+          <a:lstStyle/>
+          <a:p>
+            <a:r>
+              <a:rPr lang="en-US" sz="4900" b="1" dirty="0">
                 <a:solidFill>
                   <a:srgbClr val="FF0000"/>
                 </a:solidFill>
               </a:rPr>
-              <a:t>Abstract</a:t>
-            </a:r>
+              <a:t>Lexical Analysis</a:t>
+            </a:r>
+            <a:br>
+              <a:rPr lang="en-US" dirty="0">
+                <a:solidFill>
+                  <a:srgbClr val="FF0000"/>
+                </a:solidFill>
+              </a:rPr>
+            </a:br>
             <a:endParaRPr lang="en-US" b="1" dirty="0">
               <a:solidFill>
                 <a:srgbClr val="FF0000"/>
@@ -4683,7 +4440,7 @@
               <a:buNone/>
             </a:pPr>
             <a:r>
-              <a:rPr lang="en-US" b="1" u="sng" dirty="0" smtClean="0"/>
+              <a:rPr lang="en-US" b="1" u="sng" dirty="0"/>
               <a:t>Compiler:</a:t>
             </a:r>
           </a:p>
@@ -4696,14 +4453,9 @@
               <a:buChar char="v"/>
             </a:pPr>
             <a:r>
-              <a:rPr lang="en-US" dirty="0" smtClean="0"/>
-              <a:t>A </a:t>
-            </a:r>
-            <a:r>
-              <a:rPr lang="en-US" dirty="0" smtClean="0"/>
-              <a:t>compiler is a software program that compiles program source code files into an executable program. </a:t>
-            </a:r>
-            <a:endParaRPr lang="en-US" dirty="0" smtClean="0"/>
+              <a:rPr lang="en-US" dirty="0"/>
+              <a:t>A compiler is a software program that compiles program source code files into an executable program. </a:t>
+            </a:r>
           </a:p>
           <a:p>
             <a:pPr>
@@ -4714,14 +4466,9 @@
               <a:buChar char="v"/>
             </a:pPr>
             <a:r>
-              <a:rPr lang="en-US" dirty="0" smtClean="0"/>
-              <a:t>In </a:t>
-            </a:r>
-            <a:r>
-              <a:rPr lang="en-US" dirty="0" smtClean="0"/>
-              <a:t>simple terms, a compiler is a computer program that changes the language in which programs are written into instructions that a computer can use.</a:t>
-            </a:r>
-            <a:endParaRPr lang="en-US" dirty="0"/>
+              <a:rPr lang="en-US" dirty="0"/>
+              <a:t>In simple terms, a compiler is a computer program that changes the language in which programs are written into instructions that a computer can use.</a:t>
+            </a:r>
           </a:p>
         </p:txBody>
       </p:sp>
@@ -4730,13 +4477,6 @@
   <p:clrMapOvr>
     <a:masterClrMapping/>
   </p:clrMapOvr>
-  <p:timing>
-    <p:tnLst>
-      <p:par>
-        <p:cTn id="1" dur="indefinite" restart="never" nodeType="tmRoot"/>
-      </p:par>
-    </p:tnLst>
-  </p:timing>
 </p:sld>
 </file>
 
@@ -4781,7 +4521,7 @@
           <a:p>
             <a:pPr algn="l"/>
             <a:r>
-              <a:rPr lang="en-US" sz="4000" b="1" dirty="0" smtClean="0">
+              <a:rPr lang="en-US" sz="4000" b="1" dirty="0">
                 <a:solidFill>
                   <a:srgbClr val="FF0000"/>
                 </a:solidFill>
@@ -4817,12 +4557,8 @@
               <a:buNone/>
             </a:pPr>
             <a:r>
-              <a:rPr lang="en-US" sz="3000" b="1" u="sng" dirty="0" smtClean="0"/>
-              <a:t>Syntactic Analysis and </a:t>
-            </a:r>
-            <a:r>
-              <a:rPr lang="en-US" sz="3000" b="1" u="sng" dirty="0" smtClean="0"/>
-              <a:t>Parser</a:t>
+              <a:rPr lang="en-US" sz="3000" b="1" u="sng" dirty="0"/>
+              <a:t>Syntactic Analysis and Parser</a:t>
             </a:r>
           </a:p>
           <a:p>
@@ -4831,10 +4567,9 @@
               <a:buChar char="v"/>
             </a:pPr>
             <a:r>
-              <a:rPr lang="en-US" sz="2800" dirty="0" smtClean="0"/>
+              <a:rPr lang="en-US" sz="2800" dirty="0"/>
               <a:t>The lexical analyzer (flex scripts) returns a stream of tokens, which populates the symbol table. </a:t>
             </a:r>
-            <a:endParaRPr lang="en-US" sz="2800" dirty="0" smtClean="0"/>
           </a:p>
           <a:p>
             <a:pPr>
@@ -4842,14 +4577,9 @@
               <a:buChar char="v"/>
             </a:pPr>
             <a:r>
-              <a:rPr lang="en-US" sz="2800" dirty="0" smtClean="0"/>
-              <a:t>These </a:t>
-            </a:r>
-            <a:r>
-              <a:rPr lang="en-US" sz="2800" dirty="0" smtClean="0"/>
-              <a:t>tokens are then taken as input by the Parser. </a:t>
-            </a:r>
-            <a:endParaRPr lang="en-US" sz="2800" dirty="0" smtClean="0"/>
+              <a:rPr lang="en-US" sz="2800" dirty="0"/>
+              <a:t>These tokens are then taken as input by the Parser. </a:t>
+            </a:r>
           </a:p>
           <a:p>
             <a:pPr>
@@ -4857,14 +4587,9 @@
               <a:buChar char="v"/>
             </a:pPr>
             <a:r>
-              <a:rPr lang="en-US" sz="2800" dirty="0" smtClean="0"/>
-              <a:t>Parser </a:t>
-            </a:r>
-            <a:r>
-              <a:rPr lang="en-US" sz="2800" dirty="0" smtClean="0"/>
-              <a:t>verifies that a string of token names can be generated by the grammar of the source language. </a:t>
-            </a:r>
-            <a:endParaRPr lang="en-US" sz="2800" dirty="0" smtClean="0"/>
+              <a:rPr lang="en-US" sz="2800" dirty="0"/>
+              <a:t>Parser verifies that a string of token names can be generated by the grammar of the source language. </a:t>
+            </a:r>
           </a:p>
           <a:p>
             <a:pPr>
@@ -4872,14 +4597,9 @@
               <a:buChar char="v"/>
             </a:pPr>
             <a:r>
-              <a:rPr lang="en-US" sz="2800" dirty="0" smtClean="0"/>
-              <a:t>The </a:t>
-            </a:r>
-            <a:r>
-              <a:rPr lang="en-US" sz="2800" dirty="0" smtClean="0"/>
-              <a:t>Parser then reports any syntax errors in an intelligible manner and recovers from the commonly occurring errors to continue processing the remainder of the program. </a:t>
-            </a:r>
-            <a:endParaRPr lang="en-US" sz="2800" dirty="0" smtClean="0"/>
+              <a:rPr lang="en-US" sz="2800" dirty="0"/>
+              <a:t>The Parser then reports any syntax errors in an intelligible manner and recovers from the commonly occurring errors to continue processing the remainder of the program. </a:t>
+            </a:r>
           </a:p>
           <a:p>
             <a:pPr>
@@ -4887,14 +4607,10 @@
               <a:buChar char="v"/>
             </a:pPr>
             <a:r>
-              <a:rPr lang="en-US" sz="2800" dirty="0" smtClean="0"/>
-              <a:t>The </a:t>
-            </a:r>
-            <a:r>
-              <a:rPr lang="en-US" sz="2800" dirty="0" smtClean="0"/>
-              <a:t>Parser recognizes the following types of errors.</a:t>
-            </a:r>
-            <a:endParaRPr lang="en-US" sz="3000" b="1" u="sng" dirty="0" smtClean="0"/>
+              <a:rPr lang="en-US" sz="2800" dirty="0"/>
+              <a:t>The Parser recognizes the following types of errors.</a:t>
+            </a:r>
+            <a:endParaRPr lang="en-US" sz="3000" b="1" u="sng" dirty="0"/>
           </a:p>
         </p:txBody>
       </p:sp>
@@ -4950,12 +4666,8 @@
               <a:buAutoNum type="arabicPeriod"/>
             </a:pPr>
             <a:r>
-              <a:rPr lang="en-US" dirty="0" smtClean="0"/>
-              <a:t>Structural </a:t>
-            </a:r>
-            <a:r>
-              <a:rPr lang="en-US" dirty="0" smtClean="0"/>
-              <a:t>errors</a:t>
+              <a:rPr lang="en-US" dirty="0"/>
+              <a:t>Structural errors</a:t>
             </a:r>
           </a:p>
           <a:p>
@@ -4964,12 +4676,8 @@
               <a:buAutoNum type="arabicPeriod"/>
             </a:pPr>
             <a:r>
-              <a:rPr lang="en-US" dirty="0" smtClean="0"/>
-              <a:t>Missing </a:t>
-            </a:r>
-            <a:r>
-              <a:rPr lang="en-US" dirty="0" smtClean="0"/>
-              <a:t>identifiers</a:t>
+              <a:rPr lang="en-US" dirty="0"/>
+              <a:t>Missing identifiers</a:t>
             </a:r>
           </a:p>
           <a:p>
@@ -4978,12 +4686,8 @@
               <a:buAutoNum type="arabicPeriod"/>
             </a:pPr>
             <a:r>
-              <a:rPr lang="en-US" dirty="0" smtClean="0"/>
-              <a:t>Wrong </a:t>
-            </a:r>
-            <a:r>
-              <a:rPr lang="en-US" dirty="0" smtClean="0"/>
-              <a:t>keywords</a:t>
+              <a:rPr lang="en-US" dirty="0"/>
+              <a:t>Wrong keywords</a:t>
             </a:r>
           </a:p>
           <a:p>
@@ -4992,39 +4696,29 @@
               <a:buAutoNum type="arabicPeriod"/>
             </a:pPr>
             <a:r>
-              <a:rPr lang="en-US" dirty="0" smtClean="0"/>
-              <a:t>Unbalanced </a:t>
-            </a:r>
-            <a:r>
-              <a:rPr lang="en-US" dirty="0" smtClean="0"/>
-              <a:t>parenthesis</a:t>
+              <a:rPr lang="en-US" dirty="0"/>
+              <a:t>Unbalanced parenthesis</a:t>
             </a:r>
           </a:p>
           <a:p>
             <a:pPr marL="514350" indent="-514350">
               <a:buNone/>
             </a:pPr>
-            <a:endParaRPr lang="en-US" dirty="0" smtClean="0"/>
+            <a:endParaRPr lang="en-US" dirty="0"/>
           </a:p>
           <a:p>
             <a:pPr marL="514350" indent="-514350"/>
             <a:r>
-              <a:rPr lang="en-US" dirty="0" smtClean="0"/>
+              <a:rPr lang="en-US" dirty="0"/>
               <a:t>Parser is that phase of compiler which takes token string as input and with the help of existing grammar, converts it into the corresponding parse tree. </a:t>
             </a:r>
-            <a:endParaRPr lang="en-US" dirty="0" smtClean="0"/>
           </a:p>
           <a:p>
             <a:pPr marL="514350" indent="-514350"/>
             <a:r>
-              <a:rPr lang="en-US" dirty="0" smtClean="0"/>
-              <a:t>Parser </a:t>
-            </a:r>
-            <a:r>
-              <a:rPr lang="en-US" dirty="0" smtClean="0"/>
-              <a:t>is also known as Syntax Analyzer. </a:t>
-            </a:r>
-            <a:endParaRPr lang="en-US" dirty="0" smtClean="0"/>
+              <a:rPr lang="en-US" dirty="0"/>
+              <a:t>Parser is also known as Syntax Analyzer. </a:t>
+            </a:r>
           </a:p>
         </p:txBody>
       </p:sp>
@@ -5076,19 +4770,15 @@
           <a:lstStyle/>
           <a:p>
             <a:r>
-              <a:rPr lang="en-US" dirty="0" smtClean="0"/>
+              <a:rPr lang="en-US" dirty="0"/>
               <a:t>Parser is mainly classified into </a:t>
             </a:r>
             <a:r>
-              <a:rPr lang="en-US" b="1" dirty="0" smtClean="0"/>
-              <a:t>2 </a:t>
-            </a:r>
-            <a:r>
-              <a:rPr lang="en-US" b="1" dirty="0" smtClean="0"/>
-              <a:t>categories</a:t>
-            </a:r>
-            <a:r>
-              <a:rPr lang="en-US" dirty="0" smtClean="0"/>
+              <a:rPr lang="en-US" b="1" dirty="0"/>
+              <a:t>2 categories</a:t>
+            </a:r>
+            <a:r>
+              <a:rPr lang="en-US" dirty="0"/>
               <a:t>:-</a:t>
             </a:r>
           </a:p>
@@ -5098,7 +4788,7 @@
               <a:buChar char="q"/>
             </a:pPr>
             <a:r>
-              <a:rPr lang="en-US" b="1" dirty="0" smtClean="0"/>
+              <a:rPr lang="en-US" b="1" dirty="0"/>
               <a:t>Top-down Parser</a:t>
             </a:r>
           </a:p>
@@ -5108,64 +4798,44 @@
               <a:buChar char="q"/>
             </a:pPr>
             <a:r>
-              <a:rPr lang="en-US" b="1" dirty="0" smtClean="0"/>
-              <a:t>Bottom-up </a:t>
-            </a:r>
-            <a:r>
-              <a:rPr lang="en-US" b="1" dirty="0" smtClean="0"/>
-              <a:t>Parser. </a:t>
-            </a:r>
-            <a:endParaRPr lang="en-US" b="1" dirty="0" smtClean="0"/>
-          </a:p>
-          <a:p>
-            <a:pPr>
-              <a:buNone/>
-            </a:pPr>
-            <a:endParaRPr lang="en-US" b="1" u="sng" dirty="0" smtClean="0"/>
-          </a:p>
-          <a:p>
-            <a:pPr>
-              <a:buNone/>
-            </a:pPr>
-            <a:r>
-              <a:rPr lang="en-US" b="1" u="sng" dirty="0" smtClean="0"/>
-              <a:t>Top-down </a:t>
-            </a:r>
-            <a:r>
-              <a:rPr lang="en-US" b="1" u="sng" dirty="0" smtClean="0"/>
-              <a:t>Parser: </a:t>
-            </a:r>
-            <a:endParaRPr lang="en-US" b="1" u="sng" dirty="0" smtClean="0"/>
-          </a:p>
-          <a:p>
-            <a:r>
-              <a:rPr lang="en-US" dirty="0" smtClean="0"/>
-              <a:t>Top-down </a:t>
-            </a:r>
-            <a:r>
-              <a:rPr lang="en-US" dirty="0" smtClean="0"/>
-              <a:t>Parser is the Parser, which generates parse for the given input string with the help of grammar productions by expanding the non-terminals i.e., it starts from the start symbol and ends on the terminals. </a:t>
-            </a:r>
-            <a:endParaRPr lang="en-US" dirty="0" smtClean="0"/>
-          </a:p>
-          <a:p>
-            <a:pPr>
-              <a:buNone/>
-            </a:pPr>
-            <a:r>
-              <a:rPr lang="en-US" b="1" u="sng" dirty="0" smtClean="0"/>
+              <a:rPr lang="en-US" b="1" dirty="0"/>
+              <a:t>Bottom-up Parser. </a:t>
+            </a:r>
+          </a:p>
+          <a:p>
+            <a:pPr>
+              <a:buNone/>
+            </a:pPr>
+            <a:endParaRPr lang="en-US" b="1" u="sng" dirty="0"/>
+          </a:p>
+          <a:p>
+            <a:pPr>
+              <a:buNone/>
+            </a:pPr>
+            <a:r>
+              <a:rPr lang="en-US" b="1" u="sng" dirty="0"/>
+              <a:t>Top-down Parser: </a:t>
+            </a:r>
+          </a:p>
+          <a:p>
+            <a:r>
+              <a:rPr lang="en-US" dirty="0"/>
+              <a:t>Top-down Parser is the Parser, which generates parse for the given input string with the help of grammar productions by expanding the non-terminals i.e., it starts from the start symbol and ends on the terminals. </a:t>
+            </a:r>
+          </a:p>
+          <a:p>
+            <a:pPr>
+              <a:buNone/>
+            </a:pPr>
+            <a:r>
+              <a:rPr lang="en-US" b="1" u="sng" dirty="0"/>
               <a:t>Bottom-up Parser: </a:t>
             </a:r>
-            <a:endParaRPr lang="en-US" b="1" u="sng" dirty="0" smtClean="0"/>
-          </a:p>
-          <a:p>
-            <a:r>
-              <a:rPr lang="en-US" dirty="0" smtClean="0"/>
-              <a:t>Bottom-up </a:t>
-            </a:r>
-            <a:r>
-              <a:rPr lang="en-US" dirty="0" smtClean="0"/>
-              <a:t>Parser is the Parser that generates the parse tree for the given input string with the help of grammar productions by compressing the non-terminals i.e., it starts from non-terminals and ends on the stat symbol. It uses the reverse of the rightmost derivation.</a:t>
+          </a:p>
+          <a:p>
+            <a:r>
+              <a:rPr lang="en-US" dirty="0"/>
+              <a:t>Bottom-up Parser is the Parser that generates the parse tree for the given input string with the help of grammar productions by compressing the non-terminals i.e., it starts from non-terminals and ends on the stat symbol. It uses the reverse of the rightmost derivation.</a:t>
             </a:r>
           </a:p>
           <a:p>
@@ -5222,10 +4892,9 @@
           <a:p>
             <a:pPr algn="l"/>
             <a:r>
-              <a:rPr lang="en-US" sz="3200" b="1" u="sng" dirty="0" smtClean="0"/>
+              <a:rPr lang="en-US" sz="3200" b="1" u="sng" dirty="0"/>
               <a:t>YACC Script</a:t>
             </a:r>
-            <a:endParaRPr lang="en-US" sz="3200" b="1" u="sng" dirty="0"/>
           </a:p>
         </p:txBody>
       </p:sp>
@@ -5250,21 +4919,15 @@
           <a:lstStyle/>
           <a:p>
             <a:r>
-              <a:rPr lang="en-US" dirty="0" smtClean="0"/>
+              <a:rPr lang="en-US" dirty="0"/>
               <a:t>Yacc is written in a portable dialect of C, and the actions, and output subroutine, are in C as well. Moreover, many of the syntactic conventions of Yacc follow C. </a:t>
             </a:r>
-            <a:endParaRPr lang="en-US" dirty="0" smtClean="0"/>
-          </a:p>
-          <a:p>
-            <a:r>
-              <a:rPr lang="en-US" dirty="0" smtClean="0"/>
-              <a:t>Yacc </a:t>
-            </a:r>
-            <a:r>
-              <a:rPr lang="en-US" dirty="0" smtClean="0"/>
-              <a:t>provides a comprehensive tool for imposing structure on the input to a computer program. The Yacc user prepares a specification of the input process; this includes rules describing the input structure, code to be invoked when these rules are recognized, and a low-level routine to do the basic input.</a:t>
-            </a:r>
-            <a:endParaRPr lang="en-US" dirty="0"/>
+          </a:p>
+          <a:p>
+            <a:r>
+              <a:rPr lang="en-US" dirty="0"/>
+              <a:t>Yacc provides a comprehensive tool for imposing structure on the input to a computer program. The Yacc user prepares a specification of the input process; this includes rules describing the input structure, code to be invoked when these rules are recognized, and a low-level routine to do the basic input.</a:t>
+            </a:r>
           </a:p>
         </p:txBody>
       </p:sp>
@@ -5316,36 +4979,21 @@
           <a:lstStyle/>
           <a:p>
             <a:r>
-              <a:rPr lang="en-US" dirty="0" smtClean="0"/>
-              <a:t>Yacc generates </a:t>
-            </a:r>
-            <a:r>
-              <a:rPr lang="en-US" dirty="0" smtClean="0"/>
-              <a:t>a function to control the input process. This function, called a parser, calls the user-supplied low-level input routine (the lexical analyzer) to pick up the basic items (called tokens) from the input stream. </a:t>
-            </a:r>
-            <a:endParaRPr lang="en-US" dirty="0" smtClean="0"/>
-          </a:p>
-          <a:p>
-            <a:r>
-              <a:rPr lang="en-US" dirty="0" smtClean="0"/>
-              <a:t>These </a:t>
-            </a:r>
-            <a:r>
-              <a:rPr lang="en-US" dirty="0" smtClean="0"/>
-              <a:t>tokens are organized according to the input structure rules, called grammar rules; when one of these rules has been recognized, then the user code supplied for this rule, an action, is invoked; actions have the ability to return values and make use of the values of other actions. </a:t>
-            </a:r>
-            <a:endParaRPr lang="en-US" dirty="0" smtClean="0"/>
-          </a:p>
-          <a:p>
-            <a:r>
-              <a:rPr lang="en-US" dirty="0" smtClean="0"/>
-              <a:t>The </a:t>
-            </a:r>
-            <a:r>
-              <a:rPr lang="en-US" dirty="0" smtClean="0"/>
-              <a:t>lexer can be used to make a simple parser. But it needs making extensive use of the user-defined states. The input being read may not conform to the specifications. </a:t>
-            </a:r>
-            <a:endParaRPr lang="en-US" dirty="0"/>
+              <a:rPr lang="en-US" dirty="0"/>
+              <a:t>Yacc generates a function to control the input process. This function, called a parser, calls the user-supplied low-level input routine (the lexical analyzer) to pick up the basic items (called tokens) from the input stream. </a:t>
+            </a:r>
+          </a:p>
+          <a:p>
+            <a:r>
+              <a:rPr lang="en-US" dirty="0"/>
+              <a:t>These tokens are organized according to the input structure rules, called grammar rules; when one of these rules has been recognized, then the user code supplied for this rule, an action, is invoked; actions have the ability to return values and make use of the values of other actions. </a:t>
+            </a:r>
+          </a:p>
+          <a:p>
+            <a:r>
+              <a:rPr lang="en-US" dirty="0"/>
+              <a:t>The lexer can be used to make a simple parser. But it needs making extensive use of the user-defined states. The input being read may not conform to the specifications. </a:t>
+            </a:r>
           </a:p>
         </p:txBody>
       </p:sp>
@@ -5397,44 +5045,26 @@
           <a:lstStyle/>
           <a:p>
             <a:r>
-              <a:rPr lang="en-US" dirty="0" smtClean="0"/>
-              <a:t>Error </a:t>
-            </a:r>
-            <a:r>
-              <a:rPr lang="en-US" dirty="0" smtClean="0"/>
-              <a:t>handling, provided as part of the input specifications, permits the reentry of bad data, or the continuation of the input process after skipping over the wrong data. </a:t>
-            </a:r>
-            <a:endParaRPr lang="en-US" dirty="0" smtClean="0"/>
-          </a:p>
-          <a:p>
-            <a:r>
-              <a:rPr lang="en-US" dirty="0" smtClean="0"/>
-              <a:t>The </a:t>
-            </a:r>
-            <a:r>
-              <a:rPr lang="en-US" dirty="0" smtClean="0"/>
-              <a:t>class of specifications accepted is a very general one: LALR(1) grammars with disambiguating rules. The structure of our Yacc script is given </a:t>
-            </a:r>
-            <a:r>
-              <a:rPr lang="en-US" dirty="0" smtClean="0"/>
-              <a:t>below </a:t>
-            </a:r>
-            <a:r>
-              <a:rPr lang="en-US" dirty="0" smtClean="0"/>
-              <a:t>a full specification file looks like, </a:t>
-            </a:r>
-            <a:endParaRPr lang="en-US" dirty="0" smtClean="0"/>
-          </a:p>
-          <a:p>
-            <a:pPr>
-              <a:buNone/>
-            </a:pPr>
-            <a:r>
-              <a:rPr lang="en-US" dirty="0" smtClean="0"/>
+              <a:rPr lang="en-US" dirty="0"/>
+              <a:t>Error handling, provided as part of the input specifications, permits the reentry of bad data, or the continuation of the input process after skipping over the wrong data. </a:t>
+            </a:r>
+          </a:p>
+          <a:p>
+            <a:r>
+              <a:rPr lang="en-US" dirty="0"/>
+              <a:t>The class of specifications accepted is a very general one: LALR(1) grammars with disambiguating rules. The structure of our Yacc script is given below a full specification file looks like, </a:t>
+            </a:r>
+          </a:p>
+          <a:p>
+            <a:pPr>
+              <a:buNone/>
+            </a:pPr>
+            <a:r>
+              <a:rPr lang="en-US" dirty="0"/>
               <a:t>	</a:t>
             </a:r>
             <a:r>
-              <a:rPr lang="en-US" u="sng" dirty="0" smtClean="0"/>
+              <a:rPr lang="en-US" u="sng" dirty="0"/>
               <a:t>declarations </a:t>
             </a:r>
           </a:p>
@@ -5443,7 +5073,7 @@
               <a:buNone/>
             </a:pPr>
             <a:r>
-              <a:rPr lang="en-US" dirty="0" smtClean="0"/>
+              <a:rPr lang="en-US" dirty="0"/>
               <a:t>%% </a:t>
             </a:r>
           </a:p>
@@ -5452,7 +5082,7 @@
               <a:buNone/>
             </a:pPr>
             <a:r>
-              <a:rPr lang="en-US" dirty="0" smtClean="0"/>
+              <a:rPr lang="en-US" dirty="0"/>
               <a:t>rules </a:t>
             </a:r>
           </a:p>
@@ -5461,7 +5091,7 @@
               <a:buNone/>
             </a:pPr>
             <a:r>
-              <a:rPr lang="en-US" dirty="0" smtClean="0"/>
+              <a:rPr lang="en-US" dirty="0"/>
               <a:t>%% </a:t>
             </a:r>
           </a:p>
@@ -5470,10 +5100,9 @@
               <a:buNone/>
             </a:pPr>
             <a:r>
-              <a:rPr lang="en-US" dirty="0" smtClean="0"/>
+              <a:rPr lang="en-US" dirty="0"/>
               <a:t>programs</a:t>
             </a:r>
-            <a:endParaRPr lang="en-US" dirty="0"/>
           </a:p>
         </p:txBody>
       </p:sp>
@@ -5525,64 +5154,38 @@
           <a:lstStyle/>
           <a:p>
             <a:r>
-              <a:rPr lang="en-US" dirty="0" smtClean="0"/>
+              <a:rPr lang="en-US" dirty="0"/>
               <a:t>The declaration section may be empty. Moreover, if the programs section is omitted, the second %% mark may be omitted also. </a:t>
             </a:r>
-            <a:endParaRPr lang="en-US" dirty="0" smtClean="0"/>
-          </a:p>
-          <a:p>
-            <a:r>
-              <a:rPr lang="en-US" dirty="0" smtClean="0"/>
-              <a:t>Blanks</a:t>
-            </a:r>
-            <a:r>
-              <a:rPr lang="en-US" dirty="0" smtClean="0"/>
-              <a:t>, tabs, and newlines are ignored except that they may not appear in names or multi-character reserved symbols. Comments may appear wherever a name is legal; they are enclosed in /* . . . */, as in C and PL/</a:t>
-            </a:r>
-            <a:r>
-              <a:rPr lang="en-US" dirty="0" err="1" smtClean="0"/>
+          </a:p>
+          <a:p>
+            <a:r>
+              <a:rPr lang="en-US" dirty="0"/>
+              <a:t>Blanks, tabs, and newlines are ignored except that they may not appear in names or multi-character reserved symbols. Comments may appear wherever a name is legal; they are enclosed in /* . . . */, as in C and PL/</a:t>
+            </a:r>
+            <a:r>
+              <a:rPr lang="en-US" dirty="0" err="1"/>
               <a:t>I.The</a:t>
             </a:r>
             <a:r>
-              <a:rPr lang="en-US" dirty="0" smtClean="0"/>
-              <a:t> rules section is made up of one or more grammar rules. A grammar rule has the form</a:t>
-            </a:r>
-            <a:r>
-              <a:rPr lang="en-US" dirty="0" smtClean="0"/>
-              <a:t>:</a:t>
-            </a:r>
-          </a:p>
-          <a:p>
-            <a:pPr>
-              <a:buNone/>
-            </a:pPr>
-            <a:r>
-              <a:rPr lang="en-US" dirty="0" smtClean="0"/>
-              <a:t>		A </a:t>
-            </a:r>
-            <a:r>
-              <a:rPr lang="en-US" dirty="0" smtClean="0"/>
-              <a:t>: BODY </a:t>
-            </a:r>
-            <a:r>
-              <a:rPr lang="en-US" dirty="0" smtClean="0"/>
-              <a:t>;</a:t>
-            </a:r>
-          </a:p>
-          <a:p>
-            <a:r>
-              <a:rPr lang="en-US" dirty="0" smtClean="0"/>
-              <a:t>A represents a </a:t>
-            </a:r>
-            <a:r>
-              <a:rPr lang="en-US" dirty="0" smtClean="0"/>
-              <a:t>non-terminal </a:t>
-            </a:r>
-            <a:r>
-              <a:rPr lang="en-US" dirty="0" smtClean="0"/>
-              <a:t>name, and BODY represents a sequence of zero or more names and literals. The colon and the semicolon are Yacc punctuation. Each rule can have an associated action, which is executed after all the component symbols of the rule have been parsed. Actions are basically C-program statements surrounded by curly braces.</a:t>
-            </a:r>
-            <a:endParaRPr lang="en-US" dirty="0"/>
+              <a:rPr lang="en-US" dirty="0"/>
+              <a:t> rules section is made up of one or more grammar rules. A grammar rule has the form:</a:t>
+            </a:r>
+          </a:p>
+          <a:p>
+            <a:pPr>
+              <a:buNone/>
+            </a:pPr>
+            <a:r>
+              <a:rPr lang="en-US" dirty="0"/>
+              <a:t>		A : BODY ;</a:t>
+            </a:r>
+          </a:p>
+          <a:p>
+            <a:r>
+              <a:rPr lang="en-US" dirty="0"/>
+              <a:t>A represents a non-terminal name, and BODY represents a sequence of zero or more names and literals. The colon and the semicolon are Yacc punctuation. Each rule can have an associated action, which is executed after all the component symbols of the rule have been parsed. Actions are basically C-program statements surrounded by curly braces.</a:t>
+            </a:r>
           </a:p>
         </p:txBody>
       </p:sp>
@@ -5635,10 +5238,9 @@
           <a:p>
             <a:pPr algn="l"/>
             <a:r>
-              <a:rPr lang="en-US" sz="2800" b="1" dirty="0" smtClean="0"/>
+              <a:rPr lang="en-US" sz="2800" b="1" dirty="0"/>
               <a:t>C Program</a:t>
             </a:r>
-            <a:endParaRPr lang="en-US" sz="2800" b="1" dirty="0"/>
           </a:p>
         </p:txBody>
       </p:sp>
@@ -5663,18 +5265,17 @@
           <a:lstStyle/>
           <a:p>
             <a:r>
-              <a:rPr lang="en-US" dirty="0" smtClean="0"/>
+              <a:rPr lang="en-US" dirty="0"/>
               <a:t>This section describes the input C program which is fed to the </a:t>
             </a:r>
             <a:r>
-              <a:rPr lang="en-US" dirty="0" err="1" smtClean="0"/>
+              <a:rPr lang="en-US" dirty="0" err="1"/>
               <a:t>yacc</a:t>
             </a:r>
             <a:r>
-              <a:rPr lang="en-US" dirty="0" smtClean="0"/>
+              <a:rPr lang="en-US" dirty="0"/>
               <a:t> script for parsing. The workflow is explained as under: </a:t>
             </a:r>
-            <a:endParaRPr lang="en-US" dirty="0" smtClean="0"/>
           </a:p>
           <a:p>
             <a:pPr marL="514350" indent="-514350">
@@ -5682,118 +5283,103 @@
               <a:buAutoNum type="arabicPeriod"/>
             </a:pPr>
             <a:r>
-              <a:rPr lang="en-US" dirty="0" smtClean="0"/>
-              <a:t>Compile </a:t>
-            </a:r>
-            <a:r>
-              <a:rPr lang="en-US" dirty="0" smtClean="0"/>
-              <a:t>Yacc script by this command </a:t>
-            </a:r>
-            <a:endParaRPr lang="en-US" dirty="0" smtClean="0"/>
-          </a:p>
-          <a:p>
-            <a:pPr>
-              <a:buNone/>
-            </a:pPr>
-            <a:r>
-              <a:rPr lang="en-US" dirty="0" smtClean="0"/>
+              <a:rPr lang="en-US" dirty="0"/>
+              <a:t>Compile Yacc script by this command </a:t>
+            </a:r>
+          </a:p>
+          <a:p>
+            <a:pPr>
+              <a:buNone/>
+            </a:pPr>
+            <a:r>
+              <a:rPr lang="en-US" dirty="0"/>
               <a:t>		</a:t>
             </a:r>
             <a:r>
-              <a:rPr lang="en-US" sz="2400" i="1" dirty="0" smtClean="0"/>
+              <a:rPr lang="en-US" sz="2400" i="1" dirty="0"/>
               <a:t>$ </a:t>
             </a:r>
             <a:r>
-              <a:rPr lang="en-US" sz="2400" i="1" dirty="0" err="1" smtClean="0"/>
+              <a:rPr lang="en-US" sz="2400" i="1" dirty="0" err="1"/>
               <a:t>yacc</a:t>
             </a:r>
             <a:r>
-              <a:rPr lang="en-US" sz="2400" i="1" dirty="0" smtClean="0"/>
+              <a:rPr lang="en-US" sz="2400" i="1" dirty="0"/>
               <a:t> -d c_parser.y54 </a:t>
             </a:r>
-            <a:endParaRPr lang="en-US" i="1" dirty="0" smtClean="0"/>
-          </a:p>
-          <a:p>
-            <a:pPr>
-              <a:buNone/>
-            </a:pPr>
-            <a:r>
-              <a:rPr lang="en-US" dirty="0" smtClean="0"/>
+            <a:endParaRPr lang="en-US" i="1" dirty="0"/>
+          </a:p>
+          <a:p>
+            <a:pPr>
+              <a:buNone/>
+            </a:pPr>
+            <a:r>
+              <a:rPr lang="en-US" dirty="0"/>
               <a:t>2. Compile the flex script using Flex tool </a:t>
             </a:r>
-            <a:endParaRPr lang="en-US" dirty="0" smtClean="0"/>
-          </a:p>
-          <a:p>
-            <a:pPr>
-              <a:buNone/>
-            </a:pPr>
-            <a:r>
-              <a:rPr lang="en-US" dirty="0" smtClean="0"/>
-              <a:t>	</a:t>
-            </a:r>
-            <a:r>
-              <a:rPr lang="en-US" dirty="0" smtClean="0"/>
-              <a:t>	</a:t>
-            </a:r>
-            <a:r>
-              <a:rPr lang="en-US" sz="2400" i="1" dirty="0" smtClean="0"/>
-              <a:t>$ </a:t>
-            </a:r>
-            <a:r>
-              <a:rPr lang="en-US" sz="2400" i="1" dirty="0" smtClean="0"/>
-              <a:t>flex </a:t>
-            </a:r>
-            <a:r>
-              <a:rPr lang="en-US" sz="2400" i="1" dirty="0" err="1" smtClean="0"/>
+          </a:p>
+          <a:p>
+            <a:pPr>
+              <a:buNone/>
+            </a:pPr>
+            <a:r>
+              <a:rPr lang="en-US" dirty="0"/>
+              <a:t>		</a:t>
+            </a:r>
+            <a:r>
+              <a:rPr lang="en-US" sz="2400" i="1" dirty="0"/>
+              <a:t>$ flex </a:t>
+            </a:r>
+            <a:r>
+              <a:rPr lang="en-US" sz="2400" i="1" dirty="0" err="1"/>
               <a:t>c_lexer.l</a:t>
             </a:r>
             <a:r>
-              <a:rPr lang="en-US" sz="2400" i="1" dirty="0" smtClean="0"/>
+              <a:rPr lang="en-US" sz="2400" i="1" dirty="0"/>
               <a:t> </a:t>
             </a:r>
-            <a:endParaRPr lang="en-US" i="1" dirty="0" smtClean="0"/>
-          </a:p>
-          <a:p>
-            <a:pPr>
-              <a:buNone/>
-            </a:pPr>
-            <a:r>
-              <a:rPr lang="en-US" dirty="0" smtClean="0"/>
+            <a:endParaRPr lang="en-US" i="1" dirty="0"/>
+          </a:p>
+          <a:p>
+            <a:pPr>
+              <a:buNone/>
+            </a:pPr>
+            <a:r>
+              <a:rPr lang="en-US" dirty="0"/>
               <a:t>3. After compiling the </a:t>
             </a:r>
             <a:r>
-              <a:rPr lang="en-US" dirty="0" err="1" smtClean="0"/>
+              <a:rPr lang="en-US" dirty="0" err="1"/>
               <a:t>lex</a:t>
             </a:r>
             <a:r>
-              <a:rPr lang="en-US" dirty="0" smtClean="0"/>
+              <a:rPr lang="en-US" dirty="0"/>
               <a:t> file, a lex.yy.c file is generated. Also, </a:t>
             </a:r>
             <a:r>
-              <a:rPr lang="en-US" dirty="0" err="1" smtClean="0"/>
+              <a:rPr lang="en-US" dirty="0" err="1"/>
               <a:t>y.tab.c</a:t>
             </a:r>
             <a:r>
-              <a:rPr lang="en-US" dirty="0" smtClean="0"/>
+              <a:rPr lang="en-US" dirty="0"/>
               <a:t> and </a:t>
             </a:r>
             <a:r>
-              <a:rPr lang="en-US" dirty="0" err="1" smtClean="0"/>
+              <a:rPr lang="en-US" dirty="0" err="1"/>
               <a:t>y.tab.h</a:t>
             </a:r>
             <a:r>
-              <a:rPr lang="en-US" dirty="0" smtClean="0"/>
+              <a:rPr lang="en-US" dirty="0"/>
               <a:t> files are generated after compiling the </a:t>
             </a:r>
             <a:r>
-              <a:rPr lang="en-US" dirty="0" err="1" smtClean="0"/>
+              <a:rPr lang="en-US" dirty="0" err="1"/>
               <a:t>yacc</a:t>
             </a:r>
             <a:r>
-              <a:rPr lang="en-US" dirty="0" smtClean="0"/>
+              <a:rPr lang="en-US" dirty="0"/>
               <a:t> script.</a:t>
             </a:r>
-            <a:endParaRPr lang="en-US" dirty="0"/>
           </a:p>
         </p:txBody>
       </p:sp>
@@ -5846,146 +5432,128 @@
               <a:buNone/>
             </a:pPr>
             <a:r>
-              <a:rPr lang="en-US" dirty="0" smtClean="0"/>
+              <a:rPr lang="en-US" dirty="0"/>
               <a:t>4. The three files, lex.yy.c, </a:t>
             </a:r>
             <a:r>
-              <a:rPr lang="en-US" dirty="0" err="1" smtClean="0"/>
+              <a:rPr lang="en-US" dirty="0" err="1"/>
               <a:t>y.tab.c</a:t>
             </a:r>
             <a:r>
-              <a:rPr lang="en-US" dirty="0" smtClean="0"/>
+              <a:rPr lang="en-US" dirty="0"/>
               <a:t> and </a:t>
             </a:r>
             <a:r>
-              <a:rPr lang="en-US" dirty="0" err="1" smtClean="0"/>
+              <a:rPr lang="en-US" dirty="0" err="1"/>
               <a:t>y.tab.h</a:t>
             </a:r>
             <a:r>
-              <a:rPr lang="en-US" dirty="0" smtClean="0"/>
+              <a:rPr lang="en-US" dirty="0"/>
               <a:t> are compiled together with the options –</a:t>
             </a:r>
             <a:r>
-              <a:rPr lang="en-US" dirty="0" err="1" smtClean="0"/>
+              <a:rPr lang="en-US" dirty="0" err="1"/>
               <a:t>ll</a:t>
             </a:r>
             <a:r>
-              <a:rPr lang="en-US" dirty="0" smtClean="0"/>
+              <a:rPr lang="en-US" dirty="0"/>
               <a:t> and –</a:t>
             </a:r>
             <a:r>
-              <a:rPr lang="en-US" dirty="0" err="1" smtClean="0"/>
+              <a:rPr lang="en-US" dirty="0" err="1"/>
               <a:t>ly</a:t>
             </a:r>
-            <a:endParaRPr lang="en-US" dirty="0" smtClean="0"/>
-          </a:p>
-          <a:p>
-            <a:pPr>
-              <a:buNone/>
-            </a:pPr>
-            <a:r>
-              <a:rPr lang="en-US" dirty="0" smtClean="0"/>
+            <a:endParaRPr lang="en-US" dirty="0"/>
+          </a:p>
+          <a:p>
+            <a:pPr>
+              <a:buNone/>
+            </a:pPr>
+            <a:r>
+              <a:rPr lang="en-US" dirty="0"/>
               <a:t>	</a:t>
             </a:r>
             <a:r>
-              <a:rPr lang="en-US" sz="2400" i="1" dirty="0" smtClean="0"/>
+              <a:rPr lang="en-US" sz="2400" i="1" dirty="0"/>
               <a:t>$ </a:t>
             </a:r>
             <a:r>
-              <a:rPr lang="en-US" sz="2400" i="1" dirty="0" err="1" smtClean="0"/>
+              <a:rPr lang="en-US" sz="2400" i="1" dirty="0" err="1"/>
               <a:t>gcc</a:t>
             </a:r>
             <a:r>
-              <a:rPr lang="en-US" sz="2400" i="1" dirty="0" smtClean="0"/>
+              <a:rPr lang="en-US" sz="2400" i="1" dirty="0"/>
               <a:t> -o compiler lex.yy.c </a:t>
             </a:r>
             <a:r>
-              <a:rPr lang="en-US" sz="2400" i="1" dirty="0" err="1" smtClean="0"/>
+              <a:rPr lang="en-US" sz="2400" i="1" dirty="0" err="1"/>
               <a:t>y.tab.h</a:t>
             </a:r>
             <a:r>
-              <a:rPr lang="en-US" sz="2400" i="1" dirty="0" smtClean="0"/>
+              <a:rPr lang="en-US" sz="2400" i="1" dirty="0"/>
               <a:t> </a:t>
             </a:r>
             <a:r>
-              <a:rPr lang="en-US" sz="2400" i="1" dirty="0" err="1" smtClean="0"/>
+              <a:rPr lang="en-US" sz="2400" i="1" dirty="0" err="1"/>
               <a:t>y.tab.c</a:t>
             </a:r>
             <a:r>
-              <a:rPr lang="en-US" sz="2400" i="1" dirty="0" smtClean="0"/>
+              <a:rPr lang="en-US" sz="2400" i="1" dirty="0"/>
               <a:t> -</a:t>
             </a:r>
             <a:r>
-              <a:rPr lang="en-US" sz="2400" i="1" dirty="0" err="1" smtClean="0"/>
+              <a:rPr lang="en-US" sz="2400" i="1" dirty="0" err="1"/>
               <a:t>ll</a:t>
             </a:r>
             <a:r>
-              <a:rPr lang="en-US" sz="2400" i="1" dirty="0" smtClean="0"/>
+              <a:rPr lang="en-US" sz="2400" i="1" dirty="0"/>
               <a:t> -</a:t>
             </a:r>
             <a:r>
-              <a:rPr lang="en-US" sz="2400" i="1" dirty="0" err="1" smtClean="0"/>
+              <a:rPr lang="en-US" sz="2400" i="1" dirty="0" err="1"/>
               <a:t>ly</a:t>
             </a:r>
             <a:r>
-              <a:rPr lang="en-US" sz="2400" i="1" dirty="0" smtClean="0"/>
-              <a:t> </a:t>
-            </a:r>
-            <a:r>
-              <a:rPr lang="en-US" sz="2400" i="1" dirty="0" smtClean="0"/>
-              <a:t>5</a:t>
-            </a:r>
-            <a:endParaRPr lang="en-US" i="1" dirty="0" smtClean="0"/>
-          </a:p>
-          <a:p>
-            <a:pPr>
-              <a:buNone/>
-            </a:pPr>
-            <a:r>
-              <a:rPr lang="en-US" dirty="0" smtClean="0"/>
+              <a:rPr lang="en-US" sz="2400" i="1" dirty="0"/>
+              <a:t> 5</a:t>
+            </a:r>
+            <a:endParaRPr lang="en-US" i="1" dirty="0"/>
+          </a:p>
+          <a:p>
+            <a:pPr>
+              <a:buNone/>
+            </a:pPr>
+            <a:r>
+              <a:rPr lang="en-US" dirty="0"/>
               <a:t>The executable file is generated, which on running parses the C file given as a command line input </a:t>
             </a:r>
-            <a:endParaRPr lang="en-US" dirty="0" smtClean="0"/>
-          </a:p>
-          <a:p>
-            <a:pPr>
-              <a:buNone/>
-            </a:pPr>
-            <a:r>
-              <a:rPr lang="en-US" dirty="0" smtClean="0"/>
+          </a:p>
+          <a:p>
+            <a:pPr>
+              <a:buNone/>
+            </a:pPr>
+            <a:r>
+              <a:rPr lang="en-US" dirty="0"/>
               <a:t>	</a:t>
             </a:r>
             <a:r>
-              <a:rPr lang="en-US" sz="2400" i="1" dirty="0" smtClean="0"/>
-              <a:t>$ </a:t>
-            </a:r>
-            <a:r>
-              <a:rPr lang="en-US" sz="2400" i="1" dirty="0" smtClean="0"/>
-              <a:t>./compiler </a:t>
-            </a:r>
-            <a:r>
-              <a:rPr lang="en-US" sz="2400" i="1" dirty="0" err="1" smtClean="0"/>
+              <a:rPr lang="en-US" sz="2400" i="1" dirty="0"/>
+              <a:t>$ ./compiler </a:t>
+            </a:r>
+            <a:r>
+              <a:rPr lang="en-US" sz="2400" i="1" dirty="0" err="1"/>
               <a:t>test.c</a:t>
             </a:r>
-            <a:endParaRPr lang="en-US" i="1" dirty="0" smtClean="0"/>
-          </a:p>
-          <a:p>
-            <a:pPr>
-              <a:buNone/>
-            </a:pPr>
-            <a:r>
-              <a:rPr lang="en-US" dirty="0" smtClean="0"/>
-              <a:t>The script also has an option to take standard </a:t>
-            </a:r>
-            <a:r>
-              <a:rPr lang="en-US" dirty="0" smtClean="0"/>
-              <a:t>input instead </a:t>
-            </a:r>
-            <a:r>
-              <a:rPr lang="en-US" dirty="0" smtClean="0"/>
-              <a:t>of taking input from a file.</a:t>
-            </a:r>
-            <a:endParaRPr lang="en-US" dirty="0"/>
+            <a:endParaRPr lang="en-US" i="1" dirty="0"/>
+          </a:p>
+          <a:p>
+            <a:pPr>
+              <a:buNone/>
+            </a:pPr>
+            <a:r>
+              <a:rPr lang="en-US" dirty="0"/>
+              <a:t>The script also has an option to take standard input instead of taking input from a file.</a:t>
+            </a:r>
           </a:p>
         </p:txBody>
       </p:sp>
@@ -6038,7 +5606,7 @@
           <a:p>
             <a:pPr algn="l"/>
             <a:r>
-              <a:rPr lang="en-US" sz="3200" b="1" dirty="0" smtClean="0">
+              <a:rPr lang="en-US" sz="3200" b="1" dirty="0">
                 <a:solidFill>
                   <a:srgbClr val="FF0000"/>
                 </a:solidFill>
@@ -6046,10 +5614,9 @@
               <a:t>Explanation:</a:t>
             </a:r>
             <a:r>
-              <a:rPr lang="en-US" dirty="0" smtClean="0"/>
+              <a:rPr lang="en-US" dirty="0"/>
               <a:t> </a:t>
             </a:r>
-            <a:endParaRPr lang="en-US" dirty="0"/>
           </a:p>
         </p:txBody>
       </p:sp>
@@ -6076,79 +5643,67 @@
           <a:lstStyle/>
           <a:p>
             <a:r>
-              <a:rPr lang="en-US" dirty="0" smtClean="0"/>
+              <a:rPr lang="en-US" dirty="0"/>
               <a:t>The </a:t>
             </a:r>
             <a:r>
-              <a:rPr lang="en-US" dirty="0" err="1" smtClean="0"/>
+              <a:rPr lang="en-US" dirty="0" err="1"/>
               <a:t>lex</a:t>
             </a:r>
             <a:r>
-              <a:rPr lang="en-US" dirty="0" smtClean="0"/>
+              <a:rPr lang="en-US" dirty="0"/>
               <a:t> code is detecting the tokens from the source code and returning the corresponding token to the parser. </a:t>
             </a:r>
-            <a:endParaRPr lang="en-US" dirty="0" smtClean="0"/>
-          </a:p>
-          <a:p>
-            <a:r>
-              <a:rPr lang="en-US" dirty="0" smtClean="0"/>
-              <a:t>In </a:t>
-            </a:r>
-            <a:r>
-              <a:rPr lang="en-US" dirty="0" smtClean="0"/>
-              <a:t>phase 1, we were printing the token, and now we are returning the token so that parser uses it for further computation. </a:t>
-            </a:r>
-            <a:endParaRPr lang="en-US" dirty="0" smtClean="0"/>
-          </a:p>
-          <a:p>
-            <a:r>
-              <a:rPr lang="en-US" dirty="0" smtClean="0"/>
-              <a:t>We </a:t>
-            </a:r>
-            <a:r>
-              <a:rPr lang="en-US" dirty="0" smtClean="0"/>
-              <a:t>are using the symbol table and the constant table of the previous phase only. We added functions like </a:t>
-            </a:r>
-            <a:r>
-              <a:rPr lang="en-US" dirty="0" err="1" smtClean="0"/>
+          </a:p>
+          <a:p>
+            <a:r>
+              <a:rPr lang="en-US" dirty="0"/>
+              <a:t>In phase 1, we were printing the token, and now we are returning the token so that parser uses it for further computation. </a:t>
+            </a:r>
+          </a:p>
+          <a:p>
+            <a:r>
+              <a:rPr lang="en-US" dirty="0"/>
+              <a:t>We are using the symbol table and the constant table of the previous phase only. We added functions like </a:t>
+            </a:r>
+            <a:r>
+              <a:rPr lang="en-US" dirty="0" err="1"/>
               <a:t>insertSTtype</a:t>
             </a:r>
             <a:r>
-              <a:rPr lang="en-US" dirty="0" smtClean="0"/>
+              <a:rPr lang="en-US" dirty="0"/>
               <a:t>(), </a:t>
             </a:r>
             <a:r>
-              <a:rPr lang="en-US" dirty="0" err="1" smtClean="0"/>
+              <a:rPr lang="en-US" dirty="0" err="1"/>
               <a:t>insertSTvalue</a:t>
             </a:r>
             <a:r>
-              <a:rPr lang="en-US" dirty="0" smtClean="0"/>
+              <a:rPr lang="en-US" dirty="0"/>
               <a:t>() and </a:t>
             </a:r>
             <a:r>
-              <a:rPr lang="en-US" dirty="0" err="1" smtClean="0"/>
+              <a:rPr lang="en-US" dirty="0" err="1"/>
               <a:t>insertSTline</a:t>
             </a:r>
             <a:r>
-              <a:rPr lang="en-US" dirty="0" smtClean="0"/>
+              <a:rPr lang="en-US" dirty="0"/>
               <a:t>() to the existing functions. </a:t>
             </a:r>
-            <a:endParaRPr lang="en-US" dirty="0" smtClean="0"/>
-          </a:p>
-          <a:p>
-            <a:r>
-              <a:rPr lang="en-US" dirty="0" smtClean="0"/>
+          </a:p>
+          <a:p>
+            <a:r>
+              <a:rPr lang="en-US" dirty="0"/>
               <a:t>Lexical </a:t>
             </a:r>
             <a:r>
-              <a:rPr lang="en-US" dirty="0" err="1" smtClean="0"/>
+              <a:rPr lang="en-US" dirty="0" err="1"/>
               <a:t>Analyser</a:t>
             </a:r>
             <a:r>
-              <a:rPr lang="en-US" dirty="0" smtClean="0"/>
+              <a:rPr lang="en-US" dirty="0"/>
               <a:t> installs the token in the symbol table, whereas parser calls these functions to add the value of attributes like data type, the value assigned to the identifier, and where the identifier was declared i.e., updates the information in the symbol table.</a:t>
             </a:r>
-            <a:endParaRPr lang="en-US" dirty="0"/>
           </a:p>
         </p:txBody>
       </p:sp>
@@ -6207,7 +5762,7 @@
               <a:buChar char="v"/>
             </a:pPr>
             <a:r>
-              <a:rPr lang="en-US" dirty="0" smtClean="0"/>
+              <a:rPr lang="en-US" dirty="0"/>
               <a:t>It is included as part of the integrated development environment IDE with most programming software packages.</a:t>
             </a:r>
           </a:p>
@@ -6220,7 +5775,7 @@
               <a:buChar char="v"/>
             </a:pPr>
             <a:r>
-              <a:rPr lang="en-US" dirty="0" smtClean="0"/>
+              <a:rPr lang="en-US" dirty="0"/>
               <a:t>The compiler takes source code files that are written in a high-level language, such as C, C++, or Java, and compiles the code into a low-level language, such as machine code or assembly code.</a:t>
             </a:r>
           </a:p>
@@ -6233,7 +5788,7 @@
               <a:buChar char="v"/>
             </a:pPr>
             <a:r>
-              <a:rPr lang="en-US" dirty="0" smtClean="0"/>
+              <a:rPr lang="en-US" dirty="0"/>
               <a:t>This code is created for a specific processor type, such as an Intel Pentium or PowerPC. The program can then be recognized by the processor and run from the operating system.</a:t>
             </a:r>
           </a:p>
@@ -6244,13 +5799,6 @@
   <p:clrMapOvr>
     <a:masterClrMapping/>
   </p:clrMapOvr>
-  <p:timing>
-    <p:tnLst>
-      <p:par>
-        <p:cTn id="1" dur="indefinite" restart="never" nodeType="tmRoot"/>
-      </p:par>
-    </p:tnLst>
-  </p:timing>
 </p:sld>
 </file>
 
@@ -6295,18 +5843,13 @@
           <a:p>
             <a:pPr algn="l"/>
             <a:r>
-              <a:rPr lang="en-US" sz="3200" b="1" dirty="0" smtClean="0">
+              <a:rPr lang="en-US" sz="3200" b="1" dirty="0">
                 <a:solidFill>
                   <a:srgbClr val="FF0000"/>
                 </a:solidFill>
               </a:rPr>
               <a:t>Declaration Section</a:t>
             </a:r>
-            <a:endParaRPr lang="en-US" sz="3200" b="1" dirty="0">
-              <a:solidFill>
-                <a:srgbClr val="FF0000"/>
-              </a:solidFill>
-            </a:endParaRPr>
           </a:p>
         </p:txBody>
       </p:sp>
@@ -6331,56 +5874,45 @@
           <a:lstStyle/>
           <a:p>
             <a:r>
-              <a:rPr lang="en-US" dirty="0" smtClean="0"/>
+              <a:rPr lang="en-US" dirty="0"/>
               <a:t>In this section we have included all the necessary header </a:t>
             </a:r>
             <a:r>
-              <a:rPr lang="en-US" dirty="0" err="1" smtClean="0"/>
+              <a:rPr lang="en-US" dirty="0" err="1"/>
               <a:t>files,function</a:t>
             </a:r>
             <a:r>
-              <a:rPr lang="en-US" dirty="0" smtClean="0"/>
+              <a:rPr lang="en-US" dirty="0"/>
               <a:t> declaration and flag that was needed in the code. </a:t>
             </a:r>
-            <a:endParaRPr lang="en-US" dirty="0" smtClean="0"/>
-          </a:p>
-          <a:p>
-            <a:r>
-              <a:rPr lang="en-US" dirty="0" smtClean="0"/>
-              <a:t>Between </a:t>
-            </a:r>
-            <a:r>
-              <a:rPr lang="en-US" dirty="0" smtClean="0"/>
-              <a:t>declaration and rules section we have listed all the tokens which are returned by the lexer according to the precedence order. </a:t>
-            </a:r>
-            <a:endParaRPr lang="en-US" dirty="0" smtClean="0"/>
-          </a:p>
-          <a:p>
-            <a:r>
-              <a:rPr lang="en-US" dirty="0" smtClean="0"/>
-              <a:t>We </a:t>
-            </a:r>
-            <a:r>
-              <a:rPr lang="en-US" dirty="0" smtClean="0"/>
-              <a:t>also declared the operators here according to their </a:t>
-            </a:r>
-            <a:r>
-              <a:rPr lang="en-US" dirty="0" err="1" smtClean="0"/>
+          </a:p>
+          <a:p>
+            <a:r>
+              <a:rPr lang="en-US" dirty="0"/>
+              <a:t>Between declaration and rules section we have listed all the tokens which are returned by the lexer according to the precedence order. </a:t>
+            </a:r>
+          </a:p>
+          <a:p>
+            <a:r>
+              <a:rPr lang="en-US" dirty="0"/>
+              <a:t>We also declared the operators here according to their </a:t>
+            </a:r>
+            <a:r>
+              <a:rPr lang="en-US" dirty="0" err="1"/>
               <a:t>associativity</a:t>
             </a:r>
             <a:r>
-              <a:rPr lang="en-US" dirty="0" smtClean="0"/>
+              <a:rPr lang="en-US" dirty="0"/>
               <a:t> and </a:t>
             </a:r>
             <a:r>
-              <a:rPr lang="en-US" dirty="0" err="1" smtClean="0"/>
+              <a:rPr lang="en-US" dirty="0" err="1"/>
               <a:t>precedence.This</a:t>
             </a:r>
             <a:r>
-              <a:rPr lang="en-US" dirty="0" smtClean="0"/>
+              <a:rPr lang="en-US" dirty="0"/>
               <a:t> ensures the grammar we are giving to the parser is unambiguous as LALR(1) parser cannot work with ambiguous grammar. </a:t>
             </a:r>
-            <a:endParaRPr lang="en-US" dirty="0"/>
           </a:p>
         </p:txBody>
       </p:sp>
@@ -6433,18 +5965,13 @@
           <a:p>
             <a:pPr algn="l"/>
             <a:r>
-              <a:rPr lang="en-US" sz="3200" b="1" dirty="0" smtClean="0">
+              <a:rPr lang="en-US" sz="3200" b="1" dirty="0">
                 <a:solidFill>
                   <a:srgbClr val="FF0000"/>
                 </a:solidFill>
               </a:rPr>
               <a:t>Rules Section</a:t>
             </a:r>
-            <a:endParaRPr lang="en-US" sz="3200" b="1" dirty="0">
-              <a:solidFill>
-                <a:srgbClr val="FF0000"/>
-              </a:solidFill>
-            </a:endParaRPr>
           </a:p>
         </p:txBody>
       </p:sp>
@@ -6469,54 +5996,33 @@
           <a:lstStyle/>
           <a:p>
             <a:r>
-              <a:rPr lang="en-US" dirty="0" smtClean="0"/>
+              <a:rPr lang="en-US" dirty="0"/>
               <a:t>In this section production rules for the entire C language are written. </a:t>
             </a:r>
-            <a:endParaRPr lang="en-US" dirty="0" smtClean="0"/>
-          </a:p>
-          <a:p>
-            <a:r>
-              <a:rPr lang="en-US" dirty="0" smtClean="0"/>
-              <a:t>The </a:t>
-            </a:r>
-            <a:r>
-              <a:rPr lang="en-US" dirty="0" smtClean="0"/>
-              <a:t>rules are written in such a way that there is no left recursion and the grammar is also deterministic. </a:t>
-            </a:r>
-            <a:endParaRPr lang="en-US" dirty="0" smtClean="0"/>
-          </a:p>
-          <a:p>
-            <a:r>
-              <a:rPr lang="en-US" dirty="0" smtClean="0"/>
-              <a:t>Non-deterministic </a:t>
-            </a:r>
-            <a:r>
-              <a:rPr lang="en-US" dirty="0" smtClean="0"/>
-              <a:t>grammar was converted to deterministic by applying left factoring. </a:t>
-            </a:r>
-            <a:endParaRPr lang="en-US" dirty="0" smtClean="0"/>
-          </a:p>
-          <a:p>
-            <a:r>
-              <a:rPr lang="en-US" dirty="0" smtClean="0"/>
-              <a:t>This </a:t>
-            </a:r>
-            <a:r>
-              <a:rPr lang="en-US" dirty="0" smtClean="0"/>
-              <a:t>was done so that grammar is for LL(1) parser. This is so because all LL(1) grammar are LALR(1) according to the concepts. </a:t>
-            </a:r>
-            <a:endParaRPr lang="en-US" dirty="0" smtClean="0"/>
-          </a:p>
-          <a:p>
-            <a:r>
-              <a:rPr lang="en-US" dirty="0" smtClean="0"/>
-              <a:t>The </a:t>
-            </a:r>
-            <a:r>
-              <a:rPr lang="en-US" dirty="0" smtClean="0"/>
-              <a:t>grammar productions does the syntax analysis of the source code. When a complete statement with proper syntax is matched by the parser. </a:t>
-            </a:r>
-            <a:endParaRPr lang="en-US" dirty="0"/>
+          </a:p>
+          <a:p>
+            <a:r>
+              <a:rPr lang="en-US" dirty="0"/>
+              <a:t>The rules are written in such a way that there is no left recursion and the grammar is also deterministic. </a:t>
+            </a:r>
+          </a:p>
+          <a:p>
+            <a:r>
+              <a:rPr lang="en-US" dirty="0"/>
+              <a:t>Non-deterministic grammar was converted to deterministic by applying left factoring. </a:t>
+            </a:r>
+          </a:p>
+          <a:p>
+            <a:r>
+              <a:rPr lang="en-US" dirty="0"/>
+              <a:t>This was done so that grammar is for LL(1) parser. This is so because all LL(1) grammar are LALR(1) according to the concepts. </a:t>
+            </a:r>
+          </a:p>
+          <a:p>
+            <a:r>
+              <a:rPr lang="en-US" dirty="0"/>
+              <a:t>The grammar productions does the syntax analysis of the source code. When a complete statement with proper syntax is matched by the parser. </a:t>
+            </a:r>
           </a:p>
         </p:txBody>
       </p:sp>
@@ -6569,18 +6075,13 @@
           <a:p>
             <a:pPr algn="l"/>
             <a:r>
-              <a:rPr lang="en-US" sz="2800" b="1" dirty="0" smtClean="0">
+              <a:rPr lang="en-US" sz="2800" b="1" dirty="0">
                 <a:solidFill>
                   <a:srgbClr val="FF0000"/>
                 </a:solidFill>
               </a:rPr>
               <a:t>C-Program Section</a:t>
             </a:r>
-            <a:endParaRPr lang="en-US" sz="2800" b="1" dirty="0">
-              <a:solidFill>
-                <a:srgbClr val="FF0000"/>
-              </a:solidFill>
-            </a:endParaRPr>
           </a:p>
         </p:txBody>
       </p:sp>
@@ -6605,21 +6106,15 @@
           <a:lstStyle/>
           <a:p>
             <a:r>
-              <a:rPr lang="en-US" dirty="0" smtClean="0"/>
+              <a:rPr lang="en-US" dirty="0"/>
               <a:t>In this section the parser links the extern functions,variables declared in the lexer, external files generated by the lexer etc. </a:t>
             </a:r>
-            <a:endParaRPr lang="en-US" dirty="0" smtClean="0"/>
-          </a:p>
-          <a:p>
-            <a:r>
-              <a:rPr lang="en-US" dirty="0" smtClean="0"/>
-              <a:t>The </a:t>
-            </a:r>
-            <a:r>
-              <a:rPr lang="en-US" dirty="0" smtClean="0"/>
-              <a:t>main function takes the input source code file and prints the final symbol table. </a:t>
-            </a:r>
-            <a:endParaRPr lang="en-US" dirty="0"/>
+          </a:p>
+          <a:p>
+            <a:r>
+              <a:rPr lang="en-US" dirty="0"/>
+              <a:t>The main function takes the input source code file and prints the final symbol table. </a:t>
+            </a:r>
           </a:p>
         </p:txBody>
       </p:sp>
@@ -6672,18 +6167,13 @@
           <a:p>
             <a:pPr algn="l"/>
             <a:r>
-              <a:rPr lang="en-US" sz="2800" b="1" dirty="0" smtClean="0">
+              <a:rPr lang="en-US" sz="2800" b="1" dirty="0">
                 <a:solidFill>
                   <a:srgbClr val="FF0000"/>
                 </a:solidFill>
               </a:rPr>
               <a:t>Implementation:</a:t>
             </a:r>
-            <a:endParaRPr lang="en-US" sz="2800" b="1" dirty="0">
-              <a:solidFill>
-                <a:srgbClr val="FF0000"/>
-              </a:solidFill>
-            </a:endParaRPr>
           </a:p>
         </p:txBody>
       </p:sp>
@@ -6711,57 +6201,50 @@
               <a:buNone/>
             </a:pPr>
             <a:r>
-              <a:rPr lang="en-US" dirty="0" smtClean="0"/>
+              <a:rPr lang="en-US" dirty="0"/>
               <a:t>The lexer code submitted in the previous phase took care of most of the features of C using regular expressions. Some special corner cases were taken care of using custom </a:t>
             </a:r>
             <a:r>
-              <a:rPr lang="en-US" dirty="0" err="1" smtClean="0"/>
+              <a:rPr lang="en-US" dirty="0" err="1"/>
               <a:t>regex</a:t>
             </a:r>
             <a:r>
-              <a:rPr lang="en-US" dirty="0" smtClean="0"/>
+              <a:rPr lang="en-US" dirty="0"/>
               <a:t>. These were: </a:t>
             </a:r>
-            <a:endParaRPr lang="en-US" dirty="0" smtClean="0"/>
           </a:p>
           <a:p>
             <a:pPr marL="514350" indent="-514350">
               <a:buAutoNum type="alphaUcPeriod"/>
             </a:pPr>
             <a:r>
-              <a:rPr lang="en-US" dirty="0" smtClean="0"/>
+              <a:rPr lang="en-US" dirty="0"/>
               <a:t>The </a:t>
             </a:r>
             <a:r>
-              <a:rPr lang="en-US" dirty="0" err="1" smtClean="0"/>
+              <a:rPr lang="en-US" dirty="0" err="1"/>
               <a:t>Regex</a:t>
             </a:r>
             <a:r>
-              <a:rPr lang="en-US" dirty="0" smtClean="0"/>
+              <a:rPr lang="en-US" dirty="0"/>
               <a:t> for Identifiers </a:t>
             </a:r>
-            <a:endParaRPr lang="en-US" dirty="0" smtClean="0"/>
           </a:p>
           <a:p>
             <a:pPr marL="514350" indent="-514350">
               <a:buAutoNum type="alphaUcPeriod"/>
             </a:pPr>
             <a:r>
-              <a:rPr lang="en-US" dirty="0" smtClean="0"/>
-              <a:t>Multiline </a:t>
-            </a:r>
-            <a:r>
-              <a:rPr lang="en-US" dirty="0" smtClean="0"/>
-              <a:t>comments should be supported </a:t>
-            </a:r>
-            <a:endParaRPr lang="en-US" dirty="0" smtClean="0"/>
+              <a:rPr lang="en-US" dirty="0"/>
+              <a:t>Multiline comments should be supported </a:t>
+            </a:r>
           </a:p>
           <a:p>
             <a:pPr marL="514350" indent="-514350">
               <a:buAutoNum type="alphaUcPeriod"/>
             </a:pPr>
             <a:r>
-              <a:rPr lang="en-US" dirty="0" smtClean="0"/>
+              <a:rPr lang="en-US" dirty="0"/>
               <a:t>Literals </a:t>
             </a:r>
           </a:p>
@@ -6770,28 +6253,18 @@
               <a:buAutoNum type="alphaUcPeriod"/>
             </a:pPr>
             <a:r>
-              <a:rPr lang="en-US" dirty="0" smtClean="0"/>
-              <a:t>Error </a:t>
-            </a:r>
-            <a:r>
-              <a:rPr lang="en-US" dirty="0" smtClean="0"/>
-              <a:t>Handling for Incomplete String </a:t>
-            </a:r>
-            <a:endParaRPr lang="en-US" dirty="0" smtClean="0"/>
+              <a:rPr lang="en-US" dirty="0"/>
+              <a:t>Error Handling for Incomplete String </a:t>
+            </a:r>
           </a:p>
           <a:p>
             <a:pPr marL="514350" indent="-514350">
               <a:buAutoNum type="alphaUcPeriod"/>
             </a:pPr>
             <a:r>
-              <a:rPr lang="en-US" dirty="0" smtClean="0"/>
-              <a:t>Error </a:t>
-            </a:r>
-            <a:r>
-              <a:rPr lang="en-US" dirty="0" smtClean="0"/>
-              <a:t>Handling for Nested Comments</a:t>
-            </a:r>
-            <a:endParaRPr lang="en-US" dirty="0"/>
+              <a:rPr lang="en-US" dirty="0"/>
+              <a:t>Error Handling for Nested Comments</a:t>
+            </a:r>
           </a:p>
         </p:txBody>
       </p:sp>
@@ -6841,43 +6314,34 @@
           <a:lstStyle/>
           <a:p>
             <a:r>
-              <a:rPr lang="en-US" dirty="0" smtClean="0"/>
+              <a:rPr lang="en-US" dirty="0"/>
               <a:t>The parser takes tokens from the lexer output, one at a time and applies the corresponding production rules to append to the symbol table with type, value, and line of declaration. </a:t>
             </a:r>
-            <a:endParaRPr lang="en-US" dirty="0" smtClean="0"/>
-          </a:p>
-          <a:p>
-            <a:r>
-              <a:rPr lang="en-US" dirty="0" smtClean="0"/>
-              <a:t>If </a:t>
-            </a:r>
-            <a:r>
-              <a:rPr lang="en-US" dirty="0" smtClean="0"/>
-              <a:t>the parsing is not successful, the parser outputs the line number with the corresponding error. The following functions were written in order to maintain the symbol table</a:t>
-            </a:r>
-            <a:r>
-              <a:rPr lang="en-US" dirty="0" smtClean="0"/>
-              <a:t>:</a:t>
-            </a:r>
-          </a:p>
-          <a:p>
-            <a:pPr>
-              <a:buNone/>
-            </a:pPr>
-            <a:r>
-              <a:rPr lang="en-US" b="1" dirty="0" smtClean="0"/>
+          </a:p>
+          <a:p>
+            <a:r>
+              <a:rPr lang="en-US" dirty="0"/>
+              <a:t>If the parsing is not successful, the parser outputs the line number with the corresponding error. The following functions were written in order to maintain the symbol table:</a:t>
+            </a:r>
+          </a:p>
+          <a:p>
+            <a:pPr>
+              <a:buNone/>
+            </a:pPr>
+            <a:r>
+              <a:rPr lang="en-US" b="1" dirty="0"/>
               <a:t>1. </a:t>
             </a:r>
             <a:r>
-              <a:rPr lang="en-US" b="1" dirty="0" err="1" smtClean="0"/>
+              <a:rPr lang="en-US" b="1" dirty="0" err="1"/>
               <a:t>LookupST</a:t>
             </a:r>
             <a:r>
-              <a:rPr lang="en-US" b="1" dirty="0" smtClean="0"/>
+              <a:rPr lang="en-US" b="1" dirty="0"/>
               <a:t>() </a:t>
             </a:r>
             <a:r>
-              <a:rPr lang="en-US" dirty="0" smtClean="0"/>
+              <a:rPr lang="en-US" dirty="0"/>
               <a:t>- This function checks whether the token is already present in the symbol table or not. If yes it returns 1 else 0.(Called by Scanner) </a:t>
             </a:r>
           </a:p>
@@ -6934,118 +6398,105 @@
               <a:buNone/>
             </a:pPr>
             <a:r>
-              <a:rPr lang="en-US" b="1" dirty="0" smtClean="0"/>
+              <a:rPr lang="en-US" b="1" dirty="0"/>
               <a:t>2. </a:t>
             </a:r>
             <a:r>
-              <a:rPr lang="en-US" b="1" dirty="0" err="1" smtClean="0"/>
+              <a:rPr lang="en-US" b="1" dirty="0" err="1"/>
               <a:t>InsertST</a:t>
             </a:r>
             <a:r>
-              <a:rPr lang="en-US" b="1" dirty="0" smtClean="0"/>
+              <a:rPr lang="en-US" b="1" dirty="0"/>
               <a:t>()</a:t>
             </a:r>
             <a:r>
-              <a:rPr lang="en-US" dirty="0" smtClean="0"/>
+              <a:rPr lang="en-US" dirty="0"/>
               <a:t> - This function installs the token in the symbol table if it is not already present along with the token class. (Called by Scanner) </a:t>
             </a:r>
-            <a:endParaRPr lang="en-US" dirty="0" smtClean="0"/>
-          </a:p>
-          <a:p>
-            <a:pPr>
-              <a:buNone/>
-            </a:pPr>
-            <a:r>
-              <a:rPr lang="en-US" b="1" dirty="0" smtClean="0"/>
+          </a:p>
+          <a:p>
+            <a:pPr>
+              <a:buNone/>
+            </a:pPr>
+            <a:r>
+              <a:rPr lang="en-US" b="1" dirty="0"/>
               <a:t>3. </a:t>
             </a:r>
             <a:r>
-              <a:rPr lang="en-US" b="1" dirty="0" err="1" smtClean="0"/>
+              <a:rPr lang="en-US" b="1" dirty="0" err="1"/>
               <a:t>InsertSTtype</a:t>
             </a:r>
             <a:r>
-              <a:rPr lang="en-US" b="1" dirty="0" smtClean="0"/>
+              <a:rPr lang="en-US" b="1" dirty="0"/>
               <a:t>() </a:t>
             </a:r>
             <a:r>
-              <a:rPr lang="en-US" dirty="0" smtClean="0"/>
+              <a:rPr lang="en-US" dirty="0"/>
               <a:t>- This function appends the data type of the identifier in the symbol table. (Called by Parser). </a:t>
             </a:r>
-            <a:endParaRPr lang="en-US" dirty="0" smtClean="0"/>
-          </a:p>
-          <a:p>
-            <a:pPr>
-              <a:buNone/>
-            </a:pPr>
-            <a:r>
-              <a:rPr lang="en-US" b="1" dirty="0" smtClean="0"/>
-              <a:t>4</a:t>
-            </a:r>
-            <a:r>
-              <a:rPr lang="en-US" b="1" dirty="0" smtClean="0"/>
-              <a:t>. </a:t>
-            </a:r>
-            <a:r>
-              <a:rPr lang="en-US" b="1" dirty="0" err="1" smtClean="0"/>
+          </a:p>
+          <a:p>
+            <a:pPr>
+              <a:buNone/>
+            </a:pPr>
+            <a:r>
+              <a:rPr lang="en-US" b="1" dirty="0"/>
+              <a:t>4. </a:t>
+            </a:r>
+            <a:r>
+              <a:rPr lang="en-US" b="1" dirty="0" err="1"/>
               <a:t>InsertSTvalue</a:t>
             </a:r>
             <a:r>
-              <a:rPr lang="en-US" b="1" dirty="0" smtClean="0"/>
+              <a:rPr lang="en-US" b="1" dirty="0"/>
               <a:t>()- </a:t>
             </a:r>
             <a:r>
-              <a:rPr lang="en-US" dirty="0" smtClean="0"/>
+              <a:rPr lang="en-US" dirty="0"/>
               <a:t>This function appends the value of the identifier in the symbol table. (Called by Parser). </a:t>
             </a:r>
-            <a:endParaRPr lang="en-US" dirty="0" smtClean="0"/>
-          </a:p>
-          <a:p>
-            <a:pPr>
-              <a:buNone/>
-            </a:pPr>
-            <a:r>
-              <a:rPr lang="en-US" b="1" dirty="0" smtClean="0"/>
-              <a:t>5</a:t>
-            </a:r>
-            <a:r>
-              <a:rPr lang="en-US" b="1" dirty="0" smtClean="0"/>
-              <a:t>. </a:t>
-            </a:r>
-            <a:r>
-              <a:rPr lang="en-US" b="1" dirty="0" err="1" smtClean="0"/>
+          </a:p>
+          <a:p>
+            <a:pPr>
+              <a:buNone/>
+            </a:pPr>
+            <a:r>
+              <a:rPr lang="en-US" b="1" dirty="0"/>
+              <a:t>5. </a:t>
+            </a:r>
+            <a:r>
+              <a:rPr lang="en-US" b="1" dirty="0" err="1"/>
               <a:t>InsertSTline</a:t>
             </a:r>
             <a:r>
-              <a:rPr lang="en-US" b="1" dirty="0" smtClean="0"/>
+              <a:rPr lang="en-US" b="1" dirty="0"/>
               <a:t>()- </a:t>
             </a:r>
             <a:r>
-              <a:rPr lang="en-US" dirty="0" smtClean="0"/>
+              <a:rPr lang="en-US" dirty="0"/>
               <a:t>This function appends the line of the declaration of the identifier in the symbol table. (Called by Parser). </a:t>
             </a:r>
-            <a:endParaRPr lang="en-US" dirty="0" smtClean="0"/>
-          </a:p>
-          <a:p>
-            <a:pPr>
-              <a:buNone/>
-            </a:pPr>
-            <a:r>
-              <a:rPr lang="en-US" b="1" dirty="0" smtClean="0"/>
+          </a:p>
+          <a:p>
+            <a:pPr>
+              <a:buNone/>
+            </a:pPr>
+            <a:r>
+              <a:rPr lang="en-US" b="1" dirty="0"/>
               <a:t>6. </a:t>
             </a:r>
             <a:r>
-              <a:rPr lang="en-US" b="1" dirty="0" err="1" smtClean="0"/>
+              <a:rPr lang="en-US" b="1" dirty="0" err="1"/>
               <a:t>LookupCT</a:t>
             </a:r>
             <a:r>
-              <a:rPr lang="en-US" b="1" dirty="0" smtClean="0"/>
+              <a:rPr lang="en-US" b="1" dirty="0"/>
               <a:t>() </a:t>
             </a:r>
             <a:r>
-              <a:rPr lang="en-US" dirty="0" smtClean="0"/>
+              <a:rPr lang="en-US" dirty="0"/>
               <a:t>- This function checks whether the token is already present in the constant table or not. If yes it returns 1 else 0.(Called by Scanner).</a:t>
             </a:r>
-            <a:endParaRPr lang="en-US" dirty="0"/>
           </a:p>
         </p:txBody>
       </p:sp>
@@ -7098,74 +6549,63 @@
               <a:buNone/>
             </a:pPr>
             <a:r>
-              <a:rPr lang="en-US" b="1" dirty="0" smtClean="0"/>
+              <a:rPr lang="en-US" b="1" dirty="0"/>
               <a:t>7. </a:t>
             </a:r>
             <a:r>
-              <a:rPr lang="en-US" b="1" dirty="0" err="1" smtClean="0"/>
+              <a:rPr lang="en-US" b="1" dirty="0" err="1"/>
               <a:t>InsertST</a:t>
             </a:r>
             <a:r>
-              <a:rPr lang="en-US" b="1" dirty="0" smtClean="0"/>
+              <a:rPr lang="en-US" b="1" dirty="0"/>
               <a:t>() - </a:t>
             </a:r>
             <a:r>
-              <a:rPr lang="en-US" dirty="0" smtClean="0"/>
+              <a:rPr lang="en-US" dirty="0"/>
               <a:t>This function installs the token in the constant table if it is not already present along with the token class. (Called by Scanner) </a:t>
             </a:r>
-            <a:endParaRPr lang="en-US" dirty="0" smtClean="0"/>
-          </a:p>
-          <a:p>
-            <a:pPr>
-              <a:buNone/>
-            </a:pPr>
-            <a:r>
-              <a:rPr lang="en-US" b="1" dirty="0" smtClean="0"/>
-              <a:t>8</a:t>
-            </a:r>
-            <a:r>
-              <a:rPr lang="en-US" b="1" dirty="0" smtClean="0"/>
-              <a:t>. </a:t>
-            </a:r>
-            <a:r>
-              <a:rPr lang="en-US" b="1" dirty="0" err="1" smtClean="0"/>
+          </a:p>
+          <a:p>
+            <a:pPr>
+              <a:buNone/>
+            </a:pPr>
+            <a:r>
+              <a:rPr lang="en-US" b="1" dirty="0"/>
+              <a:t>8. </a:t>
+            </a:r>
+            <a:r>
+              <a:rPr lang="en-US" b="1" dirty="0" err="1"/>
               <a:t>PrintST</a:t>
             </a:r>
             <a:r>
-              <a:rPr lang="en-US" b="1" dirty="0" smtClean="0"/>
+              <a:rPr lang="en-US" b="1" dirty="0"/>
               <a:t>() - </a:t>
             </a:r>
             <a:r>
-              <a:rPr lang="en-US" dirty="0" smtClean="0"/>
+              <a:rPr lang="en-US" dirty="0"/>
               <a:t>This function displays the entire content of the symbol table. </a:t>
             </a:r>
-            <a:endParaRPr lang="en-US" dirty="0" smtClean="0"/>
-          </a:p>
-          <a:p>
-            <a:pPr>
-              <a:buNone/>
-            </a:pPr>
-            <a:r>
-              <a:rPr lang="en-US" b="1" dirty="0" smtClean="0"/>
-              <a:t>9</a:t>
-            </a:r>
-            <a:r>
-              <a:rPr lang="en-US" b="1" dirty="0" smtClean="0"/>
-              <a:t>. </a:t>
-            </a:r>
-            <a:r>
-              <a:rPr lang="en-US" b="1" dirty="0" err="1" smtClean="0"/>
+          </a:p>
+          <a:p>
+            <a:pPr>
+              <a:buNone/>
+            </a:pPr>
+            <a:r>
+              <a:rPr lang="en-US" b="1" dirty="0"/>
+              <a:t>9. </a:t>
+            </a:r>
+            <a:r>
+              <a:rPr lang="en-US" b="1" dirty="0" err="1"/>
               <a:t>PrintCT</a:t>
             </a:r>
             <a:r>
-              <a:rPr lang="en-US" b="1" dirty="0" smtClean="0"/>
+              <a:rPr lang="en-US" b="1" dirty="0"/>
               <a:t>() </a:t>
             </a:r>
             <a:r>
-              <a:rPr lang="en-US" dirty="0" smtClean="0"/>
+              <a:rPr lang="en-US" dirty="0"/>
               <a:t>- This function displays the entire content of the constant table. </a:t>
             </a:r>
-            <a:endParaRPr lang="en-US" dirty="0"/>
           </a:p>
         </p:txBody>
       </p:sp>
@@ -7218,18 +6658,13 @@
           <a:p>
             <a:pPr algn="l"/>
             <a:r>
-              <a:rPr lang="en-US" sz="3600" b="1" dirty="0" smtClean="0">
+              <a:rPr lang="en-US" sz="3600" b="1" dirty="0">
                 <a:solidFill>
                   <a:srgbClr val="FF0000"/>
                 </a:solidFill>
               </a:rPr>
               <a:t>Result</a:t>
             </a:r>
-            <a:endParaRPr lang="en-US" sz="3600" b="1" dirty="0">
-              <a:solidFill>
-                <a:srgbClr val="FF0000"/>
-              </a:solidFill>
-            </a:endParaRPr>
           </a:p>
         </p:txBody>
       </p:sp>
@@ -7254,43 +6689,27 @@
           <a:lstStyle/>
           <a:p>
             <a:r>
-              <a:rPr lang="en-US" dirty="0" smtClean="0"/>
+              <a:rPr lang="en-US" dirty="0"/>
               <a:t>The Yacc Script was able to successfully parse all the tokens generated the flex script for C. </a:t>
             </a:r>
-            <a:endParaRPr lang="en-US" dirty="0" smtClean="0"/>
-          </a:p>
-          <a:p>
-            <a:r>
-              <a:rPr lang="en-US" dirty="0" smtClean="0"/>
-              <a:t>The </a:t>
-            </a:r>
-            <a:r>
-              <a:rPr lang="en-US" dirty="0" smtClean="0"/>
-              <a:t>type, value, and line of the declaration was returned as an output for all the identifiers and constants present in the program. </a:t>
-            </a:r>
-            <a:endParaRPr lang="en-US" dirty="0" smtClean="0"/>
-          </a:p>
-          <a:p>
-            <a:r>
-              <a:rPr lang="en-US" dirty="0" smtClean="0"/>
-              <a:t>To </a:t>
-            </a:r>
-            <a:r>
-              <a:rPr lang="en-US" dirty="0" smtClean="0"/>
-              <a:t>handle the error messages the line number was returned along with the syntax error message. </a:t>
-            </a:r>
-            <a:endParaRPr lang="en-US" dirty="0" smtClean="0"/>
-          </a:p>
-          <a:p>
-            <a:r>
-              <a:rPr lang="en-US" dirty="0" smtClean="0"/>
-              <a:t>Thus </a:t>
-            </a:r>
-            <a:r>
-              <a:rPr lang="en-US" dirty="0" smtClean="0"/>
-              <a:t>the following Yacc script is able to parse the tokens and generate error messages for the C program.</a:t>
-            </a:r>
-            <a:endParaRPr lang="en-US" dirty="0"/>
+          </a:p>
+          <a:p>
+            <a:r>
+              <a:rPr lang="en-US" dirty="0"/>
+              <a:t>The type, value, and line of the declaration was returned as an output for all the identifiers and constants present in the program. </a:t>
+            </a:r>
+          </a:p>
+          <a:p>
+            <a:r>
+              <a:rPr lang="en-US" dirty="0"/>
+              <a:t>To handle the error messages the line number was returned along with the syntax error message. </a:t>
+            </a:r>
+          </a:p>
+          <a:p>
+            <a:r>
+              <a:rPr lang="en-US" dirty="0"/>
+              <a:t>Thus the following Yacc script is able to parse the tokens and generate error messages for the C program.</a:t>
+            </a:r>
           </a:p>
         </p:txBody>
       </p:sp>
@@ -7343,18 +6762,13 @@
           <a:p>
             <a:pPr algn="l"/>
             <a:r>
-              <a:rPr lang="en-US" sz="3200" b="1" dirty="0" smtClean="0">
+              <a:rPr lang="en-US" sz="3200" b="1" dirty="0">
                 <a:solidFill>
                   <a:srgbClr val="FF0000"/>
                 </a:solidFill>
               </a:rPr>
               <a:t>Output:</a:t>
             </a:r>
-            <a:endParaRPr lang="en-US" sz="3200" b="1" dirty="0">
-              <a:solidFill>
-                <a:srgbClr val="FF0000"/>
-              </a:solidFill>
-            </a:endParaRPr>
           </a:p>
         </p:txBody>
       </p:sp>
@@ -7432,10 +6846,9 @@
               <a:buNone/>
             </a:pPr>
             <a:r>
-              <a:rPr lang="en-US" sz="6600" b="1" dirty="0" smtClean="0"/>
+              <a:rPr lang="en-US" sz="6600" b="1" dirty="0"/>
               <a:t>THANK YOU…</a:t>
             </a:r>
-            <a:endParaRPr lang="en-US" sz="6600" b="1" dirty="0"/>
           </a:p>
         </p:txBody>
       </p:sp>
@@ -7492,7 +6905,7 @@
               </a:spcBef>
             </a:pPr>
             <a:r>
-              <a:rPr lang="en-US" sz="3200" b="1" u="sng" dirty="0" smtClean="0">
+              <a:rPr lang="en-US" sz="3200" b="1" u="sng" dirty="0">
                 <a:latin typeface="+mn-lt"/>
                 <a:ea typeface="+mn-ea"/>
                 <a:cs typeface="+mn-cs"/>
@@ -7532,12 +6945,8 @@
               <a:buChar char="v"/>
             </a:pPr>
             <a:r>
-              <a:rPr lang="en-US" dirty="0" smtClean="0"/>
-              <a:t>The compilation process is a sequence of various phases. Each phase takes input from its previous stage, has its own representation of the source program, and feeds its output to the next phase of the compiler. The phases are</a:t>
-            </a:r>
-            <a:r>
-              <a:rPr lang="en-US" dirty="0" smtClean="0"/>
-              <a:t>:-</a:t>
+              <a:rPr lang="en-US" dirty="0"/>
+              <a:t>The compilation process is a sequence of various phases. Each phase takes input from its previous stage, has its own representation of the source program, and feeds its output to the next phase of the compiler. The phases are:-</a:t>
             </a:r>
           </a:p>
           <a:p>
@@ -7548,14 +6957,9 @@
               <a:buAutoNum type="arabicPeriod"/>
             </a:pPr>
             <a:r>
-              <a:rPr lang="en-US" b="1" dirty="0" smtClean="0"/>
-              <a:t>Lexical </a:t>
-            </a:r>
-            <a:r>
-              <a:rPr lang="en-US" b="1" dirty="0" smtClean="0"/>
-              <a:t>Analysis </a:t>
-            </a:r>
-            <a:endParaRPr lang="en-US" b="1" dirty="0" smtClean="0"/>
+              <a:rPr lang="en-US" b="1" dirty="0"/>
+              <a:t>Lexical Analysis </a:t>
+            </a:r>
           </a:p>
           <a:p>
             <a:pPr marL="514350" indent="-514350">
@@ -7565,14 +6969,9 @@
               <a:buAutoNum type="arabicPeriod"/>
             </a:pPr>
             <a:r>
-              <a:rPr lang="en-US" b="1" dirty="0" smtClean="0"/>
-              <a:t>Syntax </a:t>
-            </a:r>
-            <a:r>
-              <a:rPr lang="en-US" b="1" dirty="0" smtClean="0"/>
-              <a:t>Analysis </a:t>
-            </a:r>
-            <a:endParaRPr lang="en-US" b="1" dirty="0" smtClean="0"/>
+              <a:rPr lang="en-US" b="1" dirty="0"/>
+              <a:t>Syntax Analysis </a:t>
+            </a:r>
           </a:p>
           <a:p>
             <a:pPr marL="514350" indent="-514350">
@@ -7582,14 +6981,9 @@
               <a:buAutoNum type="arabicPeriod"/>
             </a:pPr>
             <a:r>
-              <a:rPr lang="en-US" b="1" dirty="0" smtClean="0"/>
-              <a:t>Semantic </a:t>
-            </a:r>
-            <a:r>
-              <a:rPr lang="en-US" b="1" dirty="0" smtClean="0"/>
-              <a:t>Analysis </a:t>
-            </a:r>
-            <a:endParaRPr lang="en-US" b="1" dirty="0" smtClean="0"/>
+              <a:rPr lang="en-US" b="1" dirty="0"/>
+              <a:t>Semantic Analysis </a:t>
+            </a:r>
           </a:p>
           <a:p>
             <a:pPr marL="514350" indent="-514350">
@@ -7599,14 +6993,9 @@
               <a:buAutoNum type="arabicPeriod"/>
             </a:pPr>
             <a:r>
-              <a:rPr lang="en-US" b="1" dirty="0" smtClean="0"/>
-              <a:t>Intermediate </a:t>
-            </a:r>
-            <a:r>
-              <a:rPr lang="en-US" b="1" dirty="0" smtClean="0"/>
-              <a:t>Code Generation </a:t>
-            </a:r>
-            <a:endParaRPr lang="en-US" b="1" dirty="0" smtClean="0"/>
+              <a:rPr lang="en-US" b="1" dirty="0"/>
+              <a:t>Intermediate Code Generation </a:t>
+            </a:r>
           </a:p>
           <a:p>
             <a:pPr marL="514350" indent="-514350">
@@ -7616,7 +7005,7 @@
               <a:buAutoNum type="arabicPeriod"/>
             </a:pPr>
             <a:r>
-              <a:rPr lang="en-US" b="1" dirty="0" smtClean="0"/>
+              <a:rPr lang="en-US" b="1" dirty="0"/>
               <a:t>Code Optimization </a:t>
             </a:r>
           </a:p>
@@ -7628,14 +7017,9 @@
               <a:buAutoNum type="arabicPeriod"/>
             </a:pPr>
             <a:r>
-              <a:rPr lang="en-US" b="1" dirty="0" smtClean="0"/>
-              <a:t>Code </a:t>
-            </a:r>
-            <a:r>
-              <a:rPr lang="en-US" b="1" dirty="0" smtClean="0"/>
-              <a:t>Generation</a:t>
-            </a:r>
-            <a:endParaRPr lang="en-US" b="1" dirty="0"/>
+              <a:rPr lang="en-US" b="1" dirty="0"/>
+              <a:t>Code Generation</a:t>
+            </a:r>
           </a:p>
         </p:txBody>
       </p:sp>
@@ -7644,13 +7028,6 @@
   <p:clrMapOvr>
     <a:masterClrMapping/>
   </p:clrMapOvr>
-  <p:timing>
-    <p:tnLst>
-      <p:par>
-        <p:cTn id="1" dur="indefinite" restart="never" nodeType="tmRoot"/>
-      </p:par>
-    </p:tnLst>
-  </p:timing>
 </p:sld>
 </file>
 
@@ -7695,7 +7072,7 @@
           <a:p>
             <a:pPr algn="l"/>
             <a:r>
-              <a:rPr lang="en-US" sz="3200" b="1" u="sng" dirty="0" smtClean="0">
+              <a:rPr lang="en-US" sz="3200" b="1" u="sng" dirty="0">
                 <a:latin typeface="+mn-lt"/>
                 <a:ea typeface="+mn-ea"/>
                 <a:cs typeface="+mn-cs"/>
@@ -7731,24 +7108,8 @@
               <a:buNone/>
             </a:pPr>
             <a:r>
-              <a:rPr lang="en-US" dirty="0" smtClean="0"/>
-              <a:t>	This </a:t>
-            </a:r>
-            <a:r>
-              <a:rPr lang="en-US" dirty="0" smtClean="0"/>
-              <a:t>project contains the implementation of </a:t>
-            </a:r>
-            <a:r>
-              <a:rPr lang="en-US" dirty="0" smtClean="0"/>
-              <a:t>the lexical </a:t>
-            </a:r>
-            <a:r>
-              <a:rPr lang="en-US" dirty="0" smtClean="0"/>
-              <a:t>analyzer phase of the C compiler. In our lexical analyzer we have implemented the following functionalities</a:t>
-            </a:r>
-            <a:r>
-              <a:rPr lang="en-US" dirty="0" smtClean="0"/>
-              <a:t>:-</a:t>
+              <a:rPr lang="en-US" dirty="0"/>
+              <a:t>	This project contains the implementation of the lexical analyzer phase of the C compiler. In our lexical analyzer we have implemented the following functionalities:-</a:t>
             </a:r>
           </a:p>
           <a:p>
@@ -7756,53 +7117,37 @@
               <a:buAutoNum type="arabicPeriod"/>
             </a:pPr>
             <a:r>
-              <a:rPr lang="en-US" b="1" dirty="0" smtClean="0"/>
-              <a:t>Data </a:t>
-            </a:r>
-            <a:r>
-              <a:rPr lang="en-US" b="1" dirty="0" smtClean="0"/>
-              <a:t>Types</a:t>
-            </a:r>
-            <a:r>
-              <a:rPr lang="en-US" dirty="0" smtClean="0"/>
+              <a:rPr lang="en-US" b="1" dirty="0"/>
+              <a:t>Data Types</a:t>
+            </a:r>
+            <a:r>
+              <a:rPr lang="en-US" dirty="0"/>
               <a:t>: </a:t>
             </a:r>
             <a:r>
-              <a:rPr lang="en-US" sz="2800" dirty="0" smtClean="0"/>
-              <a:t>int, char data types with all its sub-types. </a:t>
-            </a:r>
-            <a:r>
-              <a:rPr lang="en-US" sz="2800" dirty="0" smtClean="0"/>
-              <a:t>Syntax </a:t>
-            </a:r>
-            <a:r>
-              <a:rPr lang="en-US" sz="2800" dirty="0" smtClean="0"/>
-              <a:t>: int a=3; </a:t>
-            </a:r>
-            <a:endParaRPr lang="en-US" dirty="0" smtClean="0"/>
+              <a:rPr lang="en-US" sz="2800" dirty="0"/>
+              <a:t>int, char data types with all its sub-types. Syntax : int a=3; </a:t>
+            </a:r>
+            <a:endParaRPr lang="en-US" dirty="0"/>
           </a:p>
           <a:p>
             <a:pPr marL="514350" indent="-514350">
               <a:buAutoNum type="arabicPeriod"/>
             </a:pPr>
             <a:r>
-              <a:rPr lang="en-US" b="1" dirty="0" smtClean="0"/>
+              <a:rPr lang="en-US" b="1" dirty="0"/>
               <a:t>Comments</a:t>
             </a:r>
             <a:r>
-              <a:rPr lang="en-US" dirty="0" smtClean="0"/>
+              <a:rPr lang="en-US" dirty="0"/>
               <a:t>: </a:t>
             </a:r>
             <a:r>
-              <a:rPr lang="en-US" sz="2800" dirty="0" smtClean="0"/>
-              <a:t>Single line and multiline </a:t>
-            </a:r>
-            <a:r>
-              <a:rPr lang="en-US" sz="2800" dirty="0" smtClean="0"/>
-              <a:t>comments</a:t>
-            </a:r>
-            <a:r>
-              <a:rPr lang="en-US" dirty="0" smtClean="0"/>
+              <a:rPr lang="en-US" sz="2800" dirty="0"/>
+              <a:t>Single line and multiline comments</a:t>
+            </a:r>
+            <a:r>
+              <a:rPr lang="en-US" dirty="0"/>
               <a:t> </a:t>
             </a:r>
           </a:p>
@@ -7811,24 +7156,16 @@
               <a:buAutoNum type="arabicPeriod"/>
             </a:pPr>
             <a:r>
-              <a:rPr lang="en-US" b="1" dirty="0" smtClean="0"/>
+              <a:rPr lang="en-US" b="1" dirty="0"/>
               <a:t>Keywords</a:t>
             </a:r>
             <a:r>
-              <a:rPr lang="en-US" dirty="0" smtClean="0"/>
+              <a:rPr lang="en-US" dirty="0"/>
               <a:t>: </a:t>
             </a:r>
             <a:r>
-              <a:rPr lang="en-US" sz="2800" dirty="0" smtClean="0"/>
-              <a:t>char, else, for, if, int, long, return, short, </a:t>
-            </a:r>
-            <a:r>
-              <a:rPr lang="en-US" sz="2800" dirty="0" smtClean="0"/>
-              <a:t>signed</a:t>
-            </a:r>
-            <a:r>
-              <a:rPr lang="en-US" sz="2800" dirty="0" smtClean="0"/>
-              <a:t>, struct, unsigned, void, while, main</a:t>
+              <a:rPr lang="en-US" sz="2800" dirty="0"/>
+              <a:t>char, else, for, if, int, long, return, short, signed, struct, unsigned, void, while, main</a:t>
             </a:r>
           </a:p>
           <a:p>
@@ -7836,16 +7173,12 @@
               <a:buAutoNum type="arabicPeriod"/>
             </a:pPr>
             <a:r>
-              <a:rPr lang="en-US" sz="2800" b="1" dirty="0" smtClean="0"/>
+              <a:rPr lang="en-US" sz="2800" b="1" dirty="0"/>
               <a:t>Identification of valid identifiers </a:t>
             </a:r>
             <a:r>
-              <a:rPr lang="en-US" sz="2800" dirty="0" smtClean="0"/>
-              <a:t>used in the </a:t>
-            </a:r>
-            <a:r>
-              <a:rPr lang="en-US" sz="2800" dirty="0" smtClean="0"/>
-              <a:t>language</a:t>
+              <a:rPr lang="en-US" sz="2800" dirty="0"/>
+              <a:t>used in the language</a:t>
             </a:r>
           </a:p>
           <a:p>
@@ -7853,22 +7186,13 @@
               <a:buAutoNum type="arabicPeriod"/>
             </a:pPr>
             <a:r>
-              <a:rPr lang="en-US" b="1" dirty="0" smtClean="0"/>
+              <a:rPr lang="en-US" b="1" dirty="0"/>
               <a:t>Looping Constructs</a:t>
             </a:r>
             <a:r>
-              <a:rPr lang="en-US" sz="2800" dirty="0" smtClean="0"/>
-              <a:t>: It will support nested for and while </a:t>
-            </a:r>
-            <a:r>
-              <a:rPr lang="en-US" sz="2800" dirty="0" smtClean="0"/>
-              <a:t>loops</a:t>
-            </a:r>
-            <a:r>
-              <a:rPr lang="en-US" sz="2800" dirty="0" smtClean="0"/>
-              <a:t>.</a:t>
-            </a:r>
-            <a:endParaRPr lang="en-US" sz="2800" dirty="0" smtClean="0"/>
+              <a:rPr lang="en-US" sz="2800" dirty="0"/>
+              <a:t>: It will support nested for and while loops.</a:t>
+            </a:r>
           </a:p>
         </p:txBody>
       </p:sp>
@@ -7877,13 +7201,6 @@
   <p:clrMapOvr>
     <a:masterClrMapping/>
   </p:clrMapOvr>
-  <p:timing>
-    <p:tnLst>
-      <p:par>
-        <p:cTn id="1" dur="indefinite" restart="never" nodeType="tmRoot"/>
-      </p:par>
-    </p:tnLst>
-  </p:timing>
 </p:sld>
 </file>
 
@@ -7930,161 +7247,90 @@
               <a:buNone/>
             </a:pPr>
             <a:r>
-              <a:rPr lang="en-US" sz="2800" dirty="0" smtClean="0"/>
-              <a:t>Syntax</a:t>
-            </a:r>
-            <a:r>
-              <a:rPr lang="en-US" sz="2800" dirty="0" smtClean="0"/>
-              <a:t>:-</a:t>
-            </a:r>
-            <a:endParaRPr lang="en-US" sz="2800" dirty="0" smtClean="0"/>
-          </a:p>
-          <a:p>
-            <a:pPr>
-              <a:buNone/>
-            </a:pPr>
-            <a:r>
-              <a:rPr lang="en-US" sz="2800" dirty="0" smtClean="0"/>
-              <a:t>int i</a:t>
-            </a:r>
-            <a:r>
-              <a:rPr lang="en-US" sz="2800" dirty="0" smtClean="0"/>
-              <a:t>;</a:t>
-            </a:r>
-          </a:p>
-          <a:p>
-            <a:pPr>
-              <a:buNone/>
-            </a:pPr>
-            <a:r>
-              <a:rPr lang="en-US" sz="2800" dirty="0" smtClean="0"/>
-              <a:t>for(i=0;i &lt;</a:t>
-            </a:r>
-            <a:r>
-              <a:rPr lang="en-US" sz="2800" dirty="0" smtClean="0"/>
-              <a:t>n;i</a:t>
-            </a:r>
-            <a:r>
-              <a:rPr lang="en-US" sz="2800" dirty="0" smtClean="0"/>
-              <a:t>++) </a:t>
-            </a:r>
-            <a:r>
-              <a:rPr lang="en-US" sz="2800" dirty="0" smtClean="0"/>
-              <a:t>{ </a:t>
-            </a:r>
-            <a:r>
-              <a:rPr lang="en-US" sz="2800" dirty="0" smtClean="0"/>
-              <a:t>} int x; while(x&lt;10) { … x</a:t>
-            </a:r>
-            <a:r>
-              <a:rPr lang="en-US" sz="2800" dirty="0" smtClean="0"/>
-              <a:t>++}</a:t>
-            </a:r>
-          </a:p>
-          <a:p>
-            <a:pPr>
-              <a:buNone/>
-            </a:pPr>
-            <a:r>
-              <a:rPr lang="en-US" sz="2800" dirty="0" smtClean="0"/>
-              <a:t>6. Conditional Constructs: if...else-if...else </a:t>
-            </a:r>
-            <a:r>
-              <a:rPr lang="en-US" sz="2800" dirty="0" smtClean="0"/>
-              <a:t>statements</a:t>
-            </a:r>
-          </a:p>
-          <a:p>
-            <a:pPr>
-              <a:buNone/>
-            </a:pPr>
-            <a:r>
-              <a:rPr lang="en-US" sz="2800" dirty="0" smtClean="0"/>
-              <a:t>7</a:t>
-            </a:r>
-            <a:r>
-              <a:rPr lang="en-US" sz="2800" dirty="0" smtClean="0"/>
-              <a:t>. Operators: ADD(+), MULTIPLY(*), DIVIDE(/), MODULO(%), AND(&amp;), OR</a:t>
-            </a:r>
-            <a:r>
-              <a:rPr lang="en-US" sz="2800" dirty="0" smtClean="0"/>
-              <a:t>(|)</a:t>
-            </a:r>
-          </a:p>
-          <a:p>
-            <a:pPr>
-              <a:buNone/>
-            </a:pPr>
-            <a:r>
-              <a:rPr lang="en-US" sz="2800" dirty="0" smtClean="0"/>
-              <a:t>8</a:t>
-            </a:r>
-            <a:r>
-              <a:rPr lang="en-US" sz="2800" dirty="0" smtClean="0"/>
-              <a:t>. Delimiters: SEMICOLON(;), COMMA(,) </a:t>
-            </a:r>
-            <a:endParaRPr lang="en-US" sz="2800" dirty="0" smtClean="0"/>
-          </a:p>
-          <a:p>
-            <a:pPr>
-              <a:buNone/>
-            </a:pPr>
-            <a:r>
-              <a:rPr lang="en-US" sz="2800" dirty="0" smtClean="0"/>
-              <a:t>9</a:t>
-            </a:r>
-            <a:r>
-              <a:rPr lang="en-US" sz="2800" dirty="0" smtClean="0"/>
-              <a:t>. Structure construct of the language, Syntax: struct pair{ int a; int b</a:t>
-            </a:r>
-            <a:r>
-              <a:rPr lang="en-US" sz="2800" dirty="0" smtClean="0"/>
-              <a:t>};</a:t>
-            </a:r>
-          </a:p>
-          <a:p>
-            <a:pPr>
-              <a:buNone/>
-            </a:pPr>
-            <a:r>
-              <a:rPr lang="en-US" sz="2800" dirty="0" smtClean="0"/>
-              <a:t>10. Function construct of the language, Syntax: int func(int </a:t>
-            </a:r>
-            <a:r>
-              <a:rPr lang="en-US" sz="2800" dirty="0" smtClean="0"/>
-              <a:t>x) </a:t>
-            </a:r>
-          </a:p>
-          <a:p>
-            <a:pPr>
-              <a:buNone/>
-            </a:pPr>
-            <a:r>
-              <a:rPr lang="en-US" sz="2800" dirty="0" smtClean="0"/>
-              <a:t>11</a:t>
-            </a:r>
-            <a:r>
-              <a:rPr lang="en-US" sz="2800" dirty="0" smtClean="0"/>
-              <a:t>. Support of nested conditional </a:t>
-            </a:r>
-            <a:r>
-              <a:rPr lang="en-US" sz="2800" dirty="0" smtClean="0"/>
-              <a:t>statement</a:t>
-            </a:r>
-          </a:p>
-          <a:p>
-            <a:pPr>
-              <a:buNone/>
-            </a:pPr>
-            <a:r>
-              <a:rPr lang="en-US" sz="2800" dirty="0" smtClean="0"/>
-              <a:t>12</a:t>
-            </a:r>
-            <a:r>
-              <a:rPr lang="en-US" sz="2800" dirty="0" smtClean="0"/>
-              <a:t>. Support for a 1-Dimensional array. Syntax : char s[20];</a:t>
-            </a:r>
-            <a:endParaRPr lang="en-US" sz="2800" dirty="0"/>
+              <a:rPr lang="en-US" sz="2800" dirty="0"/>
+              <a:t>Syntax:-</a:t>
+            </a:r>
+          </a:p>
+          <a:p>
+            <a:pPr>
+              <a:buNone/>
+            </a:pPr>
+            <a:r>
+              <a:rPr lang="en-US" sz="2800" dirty="0"/>
+              <a:t>int i;</a:t>
+            </a:r>
+          </a:p>
+          <a:p>
+            <a:pPr>
+              <a:buNone/>
+            </a:pPr>
+            <a:r>
+              <a:rPr lang="en-US" sz="2800" dirty="0"/>
+              <a:t>for(i=0;i &lt;n;i++) { } int x; while(x&lt;10) { … x++}</a:t>
+            </a:r>
+          </a:p>
+          <a:p>
+            <a:pPr>
+              <a:buNone/>
+            </a:pPr>
+            <a:r>
+              <a:rPr lang="en-US" sz="2800" dirty="0"/>
+              <a:t>6. Conditional Constructs: if...else-if...else statements</a:t>
+            </a:r>
+          </a:p>
+          <a:p>
+            <a:pPr>
+              <a:buNone/>
+            </a:pPr>
+            <a:r>
+              <a:rPr lang="en-US" sz="2800" dirty="0"/>
+              <a:t>7. Operators: ADD(+), MULTIPLY(*), DIVIDE(/), MODULO(%), AND(&amp;), OR(|)</a:t>
+            </a:r>
+          </a:p>
+          <a:p>
+            <a:pPr>
+              <a:buNone/>
+            </a:pPr>
+            <a:r>
+              <a:rPr lang="en-US" sz="2800" dirty="0"/>
+              <a:t>8. Delimiters: SEMICOLON(;), COMMA(,) </a:t>
+            </a:r>
+          </a:p>
+          <a:p>
+            <a:pPr>
+              <a:buNone/>
+            </a:pPr>
+            <a:r>
+              <a:rPr lang="en-US" sz="2800" dirty="0"/>
+              <a:t>9. Structure construct of the language, Syntax: struct pair{ int a; int b};</a:t>
+            </a:r>
+          </a:p>
+          <a:p>
+            <a:pPr>
+              <a:buNone/>
+            </a:pPr>
+            <a:r>
+              <a:rPr lang="en-US" sz="2800" dirty="0"/>
+              <a:t>10. Function construct of the language, Syntax: int func(int x) </a:t>
+            </a:r>
+          </a:p>
+          <a:p>
+            <a:pPr>
+              <a:buNone/>
+            </a:pPr>
+            <a:r>
+              <a:rPr lang="en-US" sz="2800" dirty="0"/>
+              <a:t>11. Support of nested conditional statement</a:t>
+            </a:r>
+          </a:p>
+          <a:p>
+            <a:pPr>
+              <a:buNone/>
+            </a:pPr>
+            <a:r>
+              <a:rPr lang="en-US" sz="2800" dirty="0"/>
+              <a:t>12. Support for a 1-Dimensional array. Syntax : char s[20];</a:t>
+            </a:r>
           </a:p>
         </p:txBody>
       </p:sp>
@@ -8093,13 +7339,6 @@
   <p:clrMapOvr>
     <a:masterClrMapping/>
   </p:clrMapOvr>
-  <p:timing>
-    <p:tnLst>
-      <p:par>
-        <p:cTn id="1" dur="indefinite" restart="never" nodeType="tmRoot"/>
-      </p:par>
-    </p:tnLst>
-  </p:timing>
 </p:sld>
 </file>
 
@@ -8149,19 +7388,15 @@
           <a:p>
             <a:pPr algn="l"/>
             <a:r>
-              <a:rPr lang="en-US" sz="4900" b="1" dirty="0" smtClean="0">
+              <a:rPr lang="en-US" sz="4900" b="1" dirty="0">
                 <a:solidFill>
                   <a:srgbClr val="FF0000"/>
                 </a:solidFill>
               </a:rPr>
               <a:t>Introduction</a:t>
             </a:r>
-            <a:r>
-              <a:rPr lang="en-US" dirty="0" smtClean="0"/>
-              <a:t/>
-            </a:r>
             <a:br>
-              <a:rPr lang="en-US" dirty="0" smtClean="0"/>
+              <a:rPr lang="en-US" dirty="0"/>
             </a:br>
             <a:endParaRPr lang="en-US" dirty="0"/>
           </a:p>
@@ -8193,12 +7428,8 @@
               <a:buNone/>
             </a:pPr>
             <a:r>
-              <a:rPr lang="en-US" b="1" u="sng" dirty="0" smtClean="0"/>
-              <a:t>Lexical </a:t>
-            </a:r>
-            <a:r>
-              <a:rPr lang="en-US" b="1" u="sng" dirty="0" smtClean="0"/>
-              <a:t>Analysis :</a:t>
+              <a:rPr lang="en-US" b="1" u="sng" dirty="0"/>
+              <a:t>Lexical Analysis :</a:t>
             </a:r>
           </a:p>
           <a:p>
@@ -8207,12 +7438,8 @@
               <a:buChar char="v"/>
             </a:pPr>
             <a:r>
-              <a:rPr lang="en-US" dirty="0" smtClean="0"/>
-              <a:t>Lexical Analysis is the first process of the compiler</a:t>
-            </a:r>
-            <a:r>
-              <a:rPr lang="en-US" dirty="0" smtClean="0"/>
-              <a:t>.</a:t>
+              <a:rPr lang="en-US" dirty="0"/>
+              <a:t>Lexical Analysis is the first process of the compiler.</a:t>
             </a:r>
           </a:p>
           <a:p>
@@ -8221,12 +7448,8 @@
               <a:buChar char="v"/>
             </a:pPr>
             <a:r>
-              <a:rPr lang="en-US" dirty="0" smtClean="0"/>
-              <a:t>The input to a lexical analyzer is a high-level language program, such as a ’C’ program in the form of a sequence of characters</a:t>
-            </a:r>
-            <a:r>
-              <a:rPr lang="en-US" dirty="0" smtClean="0"/>
-              <a:t>.</a:t>
+              <a:rPr lang="en-US" dirty="0"/>
+              <a:t>The input to a lexical analyzer is a high-level language program, such as a ’C’ program in the form of a sequence of characters.</a:t>
             </a:r>
           </a:p>
           <a:p>
@@ -8235,12 +7458,8 @@
               <a:buChar char="v"/>
             </a:pPr>
             <a:r>
-              <a:rPr lang="en-US" dirty="0" smtClean="0"/>
-              <a:t>The output is a sequence of tokens, which is passed to the parser for syntax analysis</a:t>
-            </a:r>
-            <a:r>
-              <a:rPr lang="en-US" dirty="0" smtClean="0"/>
-              <a:t>.</a:t>
+              <a:rPr lang="en-US" dirty="0"/>
+              <a:t>The output is a sequence of tokens, which is passed to the parser for syntax analysis.</a:t>
             </a:r>
           </a:p>
           <a:p>
@@ -8249,12 +7468,8 @@
               <a:buChar char="v"/>
             </a:pPr>
             <a:r>
-              <a:rPr lang="en-US" dirty="0" smtClean="0"/>
-              <a:t>The blanks, tabs, newlines, and comments from the source program are removed</a:t>
-            </a:r>
-            <a:r>
-              <a:rPr lang="en-US" dirty="0" smtClean="0"/>
-              <a:t>.</a:t>
+              <a:rPr lang="en-US" dirty="0"/>
+              <a:t>The blanks, tabs, newlines, and comments from the source program are removed.</a:t>
             </a:r>
           </a:p>
           <a:p>
@@ -8263,10 +7478,9 @@
               <a:buChar char="v"/>
             </a:pPr>
             <a:r>
-              <a:rPr lang="en-US" dirty="0" smtClean="0"/>
+              <a:rPr lang="en-US" dirty="0"/>
               <a:t>It keeps track of line numbers and associates error messages from various parts of a compiler with line numbers.</a:t>
             </a:r>
-            <a:endParaRPr lang="en-US" dirty="0" smtClean="0"/>
           </a:p>
         </p:txBody>
       </p:sp>
@@ -8275,13 +7489,6 @@
   <p:clrMapOvr>
     <a:overrideClrMapping bg1="lt1" tx1="dk1" bg2="lt2" tx2="dk2" accent1="accent1" accent2="accent2" accent3="accent3" accent4="accent4" accent5="accent5" accent6="accent6" hlink="hlink" folHlink="folHlink"/>
   </p:clrMapOvr>
-  <p:timing>
-    <p:tnLst>
-      <p:par>
-        <p:cTn id="1" dur="indefinite" restart="never" nodeType="tmRoot"/>
-      </p:par>
-    </p:tnLst>
-  </p:timing>
 </p:sld>
 </file>
 
@@ -8328,12 +7535,8 @@
               <a:buNone/>
             </a:pPr>
             <a:r>
-              <a:rPr lang="en-US" b="1" u="sng" dirty="0" smtClean="0"/>
-              <a:t>Flex </a:t>
-            </a:r>
-            <a:r>
-              <a:rPr lang="en-US" b="1" u="sng" dirty="0" smtClean="0"/>
-              <a:t>Script</a:t>
+              <a:rPr lang="en-US" b="1" u="sng" dirty="0"/>
+              <a:t>Flex Script</a:t>
             </a:r>
           </a:p>
           <a:p>
@@ -8342,15 +7545,15 @@
               <a:buChar char="v"/>
             </a:pPr>
             <a:r>
-              <a:rPr lang="en-US" sz="2800" dirty="0" smtClean="0"/>
+              <a:rPr lang="en-US" sz="2800" dirty="0"/>
               <a:t>FLEX (Fast </a:t>
             </a:r>
             <a:r>
-              <a:rPr lang="en-US" sz="2800" dirty="0" err="1" smtClean="0"/>
+              <a:rPr lang="en-US" sz="2800" dirty="0" err="1"/>
               <a:t>LEXical</a:t>
             </a:r>
             <a:r>
-              <a:rPr lang="en-US" sz="2800" dirty="0" smtClean="0"/>
+              <a:rPr lang="en-US" sz="2800" dirty="0"/>
               <a:t> analyzer generator) is a tool for generating scanners. Instead of writing a scanner from scratch, we only need to identify the vocabulary of a particular language (e.g., C language), write a specification of patterns using regular expressions (e.g., DIGIT [0-9]), and FLEX constructs a scanner for us. FLEX workflow depicted as:</a:t>
             </a:r>
           </a:p>
@@ -8391,13 +7594,6 @@
   <p:clrMapOvr>
     <a:masterClrMapping/>
   </p:clrMapOvr>
-  <p:timing>
-    <p:tnLst>
-      <p:par>
-        <p:cTn id="1" dur="indefinite" restart="never" nodeType="tmRoot"/>
-      </p:par>
-    </p:tnLst>
-  </p:timing>
 </p:sld>
 </file>
 
@@ -8443,10 +7639,9 @@
               <a:buChar char="v"/>
             </a:pPr>
             <a:r>
-              <a:rPr lang="en-US" dirty="0" smtClean="0"/>
+              <a:rPr lang="en-US" dirty="0"/>
               <a:t>First, FLEX reads a specification of a scanner either from an input file *.lex, or from standard input, and it generates as output a C source file lex.yy.c. </a:t>
             </a:r>
-            <a:endParaRPr lang="en-US" dirty="0" smtClean="0"/>
           </a:p>
           <a:p>
             <a:pPr>
@@ -8454,14 +7649,9 @@
               <a:buChar char="v"/>
             </a:pPr>
             <a:r>
-              <a:rPr lang="en-US" dirty="0" smtClean="0"/>
-              <a:t>Then</a:t>
-            </a:r>
-            <a:r>
-              <a:rPr lang="en-US" dirty="0" smtClean="0"/>
-              <a:t>, lex.yy.c is compiled and linked with the "-lfl" library to produce an executable a.out. Finally, a.out analyzes its input stream and transforms it into a sequence of tokens. The format of the input file contains three sections. These sections are separated by a line with “%%” symbol.</a:t>
-            </a:r>
-            <a:endParaRPr lang="en-US" dirty="0"/>
+              <a:rPr lang="en-US" dirty="0"/>
+              <a:t>Then, lex.yy.c is compiled and linked with the "-lfl" library to produce an executable a.out. Finally, a.out analyzes its input stream and transforms it into a sequence of tokens. The format of the input file contains three sections. These sections are separated by a line with “%%” symbol.</a:t>
+            </a:r>
           </a:p>
         </p:txBody>
       </p:sp>
@@ -8470,13 +7660,6 @@
   <p:clrMapOvr>
     <a:masterClrMapping/>
   </p:clrMapOvr>
-  <p:timing>
-    <p:tnLst>
-      <p:par>
-        <p:cTn id="1" dur="indefinite" restart="never" nodeType="tmRoot"/>
-      </p:par>
-    </p:tnLst>
-  </p:timing>
 </p:sld>
 </file>
 

--- a/CD PPT.pptx
+++ b/CD PPT.pptx
@@ -4,46 +4,36 @@
   <p:sldMasterIdLst>
     <p:sldMasterId id="2147483648" r:id="rId1"/>
   </p:sldMasterIdLst>
+  <p:notesMasterIdLst>
+    <p:notesMasterId r:id="rId28"/>
+  </p:notesMasterIdLst>
   <p:sldIdLst>
     <p:sldId id="256" r:id="rId2"/>
-    <p:sldId id="257" r:id="rId3"/>
-    <p:sldId id="258" r:id="rId4"/>
-    <p:sldId id="259" r:id="rId5"/>
-    <p:sldId id="260" r:id="rId6"/>
-    <p:sldId id="261" r:id="rId7"/>
-    <p:sldId id="262" r:id="rId8"/>
-    <p:sldId id="263" r:id="rId9"/>
-    <p:sldId id="264" r:id="rId10"/>
-    <p:sldId id="265" r:id="rId11"/>
-    <p:sldId id="266" r:id="rId12"/>
-    <p:sldId id="267" r:id="rId13"/>
-    <p:sldId id="268" r:id="rId14"/>
-    <p:sldId id="269" r:id="rId15"/>
-    <p:sldId id="270" r:id="rId16"/>
-    <p:sldId id="271" r:id="rId17"/>
-    <p:sldId id="272" r:id="rId18"/>
-    <p:sldId id="273" r:id="rId19"/>
-    <p:sldId id="274" r:id="rId20"/>
-    <p:sldId id="275" r:id="rId21"/>
-    <p:sldId id="276" r:id="rId22"/>
-    <p:sldId id="277" r:id="rId23"/>
-    <p:sldId id="278" r:id="rId24"/>
-    <p:sldId id="279" r:id="rId25"/>
-    <p:sldId id="280" r:id="rId26"/>
-    <p:sldId id="281" r:id="rId27"/>
-    <p:sldId id="282" r:id="rId28"/>
-    <p:sldId id="283" r:id="rId29"/>
-    <p:sldId id="284" r:id="rId30"/>
-    <p:sldId id="285" r:id="rId31"/>
-    <p:sldId id="286" r:id="rId32"/>
-    <p:sldId id="287" r:id="rId33"/>
-    <p:sldId id="288" r:id="rId34"/>
-    <p:sldId id="289" r:id="rId35"/>
-    <p:sldId id="290" r:id="rId36"/>
-    <p:sldId id="291" r:id="rId37"/>
-    <p:sldId id="292" r:id="rId38"/>
-    <p:sldId id="293" r:id="rId39"/>
-    <p:sldId id="294" r:id="rId40"/>
+    <p:sldId id="295" r:id="rId3"/>
+    <p:sldId id="257" r:id="rId4"/>
+    <p:sldId id="258" r:id="rId5"/>
+    <p:sldId id="259" r:id="rId6"/>
+    <p:sldId id="260" r:id="rId7"/>
+    <p:sldId id="297" r:id="rId8"/>
+    <p:sldId id="262" r:id="rId9"/>
+    <p:sldId id="263" r:id="rId10"/>
+    <p:sldId id="269" r:id="rId11"/>
+    <p:sldId id="270" r:id="rId12"/>
+    <p:sldId id="271" r:id="rId13"/>
+    <p:sldId id="267" r:id="rId14"/>
+    <p:sldId id="268" r:id="rId15"/>
+    <p:sldId id="272" r:id="rId16"/>
+    <p:sldId id="275" r:id="rId17"/>
+    <p:sldId id="276" r:id="rId18"/>
+    <p:sldId id="296" r:id="rId19"/>
+    <p:sldId id="277" r:id="rId20"/>
+    <p:sldId id="278" r:id="rId21"/>
+    <p:sldId id="282" r:id="rId22"/>
+    <p:sldId id="283" r:id="rId23"/>
+    <p:sldId id="286" r:id="rId24"/>
+    <p:sldId id="292" r:id="rId25"/>
+    <p:sldId id="293" r:id="rId26"/>
+    <p:sldId id="294" r:id="rId27"/>
   </p:sldIdLst>
   <p:sldSz cx="9144000" cy="6858000" type="screen4x3"/>
   <p:notesSz cx="6858000" cy="9144000"/>
@@ -161,6 +151,440 @@
 </p:presentation>
 </file>
 
+<file path=ppt/notesMasters/notesMaster1.xml><?xml version="1.0" encoding="utf-8"?>
+<p:notesMaster xmlns:a="http://schemas.openxmlformats.org/drawingml/2006/main" xmlns:r="http://schemas.openxmlformats.org/officeDocument/2006/relationships" xmlns:p="http://schemas.openxmlformats.org/presentationml/2006/main">
+  <p:cSld>
+    <p:bg>
+      <p:bgRef idx="1001">
+        <a:schemeClr val="bg1"/>
+      </p:bgRef>
+    </p:bg>
+    <p:spTree>
+      <p:nvGrpSpPr>
+        <p:cNvPr id="1" name=""/>
+        <p:cNvGrpSpPr/>
+        <p:nvPr/>
+      </p:nvGrpSpPr>
+      <p:grpSpPr>
+        <a:xfrm>
+          <a:off x="0" y="0"/>
+          <a:ext cx="0" cy="0"/>
+          <a:chOff x="0" y="0"/>
+          <a:chExt cx="0" cy="0"/>
+        </a:xfrm>
+      </p:grpSpPr>
+      <p:sp>
+        <p:nvSpPr>
+          <p:cNvPr id="2" name="Header Placeholder 1"/>
+          <p:cNvSpPr>
+            <a:spLocks noGrp="1"/>
+          </p:cNvSpPr>
+          <p:nvPr>
+            <p:ph type="hdr" sz="quarter"/>
+          </p:nvPr>
+        </p:nvSpPr>
+        <p:spPr>
+          <a:xfrm>
+            <a:off x="0" y="0"/>
+            <a:ext cx="2971800" cy="458788"/>
+          </a:xfrm>
+          <a:prstGeom prst="rect">
+            <a:avLst/>
+          </a:prstGeom>
+        </p:spPr>
+        <p:txBody>
+          <a:bodyPr vert="horz" lIns="91440" tIns="45720" rIns="91440" bIns="45720" rtlCol="0"/>
+          <a:lstStyle>
+            <a:lvl1pPr algn="l">
+              <a:defRPr sz="1200"/>
+            </a:lvl1pPr>
+          </a:lstStyle>
+          <a:p>
+            <a:endParaRPr lang="en-IN"/>
+          </a:p>
+        </p:txBody>
+      </p:sp>
+      <p:sp>
+        <p:nvSpPr>
+          <p:cNvPr id="3" name="Date Placeholder 2"/>
+          <p:cNvSpPr>
+            <a:spLocks noGrp="1"/>
+          </p:cNvSpPr>
+          <p:nvPr>
+            <p:ph type="dt" idx="1"/>
+          </p:nvPr>
+        </p:nvSpPr>
+        <p:spPr>
+          <a:xfrm>
+            <a:off x="3884613" y="0"/>
+            <a:ext cx="2971800" cy="458788"/>
+          </a:xfrm>
+          <a:prstGeom prst="rect">
+            <a:avLst/>
+          </a:prstGeom>
+        </p:spPr>
+        <p:txBody>
+          <a:bodyPr vert="horz" lIns="91440" tIns="45720" rIns="91440" bIns="45720" rtlCol="0"/>
+          <a:lstStyle>
+            <a:lvl1pPr algn="r">
+              <a:defRPr sz="1200"/>
+            </a:lvl1pPr>
+          </a:lstStyle>
+          <a:p>
+            <a:fld id="{1CFE2F17-E694-47AC-9302-44A4B0B363D1}" type="datetimeFigureOut">
+              <a:rPr lang="en-IN" smtClean="0"/>
+              <a:t>06-02-2024</a:t>
+            </a:fld>
+            <a:endParaRPr lang="en-IN"/>
+          </a:p>
+        </p:txBody>
+      </p:sp>
+      <p:sp>
+        <p:nvSpPr>
+          <p:cNvPr id="4" name="Slide Image Placeholder 3"/>
+          <p:cNvSpPr>
+            <a:spLocks noGrp="1" noRot="1" noChangeAspect="1"/>
+          </p:cNvSpPr>
+          <p:nvPr>
+            <p:ph type="sldImg" idx="2"/>
+          </p:nvPr>
+        </p:nvSpPr>
+        <p:spPr>
+          <a:xfrm>
+            <a:off x="1371600" y="1143000"/>
+            <a:ext cx="4114800" cy="3086100"/>
+          </a:xfrm>
+          <a:prstGeom prst="rect">
+            <a:avLst/>
+          </a:prstGeom>
+          <a:noFill/>
+          <a:ln w="12700">
+            <a:solidFill>
+              <a:prstClr val="black"/>
+            </a:solidFill>
+          </a:ln>
+        </p:spPr>
+        <p:txBody>
+          <a:bodyPr vert="horz" lIns="91440" tIns="45720" rIns="91440" bIns="45720" rtlCol="0" anchor="ctr"/>
+          <a:lstStyle/>
+          <a:p>
+            <a:endParaRPr lang="en-IN"/>
+          </a:p>
+        </p:txBody>
+      </p:sp>
+      <p:sp>
+        <p:nvSpPr>
+          <p:cNvPr id="5" name="Notes Placeholder 4"/>
+          <p:cNvSpPr>
+            <a:spLocks noGrp="1"/>
+          </p:cNvSpPr>
+          <p:nvPr>
+            <p:ph type="body" sz="quarter" idx="3"/>
+          </p:nvPr>
+        </p:nvSpPr>
+        <p:spPr>
+          <a:xfrm>
+            <a:off x="685800" y="4400550"/>
+            <a:ext cx="5486400" cy="3600450"/>
+          </a:xfrm>
+          <a:prstGeom prst="rect">
+            <a:avLst/>
+          </a:prstGeom>
+        </p:spPr>
+        <p:txBody>
+          <a:bodyPr vert="horz" lIns="91440" tIns="45720" rIns="91440" bIns="45720" rtlCol="0"/>
+          <a:lstStyle/>
+          <a:p>
+            <a:pPr lvl="0"/>
+            <a:r>
+              <a:rPr lang="en-US"/>
+              <a:t>Click to edit Master text styles</a:t>
+            </a:r>
+          </a:p>
+          <a:p>
+            <a:pPr lvl="1"/>
+            <a:r>
+              <a:rPr lang="en-US"/>
+              <a:t>Second level</a:t>
+            </a:r>
+          </a:p>
+          <a:p>
+            <a:pPr lvl="2"/>
+            <a:r>
+              <a:rPr lang="en-US"/>
+              <a:t>Third level</a:t>
+            </a:r>
+          </a:p>
+          <a:p>
+            <a:pPr lvl="3"/>
+            <a:r>
+              <a:rPr lang="en-US"/>
+              <a:t>Fourth level</a:t>
+            </a:r>
+          </a:p>
+          <a:p>
+            <a:pPr lvl="4"/>
+            <a:r>
+              <a:rPr lang="en-US"/>
+              <a:t>Fifth level</a:t>
+            </a:r>
+            <a:endParaRPr lang="en-IN"/>
+          </a:p>
+        </p:txBody>
+      </p:sp>
+      <p:sp>
+        <p:nvSpPr>
+          <p:cNvPr id="6" name="Footer Placeholder 5"/>
+          <p:cNvSpPr>
+            <a:spLocks noGrp="1"/>
+          </p:cNvSpPr>
+          <p:nvPr>
+            <p:ph type="ftr" sz="quarter" idx="4"/>
+          </p:nvPr>
+        </p:nvSpPr>
+        <p:spPr>
+          <a:xfrm>
+            <a:off x="0" y="8685213"/>
+            <a:ext cx="2971800" cy="458787"/>
+          </a:xfrm>
+          <a:prstGeom prst="rect">
+            <a:avLst/>
+          </a:prstGeom>
+        </p:spPr>
+        <p:txBody>
+          <a:bodyPr vert="horz" lIns="91440" tIns="45720" rIns="91440" bIns="45720" rtlCol="0" anchor="b"/>
+          <a:lstStyle>
+            <a:lvl1pPr algn="l">
+              <a:defRPr sz="1200"/>
+            </a:lvl1pPr>
+          </a:lstStyle>
+          <a:p>
+            <a:endParaRPr lang="en-IN"/>
+          </a:p>
+        </p:txBody>
+      </p:sp>
+      <p:sp>
+        <p:nvSpPr>
+          <p:cNvPr id="7" name="Slide Number Placeholder 6"/>
+          <p:cNvSpPr>
+            <a:spLocks noGrp="1"/>
+          </p:cNvSpPr>
+          <p:nvPr>
+            <p:ph type="sldNum" sz="quarter" idx="5"/>
+          </p:nvPr>
+        </p:nvSpPr>
+        <p:spPr>
+          <a:xfrm>
+            <a:off x="3884613" y="8685213"/>
+            <a:ext cx="2971800" cy="458787"/>
+          </a:xfrm>
+          <a:prstGeom prst="rect">
+            <a:avLst/>
+          </a:prstGeom>
+        </p:spPr>
+        <p:txBody>
+          <a:bodyPr vert="horz" lIns="91440" tIns="45720" rIns="91440" bIns="45720" rtlCol="0" anchor="b"/>
+          <a:lstStyle>
+            <a:lvl1pPr algn="r">
+              <a:defRPr sz="1200"/>
+            </a:lvl1pPr>
+          </a:lstStyle>
+          <a:p>
+            <a:fld id="{FF9503F0-B287-47BD-9CE1-BE0A1D906826}" type="slidenum">
+              <a:rPr lang="en-IN" smtClean="0"/>
+              <a:t>‹#›</a:t>
+            </a:fld>
+            <a:endParaRPr lang="en-IN"/>
+          </a:p>
+        </p:txBody>
+      </p:sp>
+    </p:spTree>
+    <p:extLst>
+      <p:ext uri="{BB962C8B-B14F-4D97-AF65-F5344CB8AC3E}">
+        <p14:creationId xmlns:p14="http://schemas.microsoft.com/office/powerpoint/2010/main" val="408106252"/>
+      </p:ext>
+    </p:extLst>
+  </p:cSld>
+  <p:clrMap bg1="lt1" tx1="dk1" bg2="lt2" tx2="dk2" accent1="accent1" accent2="accent2" accent3="accent3" accent4="accent4" accent5="accent5" accent6="accent6" hlink="hlink" folHlink="folHlink"/>
+  <p:notesStyle>
+    <a:lvl1pPr marL="0" algn="l" defTabSz="914400" rtl="0" eaLnBrk="1" latinLnBrk="0" hangingPunct="1">
+      <a:defRPr sz="1200" kern="1200">
+        <a:solidFill>
+          <a:schemeClr val="tx1"/>
+        </a:solidFill>
+        <a:latin typeface="+mn-lt"/>
+        <a:ea typeface="+mn-ea"/>
+        <a:cs typeface="+mn-cs"/>
+      </a:defRPr>
+    </a:lvl1pPr>
+    <a:lvl2pPr marL="457200" algn="l" defTabSz="914400" rtl="0" eaLnBrk="1" latinLnBrk="0" hangingPunct="1">
+      <a:defRPr sz="1200" kern="1200">
+        <a:solidFill>
+          <a:schemeClr val="tx1"/>
+        </a:solidFill>
+        <a:latin typeface="+mn-lt"/>
+        <a:ea typeface="+mn-ea"/>
+        <a:cs typeface="+mn-cs"/>
+      </a:defRPr>
+    </a:lvl2pPr>
+    <a:lvl3pPr marL="914400" algn="l" defTabSz="914400" rtl="0" eaLnBrk="1" latinLnBrk="0" hangingPunct="1">
+      <a:defRPr sz="1200" kern="1200">
+        <a:solidFill>
+          <a:schemeClr val="tx1"/>
+        </a:solidFill>
+        <a:latin typeface="+mn-lt"/>
+        <a:ea typeface="+mn-ea"/>
+        <a:cs typeface="+mn-cs"/>
+      </a:defRPr>
+    </a:lvl3pPr>
+    <a:lvl4pPr marL="1371600" algn="l" defTabSz="914400" rtl="0" eaLnBrk="1" latinLnBrk="0" hangingPunct="1">
+      <a:defRPr sz="1200" kern="1200">
+        <a:solidFill>
+          <a:schemeClr val="tx1"/>
+        </a:solidFill>
+        <a:latin typeface="+mn-lt"/>
+        <a:ea typeface="+mn-ea"/>
+        <a:cs typeface="+mn-cs"/>
+      </a:defRPr>
+    </a:lvl4pPr>
+    <a:lvl5pPr marL="1828800" algn="l" defTabSz="914400" rtl="0" eaLnBrk="1" latinLnBrk="0" hangingPunct="1">
+      <a:defRPr sz="1200" kern="1200">
+        <a:solidFill>
+          <a:schemeClr val="tx1"/>
+        </a:solidFill>
+        <a:latin typeface="+mn-lt"/>
+        <a:ea typeface="+mn-ea"/>
+        <a:cs typeface="+mn-cs"/>
+      </a:defRPr>
+    </a:lvl5pPr>
+    <a:lvl6pPr marL="2286000" algn="l" defTabSz="914400" rtl="0" eaLnBrk="1" latinLnBrk="0" hangingPunct="1">
+      <a:defRPr sz="1200" kern="1200">
+        <a:solidFill>
+          <a:schemeClr val="tx1"/>
+        </a:solidFill>
+        <a:latin typeface="+mn-lt"/>
+        <a:ea typeface="+mn-ea"/>
+        <a:cs typeface="+mn-cs"/>
+      </a:defRPr>
+    </a:lvl6pPr>
+    <a:lvl7pPr marL="2743200" algn="l" defTabSz="914400" rtl="0" eaLnBrk="1" latinLnBrk="0" hangingPunct="1">
+      <a:defRPr sz="1200" kern="1200">
+        <a:solidFill>
+          <a:schemeClr val="tx1"/>
+        </a:solidFill>
+        <a:latin typeface="+mn-lt"/>
+        <a:ea typeface="+mn-ea"/>
+        <a:cs typeface="+mn-cs"/>
+      </a:defRPr>
+    </a:lvl7pPr>
+    <a:lvl8pPr marL="3200400" algn="l" defTabSz="914400" rtl="0" eaLnBrk="1" latinLnBrk="0" hangingPunct="1">
+      <a:defRPr sz="1200" kern="1200">
+        <a:solidFill>
+          <a:schemeClr val="tx1"/>
+        </a:solidFill>
+        <a:latin typeface="+mn-lt"/>
+        <a:ea typeface="+mn-ea"/>
+        <a:cs typeface="+mn-cs"/>
+      </a:defRPr>
+    </a:lvl8pPr>
+    <a:lvl9pPr marL="3657600" algn="l" defTabSz="914400" rtl="0" eaLnBrk="1" latinLnBrk="0" hangingPunct="1">
+      <a:defRPr sz="1200" kern="1200">
+        <a:solidFill>
+          <a:schemeClr val="tx1"/>
+        </a:solidFill>
+        <a:latin typeface="+mn-lt"/>
+        <a:ea typeface="+mn-ea"/>
+        <a:cs typeface="+mn-cs"/>
+      </a:defRPr>
+    </a:lvl9pPr>
+  </p:notesStyle>
+</p:notesMaster>
+</file>
+
+<file path=ppt/notesSlides/notesSlide1.xml><?xml version="1.0" encoding="utf-8"?>
+<p:notes xmlns:a="http://schemas.openxmlformats.org/drawingml/2006/main" xmlns:r="http://schemas.openxmlformats.org/officeDocument/2006/relationships" xmlns:p="http://schemas.openxmlformats.org/presentationml/2006/main">
+  <p:cSld>
+    <p:spTree>
+      <p:nvGrpSpPr>
+        <p:cNvPr id="1" name=""/>
+        <p:cNvGrpSpPr/>
+        <p:nvPr/>
+      </p:nvGrpSpPr>
+      <p:grpSpPr>
+        <a:xfrm>
+          <a:off x="0" y="0"/>
+          <a:ext cx="0" cy="0"/>
+          <a:chOff x="0" y="0"/>
+          <a:chExt cx="0" cy="0"/>
+        </a:xfrm>
+      </p:grpSpPr>
+      <p:sp>
+        <p:nvSpPr>
+          <p:cNvPr id="2" name="Slide Image Placeholder 1"/>
+          <p:cNvSpPr>
+            <a:spLocks noGrp="1" noRot="1" noChangeAspect="1"/>
+          </p:cNvSpPr>
+          <p:nvPr>
+            <p:ph type="sldImg"/>
+          </p:nvPr>
+        </p:nvSpPr>
+        <p:spPr/>
+      </p:sp>
+      <p:sp>
+        <p:nvSpPr>
+          <p:cNvPr id="3" name="Notes Placeholder 2"/>
+          <p:cNvSpPr>
+            <a:spLocks noGrp="1"/>
+          </p:cNvSpPr>
+          <p:nvPr>
+            <p:ph type="body" idx="1"/>
+          </p:nvPr>
+        </p:nvSpPr>
+        <p:spPr/>
+        <p:txBody>
+          <a:bodyPr/>
+          <a:lstStyle/>
+          <a:p>
+            <a:endParaRPr lang="en-IN" dirty="0"/>
+          </a:p>
+        </p:txBody>
+      </p:sp>
+      <p:sp>
+        <p:nvSpPr>
+          <p:cNvPr id="4" name="Slide Number Placeholder 3"/>
+          <p:cNvSpPr>
+            <a:spLocks noGrp="1"/>
+          </p:cNvSpPr>
+          <p:nvPr>
+            <p:ph type="sldNum" sz="quarter" idx="5"/>
+          </p:nvPr>
+        </p:nvSpPr>
+        <p:spPr/>
+        <p:txBody>
+          <a:bodyPr/>
+          <a:lstStyle/>
+          <a:p>
+            <a:fld id="{FF9503F0-B287-47BD-9CE1-BE0A1D906826}" type="slidenum">
+              <a:rPr lang="en-IN" smtClean="0"/>
+              <a:t>2</a:t>
+            </a:fld>
+            <a:endParaRPr lang="en-IN"/>
+          </a:p>
+        </p:txBody>
+      </p:sp>
+    </p:spTree>
+    <p:extLst>
+      <p:ext uri="{BB962C8B-B14F-4D97-AF65-F5344CB8AC3E}">
+        <p14:creationId xmlns:p14="http://schemas.microsoft.com/office/powerpoint/2010/main" val="3560428238"/>
+      </p:ext>
+    </p:extLst>
+  </p:cSld>
+  <p:clrMapOvr>
+    <a:masterClrMapping/>
+  </p:clrMapOvr>
+</p:notes>
+</file>
+
 <file path=ppt/slideLayouts/slideLayout1.xml><?xml version="1.0" encoding="utf-8"?>
 <p:sldLayout xmlns:a="http://schemas.openxmlformats.org/drawingml/2006/main" xmlns:r="http://schemas.openxmlformats.org/officeDocument/2006/relationships" xmlns:p="http://schemas.openxmlformats.org/presentationml/2006/main" type="title" preserve="1">
   <p:cSld name="Title Slide">
@@ -341,7 +765,7 @@
             <a:fld id="{1D8BD707-D9CF-40AE-B4C6-C98DA3205C09}" type="datetimeFigureOut">
               <a:rPr lang="en-US" smtClean="0"/>
               <a:pPr/>
-              <a:t>2/5/2024</a:t>
+              <a:t>2/6/2024</a:t>
             </a:fld>
             <a:endParaRPr lang="en-US"/>
           </a:p>
@@ -506,7 +930,7 @@
             <a:fld id="{1D8BD707-D9CF-40AE-B4C6-C98DA3205C09}" type="datetimeFigureOut">
               <a:rPr lang="en-US" smtClean="0"/>
               <a:pPr/>
-              <a:t>2/5/2024</a:t>
+              <a:t>2/6/2024</a:t>
             </a:fld>
             <a:endParaRPr lang="en-US"/>
           </a:p>
@@ -681,7 +1105,7 @@
             <a:fld id="{1D8BD707-D9CF-40AE-B4C6-C98DA3205C09}" type="datetimeFigureOut">
               <a:rPr lang="en-US" smtClean="0"/>
               <a:pPr/>
-              <a:t>2/5/2024</a:t>
+              <a:t>2/6/2024</a:t>
             </a:fld>
             <a:endParaRPr lang="en-US"/>
           </a:p>
@@ -846,7 +1270,7 @@
             <a:fld id="{1D8BD707-D9CF-40AE-B4C6-C98DA3205C09}" type="datetimeFigureOut">
               <a:rPr lang="en-US" smtClean="0"/>
               <a:pPr/>
-              <a:t>2/5/2024</a:t>
+              <a:t>2/6/2024</a:t>
             </a:fld>
             <a:endParaRPr lang="en-US"/>
           </a:p>
@@ -1088,7 +1512,7 @@
             <a:fld id="{1D8BD707-D9CF-40AE-B4C6-C98DA3205C09}" type="datetimeFigureOut">
               <a:rPr lang="en-US" smtClean="0"/>
               <a:pPr/>
-              <a:t>2/5/2024</a:t>
+              <a:t>2/6/2024</a:t>
             </a:fld>
             <a:endParaRPr lang="en-US"/>
           </a:p>
@@ -1370,7 +1794,7 @@
             <a:fld id="{1D8BD707-D9CF-40AE-B4C6-C98DA3205C09}" type="datetimeFigureOut">
               <a:rPr lang="en-US" smtClean="0"/>
               <a:pPr/>
-              <a:t>2/5/2024</a:t>
+              <a:t>2/6/2024</a:t>
             </a:fld>
             <a:endParaRPr lang="en-US"/>
           </a:p>
@@ -1786,7 +2210,7 @@
             <a:fld id="{1D8BD707-D9CF-40AE-B4C6-C98DA3205C09}" type="datetimeFigureOut">
               <a:rPr lang="en-US" smtClean="0"/>
               <a:pPr/>
-              <a:t>2/5/2024</a:t>
+              <a:t>2/6/2024</a:t>
             </a:fld>
             <a:endParaRPr lang="en-US"/>
           </a:p>
@@ -1900,7 +2324,7 @@
             <a:fld id="{1D8BD707-D9CF-40AE-B4C6-C98DA3205C09}" type="datetimeFigureOut">
               <a:rPr lang="en-US" smtClean="0"/>
               <a:pPr/>
-              <a:t>2/5/2024</a:t>
+              <a:t>2/6/2024</a:t>
             </a:fld>
             <a:endParaRPr lang="en-US"/>
           </a:p>
@@ -1992,7 +2416,7 @@
             <a:fld id="{1D8BD707-D9CF-40AE-B4C6-C98DA3205C09}" type="datetimeFigureOut">
               <a:rPr lang="en-US" smtClean="0"/>
               <a:pPr/>
-              <a:t>2/5/2024</a:t>
+              <a:t>2/6/2024</a:t>
             </a:fld>
             <a:endParaRPr lang="en-US"/>
           </a:p>
@@ -2264,7 +2688,7 @@
             <a:fld id="{1D8BD707-D9CF-40AE-B4C6-C98DA3205C09}" type="datetimeFigureOut">
               <a:rPr lang="en-US" smtClean="0"/>
               <a:pPr/>
-              <a:t>2/5/2024</a:t>
+              <a:t>2/6/2024</a:t>
             </a:fld>
             <a:endParaRPr lang="en-US"/>
           </a:p>
@@ -2513,7 +2937,7 @@
             <a:fld id="{1D8BD707-D9CF-40AE-B4C6-C98DA3205C09}" type="datetimeFigureOut">
               <a:rPr lang="en-US" smtClean="0"/>
               <a:pPr/>
-              <a:t>2/5/2024</a:t>
+              <a:t>2/6/2024</a:t>
             </a:fld>
             <a:endParaRPr lang="en-US"/>
           </a:p>
@@ -2721,7 +3145,7 @@
             <a:fld id="{1D8BD707-D9CF-40AE-B4C6-C98DA3205C09}" type="datetimeFigureOut">
               <a:rPr lang="en-US" smtClean="0"/>
               <a:pPr/>
-              <a:t>2/5/2024</a:t>
+              <a:t>2/6/2024</a:t>
             </a:fld>
             <a:endParaRPr lang="en-US"/>
           </a:p>
@@ -3114,7 +3538,6 @@
           </a:bodyPr>
           <a:lstStyle/>
           <a:p>
-            <a:pPr algn="r"/>
             <a:r>
               <a:rPr lang="en-US" sz="2800" b="1" dirty="0">
                 <a:solidFill>
@@ -3311,127 +3734,143 @@
       </p:grpSpPr>
       <p:sp>
         <p:nvSpPr>
-          <p:cNvPr id="3" name="Content Placeholder 2"/>
-          <p:cNvSpPr>
-            <a:spLocks noGrp="1"/>
-          </p:cNvSpPr>
-          <p:nvPr>
-            <p:ph idx="1"/>
+          <p:cNvPr id="2" name="Title 1"/>
+          <p:cNvSpPr>
+            <a:spLocks noGrp="1"/>
+          </p:cNvSpPr>
+          <p:nvPr>
+            <p:ph type="title"/>
           </p:nvPr>
         </p:nvSpPr>
         <p:spPr>
           <a:xfrm>
             <a:off x="0" y="0"/>
-            <a:ext cx="9144000" cy="6858000"/>
+            <a:ext cx="8229600" cy="487362"/>
           </a:xfrm>
         </p:spPr>
         <p:txBody>
           <a:bodyPr>
-            <a:normAutofit fontScale="92500" lnSpcReduction="10000"/>
+            <a:normAutofit fontScale="90000"/>
           </a:bodyPr>
           <a:lstStyle/>
           <a:p>
-            <a:pPr>
-              <a:buNone/>
-            </a:pPr>
-            <a:r>
-              <a:rPr lang="en-US" b="1" u="sng" dirty="0"/>
-              <a:t>Format of a FLEX Program</a:t>
-            </a:r>
-          </a:p>
-          <a:p>
-            <a:pPr marL="0">
-              <a:buNone/>
-            </a:pPr>
-            <a:r>
-              <a:rPr lang="en-US" sz="2800" dirty="0">
+            <a:pPr algn="l"/>
+            <a:r>
+              <a:rPr lang="en-US" sz="3200" b="1" dirty="0">
                 <a:solidFill>
-                  <a:srgbClr val="C00000"/>
+                  <a:srgbClr val="FF0000"/>
                 </a:solidFill>
               </a:rPr>
-              <a:t>Definition section</a:t>
-            </a:r>
-          </a:p>
-          <a:p>
-            <a:pPr marL="0">
-              <a:buNone/>
-            </a:pPr>
-            <a:r>
-              <a:rPr lang="en-US" sz="2800" dirty="0">
-                <a:solidFill>
-                  <a:srgbClr val="C00000"/>
-                </a:solidFill>
-              </a:rPr>
-              <a:t>%%</a:t>
-            </a:r>
-          </a:p>
-          <a:p>
-            <a:pPr marL="0">
-              <a:buNone/>
-            </a:pPr>
-            <a:r>
-              <a:rPr lang="en-US" sz="2800" dirty="0">
-                <a:solidFill>
-                  <a:srgbClr val="C00000"/>
-                </a:solidFill>
-              </a:rPr>
-              <a:t>Rules section</a:t>
-            </a:r>
-          </a:p>
-          <a:p>
-            <a:pPr marL="0">
-              <a:buNone/>
-            </a:pPr>
-            <a:r>
-              <a:rPr lang="en-US" sz="2800" dirty="0">
-                <a:solidFill>
-                  <a:srgbClr val="C00000"/>
-                </a:solidFill>
-              </a:rPr>
-              <a:t>%%</a:t>
-            </a:r>
-          </a:p>
-          <a:p>
-            <a:pPr marL="0">
-              <a:buNone/>
-            </a:pPr>
-            <a:r>
-              <a:rPr lang="en-US" sz="2800" dirty="0">
-                <a:solidFill>
-                  <a:srgbClr val="C00000"/>
-                </a:solidFill>
-              </a:rPr>
-              <a:t>User code section</a:t>
-            </a:r>
-          </a:p>
-          <a:p>
-            <a:pPr marL="0">
+              <a:t>Implementation</a:t>
+            </a:r>
+          </a:p>
+        </p:txBody>
+      </p:sp>
+      <p:sp>
+        <p:nvSpPr>
+          <p:cNvPr id="3" name="Content Placeholder 2"/>
+          <p:cNvSpPr>
+            <a:spLocks noGrp="1"/>
+          </p:cNvSpPr>
+          <p:nvPr>
+            <p:ph idx="1"/>
+          </p:nvPr>
+        </p:nvSpPr>
+        <p:spPr>
+          <a:xfrm>
+            <a:off x="0" y="569424"/>
+            <a:ext cx="9144000" cy="6248400"/>
+          </a:xfrm>
+        </p:spPr>
+        <p:txBody>
+          <a:bodyPr>
+            <a:normAutofit lnSpcReduction="10000"/>
+          </a:bodyPr>
+          <a:lstStyle/>
+          <a:p>
+            <a:pPr>
               <a:buFont typeface="Wingdings" pitchFamily="2" charset="2"/>
               <a:buChar char="v"/>
             </a:pPr>
             <a:r>
               <a:rPr lang="en-US" dirty="0"/>
-              <a:t>Definition section: The definition section contains the declaration of variables, regular definitions, manifest constants. </a:t>
-            </a:r>
-          </a:p>
-          <a:p>
-            <a:pPr marL="0">
+              <a:t>The Regular Expressions for most of the features of C are fairly straightforward. However, a few features require a significant amount of thought, such as: </a:t>
+            </a:r>
+          </a:p>
+          <a:p>
+            <a:pPr>
               <a:buFont typeface="Wingdings" pitchFamily="2" charset="2"/>
               <a:buChar char="v"/>
             </a:pPr>
             <a:r>
-              <a:rPr lang="en-US" dirty="0"/>
-              <a:t>The rules section contains a series of rules in the form: pattern action and pattern must be unintended and action begin on the same line in {} brackets. </a:t>
-            </a:r>
-          </a:p>
-          <a:p>
-            <a:pPr marL="0">
-              <a:buFont typeface="Wingdings" pitchFamily="2" charset="2"/>
-              <a:buChar char="v"/>
-            </a:pPr>
-            <a:r>
-              <a:rPr lang="en-US" dirty="0"/>
-              <a:t>This section contains C statements and additional functions. We can also compile these functions separately and load them with the lexical analyzer.</a:t>
+              <a:rPr lang="en-US" b="1" dirty="0"/>
+              <a:t>The </a:t>
+            </a:r>
+            <a:r>
+              <a:rPr lang="en-US" b="1" dirty="0" err="1"/>
+              <a:t>Regex</a:t>
+            </a:r>
+            <a:r>
+              <a:rPr lang="en-US" b="1" dirty="0"/>
+              <a:t> for Identifiers: </a:t>
+            </a:r>
+            <a:r>
+              <a:rPr lang="en-US" dirty="0"/>
+              <a:t>The lexer must correctly recognize all valid identifiers in C, including the ones having one or more underscores.</a:t>
+            </a:r>
+          </a:p>
+          <a:p>
+            <a:pPr>
+              <a:buNone/>
+            </a:pPr>
+            <a:r>
+              <a:rPr lang="en-US" dirty="0"/>
+              <a:t>{alpha}({alpha}|{digit}|{und})*</a:t>
+            </a:r>
+          </a:p>
+          <a:p>
+            <a:pPr>
+              <a:buNone/>
+            </a:pPr>
+            <a:r>
+              <a:rPr lang="en-US" u="sng" dirty="0"/>
+              <a:t>Where:-</a:t>
+            </a:r>
+          </a:p>
+          <a:p>
+            <a:pPr>
+              <a:buNone/>
+            </a:pPr>
+            <a:r>
+              <a:rPr lang="en-US" dirty="0"/>
+              <a:t>alpha [A-Z, a-z]</a:t>
+            </a:r>
+          </a:p>
+          <a:p>
+            <a:pPr>
+              <a:buNone/>
+            </a:pPr>
+            <a:r>
+              <a:rPr lang="en-US" dirty="0"/>
+              <a:t>digit [0-9] </a:t>
+            </a:r>
+          </a:p>
+          <a:p>
+            <a:pPr>
+              <a:buNone/>
+            </a:pPr>
+            <a:r>
+              <a:rPr lang="en-US" dirty="0"/>
+              <a:t>und [ _ ] </a:t>
+            </a:r>
+          </a:p>
+          <a:p>
+            <a:pPr>
+              <a:buNone/>
+            </a:pPr>
+            <a:r>
+              <a:rPr lang="en-US" dirty="0"/>
+              <a:t>space [ ]</a:t>
             </a:r>
           </a:p>
         </p:txBody>
@@ -3482,18 +3921,29 @@
           <a:lstStyle/>
           <a:p>
             <a:pPr>
-              <a:buNone/>
-            </a:pPr>
-            <a:r>
-              <a:rPr lang="en-US" sz="3000" b="1" u="sng" dirty="0"/>
-              <a:t>C Program</a:t>
-            </a:r>
-          </a:p>
-          <a:p>
-            <a:pPr>
-              <a:buNone/>
-            </a:pPr>
-            <a:endParaRPr lang="en-US" sz="3000" b="1" u="sng" dirty="0"/>
+              <a:buFont typeface="Wingdings" pitchFamily="2" charset="2"/>
+              <a:buChar char="v"/>
+            </a:pPr>
+            <a:r>
+              <a:rPr lang="en-US" b="1" u="sng" dirty="0"/>
+              <a:t>Multiline comments should be supported</a:t>
+            </a:r>
+            <a:r>
+              <a:rPr lang="en-US" b="1" dirty="0"/>
+              <a:t>: </a:t>
+            </a:r>
+            <a:r>
+              <a:rPr lang="en-US" dirty="0"/>
+              <a:t>This has been supported by checking the </a:t>
+            </a:r>
+            <a:r>
+              <a:rPr lang="en-US" dirty="0" err="1"/>
+              <a:t>occurence</a:t>
+            </a:r>
+            <a:r>
+              <a:rPr lang="en-US" dirty="0"/>
+              <a:t> of ‘/*’ and ‘*/’ in the code. The statements between them has been excluded. Errors for unmatched and nested comments have also been displayed.</a:t>
+            </a:r>
           </a:p>
           <a:p>
             <a:pPr>
@@ -3501,16 +3951,24 @@
               <a:buChar char="v"/>
             </a:pPr>
             <a:r>
-              <a:rPr lang="en-US" dirty="0"/>
-              <a:t> This section describes the input C program which is fed to the flex script in order to generate the </a:t>
+              <a:rPr lang="en-US" b="1" u="sng" dirty="0"/>
+              <a:t>Literals</a:t>
+            </a:r>
+            <a:r>
+              <a:rPr lang="en-US" b="1" dirty="0"/>
+              <a:t>: </a:t>
+            </a:r>
+            <a:r>
+              <a:rPr lang="en-US" dirty="0"/>
+              <a:t>Different regular expressions have been implemented in the code to support all kinds of literals, </a:t>
             </a:r>
             <a:r>
               <a:rPr lang="en-US" dirty="0" err="1"/>
-              <a:t>lex</a:t>
-            </a:r>
-            <a:r>
-              <a:rPr lang="en-US" dirty="0"/>
-              <a:t> file after taking all the rules mentioned in the account. </a:t>
+              <a:t>i.e</a:t>
+            </a:r>
+            <a:r>
+              <a:rPr lang="en-US" dirty="0"/>
+              <a:t> integers, floats, strings, etc. Float : ({digit}+)\.({digit}+)</a:t>
             </a:r>
           </a:p>
           <a:p>
@@ -3519,8 +3977,16 @@
               <a:buChar char="v"/>
             </a:pPr>
             <a:r>
-              <a:rPr lang="en-US" dirty="0"/>
-              <a:t>Finally, a file called lex.yy.c is generated, which when executed recognizes the tokens present in the C program which was given as an input. The script also has an option to take standard input instead of taking input from a file.</a:t>
+              <a:rPr lang="en-US" b="1" u="sng" dirty="0"/>
+              <a:t>Error Handling for Incomplete String</a:t>
+            </a:r>
+            <a:r>
+              <a:rPr lang="en-US" b="1" dirty="0"/>
+              <a:t>: </a:t>
+            </a:r>
+            <a:r>
+              <a:rPr lang="en-US" dirty="0"/>
+              <a:t>Open and close quote missing, both kind of errors have been handled in the rules written in the script.</a:t>
             </a:r>
           </a:p>
         </p:txBody>
@@ -3552,6 +4018,124 @@
       </p:grpSpPr>
       <p:sp>
         <p:nvSpPr>
+          <p:cNvPr id="3" name="Content Placeholder 2"/>
+          <p:cNvSpPr>
+            <a:spLocks noGrp="1"/>
+          </p:cNvSpPr>
+          <p:nvPr>
+            <p:ph idx="1"/>
+          </p:nvPr>
+        </p:nvSpPr>
+        <p:spPr>
+          <a:xfrm>
+            <a:off x="0" y="0"/>
+            <a:ext cx="9144000" cy="6858000"/>
+          </a:xfrm>
+        </p:spPr>
+        <p:txBody>
+          <a:bodyPr>
+            <a:normAutofit fontScale="92500" lnSpcReduction="20000"/>
+          </a:bodyPr>
+          <a:lstStyle/>
+          <a:p>
+            <a:pPr>
+              <a:buFont typeface="Wingdings" pitchFamily="2" charset="2"/>
+              <a:buChar char="v"/>
+            </a:pPr>
+            <a:r>
+              <a:rPr lang="en-US" b="1" u="sng" dirty="0"/>
+              <a:t>Error Handling for Unmatched Comments</a:t>
+            </a:r>
+            <a:r>
+              <a:rPr lang="en-US" b="1" dirty="0"/>
+              <a:t>: </a:t>
+            </a:r>
+            <a:r>
+              <a:rPr lang="en-US" dirty="0"/>
+              <a:t>This has been handled by adding </a:t>
+            </a:r>
+            <a:r>
+              <a:rPr lang="en-US" dirty="0" err="1"/>
+              <a:t>lookahead</a:t>
+            </a:r>
+            <a:r>
+              <a:rPr lang="en-US" dirty="0"/>
+              <a:t> characters to operator regular expression. If there is an unmatched comment then it does not match with any of the patterns in the rule. Hence it goes to default state which in turn throws an error.</a:t>
+            </a:r>
+          </a:p>
+          <a:p>
+            <a:pPr>
+              <a:buFont typeface="Wingdings" pitchFamily="2" charset="2"/>
+              <a:buChar char="v"/>
+            </a:pPr>
+            <a:r>
+              <a:rPr lang="en-US" b="1" u="sng" dirty="0"/>
+              <a:t>Error Handling for unclean integer constant</a:t>
+            </a:r>
+            <a:r>
+              <a:rPr lang="en-US" b="1" dirty="0"/>
+              <a:t>: </a:t>
+            </a:r>
+            <a:r>
+              <a:rPr lang="en-US" dirty="0"/>
+              <a:t>This has been handled by adding appropriate </a:t>
+            </a:r>
+            <a:r>
+              <a:rPr lang="en-US" dirty="0" err="1"/>
+              <a:t>lookahead</a:t>
+            </a:r>
+            <a:r>
+              <a:rPr lang="en-US" dirty="0"/>
+              <a:t> characters for integer constant. E.g. int a = 786rt, is rejected as the integer constant should never follow an alphabet.</a:t>
+            </a:r>
+          </a:p>
+          <a:p>
+            <a:pPr>
+              <a:buFont typeface="Wingdings" pitchFamily="2" charset="2"/>
+              <a:buChar char="v"/>
+            </a:pPr>
+            <a:r>
+              <a:rPr lang="en-US" b="1" u="sng" dirty="0"/>
+              <a:t>User Defined Functions</a:t>
+            </a:r>
+            <a:r>
+              <a:rPr lang="en-US" b="1" dirty="0"/>
+              <a:t> : </a:t>
+            </a:r>
+            <a:r>
+              <a:rPr lang="en-US" dirty="0"/>
+              <a:t>User-defined functions are also supported. Parsing is done for return type, function name, parameters as well as opening and closing braces. {alpha}({alpha}|{digit}|{und})*\(({alpha}|{digit}|{und}|{space})*\)</a:t>
+            </a:r>
+          </a:p>
+        </p:txBody>
+      </p:sp>
+    </p:spTree>
+  </p:cSld>
+  <p:clrMapOvr>
+    <a:masterClrMapping/>
+  </p:clrMapOvr>
+</p:sld>
+</file>
+
+<file path=ppt/slides/slide13.xml><?xml version="1.0" encoding="utf-8"?>
+<p:sld xmlns:a="http://schemas.openxmlformats.org/drawingml/2006/main" xmlns:r="http://schemas.openxmlformats.org/officeDocument/2006/relationships" xmlns:p="http://schemas.openxmlformats.org/presentationml/2006/main">
+  <p:cSld>
+    <p:spTree>
+      <p:nvGrpSpPr>
+        <p:cNvPr id="1" name=""/>
+        <p:cNvGrpSpPr/>
+        <p:nvPr/>
+      </p:nvGrpSpPr>
+      <p:grpSpPr>
+        <a:xfrm>
+          <a:off x="0" y="0"/>
+          <a:ext cx="0" cy="0"/>
+          <a:chOff x="0" y="0"/>
+          <a:chExt cx="0" cy="0"/>
+        </a:xfrm>
+      </p:grpSpPr>
+      <p:sp>
+        <p:nvSpPr>
           <p:cNvPr id="5" name="Title 4"/>
           <p:cNvSpPr>
             <a:spLocks noGrp="1"/>
@@ -3611,7 +4195,7 @@
 </p:sld>
 </file>
 
-<file path=ppt/slides/slide13.xml><?xml version="1.0" encoding="utf-8"?>
+<file path=ppt/slides/slide14.xml><?xml version="1.0" encoding="utf-8"?>
 <p:sld xmlns:a="http://schemas.openxmlformats.org/drawingml/2006/main" xmlns:r="http://schemas.openxmlformats.org/officeDocument/2006/relationships" xmlns:p="http://schemas.openxmlformats.org/presentationml/2006/main">
   <p:cSld>
     <p:spTree>
@@ -3660,9 +4244,14 @@
 </p:sld>
 </file>
 
-<file path=ppt/slides/slide14.xml><?xml version="1.0" encoding="utf-8"?>
+<file path=ppt/slides/slide15.xml><?xml version="1.0" encoding="utf-8"?>
 <p:sld xmlns:a="http://schemas.openxmlformats.org/drawingml/2006/main" xmlns:r="http://schemas.openxmlformats.org/officeDocument/2006/relationships" xmlns:p="http://schemas.openxmlformats.org/presentationml/2006/main">
   <p:cSld>
+    <p:bg>
+      <p:bgRef idx="1001">
+        <a:schemeClr val="bg1"/>
+      </p:bgRef>
+    </p:bg>
     <p:spTree>
       <p:nvGrpSpPr>
         <p:cNvPr id="1" name=""/>
@@ -3689,24 +4278,23 @@
         </p:nvSpPr>
         <p:spPr>
           <a:xfrm>
-            <a:off x="0" y="0"/>
-            <a:ext cx="8229600" cy="487362"/>
+            <a:off x="304800" y="0"/>
+            <a:ext cx="8229600" cy="1143000"/>
           </a:xfrm>
         </p:spPr>
         <p:txBody>
           <a:bodyPr>
-            <a:normAutofit fontScale="90000"/>
+            <a:normAutofit/>
           </a:bodyPr>
           <a:lstStyle/>
           <a:p>
-            <a:pPr algn="l"/>
-            <a:r>
-              <a:rPr lang="en-US" sz="3200" b="1" dirty="0">
+            <a:r>
+              <a:rPr lang="en-US" sz="4800" b="1" dirty="0">
                 <a:solidFill>
                   <a:srgbClr val="FF0000"/>
                 </a:solidFill>
               </a:rPr>
-              <a:t>Implementation</a:t>
+              <a:t>Syntax Analysis</a:t>
             </a:r>
           </a:p>
         </p:txBody>
@@ -3723,223 +4311,93 @@
         </p:nvSpPr>
         <p:spPr>
           <a:xfrm>
-            <a:off x="0" y="609600"/>
-            <a:ext cx="9144000" cy="6248400"/>
+            <a:off x="304800" y="1066800"/>
+            <a:ext cx="8229600" cy="5791200"/>
           </a:xfrm>
         </p:spPr>
         <p:txBody>
           <a:bodyPr>
-            <a:normAutofit lnSpcReduction="10000"/>
+            <a:normAutofit/>
           </a:bodyPr>
           <a:lstStyle/>
           <a:p>
             <a:pPr>
+              <a:spcBef>
+                <a:spcPct val="0"/>
+              </a:spcBef>
+              <a:buNone/>
+            </a:pPr>
+            <a:endParaRPr lang="en-US" sz="4000" b="1" dirty="0">
+              <a:solidFill>
+                <a:srgbClr val="FF0000"/>
+              </a:solidFill>
+              <a:latin typeface="+mj-lt"/>
+              <a:ea typeface="+mj-ea"/>
+              <a:cs typeface="+mj-cs"/>
+            </a:endParaRPr>
+          </a:p>
+          <a:p>
+            <a:pPr>
+              <a:spcBef>
+                <a:spcPct val="0"/>
+              </a:spcBef>
               <a:buFont typeface="Wingdings" pitchFamily="2" charset="2"/>
               <a:buChar char="v"/>
             </a:pPr>
             <a:r>
-              <a:rPr lang="en-US" dirty="0"/>
-              <a:t>The Regular Expressions for most of the features of C are fairly straightforward. However, a few features require a significant amount of thought, such as: </a:t>
+              <a:rPr lang="en-US" sz="3000" dirty="0"/>
+              <a:t>This is Phase Two of the Compiler Designing Process</a:t>
             </a:r>
           </a:p>
           <a:p>
             <a:pPr>
+              <a:spcBef>
+                <a:spcPct val="0"/>
+              </a:spcBef>
               <a:buFont typeface="Wingdings" pitchFamily="2" charset="2"/>
               <a:buChar char="v"/>
             </a:pPr>
             <a:r>
-              <a:rPr lang="en-US" b="1" dirty="0"/>
-              <a:t>The </a:t>
-            </a:r>
-            <a:r>
-              <a:rPr lang="en-US" b="1" dirty="0" err="1"/>
-              <a:t>Regex</a:t>
-            </a:r>
-            <a:r>
-              <a:rPr lang="en-US" b="1" dirty="0"/>
-              <a:t> for Identifiers: </a:t>
-            </a:r>
-            <a:r>
-              <a:rPr lang="en-US" dirty="0"/>
-              <a:t>The lexer must correctly recognize all valid identifiers in C, including the ones having one or more underscores.</a:t>
+              <a:rPr lang="en-US" sz="2800" dirty="0"/>
+              <a:t>This phase involved the development of a Parser for C language which makes use of the C lexer to parse the given C input file.</a:t>
             </a:r>
           </a:p>
           <a:p>
             <a:pPr>
-              <a:buNone/>
-            </a:pPr>
-            <a:r>
-              <a:rPr lang="en-US" dirty="0"/>
-              <a:t>{alpha}({alpha}|{digit}|{und})*</a:t>
-            </a:r>
+              <a:spcBef>
+                <a:spcPct val="0"/>
+              </a:spcBef>
+              <a:buFont typeface="Wingdings" pitchFamily="2" charset="2"/>
+              <a:buChar char="v"/>
+            </a:pPr>
+            <a:r>
+              <a:rPr lang="en-US" sz="2800" dirty="0"/>
+              <a:t>The previous work was concentrated at developing a lexical analyzer(flex script) to generate a stream of tokens from the source code and populate the symbol table.</a:t>
+            </a:r>
+            <a:endParaRPr lang="en-US" sz="3000" dirty="0"/>
           </a:p>
           <a:p>
             <a:pPr>
-              <a:buNone/>
-            </a:pPr>
-            <a:r>
-              <a:rPr lang="en-US" u="sng" dirty="0"/>
-              <a:t>Where:-</a:t>
-            </a:r>
-          </a:p>
-          <a:p>
-            <a:pPr>
-              <a:buNone/>
-            </a:pPr>
-            <a:r>
-              <a:rPr lang="en-US" dirty="0"/>
-              <a:t>alpha [A-Z, a-z]</a:t>
-            </a:r>
-          </a:p>
-          <a:p>
-            <a:pPr>
-              <a:buNone/>
-            </a:pPr>
-            <a:r>
-              <a:rPr lang="en-US" dirty="0"/>
-              <a:t>digit [0-9] </a:t>
-            </a:r>
-          </a:p>
-          <a:p>
-            <a:pPr>
-              <a:buNone/>
-            </a:pPr>
-            <a:r>
-              <a:rPr lang="en-US" dirty="0"/>
-              <a:t>und [ _ ] </a:t>
-            </a:r>
-          </a:p>
-          <a:p>
-            <a:pPr>
-              <a:buNone/>
-            </a:pPr>
-            <a:r>
-              <a:rPr lang="en-US" dirty="0"/>
-              <a:t>space [ ]</a:t>
-            </a:r>
+              <a:spcBef>
+                <a:spcPct val="0"/>
+              </a:spcBef>
+              <a:buNone/>
+            </a:pPr>
+            <a:endParaRPr lang="en-US" sz="4000" b="1" dirty="0">
+              <a:solidFill>
+                <a:srgbClr val="FF0000"/>
+              </a:solidFill>
+              <a:latin typeface="+mj-lt"/>
+              <a:ea typeface="+mj-ea"/>
+              <a:cs typeface="+mj-cs"/>
+            </a:endParaRPr>
           </a:p>
         </p:txBody>
       </p:sp>
     </p:spTree>
   </p:cSld>
   <p:clrMapOvr>
-    <a:masterClrMapping/>
-  </p:clrMapOvr>
-</p:sld>
-</file>
-
-<file path=ppt/slides/slide15.xml><?xml version="1.0" encoding="utf-8"?>
-<p:sld xmlns:a="http://schemas.openxmlformats.org/drawingml/2006/main" xmlns:r="http://schemas.openxmlformats.org/officeDocument/2006/relationships" xmlns:p="http://schemas.openxmlformats.org/presentationml/2006/main">
-  <p:cSld>
-    <p:spTree>
-      <p:nvGrpSpPr>
-        <p:cNvPr id="1" name=""/>
-        <p:cNvGrpSpPr/>
-        <p:nvPr/>
-      </p:nvGrpSpPr>
-      <p:grpSpPr>
-        <a:xfrm>
-          <a:off x="0" y="0"/>
-          <a:ext cx="0" cy="0"/>
-          <a:chOff x="0" y="0"/>
-          <a:chExt cx="0" cy="0"/>
-        </a:xfrm>
-      </p:grpSpPr>
-      <p:sp>
-        <p:nvSpPr>
-          <p:cNvPr id="3" name="Content Placeholder 2"/>
-          <p:cNvSpPr>
-            <a:spLocks noGrp="1"/>
-          </p:cNvSpPr>
-          <p:nvPr>
-            <p:ph idx="1"/>
-          </p:nvPr>
-        </p:nvSpPr>
-        <p:spPr>
-          <a:xfrm>
-            <a:off x="0" y="0"/>
-            <a:ext cx="9144000" cy="6858000"/>
-          </a:xfrm>
-        </p:spPr>
-        <p:txBody>
-          <a:bodyPr/>
-          <a:lstStyle/>
-          <a:p>
-            <a:pPr>
-              <a:buFont typeface="Wingdings" pitchFamily="2" charset="2"/>
-              <a:buChar char="v"/>
-            </a:pPr>
-            <a:r>
-              <a:rPr lang="en-US" b="1" u="sng" dirty="0"/>
-              <a:t>Multiline comments should be supported</a:t>
-            </a:r>
-            <a:r>
-              <a:rPr lang="en-US" b="1" dirty="0"/>
-              <a:t>: </a:t>
-            </a:r>
-            <a:r>
-              <a:rPr lang="en-US" dirty="0"/>
-              <a:t>This has been supported by checking the </a:t>
-            </a:r>
-            <a:r>
-              <a:rPr lang="en-US" dirty="0" err="1"/>
-              <a:t>occurence</a:t>
-            </a:r>
-            <a:r>
-              <a:rPr lang="en-US" dirty="0"/>
-              <a:t> of ‘/*’ and ‘*/’ in the code. The statements between them has been excluded. Errors for unmatched and nested comments have also been displayed.</a:t>
-            </a:r>
-          </a:p>
-          <a:p>
-            <a:pPr>
-              <a:buFont typeface="Wingdings" pitchFamily="2" charset="2"/>
-              <a:buChar char="v"/>
-            </a:pPr>
-            <a:r>
-              <a:rPr lang="en-US" b="1" u="sng" dirty="0"/>
-              <a:t>Literals</a:t>
-            </a:r>
-            <a:r>
-              <a:rPr lang="en-US" b="1" dirty="0"/>
-              <a:t>: </a:t>
-            </a:r>
-            <a:r>
-              <a:rPr lang="en-US" dirty="0"/>
-              <a:t>Different regular expressions have been implemented in the code to support all kinds of literals, </a:t>
-            </a:r>
-            <a:r>
-              <a:rPr lang="en-US" dirty="0" err="1"/>
-              <a:t>i.e</a:t>
-            </a:r>
-            <a:r>
-              <a:rPr lang="en-US" dirty="0"/>
-              <a:t> integers, floats, strings, etc. Float : ({digit}+)\.({digit}+)</a:t>
-            </a:r>
-          </a:p>
-          <a:p>
-            <a:pPr>
-              <a:buFont typeface="Wingdings" pitchFamily="2" charset="2"/>
-              <a:buChar char="v"/>
-            </a:pPr>
-            <a:r>
-              <a:rPr lang="en-US" b="1" u="sng" dirty="0"/>
-              <a:t>Error Handling for Incomplete String</a:t>
-            </a:r>
-            <a:r>
-              <a:rPr lang="en-US" b="1" dirty="0"/>
-              <a:t>: </a:t>
-            </a:r>
-            <a:r>
-              <a:rPr lang="en-US" dirty="0"/>
-              <a:t>Open and close quote missing, both kind of errors have been handled in the rules written in the script.</a:t>
-            </a:r>
-          </a:p>
-        </p:txBody>
-      </p:sp>
-    </p:spTree>
-  </p:cSld>
-  <p:clrMapOvr>
-    <a:masterClrMapping/>
+    <a:overrideClrMapping bg1="lt1" tx1="dk1" bg2="lt2" tx2="dk2" accent1="accent1" accent2="accent2" accent3="accent3" accent4="accent4" accent5="accent5" accent6="accent6" hlink="hlink" folHlink="folHlink"/>
   </p:clrMapOvr>
 </p:sld>
 </file>
@@ -3963,49 +4421,76 @@
       </p:grpSpPr>
       <p:sp>
         <p:nvSpPr>
-          <p:cNvPr id="3" name="Content Placeholder 2"/>
-          <p:cNvSpPr>
-            <a:spLocks noGrp="1"/>
-          </p:cNvSpPr>
-          <p:nvPr>
-            <p:ph idx="1"/>
+          <p:cNvPr id="2" name="Title 1"/>
+          <p:cNvSpPr>
+            <a:spLocks noGrp="1"/>
+          </p:cNvSpPr>
+          <p:nvPr>
+            <p:ph type="title"/>
           </p:nvPr>
         </p:nvSpPr>
         <p:spPr>
           <a:xfrm>
-            <a:off x="0" y="0"/>
-            <a:ext cx="9144000" cy="6858000"/>
+            <a:off x="457200" y="274638"/>
+            <a:ext cx="8229600" cy="411162"/>
           </a:xfrm>
         </p:spPr>
         <p:txBody>
           <a:bodyPr>
-            <a:normAutofit fontScale="92500" lnSpcReduction="20000"/>
+            <a:noAutofit/>
           </a:bodyPr>
           <a:lstStyle/>
+          <a:p>
+            <a:pPr algn="l"/>
+            <a:r>
+              <a:rPr lang="en-US" sz="4000" b="1" dirty="0">
+                <a:solidFill>
+                  <a:srgbClr val="FF0000"/>
+                </a:solidFill>
+              </a:rPr>
+              <a:t>Introduction</a:t>
+            </a:r>
+          </a:p>
+        </p:txBody>
+      </p:sp>
+      <p:sp>
+        <p:nvSpPr>
+          <p:cNvPr id="3" name="Content Placeholder 2"/>
+          <p:cNvSpPr>
+            <a:spLocks noGrp="1"/>
+          </p:cNvSpPr>
+          <p:nvPr>
+            <p:ph idx="1"/>
+          </p:nvPr>
+        </p:nvSpPr>
+        <p:spPr>
+          <a:xfrm>
+            <a:off x="152400" y="762000"/>
+            <a:ext cx="8991600" cy="6096000"/>
+          </a:xfrm>
+        </p:spPr>
+        <p:txBody>
+          <a:bodyPr>
+            <a:normAutofit/>
+          </a:bodyPr>
+          <a:lstStyle/>
+          <a:p>
+            <a:pPr>
+              <a:buNone/>
+            </a:pPr>
+            <a:r>
+              <a:rPr lang="en-US" sz="3000" b="1" u="sng" dirty="0"/>
+              <a:t>Syntactic Analysis and Parser</a:t>
+            </a:r>
+          </a:p>
           <a:p>
             <a:pPr>
               <a:buFont typeface="Wingdings" pitchFamily="2" charset="2"/>
               <a:buChar char="v"/>
             </a:pPr>
             <a:r>
-              <a:rPr lang="en-US" b="1" u="sng" dirty="0"/>
-              <a:t>Error Handling for Unmatched Comments</a:t>
-            </a:r>
-            <a:r>
-              <a:rPr lang="en-US" b="1" dirty="0"/>
-              <a:t>: </a:t>
-            </a:r>
-            <a:r>
-              <a:rPr lang="en-US" dirty="0"/>
-              <a:t>This has been handled by adding </a:t>
-            </a:r>
-            <a:r>
-              <a:rPr lang="en-US" dirty="0" err="1"/>
-              <a:t>lookahead</a:t>
-            </a:r>
-            <a:r>
-              <a:rPr lang="en-US" dirty="0"/>
-              <a:t> characters to operator regular expression. If there is an unmatched comment then it does not match with any of the patterns in the rule. Hence it goes to default state which in turn throws an error.</a:t>
+              <a:rPr lang="en-US" sz="2800" dirty="0"/>
+              <a:t>The lexical analyzer (flex scripts) returns a stream of tokens, which populates the symbol table. </a:t>
             </a:r>
           </a:p>
           <a:p>
@@ -4014,24 +4499,8 @@
               <a:buChar char="v"/>
             </a:pPr>
             <a:r>
-              <a:rPr lang="en-US" b="1" u="sng" dirty="0"/>
-              <a:t>Error Handling for unclean integer constant</a:t>
-            </a:r>
-            <a:r>
-              <a:rPr lang="en-US" b="1" dirty="0"/>
-              <a:t>: </a:t>
-            </a:r>
-            <a:r>
-              <a:rPr lang="en-US" dirty="0"/>
-              <a:t>This has been handled by adding appropriate </a:t>
-            </a:r>
-            <a:r>
-              <a:rPr lang="en-US" dirty="0" err="1"/>
-              <a:t>lookahead</a:t>
-            </a:r>
-            <a:r>
-              <a:rPr lang="en-US" dirty="0"/>
-              <a:t> characters for integer constant. E.g. int a = 786rt, is rejected as the integer constant should never follow an alphabet.</a:t>
+              <a:rPr lang="en-US" sz="2800" dirty="0"/>
+              <a:t>These tokens are then taken as input by the Parser. </a:t>
             </a:r>
           </a:p>
           <a:p>
@@ -4040,17 +4509,30 @@
               <a:buChar char="v"/>
             </a:pPr>
             <a:r>
-              <a:rPr lang="en-US" b="1" u="sng" dirty="0"/>
-              <a:t>User Defined Functions</a:t>
-            </a:r>
-            <a:r>
-              <a:rPr lang="en-US" b="1" dirty="0"/>
-              <a:t> : </a:t>
-            </a:r>
-            <a:r>
-              <a:rPr lang="en-US" dirty="0"/>
-              <a:t>User-defined functions are also supported. Parsing is done for return type, function name, parameters as well as opening and closing braces. {alpha}({alpha}|{digit}|{und})*\(({alpha}|{digit}|{und}|{space})*\)</a:t>
-            </a:r>
+              <a:rPr lang="en-US" sz="2800" dirty="0"/>
+              <a:t>Parser verifies that a string of token names can be generated by the grammar of the source language. </a:t>
+            </a:r>
+          </a:p>
+          <a:p>
+            <a:pPr>
+              <a:buFont typeface="Wingdings" pitchFamily="2" charset="2"/>
+              <a:buChar char="v"/>
+            </a:pPr>
+            <a:r>
+              <a:rPr lang="en-US" sz="2800" dirty="0"/>
+              <a:t>The Parser then reports any syntax errors in an intelligible manner and recovers from the commonly occurring errors to continue processing the remainder of the program. </a:t>
+            </a:r>
+          </a:p>
+          <a:p>
+            <a:pPr>
+              <a:buFont typeface="Wingdings" pitchFamily="2" charset="2"/>
+              <a:buChar char="v"/>
+            </a:pPr>
+            <a:r>
+              <a:rPr lang="en-US" sz="2800" dirty="0"/>
+              <a:t>The Parser recognizes the following types of errors.</a:t>
+            </a:r>
+            <a:endParaRPr lang="en-US" sz="3000" b="1" u="sng" dirty="0"/>
           </a:p>
         </p:txBody>
       </p:sp>
@@ -4065,11 +4547,6 @@
 <file path=ppt/slides/slide17.xml><?xml version="1.0" encoding="utf-8"?>
 <p:sld xmlns:a="http://schemas.openxmlformats.org/drawingml/2006/main" xmlns:r="http://schemas.openxmlformats.org/officeDocument/2006/relationships" xmlns:p="http://schemas.openxmlformats.org/presentationml/2006/main">
   <p:cSld>
-    <p:bg>
-      <p:bgRef idx="1001">
-        <a:schemeClr val="bg1"/>
-      </p:bgRef>
-    </p:bg>
     <p:spTree>
       <p:nvGrpSpPr>
         <p:cNvPr id="1" name=""/>
@@ -4086,18 +4563,18 @@
       </p:grpSpPr>
       <p:sp>
         <p:nvSpPr>
-          <p:cNvPr id="2" name="Title 1"/>
-          <p:cNvSpPr>
-            <a:spLocks noGrp="1"/>
-          </p:cNvSpPr>
-          <p:nvPr>
-            <p:ph type="title"/>
+          <p:cNvPr id="3" name="Content Placeholder 2"/>
+          <p:cNvSpPr>
+            <a:spLocks noGrp="1"/>
+          </p:cNvSpPr>
+          <p:nvPr>
+            <p:ph idx="1"/>
           </p:nvPr>
         </p:nvSpPr>
         <p:spPr>
           <a:xfrm>
-            <a:off x="304800" y="0"/>
-            <a:ext cx="8229600" cy="1143000"/>
+            <a:off x="0" y="0"/>
+            <a:ext cx="9144000" cy="6858000"/>
           </a:xfrm>
         </p:spPr>
         <p:txBody>
@@ -4106,116 +4583,71 @@
           </a:bodyPr>
           <a:lstStyle/>
           <a:p>
-            <a:r>
-              <a:rPr lang="en-US" sz="4800" b="1" dirty="0">
-                <a:solidFill>
-                  <a:srgbClr val="FF0000"/>
-                </a:solidFill>
-              </a:rPr>
-              <a:t>Syntax Analysis</a:t>
-            </a:r>
-          </a:p>
-        </p:txBody>
-      </p:sp>
-      <p:sp>
-        <p:nvSpPr>
-          <p:cNvPr id="3" name="Content Placeholder 2"/>
-          <p:cNvSpPr>
-            <a:spLocks noGrp="1"/>
-          </p:cNvSpPr>
-          <p:nvPr>
-            <p:ph idx="1"/>
-          </p:nvPr>
-        </p:nvSpPr>
-        <p:spPr>
-          <a:xfrm>
-            <a:off x="304800" y="1066800"/>
-            <a:ext cx="8229600" cy="5791200"/>
-          </a:xfrm>
-        </p:spPr>
-        <p:txBody>
-          <a:bodyPr>
-            <a:normAutofit/>
-          </a:bodyPr>
-          <a:lstStyle/>
-          <a:p>
-            <a:pPr>
-              <a:spcBef>
-                <a:spcPct val="0"/>
-              </a:spcBef>
-              <a:buNone/>
-            </a:pPr>
-            <a:endParaRPr lang="en-US" sz="4000" b="1" dirty="0">
-              <a:solidFill>
-                <a:srgbClr val="FF0000"/>
-              </a:solidFill>
-              <a:latin typeface="+mj-lt"/>
-              <a:ea typeface="+mj-ea"/>
-              <a:cs typeface="+mj-cs"/>
-            </a:endParaRPr>
-          </a:p>
-          <a:p>
-            <a:pPr>
-              <a:spcBef>
-                <a:spcPct val="0"/>
-              </a:spcBef>
-              <a:buFont typeface="Wingdings" pitchFamily="2" charset="2"/>
-              <a:buChar char="v"/>
-            </a:pPr>
-            <a:r>
-              <a:rPr lang="en-US" sz="3000" dirty="0"/>
-              <a:t>This report contains the details of the tasks finished as a part of Phase Two of the Compiler Design Lab.</a:t>
-            </a:r>
-          </a:p>
-          <a:p>
-            <a:pPr>
-              <a:spcBef>
-                <a:spcPct val="0"/>
-              </a:spcBef>
-              <a:buFont typeface="Wingdings" pitchFamily="2" charset="2"/>
-              <a:buChar char="v"/>
-            </a:pPr>
-            <a:r>
-              <a:rPr lang="en-US" sz="2800" dirty="0"/>
-              <a:t>This phase involved the development of a Parser for C language which makes use of the C lexer to parse the given C input file.</a:t>
-            </a:r>
-          </a:p>
-          <a:p>
-            <a:pPr>
-              <a:spcBef>
-                <a:spcPct val="0"/>
-              </a:spcBef>
-              <a:buFont typeface="Wingdings" pitchFamily="2" charset="2"/>
-              <a:buChar char="v"/>
-            </a:pPr>
-            <a:r>
-              <a:rPr lang="en-US" sz="2800" dirty="0"/>
-              <a:t>The previous work was concentrated at developing a lexical analyzer(flex script) to generate a stream of tokens from the source code and populate the symbol table.</a:t>
-            </a:r>
-            <a:endParaRPr lang="en-US" sz="3000" dirty="0"/>
-          </a:p>
-          <a:p>
-            <a:pPr>
-              <a:spcBef>
-                <a:spcPct val="0"/>
-              </a:spcBef>
-              <a:buNone/>
-            </a:pPr>
-            <a:endParaRPr lang="en-US" sz="4000" b="1" dirty="0">
-              <a:solidFill>
-                <a:srgbClr val="FF0000"/>
-              </a:solidFill>
-              <a:latin typeface="+mj-lt"/>
-              <a:ea typeface="+mj-ea"/>
-              <a:cs typeface="+mj-cs"/>
-            </a:endParaRPr>
+            <a:pPr marL="514350" indent="-514350">
+              <a:buFont typeface="+mj-lt"/>
+              <a:buAutoNum type="arabicPeriod"/>
+            </a:pPr>
+            <a:r>
+              <a:rPr lang="en-US" dirty="0"/>
+              <a:t>Structural errors</a:t>
+            </a:r>
+          </a:p>
+          <a:p>
+            <a:pPr marL="514350" indent="-514350">
+              <a:buFont typeface="+mj-lt"/>
+              <a:buAutoNum type="arabicPeriod"/>
+            </a:pPr>
+            <a:r>
+              <a:rPr lang="en-US" dirty="0"/>
+              <a:t>Missing identifiers</a:t>
+            </a:r>
+          </a:p>
+          <a:p>
+            <a:pPr marL="514350" indent="-514350">
+              <a:buFont typeface="+mj-lt"/>
+              <a:buAutoNum type="arabicPeriod"/>
+            </a:pPr>
+            <a:r>
+              <a:rPr lang="en-US" dirty="0"/>
+              <a:t>Wrong keywords</a:t>
+            </a:r>
+          </a:p>
+          <a:p>
+            <a:pPr marL="514350" indent="-514350">
+              <a:buFont typeface="+mj-lt"/>
+              <a:buAutoNum type="arabicPeriod"/>
+            </a:pPr>
+            <a:r>
+              <a:rPr lang="en-US" dirty="0"/>
+              <a:t>Unbalanced parenthesis</a:t>
+            </a:r>
+          </a:p>
+          <a:p>
+            <a:pPr marL="514350" indent="-514350">
+              <a:buNone/>
+            </a:pPr>
+            <a:endParaRPr lang="en-US" dirty="0"/>
+          </a:p>
+          <a:p>
+            <a:pPr marL="514350" indent="-514350"/>
+            <a:r>
+              <a:rPr lang="en-US" dirty="0"/>
+              <a:t>Parser is that phase of compiler which takes token string as input and with the help of existing grammar, converts it into the corresponding parse tree. </a:t>
+            </a:r>
+          </a:p>
+          <a:p>
+            <a:pPr marL="514350" indent="-514350"/>
+            <a:r>
+              <a:rPr lang="en-US" dirty="0"/>
+              <a:t>Parser is also known as Syntax Analyzer. </a:t>
+            </a:r>
           </a:p>
         </p:txBody>
       </p:sp>
     </p:spTree>
   </p:cSld>
   <p:clrMapOvr>
-    <a:overrideClrMapping bg1="lt1" tx1="dk1" bg2="lt2" tx2="dk2" accent1="accent1" accent2="accent2" accent3="accent3" accent4="accent4" accent5="accent5" accent6="accent6" hlink="hlink" folHlink="folHlink"/>
+    <a:masterClrMapping/>
   </p:clrMapOvr>
 </p:sld>
 </file>
@@ -4237,60 +4669,48 @@
           <a:chExt cx="0" cy="0"/>
         </a:xfrm>
       </p:grpSpPr>
-      <p:sp>
-        <p:nvSpPr>
-          <p:cNvPr id="3" name="Content Placeholder 2"/>
-          <p:cNvSpPr>
-            <a:spLocks noGrp="1"/>
-          </p:cNvSpPr>
-          <p:nvPr>
-            <p:ph idx="1"/>
-          </p:nvPr>
-        </p:nvSpPr>
+      <p:pic>
+        <p:nvPicPr>
+          <p:cNvPr id="3" name="Picture 2">
+            <a:extLst>
+              <a:ext uri="{FF2B5EF4-FFF2-40B4-BE49-F238E27FC236}">
+                <a16:creationId xmlns:a16="http://schemas.microsoft.com/office/drawing/2014/main" id="{1B54EDC5-5BB8-49F4-9941-5D7284242BD0}"/>
+              </a:ext>
+            </a:extLst>
+          </p:cNvPr>
+          <p:cNvPicPr>
+            <a:picLocks noChangeAspect="1"/>
+          </p:cNvPicPr>
+          <p:nvPr/>
+        </p:nvPicPr>
+        <p:blipFill>
+          <a:blip r:embed="rId2">
+            <a:extLst>
+              <a:ext uri="{28A0092B-C50C-407E-A947-70E740481C1C}">
+                <a14:useLocalDpi xmlns:a14="http://schemas.microsoft.com/office/drawing/2010/main" val="0"/>
+              </a:ext>
+            </a:extLst>
+          </a:blip>
+          <a:stretch>
+            <a:fillRect/>
+          </a:stretch>
+        </p:blipFill>
         <p:spPr>
           <a:xfrm>
-            <a:off x="0" y="0"/>
-            <a:ext cx="9144000" cy="6858000"/>
+            <a:off x="1330033" y="189320"/>
+            <a:ext cx="6483933" cy="6479360"/>
           </a:xfrm>
+          <a:prstGeom prst="rect">
+            <a:avLst/>
+          </a:prstGeom>
         </p:spPr>
-        <p:txBody>
-          <a:bodyPr>
-            <a:normAutofit lnSpcReduction="10000"/>
-          </a:bodyPr>
-          <a:lstStyle/>
-          <a:p>
-            <a:pPr>
-              <a:buFont typeface="Wingdings" pitchFamily="2" charset="2"/>
-              <a:buChar char="v"/>
-            </a:pPr>
-            <a:r>
-              <a:rPr lang="en-US" dirty="0"/>
-              <a:t>The lexical analyzer is only able to handle errors involving invalid tokens. However, in C language there may also be present number of errors in the structure of a language (syntax), unbalanced parenthesis etc.</a:t>
-            </a:r>
-          </a:p>
-          <a:p>
-            <a:pPr>
-              <a:buFont typeface="Wingdings" pitchFamily="2" charset="2"/>
-              <a:buChar char="v"/>
-            </a:pPr>
-            <a:r>
-              <a:rPr lang="en-US" dirty="0"/>
-              <a:t>Thus a parser is needed to be developed for handling these errors. After the lexical phase, the compiler enters the syntax analysis phase.</a:t>
-            </a:r>
-          </a:p>
-          <a:p>
-            <a:pPr>
-              <a:buFont typeface="Wingdings" pitchFamily="2" charset="2"/>
-              <a:buChar char="v"/>
-            </a:pPr>
-            <a:r>
-              <a:rPr lang="en-US" dirty="0"/>
-              <a:t>Thus the parse becomes a part of the syntax analysis phase. In the syntax analysis phase, a compiler verifies whether or not the tokens generated by the lexical analyzer are grouped according to the syntactic rules of the language. This is done by a parser. </a:t>
-            </a:r>
-          </a:p>
-        </p:txBody>
-      </p:sp>
+      </p:pic>
     </p:spTree>
+    <p:extLst>
+      <p:ext uri="{BB962C8B-B14F-4D97-AF65-F5344CB8AC3E}">
+        <p14:creationId xmlns:p14="http://schemas.microsoft.com/office/powerpoint/2010/main" val="2354160240"/>
+      </p:ext>
+    </p:extLst>
   </p:cSld>
   <p:clrMapOvr>
     <a:masterClrMapping/>
@@ -4332,17 +4752,82 @@
           </a:xfrm>
         </p:spPr>
         <p:txBody>
-          <a:bodyPr/>
-          <a:lstStyle/>
+          <a:bodyPr>
+            <a:normAutofit fontScale="92500" lnSpcReduction="20000"/>
+          </a:bodyPr>
+          <a:lstStyle/>
+          <a:p>
+            <a:r>
+              <a:rPr lang="en-US" dirty="0"/>
+              <a:t>Parser is mainly classified into </a:t>
+            </a:r>
+            <a:r>
+              <a:rPr lang="en-US" b="1" dirty="0"/>
+              <a:t>2 categories</a:t>
+            </a:r>
+            <a:r>
+              <a:rPr lang="en-US" dirty="0"/>
+              <a:t>:-</a:t>
+            </a:r>
+          </a:p>
           <a:p>
             <a:pPr>
               <a:buFont typeface="Wingdings" pitchFamily="2" charset="2"/>
-              <a:buChar char="v"/>
-            </a:pPr>
-            <a:r>
-              <a:rPr lang="en-US" dirty="0"/>
-              <a:t>The parser obtains a string of tokens from the lexical analyzer and verifies that the string can be the grammar for the source language. It detects and reports any syntax errors and produces a parse tree from which intermediate code can be generated.</a:t>
-            </a:r>
+              <a:buChar char="q"/>
+            </a:pPr>
+            <a:r>
+              <a:rPr lang="en-US" b="1" dirty="0"/>
+              <a:t>Top-down Parser</a:t>
+            </a:r>
+          </a:p>
+          <a:p>
+            <a:pPr>
+              <a:buFont typeface="Wingdings" pitchFamily="2" charset="2"/>
+              <a:buChar char="q"/>
+            </a:pPr>
+            <a:r>
+              <a:rPr lang="en-US" b="1" dirty="0"/>
+              <a:t>Bottom-up Parser. </a:t>
+            </a:r>
+          </a:p>
+          <a:p>
+            <a:pPr>
+              <a:buNone/>
+            </a:pPr>
+            <a:endParaRPr lang="en-US" b="1" u="sng" dirty="0"/>
+          </a:p>
+          <a:p>
+            <a:pPr>
+              <a:buNone/>
+            </a:pPr>
+            <a:r>
+              <a:rPr lang="en-US" b="1" u="sng" dirty="0"/>
+              <a:t>Top-down Parser: </a:t>
+            </a:r>
+          </a:p>
+          <a:p>
+            <a:r>
+              <a:rPr lang="en-US" dirty="0"/>
+              <a:t>Top-down Parser is the Parser, which generates parse for the given input string with the help of grammar productions by expanding the non-terminals i.e., it starts from the start symbol and ends on the terminals. </a:t>
+            </a:r>
+          </a:p>
+          <a:p>
+            <a:pPr>
+              <a:buNone/>
+            </a:pPr>
+            <a:r>
+              <a:rPr lang="en-US" b="1" u="sng" dirty="0"/>
+              <a:t>Bottom-up Parser: </a:t>
+            </a:r>
+          </a:p>
+          <a:p>
+            <a:r>
+              <a:rPr lang="en-US" dirty="0"/>
+              <a:t>Bottom-up Parser is the Parser that generates the parse tree for the given input string with the help of grammar productions by compressing the non-terminals i.e., it starts from non-terminals and ends on the stat symbol. It uses the reverse of the rightmost derivation.</a:t>
+            </a:r>
+          </a:p>
+          <a:p>
+            <a:endParaRPr lang="en-US" dirty="0"/>
           </a:p>
         </p:txBody>
       </p:sp>
@@ -4373,7 +4858,13 @@
       </p:grpSpPr>
       <p:sp>
         <p:nvSpPr>
-          <p:cNvPr id="2" name="Title 1"/>
+          <p:cNvPr id="2" name="Title 1">
+            <a:extLst>
+              <a:ext uri="{FF2B5EF4-FFF2-40B4-BE49-F238E27FC236}">
+                <a16:creationId xmlns:a16="http://schemas.microsoft.com/office/drawing/2014/main" id="{345C4AFF-606F-020A-13BF-05F9C0473A5A}"/>
+              </a:ext>
+            </a:extLst>
+          </p:cNvPr>
           <p:cNvSpPr>
             <a:spLocks noGrp="1"/>
           </p:cNvSpPr>
@@ -4381,34 +4872,32 @@
             <p:ph type="title"/>
           </p:nvPr>
         </p:nvSpPr>
-        <p:spPr>
-          <a:xfrm>
-            <a:off x="685800" y="457200"/>
-            <a:ext cx="8229600" cy="1143000"/>
-          </a:xfrm>
-        </p:spPr>
-        <p:txBody>
-          <a:bodyPr>
-            <a:normAutofit fontScale="90000"/>
-          </a:bodyPr>
-          <a:lstStyle/>
-          <a:p>
-            <a:r>
-              <a:rPr lang="en-US" sz="4900" b="1" dirty="0">
+        <p:spPr/>
+        <p:txBody>
+          <a:bodyPr/>
+          <a:lstStyle/>
+          <a:p>
+            <a:r>
+              <a:rPr lang="en-IN" dirty="0"/>
+              <a:t>	</a:t>
+            </a:r>
+            <a:r>
+              <a:rPr lang="en-IN" sz="5400" dirty="0" err="1">
                 <a:solidFill>
                   <a:srgbClr val="FF0000"/>
                 </a:solidFill>
               </a:rPr>
-              <a:t>Lexical Analysis</a:t>
-            </a:r>
-            <a:br>
-              <a:rPr lang="en-US" dirty="0">
+              <a:t>ClayCode</a:t>
+            </a:r>
+            <a:r>
+              <a:rPr lang="en-IN" sz="5400" dirty="0">
                 <a:solidFill>
                   <a:srgbClr val="FF0000"/>
                 </a:solidFill>
               </a:rPr>
-            </a:br>
-            <a:endParaRPr lang="en-US" b="1" dirty="0">
+              <a:t> Compiler</a:t>
+            </a:r>
+            <a:endParaRPr lang="en-IN" dirty="0">
               <a:solidFill>
                 <a:srgbClr val="FF0000"/>
               </a:solidFill>
@@ -4416,63 +4905,47 @@
           </a:p>
         </p:txBody>
       </p:sp>
-      <p:sp>
-        <p:nvSpPr>
-          <p:cNvPr id="3" name="Content Placeholder 2"/>
-          <p:cNvSpPr>
-            <a:spLocks noGrp="1"/>
-          </p:cNvSpPr>
+      <p:pic>
+        <p:nvPicPr>
+          <p:cNvPr id="5" name="Content Placeholder 4">
+            <a:extLst>
+              <a:ext uri="{FF2B5EF4-FFF2-40B4-BE49-F238E27FC236}">
+                <a16:creationId xmlns:a16="http://schemas.microsoft.com/office/drawing/2014/main" id="{B564DDB4-9FE4-BB85-E708-88421A5F85AB}"/>
+              </a:ext>
+            </a:extLst>
+          </p:cNvPr>
+          <p:cNvPicPr>
+            <a:picLocks noGrp="1" noChangeAspect="1"/>
+          </p:cNvPicPr>
           <p:nvPr>
             <p:ph idx="1"/>
           </p:nvPr>
-        </p:nvSpPr>
+        </p:nvPicPr>
+        <p:blipFill>
+          <a:blip r:embed="rId3">
+            <a:extLst>
+              <a:ext uri="{28A0092B-C50C-407E-A947-70E740481C1C}">
+                <a14:useLocalDpi xmlns:a14="http://schemas.microsoft.com/office/drawing/2010/main" val="0"/>
+              </a:ext>
+            </a:extLst>
+          </a:blip>
+          <a:stretch>
+            <a:fillRect/>
+          </a:stretch>
+        </p:blipFill>
         <p:spPr>
           <a:xfrm>
-            <a:off x="457200" y="1600200"/>
-            <a:ext cx="8686800" cy="4525963"/>
+            <a:off x="2667000" y="1958181"/>
+            <a:ext cx="3810000" cy="3810000"/>
           </a:xfrm>
         </p:spPr>
-        <p:txBody>
-          <a:bodyPr/>
-          <a:lstStyle/>
-          <a:p>
-            <a:pPr>
-              <a:buNone/>
-            </a:pPr>
-            <a:r>
-              <a:rPr lang="en-US" b="1" u="sng" dirty="0"/>
-              <a:t>Compiler:</a:t>
-            </a:r>
-          </a:p>
-          <a:p>
-            <a:pPr>
-              <a:buClr>
-                <a:srgbClr val="FF0000"/>
-              </a:buClr>
-              <a:buFont typeface="Wingdings" pitchFamily="2" charset="2"/>
-              <a:buChar char="v"/>
-            </a:pPr>
-            <a:r>
-              <a:rPr lang="en-US" dirty="0"/>
-              <a:t>A compiler is a software program that compiles program source code files into an executable program. </a:t>
-            </a:r>
-          </a:p>
-          <a:p>
-            <a:pPr>
-              <a:buClr>
-                <a:srgbClr val="FF0000"/>
-              </a:buClr>
-              <a:buFont typeface="Wingdings" pitchFamily="2" charset="2"/>
-              <a:buChar char="v"/>
-            </a:pPr>
-            <a:r>
-              <a:rPr lang="en-US" dirty="0"/>
-              <a:t>In simple terms, a compiler is a computer program that changes the language in which programs are written into instructions that a computer can use.</a:t>
-            </a:r>
-          </a:p>
-        </p:txBody>
-      </p:sp>
+      </p:pic>
     </p:spTree>
+    <p:extLst>
+      <p:ext uri="{BB962C8B-B14F-4D97-AF65-F5344CB8AC3E}">
+        <p14:creationId xmlns:p14="http://schemas.microsoft.com/office/powerpoint/2010/main" val="2421744490"/>
+      </p:ext>
+    </p:extLst>
   </p:cSld>
   <p:clrMapOvr>
     <a:masterClrMapping/>
@@ -4509,24 +4982,20 @@
         </p:nvSpPr>
         <p:spPr>
           <a:xfrm>
-            <a:off x="457200" y="274638"/>
-            <a:ext cx="8229600" cy="411162"/>
+            <a:off x="0" y="0"/>
+            <a:ext cx="8229600" cy="457200"/>
           </a:xfrm>
         </p:spPr>
         <p:txBody>
           <a:bodyPr>
-            <a:noAutofit/>
+            <a:normAutofit fontScale="90000"/>
           </a:bodyPr>
           <a:lstStyle/>
           <a:p>
             <a:pPr algn="l"/>
             <a:r>
-              <a:rPr lang="en-US" sz="4000" b="1" dirty="0">
-                <a:solidFill>
-                  <a:srgbClr val="FF0000"/>
-                </a:solidFill>
-              </a:rPr>
-              <a:t>Introduction</a:t>
+              <a:rPr lang="en-US" sz="3200" b="1" u="sng" dirty="0"/>
+              <a:t>YACC Script</a:t>
             </a:r>
           </a:p>
         </p:txBody>
@@ -4543,74 +5012,24 @@
         </p:nvSpPr>
         <p:spPr>
           <a:xfrm>
-            <a:off x="152400" y="762000"/>
-            <a:ext cx="8991600" cy="6096000"/>
+            <a:off x="0" y="609600"/>
+            <a:ext cx="9144000" cy="6248400"/>
           </a:xfrm>
         </p:spPr>
         <p:txBody>
-          <a:bodyPr>
-            <a:normAutofit/>
-          </a:bodyPr>
-          <a:lstStyle/>
-          <a:p>
-            <a:pPr>
-              <a:buNone/>
-            </a:pPr>
-            <a:r>
-              <a:rPr lang="en-US" sz="3000" b="1" u="sng" dirty="0"/>
-              <a:t>Syntactic Analysis and Parser</a:t>
-            </a:r>
-          </a:p>
-          <a:p>
-            <a:pPr>
-              <a:buFont typeface="Wingdings" pitchFamily="2" charset="2"/>
-              <a:buChar char="v"/>
-            </a:pPr>
-            <a:r>
-              <a:rPr lang="en-US" sz="2800" dirty="0"/>
-              <a:t>The lexical analyzer (flex scripts) returns a stream of tokens, which populates the symbol table. </a:t>
-            </a:r>
-          </a:p>
-          <a:p>
-            <a:pPr>
-              <a:buFont typeface="Wingdings" pitchFamily="2" charset="2"/>
-              <a:buChar char="v"/>
-            </a:pPr>
-            <a:r>
-              <a:rPr lang="en-US" sz="2800" dirty="0"/>
-              <a:t>These tokens are then taken as input by the Parser. </a:t>
-            </a:r>
-          </a:p>
-          <a:p>
-            <a:pPr>
-              <a:buFont typeface="Wingdings" pitchFamily="2" charset="2"/>
-              <a:buChar char="v"/>
-            </a:pPr>
-            <a:r>
-              <a:rPr lang="en-US" sz="2800" dirty="0"/>
-              <a:t>Parser verifies that a string of token names can be generated by the grammar of the source language. </a:t>
-            </a:r>
-          </a:p>
-          <a:p>
-            <a:pPr>
-              <a:buFont typeface="Wingdings" pitchFamily="2" charset="2"/>
-              <a:buChar char="v"/>
-            </a:pPr>
-            <a:r>
-              <a:rPr lang="en-US" sz="2800" dirty="0"/>
-              <a:t>The Parser then reports any syntax errors in an intelligible manner and recovers from the commonly occurring errors to continue processing the remainder of the program. </a:t>
-            </a:r>
-          </a:p>
-          <a:p>
-            <a:pPr>
-              <a:buFont typeface="Wingdings" pitchFamily="2" charset="2"/>
-              <a:buChar char="v"/>
-            </a:pPr>
-            <a:r>
-              <a:rPr lang="en-US" sz="2800" dirty="0"/>
-              <a:t>The Parser recognizes the following types of errors.</a:t>
-            </a:r>
-            <a:endParaRPr lang="en-US" sz="3000" b="1" u="sng" dirty="0"/>
+          <a:bodyPr/>
+          <a:lstStyle/>
+          <a:p>
+            <a:r>
+              <a:rPr lang="en-US" dirty="0"/>
+              <a:t>Yacc is written in a portable dialect of C, and the actions, and output subroutine, are in C as well. Moreover, many of the syntactic conventions of Yacc follow C. </a:t>
+            </a:r>
+          </a:p>
+          <a:p>
+            <a:r>
+              <a:rPr lang="en-US" dirty="0"/>
+              <a:t>Yacc provides a comprehensive tool for imposing structure on the input to a computer program. The Yacc user prepares a specification of the input process; this includes rules describing the input structure, code to be invoked when these rules are recognized, and a low-level routine to do the basic input.</a:t>
+            </a:r>
           </a:p>
         </p:txBody>
       </p:sp>
@@ -4641,18 +5060,18 @@
       </p:grpSpPr>
       <p:sp>
         <p:nvSpPr>
-          <p:cNvPr id="3" name="Content Placeholder 2"/>
-          <p:cNvSpPr>
-            <a:spLocks noGrp="1"/>
-          </p:cNvSpPr>
-          <p:nvPr>
-            <p:ph idx="1"/>
+          <p:cNvPr id="2" name="Title 1"/>
+          <p:cNvSpPr>
+            <a:spLocks noGrp="1"/>
+          </p:cNvSpPr>
+          <p:nvPr>
+            <p:ph type="title"/>
           </p:nvPr>
         </p:nvSpPr>
         <p:spPr>
           <a:xfrm>
             <a:off x="0" y="0"/>
-            <a:ext cx="9144000" cy="6858000"/>
+            <a:ext cx="8229600" cy="609600"/>
           </a:xfrm>
         </p:spPr>
         <p:txBody>
@@ -4661,63 +5080,149 @@
           </a:bodyPr>
           <a:lstStyle/>
           <a:p>
+            <a:pPr algn="l"/>
+            <a:r>
+              <a:rPr lang="en-US" sz="2800" b="1" dirty="0"/>
+              <a:t>C Program</a:t>
+            </a:r>
+          </a:p>
+        </p:txBody>
+      </p:sp>
+      <p:sp>
+        <p:nvSpPr>
+          <p:cNvPr id="3" name="Content Placeholder 2"/>
+          <p:cNvSpPr>
+            <a:spLocks noGrp="1"/>
+          </p:cNvSpPr>
+          <p:nvPr>
+            <p:ph idx="1"/>
+          </p:nvPr>
+        </p:nvSpPr>
+        <p:spPr>
+          <a:xfrm>
+            <a:off x="0" y="685800"/>
+            <a:ext cx="9144000" cy="6172200"/>
+          </a:xfrm>
+        </p:spPr>
+        <p:txBody>
+          <a:bodyPr/>
+          <a:lstStyle/>
+          <a:p>
+            <a:r>
+              <a:rPr lang="en-US" dirty="0"/>
+              <a:t>This section describes the input C program which is fed to the </a:t>
+            </a:r>
+            <a:r>
+              <a:rPr lang="en-US" dirty="0" err="1"/>
+              <a:t>yacc</a:t>
+            </a:r>
+            <a:r>
+              <a:rPr lang="en-US" dirty="0"/>
+              <a:t> script for parsing. The workflow is explained as under: </a:t>
+            </a:r>
+          </a:p>
+          <a:p>
             <a:pPr marL="514350" indent="-514350">
               <a:buFont typeface="+mj-lt"/>
               <a:buAutoNum type="arabicPeriod"/>
             </a:pPr>
             <a:r>
               <a:rPr lang="en-US" dirty="0"/>
-              <a:t>Structural errors</a:t>
-            </a:r>
-          </a:p>
-          <a:p>
-            <a:pPr marL="514350" indent="-514350">
-              <a:buFont typeface="+mj-lt"/>
-              <a:buAutoNum type="arabicPeriod"/>
-            </a:pPr>
-            <a:r>
-              <a:rPr lang="en-US" dirty="0"/>
-              <a:t>Missing identifiers</a:t>
-            </a:r>
-          </a:p>
-          <a:p>
-            <a:pPr marL="514350" indent="-514350">
-              <a:buFont typeface="+mj-lt"/>
-              <a:buAutoNum type="arabicPeriod"/>
-            </a:pPr>
-            <a:r>
-              <a:rPr lang="en-US" dirty="0"/>
-              <a:t>Wrong keywords</a:t>
-            </a:r>
-          </a:p>
-          <a:p>
-            <a:pPr marL="514350" indent="-514350">
-              <a:buFont typeface="+mj-lt"/>
-              <a:buAutoNum type="arabicPeriod"/>
-            </a:pPr>
-            <a:r>
-              <a:rPr lang="en-US" dirty="0"/>
-              <a:t>Unbalanced parenthesis</a:t>
-            </a:r>
-          </a:p>
-          <a:p>
-            <a:pPr marL="514350" indent="-514350">
-              <a:buNone/>
-            </a:pPr>
-            <a:endParaRPr lang="en-US" dirty="0"/>
-          </a:p>
-          <a:p>
-            <a:pPr marL="514350" indent="-514350"/>
-            <a:r>
-              <a:rPr lang="en-US" dirty="0"/>
-              <a:t>Parser is that phase of compiler which takes token string as input and with the help of existing grammar, converts it into the corresponding parse tree. </a:t>
-            </a:r>
-          </a:p>
-          <a:p>
-            <a:pPr marL="514350" indent="-514350"/>
-            <a:r>
-              <a:rPr lang="en-US" dirty="0"/>
-              <a:t>Parser is also known as Syntax Analyzer. </a:t>
+              <a:t>Compile Yacc script by this command </a:t>
+            </a:r>
+          </a:p>
+          <a:p>
+            <a:pPr>
+              <a:buNone/>
+            </a:pPr>
+            <a:r>
+              <a:rPr lang="en-US" dirty="0"/>
+              <a:t>		</a:t>
+            </a:r>
+            <a:r>
+              <a:rPr lang="en-US" sz="2400" i="1" dirty="0"/>
+              <a:t>$ </a:t>
+            </a:r>
+            <a:r>
+              <a:rPr lang="en-US" sz="2400" i="1" dirty="0" err="1"/>
+              <a:t>yacc</a:t>
+            </a:r>
+            <a:r>
+              <a:rPr lang="en-US" sz="2400" i="1" dirty="0"/>
+              <a:t> -d c_parser.y54 </a:t>
+            </a:r>
+            <a:endParaRPr lang="en-US" i="1" dirty="0"/>
+          </a:p>
+          <a:p>
+            <a:pPr>
+              <a:buNone/>
+            </a:pPr>
+            <a:r>
+              <a:rPr lang="en-US" dirty="0"/>
+              <a:t>2. Compile the flex script using Flex tool </a:t>
+            </a:r>
+          </a:p>
+          <a:p>
+            <a:pPr>
+              <a:buNone/>
+            </a:pPr>
+            <a:r>
+              <a:rPr lang="en-US" dirty="0"/>
+              <a:t>		</a:t>
+            </a:r>
+            <a:r>
+              <a:rPr lang="en-US" sz="2400" i="1" dirty="0"/>
+              <a:t>$ flex </a:t>
+            </a:r>
+            <a:r>
+              <a:rPr lang="en-US" sz="2400" i="1" dirty="0" err="1"/>
+              <a:t>c_lexer.l</a:t>
+            </a:r>
+            <a:r>
+              <a:rPr lang="en-US" sz="2400" i="1" dirty="0"/>
+              <a:t> </a:t>
+            </a:r>
+            <a:endParaRPr lang="en-US" i="1" dirty="0"/>
+          </a:p>
+          <a:p>
+            <a:pPr>
+              <a:buNone/>
+            </a:pPr>
+            <a:r>
+              <a:rPr lang="en-US" dirty="0"/>
+              <a:t>3. After compiling the </a:t>
+            </a:r>
+            <a:r>
+              <a:rPr lang="en-US" dirty="0" err="1"/>
+              <a:t>lex</a:t>
+            </a:r>
+            <a:r>
+              <a:rPr lang="en-US" dirty="0"/>
+              <a:t> file, a lex.yy.c file is generated. Also, </a:t>
+            </a:r>
+            <a:r>
+              <a:rPr lang="en-US" dirty="0" err="1"/>
+              <a:t>y.tab.c</a:t>
+            </a:r>
+            <a:r>
+              <a:rPr lang="en-US" dirty="0"/>
+              <a:t> and </a:t>
+            </a:r>
+            <a:r>
+              <a:rPr lang="en-US" dirty="0" err="1"/>
+              <a:t>y.tab.h</a:t>
+            </a:r>
+            <a:r>
+              <a:rPr lang="en-US" dirty="0"/>
+              <a:t> files are generated after compiling the </a:t>
+            </a:r>
+            <a:r>
+              <a:rPr lang="en-US" dirty="0" err="1"/>
+              <a:t>yacc</a:t>
+            </a:r>
+            <a:r>
+              <a:rPr lang="en-US" dirty="0"/>
+              <a:t> script.</a:t>
             </a:r>
           </a:p>
         </p:txBody>
@@ -4764,82 +5269,135 @@
           </a:xfrm>
         </p:spPr>
         <p:txBody>
-          <a:bodyPr>
-            <a:normAutofit fontScale="92500" lnSpcReduction="20000"/>
-          </a:bodyPr>
-          <a:lstStyle/>
-          <a:p>
-            <a:r>
-              <a:rPr lang="en-US" dirty="0"/>
-              <a:t>Parser is mainly classified into </a:t>
-            </a:r>
-            <a:r>
-              <a:rPr lang="en-US" b="1" dirty="0"/>
-              <a:t>2 categories</a:t>
-            </a:r>
-            <a:r>
-              <a:rPr lang="en-US" dirty="0"/>
-              <a:t>:-</a:t>
-            </a:r>
-          </a:p>
+          <a:bodyPr/>
+          <a:lstStyle/>
           <a:p>
             <a:pPr>
-              <a:buFont typeface="Wingdings" pitchFamily="2" charset="2"/>
-              <a:buChar char="q"/>
-            </a:pPr>
-            <a:r>
-              <a:rPr lang="en-US" b="1" dirty="0"/>
-              <a:t>Top-down Parser</a:t>
-            </a:r>
+              <a:buNone/>
+            </a:pPr>
+            <a:r>
+              <a:rPr lang="en-US" dirty="0"/>
+              <a:t>4. The three files, lex.yy.c, </a:t>
+            </a:r>
+            <a:r>
+              <a:rPr lang="en-US" dirty="0" err="1"/>
+              <a:t>y.tab.c</a:t>
+            </a:r>
+            <a:r>
+              <a:rPr lang="en-US" dirty="0"/>
+              <a:t> and </a:t>
+            </a:r>
+            <a:r>
+              <a:rPr lang="en-US" dirty="0" err="1"/>
+              <a:t>y.tab.h</a:t>
+            </a:r>
+            <a:r>
+              <a:rPr lang="en-US" dirty="0"/>
+              <a:t> are compiled together with the options –</a:t>
+            </a:r>
+            <a:r>
+              <a:rPr lang="en-US" dirty="0" err="1"/>
+              <a:t>ll</a:t>
+            </a:r>
+            <a:r>
+              <a:rPr lang="en-US" dirty="0"/>
+              <a:t> and –</a:t>
+            </a:r>
+            <a:r>
+              <a:rPr lang="en-US" dirty="0" err="1"/>
+              <a:t>ly</a:t>
+            </a:r>
+            <a:endParaRPr lang="en-US" dirty="0"/>
           </a:p>
           <a:p>
             <a:pPr>
-              <a:buFont typeface="Wingdings" pitchFamily="2" charset="2"/>
-              <a:buChar char="q"/>
-            </a:pPr>
-            <a:r>
-              <a:rPr lang="en-US" b="1" dirty="0"/>
-              <a:t>Bottom-up Parser. </a:t>
-            </a:r>
+              <a:buNone/>
+            </a:pPr>
+            <a:r>
+              <a:rPr lang="en-US" dirty="0"/>
+              <a:t>	</a:t>
+            </a:r>
+            <a:r>
+              <a:rPr lang="en-US" sz="2400" i="1" dirty="0"/>
+              <a:t>$ </a:t>
+            </a:r>
+            <a:r>
+              <a:rPr lang="en-US" sz="2400" i="1" dirty="0" err="1"/>
+              <a:t>gcc</a:t>
+            </a:r>
+            <a:r>
+              <a:rPr lang="en-US" sz="2400" i="1" dirty="0"/>
+              <a:t> -o compiler lex.yy.c </a:t>
+            </a:r>
+            <a:r>
+              <a:rPr lang="en-US" sz="2400" i="1" dirty="0" err="1"/>
+              <a:t>y.tab.h</a:t>
+            </a:r>
+            <a:r>
+              <a:rPr lang="en-US" sz="2400" i="1" dirty="0"/>
+              <a:t> </a:t>
+            </a:r>
+            <a:r>
+              <a:rPr lang="en-US" sz="2400" i="1" dirty="0" err="1"/>
+              <a:t>y.tab.c</a:t>
+            </a:r>
+            <a:r>
+              <a:rPr lang="en-US" sz="2400" i="1" dirty="0"/>
+              <a:t> -</a:t>
+            </a:r>
+            <a:r>
+              <a:rPr lang="en-US" sz="2400" i="1" dirty="0" err="1"/>
+              <a:t>ll</a:t>
+            </a:r>
+            <a:r>
+              <a:rPr lang="en-US" sz="2400" i="1" dirty="0"/>
+              <a:t> -</a:t>
+            </a:r>
+            <a:r>
+              <a:rPr lang="en-US" sz="2400" i="1" dirty="0" err="1"/>
+              <a:t>ly</a:t>
+            </a:r>
+            <a:r>
+              <a:rPr lang="en-US" sz="2400" i="1" dirty="0"/>
+              <a:t> 5</a:t>
+            </a:r>
+            <a:endParaRPr lang="en-US" i="1" dirty="0"/>
           </a:p>
           <a:p>
             <a:pPr>
               <a:buNone/>
             </a:pPr>
-            <a:endParaRPr lang="en-US" b="1" u="sng" dirty="0"/>
+            <a:r>
+              <a:rPr lang="en-US" dirty="0"/>
+              <a:t>The executable file is generated, which on running parses the C file given as a command line input </a:t>
+            </a:r>
           </a:p>
           <a:p>
             <a:pPr>
               <a:buNone/>
             </a:pPr>
             <a:r>
-              <a:rPr lang="en-US" b="1" u="sng" dirty="0"/>
-              <a:t>Top-down Parser: </a:t>
-            </a:r>
-          </a:p>
-          <a:p>
-            <a:r>
-              <a:rPr lang="en-US" dirty="0"/>
-              <a:t>Top-down Parser is the Parser, which generates parse for the given input string with the help of grammar productions by expanding the non-terminals i.e., it starts from the start symbol and ends on the terminals. </a:t>
-            </a:r>
+              <a:rPr lang="en-US" dirty="0"/>
+              <a:t>	</a:t>
+            </a:r>
+            <a:r>
+              <a:rPr lang="en-US" sz="2400" i="1" dirty="0"/>
+              <a:t>$ ./compiler </a:t>
+            </a:r>
+            <a:r>
+              <a:rPr lang="en-US" sz="2400" i="1" dirty="0" err="1"/>
+              <a:t>test.c</a:t>
+            </a:r>
+            <a:endParaRPr lang="en-US" i="1" dirty="0"/>
           </a:p>
           <a:p>
             <a:pPr>
               <a:buNone/>
             </a:pPr>
             <a:r>
-              <a:rPr lang="en-US" b="1" u="sng" dirty="0"/>
-              <a:t>Bottom-up Parser: </a:t>
-            </a:r>
-          </a:p>
-          <a:p>
-            <a:r>
-              <a:rPr lang="en-US" dirty="0"/>
-              <a:t>Bottom-up Parser is the Parser that generates the parse tree for the given input string with the help of grammar productions by compressing the non-terminals i.e., it starts from non-terminals and ends on the stat symbol. It uses the reverse of the rightmost derivation.</a:t>
-            </a:r>
-          </a:p>
-          <a:p>
-            <a:endParaRPr lang="en-US" dirty="0"/>
+              <a:rPr lang="en-US" dirty="0"/>
+              <a:t>The script also has an option to take standard input instead of taking input from a file.</a:t>
+            </a:r>
           </a:p>
         </p:txBody>
       </p:sp>
@@ -4881,7 +5439,7 @@
         <p:spPr>
           <a:xfrm>
             <a:off x="0" y="0"/>
-            <a:ext cx="8229600" cy="457200"/>
+            <a:ext cx="8229600" cy="487362"/>
           </a:xfrm>
         </p:spPr>
         <p:txBody>
@@ -4892,8 +5450,12 @@
           <a:p>
             <a:pPr algn="l"/>
             <a:r>
-              <a:rPr lang="en-US" sz="3200" b="1" u="sng" dirty="0"/>
-              <a:t>YACC Script</a:t>
+              <a:rPr lang="en-US" sz="3200" b="1" dirty="0">
+                <a:solidFill>
+                  <a:srgbClr val="FF0000"/>
+                </a:solidFill>
+              </a:rPr>
+              <a:t>Rules Section</a:t>
             </a:r>
           </a:p>
         </p:txBody>
@@ -4910,8 +5472,8 @@
         </p:nvSpPr>
         <p:spPr>
           <a:xfrm>
-            <a:off x="0" y="609600"/>
-            <a:ext cx="9144000" cy="6248400"/>
+            <a:off x="0" y="457200"/>
+            <a:ext cx="9144000" cy="6400800"/>
           </a:xfrm>
         </p:spPr>
         <p:txBody>
@@ -4920,13 +5482,31 @@
           <a:p>
             <a:r>
               <a:rPr lang="en-US" dirty="0"/>
-              <a:t>Yacc is written in a portable dialect of C, and the actions, and output subroutine, are in C as well. Moreover, many of the syntactic conventions of Yacc follow C. </a:t>
-            </a:r>
-          </a:p>
-          <a:p>
-            <a:r>
-              <a:rPr lang="en-US" dirty="0"/>
-              <a:t>Yacc provides a comprehensive tool for imposing structure on the input to a computer program. The Yacc user prepares a specification of the input process; this includes rules describing the input structure, code to be invoked when these rules are recognized, and a low-level routine to do the basic input.</a:t>
+              <a:t>In this section production rules for the entire C language are written. </a:t>
+            </a:r>
+          </a:p>
+          <a:p>
+            <a:r>
+              <a:rPr lang="en-US" dirty="0"/>
+              <a:t>The rules are written in such a way that there is no left recursion and the grammar is also deterministic. </a:t>
+            </a:r>
+          </a:p>
+          <a:p>
+            <a:r>
+              <a:rPr lang="en-US" dirty="0"/>
+              <a:t>Non-deterministic grammar was converted to deterministic by applying left factoring. </a:t>
+            </a:r>
+          </a:p>
+          <a:p>
+            <a:r>
+              <a:rPr lang="en-US" dirty="0"/>
+              <a:t>This was done so that grammar is for LL(1) parser. This is so because all LL(1) grammar are LALR(1) according to the concepts. </a:t>
+            </a:r>
+          </a:p>
+          <a:p>
+            <a:r>
+              <a:rPr lang="en-US" dirty="0"/>
+              <a:t>The grammar productions does the syntax analysis of the source code. When a complete statement with proper syntax is matched by the parser. </a:t>
             </a:r>
           </a:p>
         </p:txBody>
@@ -4958,41 +5538,79 @@
       </p:grpSpPr>
       <p:sp>
         <p:nvSpPr>
-          <p:cNvPr id="3" name="Content Placeholder 2"/>
-          <p:cNvSpPr>
-            <a:spLocks noGrp="1"/>
-          </p:cNvSpPr>
-          <p:nvPr>
-            <p:ph idx="1"/>
+          <p:cNvPr id="2" name="Title 1"/>
+          <p:cNvSpPr>
+            <a:spLocks noGrp="1"/>
+          </p:cNvSpPr>
+          <p:nvPr>
+            <p:ph type="title"/>
           </p:nvPr>
         </p:nvSpPr>
         <p:spPr>
           <a:xfrm>
             <a:off x="0" y="0"/>
-            <a:ext cx="9144000" cy="6858000"/>
+            <a:ext cx="8229600" cy="503238"/>
           </a:xfrm>
         </p:spPr>
         <p:txBody>
           <a:bodyPr>
-            <a:normAutofit fontScale="92500"/>
+            <a:normAutofit fontScale="90000"/>
           </a:bodyPr>
           <a:lstStyle/>
           <a:p>
-            <a:r>
-              <a:rPr lang="en-US" dirty="0"/>
-              <a:t>Yacc generates a function to control the input process. This function, called a parser, calls the user-supplied low-level input routine (the lexical analyzer) to pick up the basic items (called tokens) from the input stream. </a:t>
-            </a:r>
-          </a:p>
-          <a:p>
-            <a:r>
-              <a:rPr lang="en-US" dirty="0"/>
-              <a:t>These tokens are organized according to the input structure rules, called grammar rules; when one of these rules has been recognized, then the user code supplied for this rule, an action, is invoked; actions have the ability to return values and make use of the values of other actions. </a:t>
-            </a:r>
-          </a:p>
-          <a:p>
-            <a:r>
-              <a:rPr lang="en-US" dirty="0"/>
-              <a:t>The lexer can be used to make a simple parser. But it needs making extensive use of the user-defined states. The input being read may not conform to the specifications. </a:t>
+            <a:pPr algn="l"/>
+            <a:r>
+              <a:rPr lang="en-US" sz="3600" b="1" dirty="0">
+                <a:solidFill>
+                  <a:srgbClr val="FF0000"/>
+                </a:solidFill>
+              </a:rPr>
+              <a:t>Result</a:t>
+            </a:r>
+          </a:p>
+        </p:txBody>
+      </p:sp>
+      <p:sp>
+        <p:nvSpPr>
+          <p:cNvPr id="3" name="Content Placeholder 2"/>
+          <p:cNvSpPr>
+            <a:spLocks noGrp="1"/>
+          </p:cNvSpPr>
+          <p:nvPr>
+            <p:ph idx="1"/>
+          </p:nvPr>
+        </p:nvSpPr>
+        <p:spPr>
+          <a:xfrm>
+            <a:off x="0" y="609600"/>
+            <a:ext cx="9144000" cy="6248400"/>
+          </a:xfrm>
+        </p:spPr>
+        <p:txBody>
+          <a:bodyPr/>
+          <a:lstStyle/>
+          <a:p>
+            <a:r>
+              <a:rPr lang="en-US" dirty="0"/>
+              <a:t>The Yacc Script was able to successfully parse all the tokens generated the flex script for C. </a:t>
+            </a:r>
+          </a:p>
+          <a:p>
+            <a:r>
+              <a:rPr lang="en-US" dirty="0"/>
+              <a:t>The type, value, and line of the declaration was returned as an output for all the identifiers and constants present in the program. </a:t>
+            </a:r>
+          </a:p>
+          <a:p>
+            <a:r>
+              <a:rPr lang="en-US" dirty="0"/>
+              <a:t>To handle the error messages the line number was returned along with the syntax error message. </a:t>
+            </a:r>
+          </a:p>
+          <a:p>
+            <a:r>
+              <a:rPr lang="en-US" dirty="0"/>
+              <a:t>Thus the following Yacc script is able to parse the tokens and generate error messages for the C program.</a:t>
             </a:r>
           </a:p>
         </p:txBody>
@@ -5024,88 +5642,61 @@
       </p:grpSpPr>
       <p:sp>
         <p:nvSpPr>
-          <p:cNvPr id="3" name="Content Placeholder 2"/>
-          <p:cNvSpPr>
-            <a:spLocks noGrp="1"/>
-          </p:cNvSpPr>
-          <p:nvPr>
-            <p:ph idx="1"/>
+          <p:cNvPr id="2" name="Title 1"/>
+          <p:cNvSpPr>
+            <a:spLocks noGrp="1"/>
+          </p:cNvSpPr>
+          <p:nvPr>
+            <p:ph type="title"/>
           </p:nvPr>
         </p:nvSpPr>
         <p:spPr>
           <a:xfrm>
-            <a:off x="0" y="0"/>
-            <a:ext cx="9144000" cy="6858000"/>
+            <a:off x="0" y="152400"/>
+            <a:ext cx="8229600" cy="334962"/>
           </a:xfrm>
         </p:spPr>
         <p:txBody>
           <a:bodyPr>
-            <a:normAutofit lnSpcReduction="10000"/>
+            <a:normAutofit fontScale="90000"/>
           </a:bodyPr>
           <a:lstStyle/>
           <a:p>
-            <a:r>
-              <a:rPr lang="en-US" dirty="0"/>
-              <a:t>Error handling, provided as part of the input specifications, permits the reentry of bad data, or the continuation of the input process after skipping over the wrong data. </a:t>
-            </a:r>
-          </a:p>
-          <a:p>
-            <a:r>
-              <a:rPr lang="en-US" dirty="0"/>
-              <a:t>The class of specifications accepted is a very general one: LALR(1) grammars with disambiguating rules. The structure of our Yacc script is given below a full specification file looks like, </a:t>
-            </a:r>
-          </a:p>
-          <a:p>
-            <a:pPr>
-              <a:buNone/>
-            </a:pPr>
-            <a:r>
-              <a:rPr lang="en-US" dirty="0"/>
-              <a:t>	</a:t>
-            </a:r>
-            <a:r>
-              <a:rPr lang="en-US" u="sng" dirty="0"/>
-              <a:t>declarations </a:t>
-            </a:r>
-          </a:p>
-          <a:p>
-            <a:pPr>
-              <a:buNone/>
-            </a:pPr>
-            <a:r>
-              <a:rPr lang="en-US" dirty="0"/>
-              <a:t>%% </a:t>
-            </a:r>
-          </a:p>
-          <a:p>
-            <a:pPr>
-              <a:buNone/>
-            </a:pPr>
-            <a:r>
-              <a:rPr lang="en-US" dirty="0"/>
-              <a:t>rules </a:t>
-            </a:r>
-          </a:p>
-          <a:p>
-            <a:pPr>
-              <a:buNone/>
-            </a:pPr>
-            <a:r>
-              <a:rPr lang="en-US" dirty="0"/>
-              <a:t>%% </a:t>
-            </a:r>
-          </a:p>
-          <a:p>
-            <a:pPr>
-              <a:buNone/>
-            </a:pPr>
-            <a:r>
-              <a:rPr lang="en-US" dirty="0"/>
-              <a:t>programs</a:t>
-            </a:r>
-          </a:p>
-        </p:txBody>
-      </p:sp>
+            <a:pPr algn="l"/>
+            <a:r>
+              <a:rPr lang="en-US" sz="3200" b="1" dirty="0">
+                <a:solidFill>
+                  <a:srgbClr val="FF0000"/>
+                </a:solidFill>
+              </a:rPr>
+              <a:t>Output:</a:t>
+            </a:r>
+          </a:p>
+        </p:txBody>
+      </p:sp>
+      <p:pic>
+        <p:nvPicPr>
+          <p:cNvPr id="4" name="Content Placeholder 3" descr="4.PNG"/>
+          <p:cNvPicPr>
+            <a:picLocks noGrp="1" noChangeAspect="1"/>
+          </p:cNvPicPr>
+          <p:nvPr>
+            <p:ph idx="1"/>
+          </p:nvPr>
+        </p:nvPicPr>
+        <p:blipFill>
+          <a:blip r:embed="rId2"/>
+          <a:stretch>
+            <a:fillRect/>
+          </a:stretch>
+        </p:blipFill>
+        <p:spPr>
+          <a:xfrm>
+            <a:off x="74725" y="1066800"/>
+            <a:ext cx="8733840" cy="5105400"/>
+          </a:xfrm>
+        </p:spPr>
+      </p:pic>
     </p:spTree>
   </p:cSld>
   <p:clrMapOvr>
@@ -5143,91 +5734,8 @@
         </p:nvSpPr>
         <p:spPr>
           <a:xfrm>
-            <a:off x="0" y="0"/>
-            <a:ext cx="9144000" cy="6858000"/>
-          </a:xfrm>
-        </p:spPr>
-        <p:txBody>
-          <a:bodyPr>
-            <a:normAutofit fontScale="92500" lnSpcReduction="20000"/>
-          </a:bodyPr>
-          <a:lstStyle/>
-          <a:p>
-            <a:r>
-              <a:rPr lang="en-US" dirty="0"/>
-              <a:t>The declaration section may be empty. Moreover, if the programs section is omitted, the second %% mark may be omitted also. </a:t>
-            </a:r>
-          </a:p>
-          <a:p>
-            <a:r>
-              <a:rPr lang="en-US" dirty="0"/>
-              <a:t>Blanks, tabs, and newlines are ignored except that they may not appear in names or multi-character reserved symbols. Comments may appear wherever a name is legal; they are enclosed in /* . . . */, as in C and PL/</a:t>
-            </a:r>
-            <a:r>
-              <a:rPr lang="en-US" dirty="0" err="1"/>
-              <a:t>I.The</a:t>
-            </a:r>
-            <a:r>
-              <a:rPr lang="en-US" dirty="0"/>
-              <a:t> rules section is made up of one or more grammar rules. A grammar rule has the form:</a:t>
-            </a:r>
-          </a:p>
-          <a:p>
-            <a:pPr>
-              <a:buNone/>
-            </a:pPr>
-            <a:r>
-              <a:rPr lang="en-US" dirty="0"/>
-              <a:t>		A : BODY ;</a:t>
-            </a:r>
-          </a:p>
-          <a:p>
-            <a:r>
-              <a:rPr lang="en-US" dirty="0"/>
-              <a:t>A represents a non-terminal name, and BODY represents a sequence of zero or more names and literals. The colon and the semicolon are Yacc punctuation. Each rule can have an associated action, which is executed after all the component symbols of the rule have been parsed. Actions are basically C-program statements surrounded by curly braces.</a:t>
-            </a:r>
-          </a:p>
-        </p:txBody>
-      </p:sp>
-    </p:spTree>
-  </p:cSld>
-  <p:clrMapOvr>
-    <a:masterClrMapping/>
-  </p:clrMapOvr>
-</p:sld>
-</file>
-
-<file path=ppt/slides/slide27.xml><?xml version="1.0" encoding="utf-8"?>
-<p:sld xmlns:a="http://schemas.openxmlformats.org/drawingml/2006/main" xmlns:r="http://schemas.openxmlformats.org/officeDocument/2006/relationships" xmlns:p="http://schemas.openxmlformats.org/presentationml/2006/main">
-  <p:cSld>
-    <p:spTree>
-      <p:nvGrpSpPr>
-        <p:cNvPr id="1" name=""/>
-        <p:cNvGrpSpPr/>
-        <p:nvPr/>
-      </p:nvGrpSpPr>
-      <p:grpSpPr>
-        <a:xfrm>
-          <a:off x="0" y="0"/>
-          <a:ext cx="0" cy="0"/>
-          <a:chOff x="0" y="0"/>
-          <a:chExt cx="0" cy="0"/>
-        </a:xfrm>
-      </p:grpSpPr>
-      <p:sp>
-        <p:nvSpPr>
-          <p:cNvPr id="2" name="Title 1"/>
-          <p:cNvSpPr>
-            <a:spLocks noGrp="1"/>
-          </p:cNvSpPr>
-          <p:nvPr>
-            <p:ph type="title"/>
-          </p:nvPr>
-        </p:nvSpPr>
-        <p:spPr>
-          <a:xfrm>
-            <a:off x="0" y="0"/>
-            <a:ext cx="8229600" cy="609600"/>
+            <a:off x="457200" y="2514600"/>
+            <a:ext cx="8229600" cy="3611563"/>
           </a:xfrm>
         </p:spPr>
         <p:txBody>
@@ -5236,473 +5744,12 @@
           </a:bodyPr>
           <a:lstStyle/>
           <a:p>
-            <a:pPr algn="l"/>
-            <a:r>
-              <a:rPr lang="en-US" sz="2800" b="1" dirty="0"/>
-              <a:t>C Program</a:t>
-            </a:r>
-          </a:p>
-        </p:txBody>
-      </p:sp>
-      <p:sp>
-        <p:nvSpPr>
-          <p:cNvPr id="3" name="Content Placeholder 2"/>
-          <p:cNvSpPr>
-            <a:spLocks noGrp="1"/>
-          </p:cNvSpPr>
-          <p:nvPr>
-            <p:ph idx="1"/>
-          </p:nvPr>
-        </p:nvSpPr>
-        <p:spPr>
-          <a:xfrm>
-            <a:off x="0" y="685800"/>
-            <a:ext cx="9144000" cy="6172200"/>
-          </a:xfrm>
-        </p:spPr>
-        <p:txBody>
-          <a:bodyPr/>
-          <a:lstStyle/>
-          <a:p>
-            <a:r>
-              <a:rPr lang="en-US" dirty="0"/>
-              <a:t>This section describes the input C program which is fed to the </a:t>
-            </a:r>
-            <a:r>
-              <a:rPr lang="en-US" dirty="0" err="1"/>
-              <a:t>yacc</a:t>
-            </a:r>
-            <a:r>
-              <a:rPr lang="en-US" dirty="0"/>
-              <a:t> script for parsing. The workflow is explained as under: </a:t>
-            </a:r>
-          </a:p>
-          <a:p>
-            <a:pPr marL="514350" indent="-514350">
-              <a:buFont typeface="+mj-lt"/>
-              <a:buAutoNum type="arabicPeriod"/>
-            </a:pPr>
-            <a:r>
-              <a:rPr lang="en-US" dirty="0"/>
-              <a:t>Compile Yacc script by this command </a:t>
-            </a:r>
-          </a:p>
-          <a:p>
-            <a:pPr>
-              <a:buNone/>
-            </a:pPr>
-            <a:r>
-              <a:rPr lang="en-US" dirty="0"/>
-              <a:t>		</a:t>
-            </a:r>
-            <a:r>
-              <a:rPr lang="en-US" sz="2400" i="1" dirty="0"/>
-              <a:t>$ </a:t>
-            </a:r>
-            <a:r>
-              <a:rPr lang="en-US" sz="2400" i="1" dirty="0" err="1"/>
-              <a:t>yacc</a:t>
-            </a:r>
-            <a:r>
-              <a:rPr lang="en-US" sz="2400" i="1" dirty="0"/>
-              <a:t> -d c_parser.y54 </a:t>
-            </a:r>
-            <a:endParaRPr lang="en-US" i="1" dirty="0"/>
-          </a:p>
-          <a:p>
-            <a:pPr>
-              <a:buNone/>
-            </a:pPr>
-            <a:r>
-              <a:rPr lang="en-US" dirty="0"/>
-              <a:t>2. Compile the flex script using Flex tool </a:t>
-            </a:r>
-          </a:p>
-          <a:p>
-            <a:pPr>
-              <a:buNone/>
-            </a:pPr>
-            <a:r>
-              <a:rPr lang="en-US" dirty="0"/>
-              <a:t>		</a:t>
-            </a:r>
-            <a:r>
-              <a:rPr lang="en-US" sz="2400" i="1" dirty="0"/>
-              <a:t>$ flex </a:t>
-            </a:r>
-            <a:r>
-              <a:rPr lang="en-US" sz="2400" i="1" dirty="0" err="1"/>
-              <a:t>c_lexer.l</a:t>
-            </a:r>
-            <a:r>
-              <a:rPr lang="en-US" sz="2400" i="1" dirty="0"/>
-              <a:t> </a:t>
-            </a:r>
-            <a:endParaRPr lang="en-US" i="1" dirty="0"/>
-          </a:p>
-          <a:p>
-            <a:pPr>
-              <a:buNone/>
-            </a:pPr>
-            <a:r>
-              <a:rPr lang="en-US" dirty="0"/>
-              <a:t>3. After compiling the </a:t>
-            </a:r>
-            <a:r>
-              <a:rPr lang="en-US" dirty="0" err="1"/>
-              <a:t>lex</a:t>
-            </a:r>
-            <a:r>
-              <a:rPr lang="en-US" dirty="0"/>
-              <a:t> file, a lex.yy.c file is generated. Also, </a:t>
-            </a:r>
-            <a:r>
-              <a:rPr lang="en-US" dirty="0" err="1"/>
-              <a:t>y.tab.c</a:t>
-            </a:r>
-            <a:r>
-              <a:rPr lang="en-US" dirty="0"/>
-              <a:t> and </a:t>
-            </a:r>
-            <a:r>
-              <a:rPr lang="en-US" dirty="0" err="1"/>
-              <a:t>y.tab.h</a:t>
-            </a:r>
-            <a:r>
-              <a:rPr lang="en-US" dirty="0"/>
-              <a:t> files are generated after compiling the </a:t>
-            </a:r>
-            <a:r>
-              <a:rPr lang="en-US" dirty="0" err="1"/>
-              <a:t>yacc</a:t>
-            </a:r>
-            <a:r>
-              <a:rPr lang="en-US" dirty="0"/>
-              <a:t> script.</a:t>
-            </a:r>
-          </a:p>
-        </p:txBody>
-      </p:sp>
-    </p:spTree>
-  </p:cSld>
-  <p:clrMapOvr>
-    <a:masterClrMapping/>
-  </p:clrMapOvr>
-</p:sld>
-</file>
-
-<file path=ppt/slides/slide28.xml><?xml version="1.0" encoding="utf-8"?>
-<p:sld xmlns:a="http://schemas.openxmlformats.org/drawingml/2006/main" xmlns:r="http://schemas.openxmlformats.org/officeDocument/2006/relationships" xmlns:p="http://schemas.openxmlformats.org/presentationml/2006/main">
-  <p:cSld>
-    <p:spTree>
-      <p:nvGrpSpPr>
-        <p:cNvPr id="1" name=""/>
-        <p:cNvGrpSpPr/>
-        <p:nvPr/>
-      </p:nvGrpSpPr>
-      <p:grpSpPr>
-        <a:xfrm>
-          <a:off x="0" y="0"/>
-          <a:ext cx="0" cy="0"/>
-          <a:chOff x="0" y="0"/>
-          <a:chExt cx="0" cy="0"/>
-        </a:xfrm>
-      </p:grpSpPr>
-      <p:sp>
-        <p:nvSpPr>
-          <p:cNvPr id="3" name="Content Placeholder 2"/>
-          <p:cNvSpPr>
-            <a:spLocks noGrp="1"/>
-          </p:cNvSpPr>
-          <p:nvPr>
-            <p:ph idx="1"/>
-          </p:nvPr>
-        </p:nvSpPr>
-        <p:spPr>
-          <a:xfrm>
-            <a:off x="0" y="0"/>
-            <a:ext cx="9144000" cy="6858000"/>
-          </a:xfrm>
-        </p:spPr>
-        <p:txBody>
-          <a:bodyPr/>
-          <a:lstStyle/>
-          <a:p>
-            <a:pPr>
-              <a:buNone/>
-            </a:pPr>
-            <a:r>
-              <a:rPr lang="en-US" dirty="0"/>
-              <a:t>4. The three files, lex.yy.c, </a:t>
-            </a:r>
-            <a:r>
-              <a:rPr lang="en-US" dirty="0" err="1"/>
-              <a:t>y.tab.c</a:t>
-            </a:r>
-            <a:r>
-              <a:rPr lang="en-US" dirty="0"/>
-              <a:t> and </a:t>
-            </a:r>
-            <a:r>
-              <a:rPr lang="en-US" dirty="0" err="1"/>
-              <a:t>y.tab.h</a:t>
-            </a:r>
-            <a:r>
-              <a:rPr lang="en-US" dirty="0"/>
-              <a:t> are compiled together with the options –</a:t>
-            </a:r>
-            <a:r>
-              <a:rPr lang="en-US" dirty="0" err="1"/>
-              <a:t>ll</a:t>
-            </a:r>
-            <a:r>
-              <a:rPr lang="en-US" dirty="0"/>
-              <a:t> and –</a:t>
-            </a:r>
-            <a:r>
-              <a:rPr lang="en-US" dirty="0" err="1"/>
-              <a:t>ly</a:t>
-            </a:r>
-            <a:endParaRPr lang="en-US" dirty="0"/>
-          </a:p>
-          <a:p>
-            <a:pPr>
-              <a:buNone/>
-            </a:pPr>
-            <a:r>
-              <a:rPr lang="en-US" dirty="0"/>
-              <a:t>	</a:t>
-            </a:r>
-            <a:r>
-              <a:rPr lang="en-US" sz="2400" i="1" dirty="0"/>
-              <a:t>$ </a:t>
-            </a:r>
-            <a:r>
-              <a:rPr lang="en-US" sz="2400" i="1" dirty="0" err="1"/>
-              <a:t>gcc</a:t>
-            </a:r>
-            <a:r>
-              <a:rPr lang="en-US" sz="2400" i="1" dirty="0"/>
-              <a:t> -o compiler lex.yy.c </a:t>
-            </a:r>
-            <a:r>
-              <a:rPr lang="en-US" sz="2400" i="1" dirty="0" err="1"/>
-              <a:t>y.tab.h</a:t>
-            </a:r>
-            <a:r>
-              <a:rPr lang="en-US" sz="2400" i="1" dirty="0"/>
-              <a:t> </a:t>
-            </a:r>
-            <a:r>
-              <a:rPr lang="en-US" sz="2400" i="1" dirty="0" err="1"/>
-              <a:t>y.tab.c</a:t>
-            </a:r>
-            <a:r>
-              <a:rPr lang="en-US" sz="2400" i="1" dirty="0"/>
-              <a:t> -</a:t>
-            </a:r>
-            <a:r>
-              <a:rPr lang="en-US" sz="2400" i="1" dirty="0" err="1"/>
-              <a:t>ll</a:t>
-            </a:r>
-            <a:r>
-              <a:rPr lang="en-US" sz="2400" i="1" dirty="0"/>
-              <a:t> -</a:t>
-            </a:r>
-            <a:r>
-              <a:rPr lang="en-US" sz="2400" i="1" dirty="0" err="1"/>
-              <a:t>ly</a:t>
-            </a:r>
-            <a:r>
-              <a:rPr lang="en-US" sz="2400" i="1" dirty="0"/>
-              <a:t> 5</a:t>
-            </a:r>
-            <a:endParaRPr lang="en-US" i="1" dirty="0"/>
-          </a:p>
-          <a:p>
-            <a:pPr>
-              <a:buNone/>
-            </a:pPr>
-            <a:r>
-              <a:rPr lang="en-US" dirty="0"/>
-              <a:t>The executable file is generated, which on running parses the C file given as a command line input </a:t>
-            </a:r>
-          </a:p>
-          <a:p>
-            <a:pPr>
-              <a:buNone/>
-            </a:pPr>
-            <a:r>
-              <a:rPr lang="en-US" dirty="0"/>
-              <a:t>	</a:t>
-            </a:r>
-            <a:r>
-              <a:rPr lang="en-US" sz="2400" i="1" dirty="0"/>
-              <a:t>$ ./compiler </a:t>
-            </a:r>
-            <a:r>
-              <a:rPr lang="en-US" sz="2400" i="1" dirty="0" err="1"/>
-              <a:t>test.c</a:t>
-            </a:r>
-            <a:endParaRPr lang="en-US" i="1" dirty="0"/>
-          </a:p>
-          <a:p>
-            <a:pPr>
-              <a:buNone/>
-            </a:pPr>
-            <a:r>
-              <a:rPr lang="en-US" dirty="0"/>
-              <a:t>The script also has an option to take standard input instead of taking input from a file.</a:t>
-            </a:r>
-          </a:p>
-        </p:txBody>
-      </p:sp>
-    </p:spTree>
-  </p:cSld>
-  <p:clrMapOvr>
-    <a:masterClrMapping/>
-  </p:clrMapOvr>
-</p:sld>
-</file>
-
-<file path=ppt/slides/slide29.xml><?xml version="1.0" encoding="utf-8"?>
-<p:sld xmlns:a="http://schemas.openxmlformats.org/drawingml/2006/main" xmlns:r="http://schemas.openxmlformats.org/officeDocument/2006/relationships" xmlns:p="http://schemas.openxmlformats.org/presentationml/2006/main">
-  <p:cSld>
-    <p:spTree>
-      <p:nvGrpSpPr>
-        <p:cNvPr id="1" name=""/>
-        <p:cNvGrpSpPr/>
-        <p:nvPr/>
-      </p:nvGrpSpPr>
-      <p:grpSpPr>
-        <a:xfrm>
-          <a:off x="0" y="0"/>
-          <a:ext cx="0" cy="0"/>
-          <a:chOff x="0" y="0"/>
-          <a:chExt cx="0" cy="0"/>
-        </a:xfrm>
-      </p:grpSpPr>
-      <p:sp>
-        <p:nvSpPr>
-          <p:cNvPr id="2" name="Title 1"/>
-          <p:cNvSpPr>
-            <a:spLocks noGrp="1"/>
-          </p:cNvSpPr>
-          <p:nvPr>
-            <p:ph type="title"/>
-          </p:nvPr>
-        </p:nvSpPr>
-        <p:spPr>
-          <a:xfrm>
-            <a:off x="0" y="0"/>
-            <a:ext cx="8229600" cy="563562"/>
-          </a:xfrm>
-        </p:spPr>
-        <p:txBody>
-          <a:bodyPr>
-            <a:normAutofit fontScale="90000"/>
-          </a:bodyPr>
-          <a:lstStyle/>
-          <a:p>
-            <a:pPr algn="l"/>
-            <a:r>
-              <a:rPr lang="en-US" sz="3200" b="1" dirty="0">
-                <a:solidFill>
-                  <a:srgbClr val="FF0000"/>
-                </a:solidFill>
-              </a:rPr>
-              <a:t>Explanation:</a:t>
-            </a:r>
-            <a:r>
-              <a:rPr lang="en-US" dirty="0"/>
-              <a:t> </a:t>
-            </a:r>
-          </a:p>
-        </p:txBody>
-      </p:sp>
-      <p:sp>
-        <p:nvSpPr>
-          <p:cNvPr id="3" name="Content Placeholder 2"/>
-          <p:cNvSpPr>
-            <a:spLocks noGrp="1"/>
-          </p:cNvSpPr>
-          <p:nvPr>
-            <p:ph idx="1"/>
-          </p:nvPr>
-        </p:nvSpPr>
-        <p:spPr>
-          <a:xfrm>
-            <a:off x="0" y="685800"/>
-            <a:ext cx="9144000" cy="6172200"/>
-          </a:xfrm>
-        </p:spPr>
-        <p:txBody>
-          <a:bodyPr>
-            <a:normAutofit fontScale="92500" lnSpcReduction="20000"/>
-          </a:bodyPr>
-          <a:lstStyle/>
-          <a:p>
-            <a:r>
-              <a:rPr lang="en-US" dirty="0"/>
-              <a:t>The </a:t>
-            </a:r>
-            <a:r>
-              <a:rPr lang="en-US" dirty="0" err="1"/>
-              <a:t>lex</a:t>
-            </a:r>
-            <a:r>
-              <a:rPr lang="en-US" dirty="0"/>
-              <a:t> code is detecting the tokens from the source code and returning the corresponding token to the parser. </a:t>
-            </a:r>
-          </a:p>
-          <a:p>
-            <a:r>
-              <a:rPr lang="en-US" dirty="0"/>
-              <a:t>In phase 1, we were printing the token, and now we are returning the token so that parser uses it for further computation. </a:t>
-            </a:r>
-          </a:p>
-          <a:p>
-            <a:r>
-              <a:rPr lang="en-US" dirty="0"/>
-              <a:t>We are using the symbol table and the constant table of the previous phase only. We added functions like </a:t>
-            </a:r>
-            <a:r>
-              <a:rPr lang="en-US" dirty="0" err="1"/>
-              <a:t>insertSTtype</a:t>
-            </a:r>
-            <a:r>
-              <a:rPr lang="en-US" dirty="0"/>
-              <a:t>(), </a:t>
-            </a:r>
-            <a:r>
-              <a:rPr lang="en-US" dirty="0" err="1"/>
-              <a:t>insertSTvalue</a:t>
-            </a:r>
-            <a:r>
-              <a:rPr lang="en-US" dirty="0"/>
-              <a:t>() and </a:t>
-            </a:r>
-            <a:r>
-              <a:rPr lang="en-US" dirty="0" err="1"/>
-              <a:t>insertSTline</a:t>
-            </a:r>
-            <a:r>
-              <a:rPr lang="en-US" dirty="0"/>
-              <a:t>() to the existing functions. </a:t>
-            </a:r>
-          </a:p>
-          <a:p>
-            <a:r>
-              <a:rPr lang="en-US" dirty="0"/>
-              <a:t>Lexical </a:t>
-            </a:r>
-            <a:r>
-              <a:rPr lang="en-US" dirty="0" err="1"/>
-              <a:t>Analyser</a:t>
-            </a:r>
-            <a:r>
-              <a:rPr lang="en-US" dirty="0"/>
-              <a:t> installs the token in the symbol table, whereas parser calls these functions to add the value of attributes like data type, the value assigned to the identifier, and where the identifier was declared i.e., updates the information in the symbol table.</a:t>
+            <a:pPr algn="ctr">
+              <a:buNone/>
+            </a:pPr>
+            <a:r>
+              <a:rPr lang="en-US" sz="6600" b="1" dirty="0"/>
+              <a:t>THANK YOU…</a:t>
             </a:r>
           </a:p>
         </p:txBody>
@@ -5734,24 +5781,56 @@
       </p:grpSpPr>
       <p:sp>
         <p:nvSpPr>
-          <p:cNvPr id="3" name="Content Placeholder 2"/>
-          <p:cNvSpPr>
-            <a:spLocks noGrp="1"/>
-          </p:cNvSpPr>
-          <p:nvPr>
-            <p:ph idx="1"/>
+          <p:cNvPr id="2" name="Title 1"/>
+          <p:cNvSpPr>
+            <a:spLocks noGrp="1"/>
+          </p:cNvSpPr>
+          <p:nvPr>
+            <p:ph type="title"/>
           </p:nvPr>
         </p:nvSpPr>
         <p:spPr>
           <a:xfrm>
-            <a:off x="0" y="0"/>
-            <a:ext cx="9144000" cy="6858000"/>
+            <a:off x="685800" y="457200"/>
+            <a:ext cx="8229600" cy="1143000"/>
           </a:xfrm>
         </p:spPr>
         <p:txBody>
           <a:bodyPr>
             <a:normAutofit/>
           </a:bodyPr>
+          <a:lstStyle/>
+          <a:p>
+            <a:pPr algn="l"/>
+            <a:r>
+              <a:rPr lang="en-US" b="1" dirty="0">
+                <a:solidFill>
+                  <a:srgbClr val="FF0000"/>
+                </a:solidFill>
+              </a:rPr>
+              <a:t>Compiler</a:t>
+            </a:r>
+          </a:p>
+        </p:txBody>
+      </p:sp>
+      <p:sp>
+        <p:nvSpPr>
+          <p:cNvPr id="3" name="Content Placeholder 2"/>
+          <p:cNvSpPr>
+            <a:spLocks noGrp="1"/>
+          </p:cNvSpPr>
+          <p:nvPr>
+            <p:ph idx="1"/>
+          </p:nvPr>
+        </p:nvSpPr>
+        <p:spPr>
+          <a:xfrm>
+            <a:off x="457200" y="1600200"/>
+            <a:ext cx="8686800" cy="4525963"/>
+          </a:xfrm>
+        </p:spPr>
+        <p:txBody>
+          <a:bodyPr/>
           <a:lstStyle/>
           <a:p>
             <a:pPr>
@@ -5763,7 +5842,7 @@
             </a:pPr>
             <a:r>
               <a:rPr lang="en-US" dirty="0"/>
-              <a:t>It is included as part of the integrated development environment IDE with most programming software packages.</a:t>
+              <a:t>A compiler is a software program that compiles program source code files into an executable program. </a:t>
             </a:r>
           </a:p>
           <a:p>
@@ -5776,1078 +5855,7 @@
             </a:pPr>
             <a:r>
               <a:rPr lang="en-US" dirty="0"/>
-              <a:t>The compiler takes source code files that are written in a high-level language, such as C, C++, or Java, and compiles the code into a low-level language, such as machine code or assembly code.</a:t>
-            </a:r>
-          </a:p>
-          <a:p>
-            <a:pPr>
-              <a:buClr>
-                <a:srgbClr val="FF0000"/>
-              </a:buClr>
-              <a:buFont typeface="Wingdings" pitchFamily="2" charset="2"/>
-              <a:buChar char="v"/>
-            </a:pPr>
-            <a:r>
-              <a:rPr lang="en-US" dirty="0"/>
-              <a:t>This code is created for a specific processor type, such as an Intel Pentium or PowerPC. The program can then be recognized by the processor and run from the operating system.</a:t>
-            </a:r>
-          </a:p>
-        </p:txBody>
-      </p:sp>
-    </p:spTree>
-  </p:cSld>
-  <p:clrMapOvr>
-    <a:masterClrMapping/>
-  </p:clrMapOvr>
-</p:sld>
-</file>
-
-<file path=ppt/slides/slide30.xml><?xml version="1.0" encoding="utf-8"?>
-<p:sld xmlns:a="http://schemas.openxmlformats.org/drawingml/2006/main" xmlns:r="http://schemas.openxmlformats.org/officeDocument/2006/relationships" xmlns:p="http://schemas.openxmlformats.org/presentationml/2006/main">
-  <p:cSld>
-    <p:spTree>
-      <p:nvGrpSpPr>
-        <p:cNvPr id="1" name=""/>
-        <p:cNvGrpSpPr/>
-        <p:nvPr/>
-      </p:nvGrpSpPr>
-      <p:grpSpPr>
-        <a:xfrm>
-          <a:off x="0" y="0"/>
-          <a:ext cx="0" cy="0"/>
-          <a:chOff x="0" y="0"/>
-          <a:chExt cx="0" cy="0"/>
-        </a:xfrm>
-      </p:grpSpPr>
-      <p:sp>
-        <p:nvSpPr>
-          <p:cNvPr id="2" name="Title 1"/>
-          <p:cNvSpPr>
-            <a:spLocks noGrp="1"/>
-          </p:cNvSpPr>
-          <p:nvPr>
-            <p:ph type="title"/>
-          </p:nvPr>
-        </p:nvSpPr>
-        <p:spPr>
-          <a:xfrm>
-            <a:off x="0" y="0"/>
-            <a:ext cx="8229600" cy="411162"/>
-          </a:xfrm>
-        </p:spPr>
-        <p:txBody>
-          <a:bodyPr>
-            <a:normAutofit fontScale="90000"/>
-          </a:bodyPr>
-          <a:lstStyle/>
-          <a:p>
-            <a:pPr algn="l"/>
-            <a:r>
-              <a:rPr lang="en-US" sz="3200" b="1" dirty="0">
-                <a:solidFill>
-                  <a:srgbClr val="FF0000"/>
-                </a:solidFill>
-              </a:rPr>
-              <a:t>Declaration Section</a:t>
-            </a:r>
-          </a:p>
-        </p:txBody>
-      </p:sp>
-      <p:sp>
-        <p:nvSpPr>
-          <p:cNvPr id="3" name="Content Placeholder 2"/>
-          <p:cNvSpPr>
-            <a:spLocks noGrp="1"/>
-          </p:cNvSpPr>
-          <p:nvPr>
-            <p:ph idx="1"/>
-          </p:nvPr>
-        </p:nvSpPr>
-        <p:spPr>
-          <a:xfrm>
-            <a:off x="0" y="533400"/>
-            <a:ext cx="9144000" cy="6324600"/>
-          </a:xfrm>
-        </p:spPr>
-        <p:txBody>
-          <a:bodyPr/>
-          <a:lstStyle/>
-          <a:p>
-            <a:r>
-              <a:rPr lang="en-US" dirty="0"/>
-              <a:t>In this section we have included all the necessary header </a:t>
-            </a:r>
-            <a:r>
-              <a:rPr lang="en-US" dirty="0" err="1"/>
-              <a:t>files,function</a:t>
-            </a:r>
-            <a:r>
-              <a:rPr lang="en-US" dirty="0"/>
-              <a:t> declaration and flag that was needed in the code. </a:t>
-            </a:r>
-          </a:p>
-          <a:p>
-            <a:r>
-              <a:rPr lang="en-US" dirty="0"/>
-              <a:t>Between declaration and rules section we have listed all the tokens which are returned by the lexer according to the precedence order. </a:t>
-            </a:r>
-          </a:p>
-          <a:p>
-            <a:r>
-              <a:rPr lang="en-US" dirty="0"/>
-              <a:t>We also declared the operators here according to their </a:t>
-            </a:r>
-            <a:r>
-              <a:rPr lang="en-US" dirty="0" err="1"/>
-              <a:t>associativity</a:t>
-            </a:r>
-            <a:r>
-              <a:rPr lang="en-US" dirty="0"/>
-              <a:t> and </a:t>
-            </a:r>
-            <a:r>
-              <a:rPr lang="en-US" dirty="0" err="1"/>
-              <a:t>precedence.This</a:t>
-            </a:r>
-            <a:r>
-              <a:rPr lang="en-US" dirty="0"/>
-              <a:t> ensures the grammar we are giving to the parser is unambiguous as LALR(1) parser cannot work with ambiguous grammar. </a:t>
-            </a:r>
-          </a:p>
-        </p:txBody>
-      </p:sp>
-    </p:spTree>
-  </p:cSld>
-  <p:clrMapOvr>
-    <a:masterClrMapping/>
-  </p:clrMapOvr>
-</p:sld>
-</file>
-
-<file path=ppt/slides/slide31.xml><?xml version="1.0" encoding="utf-8"?>
-<p:sld xmlns:a="http://schemas.openxmlformats.org/drawingml/2006/main" xmlns:r="http://schemas.openxmlformats.org/officeDocument/2006/relationships" xmlns:p="http://schemas.openxmlformats.org/presentationml/2006/main">
-  <p:cSld>
-    <p:spTree>
-      <p:nvGrpSpPr>
-        <p:cNvPr id="1" name=""/>
-        <p:cNvGrpSpPr/>
-        <p:nvPr/>
-      </p:nvGrpSpPr>
-      <p:grpSpPr>
-        <a:xfrm>
-          <a:off x="0" y="0"/>
-          <a:ext cx="0" cy="0"/>
-          <a:chOff x="0" y="0"/>
-          <a:chExt cx="0" cy="0"/>
-        </a:xfrm>
-      </p:grpSpPr>
-      <p:sp>
-        <p:nvSpPr>
-          <p:cNvPr id="2" name="Title 1"/>
-          <p:cNvSpPr>
-            <a:spLocks noGrp="1"/>
-          </p:cNvSpPr>
-          <p:nvPr>
-            <p:ph type="title"/>
-          </p:nvPr>
-        </p:nvSpPr>
-        <p:spPr>
-          <a:xfrm>
-            <a:off x="0" y="0"/>
-            <a:ext cx="8229600" cy="487362"/>
-          </a:xfrm>
-        </p:spPr>
-        <p:txBody>
-          <a:bodyPr>
-            <a:normAutofit fontScale="90000"/>
-          </a:bodyPr>
-          <a:lstStyle/>
-          <a:p>
-            <a:pPr algn="l"/>
-            <a:r>
-              <a:rPr lang="en-US" sz="3200" b="1" dirty="0">
-                <a:solidFill>
-                  <a:srgbClr val="FF0000"/>
-                </a:solidFill>
-              </a:rPr>
-              <a:t>Rules Section</a:t>
-            </a:r>
-          </a:p>
-        </p:txBody>
-      </p:sp>
-      <p:sp>
-        <p:nvSpPr>
-          <p:cNvPr id="3" name="Content Placeholder 2"/>
-          <p:cNvSpPr>
-            <a:spLocks noGrp="1"/>
-          </p:cNvSpPr>
-          <p:nvPr>
-            <p:ph idx="1"/>
-          </p:nvPr>
-        </p:nvSpPr>
-        <p:spPr>
-          <a:xfrm>
-            <a:off x="0" y="457200"/>
-            <a:ext cx="9144000" cy="6400800"/>
-          </a:xfrm>
-        </p:spPr>
-        <p:txBody>
-          <a:bodyPr/>
-          <a:lstStyle/>
-          <a:p>
-            <a:r>
-              <a:rPr lang="en-US" dirty="0"/>
-              <a:t>In this section production rules for the entire C language are written. </a:t>
-            </a:r>
-          </a:p>
-          <a:p>
-            <a:r>
-              <a:rPr lang="en-US" dirty="0"/>
-              <a:t>The rules are written in such a way that there is no left recursion and the grammar is also deterministic. </a:t>
-            </a:r>
-          </a:p>
-          <a:p>
-            <a:r>
-              <a:rPr lang="en-US" dirty="0"/>
-              <a:t>Non-deterministic grammar was converted to deterministic by applying left factoring. </a:t>
-            </a:r>
-          </a:p>
-          <a:p>
-            <a:r>
-              <a:rPr lang="en-US" dirty="0"/>
-              <a:t>This was done so that grammar is for LL(1) parser. This is so because all LL(1) grammar are LALR(1) according to the concepts. </a:t>
-            </a:r>
-          </a:p>
-          <a:p>
-            <a:r>
-              <a:rPr lang="en-US" dirty="0"/>
-              <a:t>The grammar productions does the syntax analysis of the source code. When a complete statement with proper syntax is matched by the parser. </a:t>
-            </a:r>
-          </a:p>
-        </p:txBody>
-      </p:sp>
-    </p:spTree>
-  </p:cSld>
-  <p:clrMapOvr>
-    <a:masterClrMapping/>
-  </p:clrMapOvr>
-</p:sld>
-</file>
-
-<file path=ppt/slides/slide32.xml><?xml version="1.0" encoding="utf-8"?>
-<p:sld xmlns:a="http://schemas.openxmlformats.org/drawingml/2006/main" xmlns:r="http://schemas.openxmlformats.org/officeDocument/2006/relationships" xmlns:p="http://schemas.openxmlformats.org/presentationml/2006/main">
-  <p:cSld>
-    <p:spTree>
-      <p:nvGrpSpPr>
-        <p:cNvPr id="1" name=""/>
-        <p:cNvGrpSpPr/>
-        <p:nvPr/>
-      </p:nvGrpSpPr>
-      <p:grpSpPr>
-        <a:xfrm>
-          <a:off x="0" y="0"/>
-          <a:ext cx="0" cy="0"/>
-          <a:chOff x="0" y="0"/>
-          <a:chExt cx="0" cy="0"/>
-        </a:xfrm>
-      </p:grpSpPr>
-      <p:sp>
-        <p:nvSpPr>
-          <p:cNvPr id="2" name="Title 1"/>
-          <p:cNvSpPr>
-            <a:spLocks noGrp="1"/>
-          </p:cNvSpPr>
-          <p:nvPr>
-            <p:ph type="title"/>
-          </p:nvPr>
-        </p:nvSpPr>
-        <p:spPr>
-          <a:xfrm>
-            <a:off x="0" y="0"/>
-            <a:ext cx="8229600" cy="457200"/>
-          </a:xfrm>
-        </p:spPr>
-        <p:txBody>
-          <a:bodyPr>
-            <a:normAutofit fontScale="90000"/>
-          </a:bodyPr>
-          <a:lstStyle/>
-          <a:p>
-            <a:pPr algn="l"/>
-            <a:r>
-              <a:rPr lang="en-US" sz="2800" b="1" dirty="0">
-                <a:solidFill>
-                  <a:srgbClr val="FF0000"/>
-                </a:solidFill>
-              </a:rPr>
-              <a:t>C-Program Section</a:t>
-            </a:r>
-          </a:p>
-        </p:txBody>
-      </p:sp>
-      <p:sp>
-        <p:nvSpPr>
-          <p:cNvPr id="3" name="Content Placeholder 2"/>
-          <p:cNvSpPr>
-            <a:spLocks noGrp="1"/>
-          </p:cNvSpPr>
-          <p:nvPr>
-            <p:ph idx="1"/>
-          </p:nvPr>
-        </p:nvSpPr>
-        <p:spPr>
-          <a:xfrm>
-            <a:off x="0" y="609600"/>
-            <a:ext cx="9144000" cy="6248400"/>
-          </a:xfrm>
-        </p:spPr>
-        <p:txBody>
-          <a:bodyPr/>
-          <a:lstStyle/>
-          <a:p>
-            <a:r>
-              <a:rPr lang="en-US" dirty="0"/>
-              <a:t>In this section the parser links the extern functions,variables declared in the lexer, external files generated by the lexer etc. </a:t>
-            </a:r>
-          </a:p>
-          <a:p>
-            <a:r>
-              <a:rPr lang="en-US" dirty="0"/>
-              <a:t>The main function takes the input source code file and prints the final symbol table. </a:t>
-            </a:r>
-          </a:p>
-        </p:txBody>
-      </p:sp>
-    </p:spTree>
-  </p:cSld>
-  <p:clrMapOvr>
-    <a:masterClrMapping/>
-  </p:clrMapOvr>
-</p:sld>
-</file>
-
-<file path=ppt/slides/slide33.xml><?xml version="1.0" encoding="utf-8"?>
-<p:sld xmlns:a="http://schemas.openxmlformats.org/drawingml/2006/main" xmlns:r="http://schemas.openxmlformats.org/officeDocument/2006/relationships" xmlns:p="http://schemas.openxmlformats.org/presentationml/2006/main">
-  <p:cSld>
-    <p:spTree>
-      <p:nvGrpSpPr>
-        <p:cNvPr id="1" name=""/>
-        <p:cNvGrpSpPr/>
-        <p:nvPr/>
-      </p:nvGrpSpPr>
-      <p:grpSpPr>
-        <a:xfrm>
-          <a:off x="0" y="0"/>
-          <a:ext cx="0" cy="0"/>
-          <a:chOff x="0" y="0"/>
-          <a:chExt cx="0" cy="0"/>
-        </a:xfrm>
-      </p:grpSpPr>
-      <p:sp>
-        <p:nvSpPr>
-          <p:cNvPr id="2" name="Title 1"/>
-          <p:cNvSpPr>
-            <a:spLocks noGrp="1"/>
-          </p:cNvSpPr>
-          <p:nvPr>
-            <p:ph type="title"/>
-          </p:nvPr>
-        </p:nvSpPr>
-        <p:spPr>
-          <a:xfrm>
-            <a:off x="228600" y="0"/>
-            <a:ext cx="8229600" cy="487362"/>
-          </a:xfrm>
-        </p:spPr>
-        <p:txBody>
-          <a:bodyPr>
-            <a:normAutofit fontScale="90000"/>
-          </a:bodyPr>
-          <a:lstStyle/>
-          <a:p>
-            <a:pPr algn="l"/>
-            <a:r>
-              <a:rPr lang="en-US" sz="2800" b="1" dirty="0">
-                <a:solidFill>
-                  <a:srgbClr val="FF0000"/>
-                </a:solidFill>
-              </a:rPr>
-              <a:t>Implementation:</a:t>
-            </a:r>
-          </a:p>
-        </p:txBody>
-      </p:sp>
-      <p:sp>
-        <p:nvSpPr>
-          <p:cNvPr id="3" name="Content Placeholder 2"/>
-          <p:cNvSpPr>
-            <a:spLocks noGrp="1"/>
-          </p:cNvSpPr>
-          <p:nvPr>
-            <p:ph idx="1"/>
-          </p:nvPr>
-        </p:nvSpPr>
-        <p:spPr>
-          <a:xfrm>
-            <a:off x="0" y="457200"/>
-            <a:ext cx="9144000" cy="6400800"/>
-          </a:xfrm>
-        </p:spPr>
-        <p:txBody>
-          <a:bodyPr/>
-          <a:lstStyle/>
-          <a:p>
-            <a:pPr>
-              <a:buNone/>
-            </a:pPr>
-            <a:r>
-              <a:rPr lang="en-US" dirty="0"/>
-              <a:t>The lexer code submitted in the previous phase took care of most of the features of C using regular expressions. Some special corner cases were taken care of using custom </a:t>
-            </a:r>
-            <a:r>
-              <a:rPr lang="en-US" dirty="0" err="1"/>
-              <a:t>regex</a:t>
-            </a:r>
-            <a:r>
-              <a:rPr lang="en-US" dirty="0"/>
-              <a:t>. These were: </a:t>
-            </a:r>
-          </a:p>
-          <a:p>
-            <a:pPr marL="514350" indent="-514350">
-              <a:buAutoNum type="alphaUcPeriod"/>
-            </a:pPr>
-            <a:r>
-              <a:rPr lang="en-US" dirty="0"/>
-              <a:t>The </a:t>
-            </a:r>
-            <a:r>
-              <a:rPr lang="en-US" dirty="0" err="1"/>
-              <a:t>Regex</a:t>
-            </a:r>
-            <a:r>
-              <a:rPr lang="en-US" dirty="0"/>
-              <a:t> for Identifiers </a:t>
-            </a:r>
-          </a:p>
-          <a:p>
-            <a:pPr marL="514350" indent="-514350">
-              <a:buAutoNum type="alphaUcPeriod"/>
-            </a:pPr>
-            <a:r>
-              <a:rPr lang="en-US" dirty="0"/>
-              <a:t>Multiline comments should be supported </a:t>
-            </a:r>
-          </a:p>
-          <a:p>
-            <a:pPr marL="514350" indent="-514350">
-              <a:buAutoNum type="alphaUcPeriod"/>
-            </a:pPr>
-            <a:r>
-              <a:rPr lang="en-US" dirty="0"/>
-              <a:t>Literals </a:t>
-            </a:r>
-          </a:p>
-          <a:p>
-            <a:pPr marL="514350" indent="-514350">
-              <a:buAutoNum type="alphaUcPeriod"/>
-            </a:pPr>
-            <a:r>
-              <a:rPr lang="en-US" dirty="0"/>
-              <a:t>Error Handling for Incomplete String </a:t>
-            </a:r>
-          </a:p>
-          <a:p>
-            <a:pPr marL="514350" indent="-514350">
-              <a:buAutoNum type="alphaUcPeriod"/>
-            </a:pPr>
-            <a:r>
-              <a:rPr lang="en-US" dirty="0"/>
-              <a:t>Error Handling for Nested Comments</a:t>
-            </a:r>
-          </a:p>
-        </p:txBody>
-      </p:sp>
-    </p:spTree>
-  </p:cSld>
-  <p:clrMapOvr>
-    <a:masterClrMapping/>
-  </p:clrMapOvr>
-</p:sld>
-</file>
-
-<file path=ppt/slides/slide34.xml><?xml version="1.0" encoding="utf-8"?>
-<p:sld xmlns:a="http://schemas.openxmlformats.org/drawingml/2006/main" xmlns:r="http://schemas.openxmlformats.org/officeDocument/2006/relationships" xmlns:p="http://schemas.openxmlformats.org/presentationml/2006/main">
-  <p:cSld>
-    <p:spTree>
-      <p:nvGrpSpPr>
-        <p:cNvPr id="1" name=""/>
-        <p:cNvGrpSpPr/>
-        <p:nvPr/>
-      </p:nvGrpSpPr>
-      <p:grpSpPr>
-        <a:xfrm>
-          <a:off x="0" y="0"/>
-          <a:ext cx="0" cy="0"/>
-          <a:chOff x="0" y="0"/>
-          <a:chExt cx="0" cy="0"/>
-        </a:xfrm>
-      </p:grpSpPr>
-      <p:sp>
-        <p:nvSpPr>
-          <p:cNvPr id="3" name="Content Placeholder 2"/>
-          <p:cNvSpPr>
-            <a:spLocks noGrp="1"/>
-          </p:cNvSpPr>
-          <p:nvPr>
-            <p:ph idx="1"/>
-          </p:nvPr>
-        </p:nvSpPr>
-        <p:spPr>
-          <a:xfrm>
-            <a:off x="0" y="0"/>
-            <a:ext cx="9144000" cy="6858000"/>
-          </a:xfrm>
-        </p:spPr>
-        <p:txBody>
-          <a:bodyPr/>
-          <a:lstStyle/>
-          <a:p>
-            <a:r>
-              <a:rPr lang="en-US" dirty="0"/>
-              <a:t>The parser takes tokens from the lexer output, one at a time and applies the corresponding production rules to append to the symbol table with type, value, and line of declaration. </a:t>
-            </a:r>
-          </a:p>
-          <a:p>
-            <a:r>
-              <a:rPr lang="en-US" dirty="0"/>
-              <a:t>If the parsing is not successful, the parser outputs the line number with the corresponding error. The following functions were written in order to maintain the symbol table:</a:t>
-            </a:r>
-          </a:p>
-          <a:p>
-            <a:pPr>
-              <a:buNone/>
-            </a:pPr>
-            <a:r>
-              <a:rPr lang="en-US" b="1" dirty="0"/>
-              <a:t>1. </a:t>
-            </a:r>
-            <a:r>
-              <a:rPr lang="en-US" b="1" dirty="0" err="1"/>
-              <a:t>LookupST</a:t>
-            </a:r>
-            <a:r>
-              <a:rPr lang="en-US" b="1" dirty="0"/>
-              <a:t>() </a:t>
-            </a:r>
-            <a:r>
-              <a:rPr lang="en-US" dirty="0"/>
-              <a:t>- This function checks whether the token is already present in the symbol table or not. If yes it returns 1 else 0.(Called by Scanner) </a:t>
-            </a:r>
-          </a:p>
-        </p:txBody>
-      </p:sp>
-    </p:spTree>
-  </p:cSld>
-  <p:clrMapOvr>
-    <a:masterClrMapping/>
-  </p:clrMapOvr>
-</p:sld>
-</file>
-
-<file path=ppt/slides/slide35.xml><?xml version="1.0" encoding="utf-8"?>
-<p:sld xmlns:a="http://schemas.openxmlformats.org/drawingml/2006/main" xmlns:r="http://schemas.openxmlformats.org/officeDocument/2006/relationships" xmlns:p="http://schemas.openxmlformats.org/presentationml/2006/main">
-  <p:cSld>
-    <p:spTree>
-      <p:nvGrpSpPr>
-        <p:cNvPr id="1" name=""/>
-        <p:cNvGrpSpPr/>
-        <p:nvPr/>
-      </p:nvGrpSpPr>
-      <p:grpSpPr>
-        <a:xfrm>
-          <a:off x="0" y="0"/>
-          <a:ext cx="0" cy="0"/>
-          <a:chOff x="0" y="0"/>
-          <a:chExt cx="0" cy="0"/>
-        </a:xfrm>
-      </p:grpSpPr>
-      <p:sp>
-        <p:nvSpPr>
-          <p:cNvPr id="3" name="Content Placeholder 2"/>
-          <p:cNvSpPr>
-            <a:spLocks noGrp="1"/>
-          </p:cNvSpPr>
-          <p:nvPr>
-            <p:ph idx="1"/>
-          </p:nvPr>
-        </p:nvSpPr>
-        <p:spPr>
-          <a:xfrm>
-            <a:off x="0" y="0"/>
-            <a:ext cx="9144000" cy="6858000"/>
-          </a:xfrm>
-        </p:spPr>
-        <p:txBody>
-          <a:bodyPr>
-            <a:normAutofit lnSpcReduction="10000"/>
-          </a:bodyPr>
-          <a:lstStyle/>
-          <a:p>
-            <a:pPr>
-              <a:buNone/>
-            </a:pPr>
-            <a:r>
-              <a:rPr lang="en-US" b="1" dirty="0"/>
-              <a:t>2. </a:t>
-            </a:r>
-            <a:r>
-              <a:rPr lang="en-US" b="1" dirty="0" err="1"/>
-              <a:t>InsertST</a:t>
-            </a:r>
-            <a:r>
-              <a:rPr lang="en-US" b="1" dirty="0"/>
-              <a:t>()</a:t>
-            </a:r>
-            <a:r>
-              <a:rPr lang="en-US" dirty="0"/>
-              <a:t> - This function installs the token in the symbol table if it is not already present along with the token class. (Called by Scanner) </a:t>
-            </a:r>
-          </a:p>
-          <a:p>
-            <a:pPr>
-              <a:buNone/>
-            </a:pPr>
-            <a:r>
-              <a:rPr lang="en-US" b="1" dirty="0"/>
-              <a:t>3. </a:t>
-            </a:r>
-            <a:r>
-              <a:rPr lang="en-US" b="1" dirty="0" err="1"/>
-              <a:t>InsertSTtype</a:t>
-            </a:r>
-            <a:r>
-              <a:rPr lang="en-US" b="1" dirty="0"/>
-              <a:t>() </a:t>
-            </a:r>
-            <a:r>
-              <a:rPr lang="en-US" dirty="0"/>
-              <a:t>- This function appends the data type of the identifier in the symbol table. (Called by Parser). </a:t>
-            </a:r>
-          </a:p>
-          <a:p>
-            <a:pPr>
-              <a:buNone/>
-            </a:pPr>
-            <a:r>
-              <a:rPr lang="en-US" b="1" dirty="0"/>
-              <a:t>4. </a:t>
-            </a:r>
-            <a:r>
-              <a:rPr lang="en-US" b="1" dirty="0" err="1"/>
-              <a:t>InsertSTvalue</a:t>
-            </a:r>
-            <a:r>
-              <a:rPr lang="en-US" b="1" dirty="0"/>
-              <a:t>()- </a:t>
-            </a:r>
-            <a:r>
-              <a:rPr lang="en-US" dirty="0"/>
-              <a:t>This function appends the value of the identifier in the symbol table. (Called by Parser). </a:t>
-            </a:r>
-          </a:p>
-          <a:p>
-            <a:pPr>
-              <a:buNone/>
-            </a:pPr>
-            <a:r>
-              <a:rPr lang="en-US" b="1" dirty="0"/>
-              <a:t>5. </a:t>
-            </a:r>
-            <a:r>
-              <a:rPr lang="en-US" b="1" dirty="0" err="1"/>
-              <a:t>InsertSTline</a:t>
-            </a:r>
-            <a:r>
-              <a:rPr lang="en-US" b="1" dirty="0"/>
-              <a:t>()- </a:t>
-            </a:r>
-            <a:r>
-              <a:rPr lang="en-US" dirty="0"/>
-              <a:t>This function appends the line of the declaration of the identifier in the symbol table. (Called by Parser). </a:t>
-            </a:r>
-          </a:p>
-          <a:p>
-            <a:pPr>
-              <a:buNone/>
-            </a:pPr>
-            <a:r>
-              <a:rPr lang="en-US" b="1" dirty="0"/>
-              <a:t>6. </a:t>
-            </a:r>
-            <a:r>
-              <a:rPr lang="en-US" b="1" dirty="0" err="1"/>
-              <a:t>LookupCT</a:t>
-            </a:r>
-            <a:r>
-              <a:rPr lang="en-US" b="1" dirty="0"/>
-              <a:t>() </a:t>
-            </a:r>
-            <a:r>
-              <a:rPr lang="en-US" dirty="0"/>
-              <a:t>- This function checks whether the token is already present in the constant table or not. If yes it returns 1 else 0.(Called by Scanner).</a:t>
-            </a:r>
-          </a:p>
-        </p:txBody>
-      </p:sp>
-    </p:spTree>
-  </p:cSld>
-  <p:clrMapOvr>
-    <a:masterClrMapping/>
-  </p:clrMapOvr>
-</p:sld>
-</file>
-
-<file path=ppt/slides/slide36.xml><?xml version="1.0" encoding="utf-8"?>
-<p:sld xmlns:a="http://schemas.openxmlformats.org/drawingml/2006/main" xmlns:r="http://schemas.openxmlformats.org/officeDocument/2006/relationships" xmlns:p="http://schemas.openxmlformats.org/presentationml/2006/main">
-  <p:cSld>
-    <p:spTree>
-      <p:nvGrpSpPr>
-        <p:cNvPr id="1" name=""/>
-        <p:cNvGrpSpPr/>
-        <p:nvPr/>
-      </p:nvGrpSpPr>
-      <p:grpSpPr>
-        <a:xfrm>
-          <a:off x="0" y="0"/>
-          <a:ext cx="0" cy="0"/>
-          <a:chOff x="0" y="0"/>
-          <a:chExt cx="0" cy="0"/>
-        </a:xfrm>
-      </p:grpSpPr>
-      <p:sp>
-        <p:nvSpPr>
-          <p:cNvPr id="3" name="Content Placeholder 2"/>
-          <p:cNvSpPr>
-            <a:spLocks noGrp="1"/>
-          </p:cNvSpPr>
-          <p:nvPr>
-            <p:ph idx="1"/>
-          </p:nvPr>
-        </p:nvSpPr>
-        <p:spPr>
-          <a:xfrm>
-            <a:off x="0" y="0"/>
-            <a:ext cx="9144000" cy="6858000"/>
-          </a:xfrm>
-        </p:spPr>
-        <p:txBody>
-          <a:bodyPr/>
-          <a:lstStyle/>
-          <a:p>
-            <a:pPr>
-              <a:buNone/>
-            </a:pPr>
-            <a:r>
-              <a:rPr lang="en-US" b="1" dirty="0"/>
-              <a:t>7. </a:t>
-            </a:r>
-            <a:r>
-              <a:rPr lang="en-US" b="1" dirty="0" err="1"/>
-              <a:t>InsertST</a:t>
-            </a:r>
-            <a:r>
-              <a:rPr lang="en-US" b="1" dirty="0"/>
-              <a:t>() - </a:t>
-            </a:r>
-            <a:r>
-              <a:rPr lang="en-US" dirty="0"/>
-              <a:t>This function installs the token in the constant table if it is not already present along with the token class. (Called by Scanner) </a:t>
-            </a:r>
-          </a:p>
-          <a:p>
-            <a:pPr>
-              <a:buNone/>
-            </a:pPr>
-            <a:r>
-              <a:rPr lang="en-US" b="1" dirty="0"/>
-              <a:t>8. </a:t>
-            </a:r>
-            <a:r>
-              <a:rPr lang="en-US" b="1" dirty="0" err="1"/>
-              <a:t>PrintST</a:t>
-            </a:r>
-            <a:r>
-              <a:rPr lang="en-US" b="1" dirty="0"/>
-              <a:t>() - </a:t>
-            </a:r>
-            <a:r>
-              <a:rPr lang="en-US" dirty="0"/>
-              <a:t>This function displays the entire content of the symbol table. </a:t>
-            </a:r>
-          </a:p>
-          <a:p>
-            <a:pPr>
-              <a:buNone/>
-            </a:pPr>
-            <a:r>
-              <a:rPr lang="en-US" b="1" dirty="0"/>
-              <a:t>9. </a:t>
-            </a:r>
-            <a:r>
-              <a:rPr lang="en-US" b="1" dirty="0" err="1"/>
-              <a:t>PrintCT</a:t>
-            </a:r>
-            <a:r>
-              <a:rPr lang="en-US" b="1" dirty="0"/>
-              <a:t>() </a:t>
-            </a:r>
-            <a:r>
-              <a:rPr lang="en-US" dirty="0"/>
-              <a:t>- This function displays the entire content of the constant table. </a:t>
-            </a:r>
-          </a:p>
-        </p:txBody>
-      </p:sp>
-    </p:spTree>
-  </p:cSld>
-  <p:clrMapOvr>
-    <a:masterClrMapping/>
-  </p:clrMapOvr>
-</p:sld>
-</file>
-
-<file path=ppt/slides/slide37.xml><?xml version="1.0" encoding="utf-8"?>
-<p:sld xmlns:a="http://schemas.openxmlformats.org/drawingml/2006/main" xmlns:r="http://schemas.openxmlformats.org/officeDocument/2006/relationships" xmlns:p="http://schemas.openxmlformats.org/presentationml/2006/main">
-  <p:cSld>
-    <p:spTree>
-      <p:nvGrpSpPr>
-        <p:cNvPr id="1" name=""/>
-        <p:cNvGrpSpPr/>
-        <p:nvPr/>
-      </p:nvGrpSpPr>
-      <p:grpSpPr>
-        <a:xfrm>
-          <a:off x="0" y="0"/>
-          <a:ext cx="0" cy="0"/>
-          <a:chOff x="0" y="0"/>
-          <a:chExt cx="0" cy="0"/>
-        </a:xfrm>
-      </p:grpSpPr>
-      <p:sp>
-        <p:nvSpPr>
-          <p:cNvPr id="2" name="Title 1"/>
-          <p:cNvSpPr>
-            <a:spLocks noGrp="1"/>
-          </p:cNvSpPr>
-          <p:nvPr>
-            <p:ph type="title"/>
-          </p:nvPr>
-        </p:nvSpPr>
-        <p:spPr>
-          <a:xfrm>
-            <a:off x="0" y="0"/>
-            <a:ext cx="8229600" cy="503238"/>
-          </a:xfrm>
-        </p:spPr>
-        <p:txBody>
-          <a:bodyPr>
-            <a:normAutofit fontScale="90000"/>
-          </a:bodyPr>
-          <a:lstStyle/>
-          <a:p>
-            <a:pPr algn="l"/>
-            <a:r>
-              <a:rPr lang="en-US" sz="3600" b="1" dirty="0">
-                <a:solidFill>
-                  <a:srgbClr val="FF0000"/>
-                </a:solidFill>
-              </a:rPr>
-              <a:t>Result</a:t>
-            </a:r>
-          </a:p>
-        </p:txBody>
-      </p:sp>
-      <p:sp>
-        <p:nvSpPr>
-          <p:cNvPr id="3" name="Content Placeholder 2"/>
-          <p:cNvSpPr>
-            <a:spLocks noGrp="1"/>
-          </p:cNvSpPr>
-          <p:nvPr>
-            <p:ph idx="1"/>
-          </p:nvPr>
-        </p:nvSpPr>
-        <p:spPr>
-          <a:xfrm>
-            <a:off x="0" y="609600"/>
-            <a:ext cx="9144000" cy="6248400"/>
-          </a:xfrm>
-        </p:spPr>
-        <p:txBody>
-          <a:bodyPr/>
-          <a:lstStyle/>
-          <a:p>
-            <a:r>
-              <a:rPr lang="en-US" dirty="0"/>
-              <a:t>The Yacc Script was able to successfully parse all the tokens generated the flex script for C. </a:t>
-            </a:r>
-          </a:p>
-          <a:p>
-            <a:r>
-              <a:rPr lang="en-US" dirty="0"/>
-              <a:t>The type, value, and line of the declaration was returned as an output for all the identifiers and constants present in the program. </a:t>
-            </a:r>
-          </a:p>
-          <a:p>
-            <a:r>
-              <a:rPr lang="en-US" dirty="0"/>
-              <a:t>To handle the error messages the line number was returned along with the syntax error message. </a:t>
-            </a:r>
-          </a:p>
-          <a:p>
-            <a:r>
-              <a:rPr lang="en-US" dirty="0"/>
-              <a:t>Thus the following Yacc script is able to parse the tokens and generate error messages for the C program.</a:t>
-            </a:r>
-          </a:p>
-        </p:txBody>
-      </p:sp>
-    </p:spTree>
-  </p:cSld>
-  <p:clrMapOvr>
-    <a:masterClrMapping/>
-  </p:clrMapOvr>
-</p:sld>
-</file>
-
-<file path=ppt/slides/slide38.xml><?xml version="1.0" encoding="utf-8"?>
-<p:sld xmlns:a="http://schemas.openxmlformats.org/drawingml/2006/main" xmlns:r="http://schemas.openxmlformats.org/officeDocument/2006/relationships" xmlns:p="http://schemas.openxmlformats.org/presentationml/2006/main">
-  <p:cSld>
-    <p:spTree>
-      <p:nvGrpSpPr>
-        <p:cNvPr id="1" name=""/>
-        <p:cNvGrpSpPr/>
-        <p:nvPr/>
-      </p:nvGrpSpPr>
-      <p:grpSpPr>
-        <a:xfrm>
-          <a:off x="0" y="0"/>
-          <a:ext cx="0" cy="0"/>
-          <a:chOff x="0" y="0"/>
-          <a:chExt cx="0" cy="0"/>
-        </a:xfrm>
-      </p:grpSpPr>
-      <p:sp>
-        <p:nvSpPr>
-          <p:cNvPr id="2" name="Title 1"/>
-          <p:cNvSpPr>
-            <a:spLocks noGrp="1"/>
-          </p:cNvSpPr>
-          <p:nvPr>
-            <p:ph type="title"/>
-          </p:nvPr>
-        </p:nvSpPr>
-        <p:spPr>
-          <a:xfrm>
-            <a:off x="0" y="152400"/>
-            <a:ext cx="8229600" cy="334962"/>
-          </a:xfrm>
-        </p:spPr>
-        <p:txBody>
-          <a:bodyPr>
-            <a:normAutofit fontScale="90000"/>
-          </a:bodyPr>
-          <a:lstStyle/>
-          <a:p>
-            <a:pPr algn="l"/>
-            <a:r>
-              <a:rPr lang="en-US" sz="3200" b="1" dirty="0">
-                <a:solidFill>
-                  <a:srgbClr val="FF0000"/>
-                </a:solidFill>
-              </a:rPr>
-              <a:t>Output:</a:t>
-            </a:r>
-          </a:p>
-        </p:txBody>
-      </p:sp>
-      <p:pic>
-        <p:nvPicPr>
-          <p:cNvPr id="4" name="Content Placeholder 3" descr="4.PNG"/>
-          <p:cNvPicPr>
-            <a:picLocks noGrp="1" noChangeAspect="1"/>
-          </p:cNvPicPr>
-          <p:nvPr>
-            <p:ph idx="1"/>
-          </p:nvPr>
-        </p:nvPicPr>
-        <p:blipFill>
-          <a:blip r:embed="rId2"/>
-          <a:stretch>
-            <a:fillRect/>
-          </a:stretch>
-        </p:blipFill>
-        <p:spPr>
-          <a:xfrm>
-            <a:off x="74725" y="1066800"/>
-            <a:ext cx="8733840" cy="5105400"/>
-          </a:xfrm>
-        </p:spPr>
-      </p:pic>
-    </p:spTree>
-  </p:cSld>
-  <p:clrMapOvr>
-    <a:masterClrMapping/>
-  </p:clrMapOvr>
-</p:sld>
-</file>
-
-<file path=ppt/slides/slide39.xml><?xml version="1.0" encoding="utf-8"?>
-<p:sld xmlns:a="http://schemas.openxmlformats.org/drawingml/2006/main" xmlns:r="http://schemas.openxmlformats.org/officeDocument/2006/relationships" xmlns:p="http://schemas.openxmlformats.org/presentationml/2006/main">
-  <p:cSld>
-    <p:spTree>
-      <p:nvGrpSpPr>
-        <p:cNvPr id="1" name=""/>
-        <p:cNvGrpSpPr/>
-        <p:nvPr/>
-      </p:nvGrpSpPr>
-      <p:grpSpPr>
-        <a:xfrm>
-          <a:off x="0" y="0"/>
-          <a:ext cx="0" cy="0"/>
-          <a:chOff x="0" y="0"/>
-          <a:chExt cx="0" cy="0"/>
-        </a:xfrm>
-      </p:grpSpPr>
-      <p:sp>
-        <p:nvSpPr>
-          <p:cNvPr id="3" name="Content Placeholder 2"/>
-          <p:cNvSpPr>
-            <a:spLocks noGrp="1"/>
-          </p:cNvSpPr>
-          <p:nvPr>
-            <p:ph idx="1"/>
-          </p:nvPr>
-        </p:nvSpPr>
-        <p:spPr>
-          <a:xfrm>
-            <a:off x="457200" y="2514600"/>
-            <a:ext cx="8229600" cy="3611563"/>
-          </a:xfrm>
-        </p:spPr>
-        <p:txBody>
-          <a:bodyPr>
-            <a:normAutofit/>
-          </a:bodyPr>
-          <a:lstStyle/>
-          <a:p>
-            <a:pPr algn="ctr">
-              <a:buNone/>
-            </a:pPr>
-            <a:r>
-              <a:rPr lang="en-US" sz="6600" b="1" dirty="0"/>
-              <a:t>THANK YOU…</a:t>
+              <a:t>In simple terms, a compiler is a computer program that changes the language in which programs are written into instructions that a computer can use.</a:t>
             </a:r>
           </a:p>
         </p:txBody>
@@ -6879,61 +5887,23 @@
       </p:grpSpPr>
       <p:sp>
         <p:nvSpPr>
-          <p:cNvPr id="2" name="Title 1"/>
-          <p:cNvSpPr>
-            <a:spLocks noGrp="1"/>
-          </p:cNvSpPr>
-          <p:nvPr>
-            <p:ph type="title"/>
+          <p:cNvPr id="3" name="Content Placeholder 2"/>
+          <p:cNvSpPr>
+            <a:spLocks noGrp="1"/>
+          </p:cNvSpPr>
+          <p:nvPr>
+            <p:ph idx="1"/>
           </p:nvPr>
         </p:nvSpPr>
         <p:spPr>
           <a:xfrm>
             <a:off x="0" y="0"/>
-            <a:ext cx="8229600" cy="1143000"/>
+            <a:ext cx="9144000" cy="6858000"/>
           </a:xfrm>
         </p:spPr>
         <p:txBody>
           <a:bodyPr>
             <a:normAutofit/>
-          </a:bodyPr>
-          <a:lstStyle/>
-          <a:p>
-            <a:pPr marL="342900" indent="-342900" algn="l">
-              <a:spcBef>
-                <a:spcPct val="20000"/>
-              </a:spcBef>
-            </a:pPr>
-            <a:r>
-              <a:rPr lang="en-US" sz="3200" b="1" u="sng" dirty="0">
-                <a:latin typeface="+mn-lt"/>
-                <a:ea typeface="+mn-ea"/>
-                <a:cs typeface="+mn-cs"/>
-              </a:rPr>
-              <a:t>Phases of a compiler:</a:t>
-            </a:r>
-          </a:p>
-        </p:txBody>
-      </p:sp>
-      <p:sp>
-        <p:nvSpPr>
-          <p:cNvPr id="3" name="Content Placeholder 2"/>
-          <p:cNvSpPr>
-            <a:spLocks noGrp="1"/>
-          </p:cNvSpPr>
-          <p:nvPr>
-            <p:ph idx="1"/>
-          </p:nvPr>
-        </p:nvSpPr>
-        <p:spPr>
-          <a:xfrm>
-            <a:off x="0" y="1066800"/>
-            <a:ext cx="9144000" cy="5791200"/>
-          </a:xfrm>
-        </p:spPr>
-        <p:txBody>
-          <a:bodyPr>
-            <a:normAutofit lnSpcReduction="10000"/>
           </a:bodyPr>
           <a:lstStyle/>
           <a:p>
@@ -6944,81 +5914,45 @@
               <a:buFont typeface="Wingdings" pitchFamily="2" charset="2"/>
               <a:buChar char="v"/>
             </a:pPr>
-            <a:r>
-              <a:rPr lang="en-US" dirty="0"/>
-              <a:t>The compilation process is a sequence of various phases. Each phase takes input from its previous stage, has its own representation of the source program, and feeds its output to the next phase of the compiler. The phases are:-</a:t>
-            </a:r>
-          </a:p>
-          <a:p>
-            <a:pPr marL="514350" indent="-514350">
+            <a:endParaRPr lang="en-US" dirty="0"/>
+          </a:p>
+          <a:p>
+            <a:pPr>
               <a:buClr>
                 <a:srgbClr val="FF0000"/>
               </a:buClr>
-              <a:buAutoNum type="arabicPeriod"/>
-            </a:pPr>
-            <a:r>
-              <a:rPr lang="en-US" b="1" dirty="0"/>
-              <a:t>Lexical Analysis </a:t>
-            </a:r>
-          </a:p>
-          <a:p>
-            <a:pPr marL="514350" indent="-514350">
+              <a:buFont typeface="Wingdings" pitchFamily="2" charset="2"/>
+              <a:buChar char="v"/>
+            </a:pPr>
+            <a:r>
+              <a:rPr lang="en-US" dirty="0"/>
+              <a:t>It is included as part of the integrated development environment IDE with most programming software packages.</a:t>
+            </a:r>
+          </a:p>
+          <a:p>
+            <a:pPr>
               <a:buClr>
                 <a:srgbClr val="FF0000"/>
               </a:buClr>
-              <a:buAutoNum type="arabicPeriod"/>
-            </a:pPr>
-            <a:r>
-              <a:rPr lang="en-US" b="1" dirty="0"/>
-              <a:t>Syntax Analysis </a:t>
-            </a:r>
-          </a:p>
-          <a:p>
-            <a:pPr marL="514350" indent="-514350">
+              <a:buFont typeface="Wingdings" pitchFamily="2" charset="2"/>
+              <a:buChar char="v"/>
+            </a:pPr>
+            <a:r>
+              <a:rPr lang="en-US" dirty="0"/>
+              <a:t>The compiler takes source code files that are written in a high-level language, such as C, C++, or Java, and compiles the code into a low-level language, such as machine code or assembly code.</a:t>
+            </a:r>
+          </a:p>
+          <a:p>
+            <a:pPr>
               <a:buClr>
                 <a:srgbClr val="FF0000"/>
               </a:buClr>
-              <a:buAutoNum type="arabicPeriod"/>
-            </a:pPr>
-            <a:r>
-              <a:rPr lang="en-US" b="1" dirty="0"/>
-              <a:t>Semantic Analysis </a:t>
-            </a:r>
-          </a:p>
-          <a:p>
-            <a:pPr marL="514350" indent="-514350">
-              <a:buClr>
-                <a:srgbClr val="FF0000"/>
-              </a:buClr>
-              <a:buAutoNum type="arabicPeriod"/>
-            </a:pPr>
-            <a:r>
-              <a:rPr lang="en-US" b="1" dirty="0"/>
-              <a:t>Intermediate Code Generation </a:t>
-            </a:r>
-          </a:p>
-          <a:p>
-            <a:pPr marL="514350" indent="-514350">
-              <a:buClr>
-                <a:srgbClr val="FF0000"/>
-              </a:buClr>
-              <a:buAutoNum type="arabicPeriod"/>
-            </a:pPr>
-            <a:r>
-              <a:rPr lang="en-US" b="1" dirty="0"/>
-              <a:t>Code Optimization </a:t>
-            </a:r>
-          </a:p>
-          <a:p>
-            <a:pPr marL="514350" indent="-514350">
-              <a:buClr>
-                <a:srgbClr val="FF0000"/>
-              </a:buClr>
-              <a:buAutoNum type="arabicPeriod"/>
-            </a:pPr>
-            <a:r>
-              <a:rPr lang="en-US" b="1" dirty="0"/>
-              <a:t>Code Generation</a:t>
+              <a:buFont typeface="Wingdings" pitchFamily="2" charset="2"/>
+              <a:buChar char="v"/>
+            </a:pPr>
+            <a:r>
+              <a:rPr lang="en-US" dirty="0"/>
+              <a:t>This code is created for a specific processor type, such as an Intel Pentium or PowerPC. The program can then be recognized by the processor and run from the operating system.</a:t>
             </a:r>
           </a:p>
         </p:txBody>
@@ -7060,8 +5994,8 @@
         </p:nvSpPr>
         <p:spPr>
           <a:xfrm>
-            <a:off x="152400" y="0"/>
-            <a:ext cx="8229600" cy="685800"/>
+            <a:off x="0" y="0"/>
+            <a:ext cx="8229600" cy="1143000"/>
           </a:xfrm>
         </p:spPr>
         <p:txBody>
@@ -7070,14 +6004,18 @@
           </a:bodyPr>
           <a:lstStyle/>
           <a:p>
-            <a:pPr algn="l"/>
+            <a:pPr marL="342900" indent="-342900" algn="l">
+              <a:spcBef>
+                <a:spcPct val="20000"/>
+              </a:spcBef>
+            </a:pPr>
             <a:r>
               <a:rPr lang="en-US" sz="3200" b="1" u="sng" dirty="0">
                 <a:latin typeface="+mn-lt"/>
                 <a:ea typeface="+mn-ea"/>
                 <a:cs typeface="+mn-cs"/>
               </a:rPr>
-              <a:t>Features implemented in this project:</a:t>
+              <a:t>Phases of a compiler:</a:t>
             </a:r>
           </a:p>
         </p:txBody>
@@ -7094,8 +6032,8 @@
         </p:nvSpPr>
         <p:spPr>
           <a:xfrm>
-            <a:off x="0" y="838200"/>
-            <a:ext cx="9144000" cy="5867400"/>
+            <a:off x="0" y="1066800"/>
+            <a:ext cx="9144000" cy="5791200"/>
           </a:xfrm>
         </p:spPr>
         <p:txBody>
@@ -7105,93 +6043,87 @@
           <a:lstStyle/>
           <a:p>
             <a:pPr>
-              <a:buNone/>
-            </a:pPr>
-            <a:r>
-              <a:rPr lang="en-US" dirty="0"/>
-              <a:t>	This project contains the implementation of the lexical analyzer phase of the C compiler. In our lexical analyzer we have implemented the following functionalities:-</a:t>
+              <a:buClr>
+                <a:srgbClr val="FF0000"/>
+              </a:buClr>
+              <a:buFont typeface="Wingdings" pitchFamily="2" charset="2"/>
+              <a:buChar char="v"/>
+            </a:pPr>
+            <a:r>
+              <a:rPr lang="en-US" dirty="0"/>
+              <a:t>The compilation process is a sequence of various phases. Each phase takes input from its previous stage, has its own representation of the source program, and feeds its output to the next phase of the compiler. The phases are:-</a:t>
             </a:r>
           </a:p>
           <a:p>
             <a:pPr marL="514350" indent="-514350">
+              <a:buClr>
+                <a:srgbClr val="FF0000"/>
+              </a:buClr>
               <a:buAutoNum type="arabicPeriod"/>
             </a:pPr>
             <a:r>
               <a:rPr lang="en-US" b="1" dirty="0"/>
-              <a:t>Data Types</a:t>
-            </a:r>
-            <a:r>
-              <a:rPr lang="en-US" dirty="0"/>
-              <a:t>: </a:t>
-            </a:r>
-            <a:r>
-              <a:rPr lang="en-US" sz="2800" dirty="0"/>
-              <a:t>int, char data types with all its sub-types. Syntax : int a=3; </a:t>
-            </a:r>
-            <a:endParaRPr lang="en-US" dirty="0"/>
+              <a:t>Lexical Analysis </a:t>
+            </a:r>
           </a:p>
           <a:p>
             <a:pPr marL="514350" indent="-514350">
+              <a:buClr>
+                <a:srgbClr val="FF0000"/>
+              </a:buClr>
               <a:buAutoNum type="arabicPeriod"/>
             </a:pPr>
             <a:r>
               <a:rPr lang="en-US" b="1" dirty="0"/>
-              <a:t>Comments</a:t>
-            </a:r>
-            <a:r>
-              <a:rPr lang="en-US" dirty="0"/>
-              <a:t>: </a:t>
-            </a:r>
-            <a:r>
-              <a:rPr lang="en-US" sz="2800" dirty="0"/>
-              <a:t>Single line and multiline comments</a:t>
-            </a:r>
-            <a:r>
-              <a:rPr lang="en-US" dirty="0"/>
-              <a:t> </a:t>
+              <a:t>Syntax Analysis </a:t>
             </a:r>
           </a:p>
           <a:p>
             <a:pPr marL="514350" indent="-514350">
+              <a:buClr>
+                <a:srgbClr val="FF0000"/>
+              </a:buClr>
               <a:buAutoNum type="arabicPeriod"/>
             </a:pPr>
             <a:r>
               <a:rPr lang="en-US" b="1" dirty="0"/>
-              <a:t>Keywords</a:t>
-            </a:r>
-            <a:r>
-              <a:rPr lang="en-US" dirty="0"/>
-              <a:t>: </a:t>
-            </a:r>
-            <a:r>
-              <a:rPr lang="en-US" sz="2800" dirty="0"/>
-              <a:t>char, else, for, if, int, long, return, short, signed, struct, unsigned, void, while, main</a:t>
+              <a:t>Semantic Analysis </a:t>
             </a:r>
           </a:p>
           <a:p>
             <a:pPr marL="514350" indent="-514350">
+              <a:buClr>
+                <a:srgbClr val="FF0000"/>
+              </a:buClr>
               <a:buAutoNum type="arabicPeriod"/>
             </a:pPr>
             <a:r>
-              <a:rPr lang="en-US" sz="2800" b="1" dirty="0"/>
-              <a:t>Identification of valid identifiers </a:t>
-            </a:r>
-            <a:r>
-              <a:rPr lang="en-US" sz="2800" dirty="0"/>
-              <a:t>used in the language</a:t>
+              <a:rPr lang="en-US" b="1" dirty="0"/>
+              <a:t>Intermediate Code Generation </a:t>
             </a:r>
           </a:p>
           <a:p>
             <a:pPr marL="514350" indent="-514350">
+              <a:buClr>
+                <a:srgbClr val="FF0000"/>
+              </a:buClr>
               <a:buAutoNum type="arabicPeriod"/>
             </a:pPr>
             <a:r>
               <a:rPr lang="en-US" b="1" dirty="0"/>
-              <a:t>Looping Constructs</a:t>
-            </a:r>
-            <a:r>
-              <a:rPr lang="en-US" sz="2800" dirty="0"/>
-              <a:t>: It will support nested for and while loops.</a:t>
+              <a:t>Code Optimization </a:t>
+            </a:r>
+          </a:p>
+          <a:p>
+            <a:pPr marL="514350" indent="-514350">
+              <a:buClr>
+                <a:srgbClr val="FF0000"/>
+              </a:buClr>
+              <a:buAutoNum type="arabicPeriod"/>
+            </a:pPr>
+            <a:r>
+              <a:rPr lang="en-US" b="1" dirty="0"/>
+              <a:t>Code Generation</a:t>
             </a:r>
           </a:p>
         </p:txBody>
@@ -7223,18 +6155,18 @@
       </p:grpSpPr>
       <p:sp>
         <p:nvSpPr>
-          <p:cNvPr id="3" name="Content Placeholder 2"/>
-          <p:cNvSpPr>
-            <a:spLocks noGrp="1"/>
-          </p:cNvSpPr>
-          <p:nvPr>
-            <p:ph idx="1"/>
+          <p:cNvPr id="2" name="Title 1"/>
+          <p:cNvSpPr>
+            <a:spLocks noGrp="1"/>
+          </p:cNvSpPr>
+          <p:nvPr>
+            <p:ph type="title"/>
           </p:nvPr>
         </p:nvSpPr>
         <p:spPr>
           <a:xfrm>
-            <a:off x="0" y="0"/>
-            <a:ext cx="9144000" cy="6858000"/>
+            <a:off x="152400" y="0"/>
+            <a:ext cx="8229600" cy="685800"/>
           </a:xfrm>
         </p:spPr>
         <p:txBody>
@@ -7243,93 +6175,128 @@
           </a:bodyPr>
           <a:lstStyle/>
           <a:p>
+            <a:pPr algn="l"/>
+            <a:r>
+              <a:rPr lang="en-US" sz="3200" b="1" u="sng" dirty="0">
+                <a:latin typeface="+mn-lt"/>
+                <a:ea typeface="+mn-ea"/>
+                <a:cs typeface="+mn-cs"/>
+              </a:rPr>
+              <a:t>Features implemented in this project:</a:t>
+            </a:r>
+          </a:p>
+        </p:txBody>
+      </p:sp>
+      <p:sp>
+        <p:nvSpPr>
+          <p:cNvPr id="3" name="Content Placeholder 2"/>
+          <p:cNvSpPr>
+            <a:spLocks noGrp="1"/>
+          </p:cNvSpPr>
+          <p:nvPr>
+            <p:ph idx="1"/>
+          </p:nvPr>
+        </p:nvSpPr>
+        <p:spPr>
+          <a:xfrm>
+            <a:off x="0" y="838200"/>
+            <a:ext cx="9144000" cy="5867400"/>
+          </a:xfrm>
+        </p:spPr>
+        <p:txBody>
+          <a:bodyPr>
+            <a:normAutofit lnSpcReduction="10000"/>
+          </a:bodyPr>
+          <a:lstStyle/>
+          <a:p>
             <a:pPr>
               <a:buNone/>
             </a:pPr>
             <a:r>
+              <a:rPr lang="en-US" dirty="0"/>
+              <a:t>	This project contains the implementation of the lexical analyzer phase of the C compiler. In our lexical analyzer we have implemented the following functionalities:-</a:t>
+            </a:r>
+          </a:p>
+          <a:p>
+            <a:pPr marL="514350" indent="-514350">
+              <a:buAutoNum type="arabicPeriod"/>
+            </a:pPr>
+            <a:r>
+              <a:rPr lang="en-US" b="1" dirty="0"/>
+              <a:t>Data Types</a:t>
+            </a:r>
+            <a:r>
+              <a:rPr lang="en-US" dirty="0"/>
+              <a:t>: </a:t>
+            </a:r>
+            <a:r>
               <a:rPr lang="en-US" sz="2800" dirty="0"/>
-              <a:t>Syntax:-</a:t>
-            </a:r>
-          </a:p>
-          <a:p>
-            <a:pPr>
-              <a:buNone/>
-            </a:pPr>
+              <a:t>int, char data types with all its sub-types. Syntax : int a=3; </a:t>
+            </a:r>
+            <a:endParaRPr lang="en-US" dirty="0"/>
+          </a:p>
+          <a:p>
+            <a:pPr marL="514350" indent="-514350">
+              <a:buAutoNum type="arabicPeriod"/>
+            </a:pPr>
+            <a:r>
+              <a:rPr lang="en-US" b="1" dirty="0"/>
+              <a:t>Comments</a:t>
+            </a:r>
+            <a:r>
+              <a:rPr lang="en-US" dirty="0"/>
+              <a:t>: </a:t>
+            </a:r>
             <a:r>
               <a:rPr lang="en-US" sz="2800" dirty="0"/>
-              <a:t>int i;</a:t>
-            </a:r>
-          </a:p>
-          <a:p>
-            <a:pPr>
-              <a:buNone/>
-            </a:pPr>
+              <a:t>Single line and multiline comments</a:t>
+            </a:r>
+            <a:r>
+              <a:rPr lang="en-US" dirty="0"/>
+              <a:t> </a:t>
+            </a:r>
+          </a:p>
+          <a:p>
+            <a:pPr marL="514350" indent="-514350">
+              <a:buAutoNum type="arabicPeriod"/>
+            </a:pPr>
+            <a:r>
+              <a:rPr lang="en-US" b="1" dirty="0"/>
+              <a:t>Keywords</a:t>
+            </a:r>
+            <a:r>
+              <a:rPr lang="en-US" dirty="0"/>
+              <a:t>: </a:t>
+            </a:r>
             <a:r>
               <a:rPr lang="en-US" sz="2800" dirty="0"/>
-              <a:t>for(i=0;i &lt;n;i++) { } int x; while(x&lt;10) { … x++}</a:t>
-            </a:r>
-          </a:p>
-          <a:p>
-            <a:pPr>
-              <a:buNone/>
-            </a:pPr>
+              <a:t>char, else, for, if, int, long, return, short, signed, struct, unsigned, void, while, main</a:t>
+            </a:r>
+          </a:p>
+          <a:p>
+            <a:pPr marL="514350" indent="-514350">
+              <a:buAutoNum type="arabicPeriod"/>
+            </a:pPr>
+            <a:r>
+              <a:rPr lang="en-US" sz="2800" b="1" dirty="0"/>
+              <a:t>Identification of valid identifiers </a:t>
+            </a:r>
             <a:r>
               <a:rPr lang="en-US" sz="2800" dirty="0"/>
-              <a:t>6. Conditional Constructs: if...else-if...else statements</a:t>
-            </a:r>
-          </a:p>
-          <a:p>
-            <a:pPr>
-              <a:buNone/>
-            </a:pPr>
+              <a:t>used in the language</a:t>
+            </a:r>
+          </a:p>
+          <a:p>
+            <a:pPr marL="514350" indent="-514350">
+              <a:buAutoNum type="arabicPeriod"/>
+            </a:pPr>
+            <a:r>
+              <a:rPr lang="en-US" b="1" dirty="0"/>
+              <a:t>Looping Constructs</a:t>
+            </a:r>
             <a:r>
               <a:rPr lang="en-US" sz="2800" dirty="0"/>
-              <a:t>7. Operators: ADD(+), MULTIPLY(*), DIVIDE(/), MODULO(%), AND(&amp;), OR(|)</a:t>
-            </a:r>
-          </a:p>
-          <a:p>
-            <a:pPr>
-              <a:buNone/>
-            </a:pPr>
-            <a:r>
-              <a:rPr lang="en-US" sz="2800" dirty="0"/>
-              <a:t>8. Delimiters: SEMICOLON(;), COMMA(,) </a:t>
-            </a:r>
-          </a:p>
-          <a:p>
-            <a:pPr>
-              <a:buNone/>
-            </a:pPr>
-            <a:r>
-              <a:rPr lang="en-US" sz="2800" dirty="0"/>
-              <a:t>9. Structure construct of the language, Syntax: struct pair{ int a; int b};</a:t>
-            </a:r>
-          </a:p>
-          <a:p>
-            <a:pPr>
-              <a:buNone/>
-            </a:pPr>
-            <a:r>
-              <a:rPr lang="en-US" sz="2800" dirty="0"/>
-              <a:t>10. Function construct of the language, Syntax: int func(int x) </a:t>
-            </a:r>
-          </a:p>
-          <a:p>
-            <a:pPr>
-              <a:buNone/>
-            </a:pPr>
-            <a:r>
-              <a:rPr lang="en-US" sz="2800" dirty="0"/>
-              <a:t>11. Support of nested conditional statement</a:t>
-            </a:r>
-          </a:p>
-          <a:p>
-            <a:pPr>
-              <a:buNone/>
-            </a:pPr>
-            <a:r>
-              <a:rPr lang="en-US" sz="2800" dirty="0"/>
-              <a:t>12. Support for a 1-Dimensional array. Syntax : char s[20];</a:t>
+              <a:t>: It will support nested for and while loops.</a:t>
             </a:r>
           </a:p>
         </p:txBody>
@@ -7343,6 +6310,72 @@
 </file>
 
 <file path=ppt/slides/slide7.xml><?xml version="1.0" encoding="utf-8"?>
+<p:sld xmlns:a="http://schemas.openxmlformats.org/drawingml/2006/main" xmlns:r="http://schemas.openxmlformats.org/officeDocument/2006/relationships" xmlns:p="http://schemas.openxmlformats.org/presentationml/2006/main">
+  <p:cSld>
+    <p:spTree>
+      <p:nvGrpSpPr>
+        <p:cNvPr id="1" name=""/>
+        <p:cNvGrpSpPr/>
+        <p:nvPr/>
+      </p:nvGrpSpPr>
+      <p:grpSpPr>
+        <a:xfrm>
+          <a:off x="0" y="0"/>
+          <a:ext cx="0" cy="0"/>
+          <a:chOff x="0" y="0"/>
+          <a:chExt cx="0" cy="0"/>
+        </a:xfrm>
+      </p:grpSpPr>
+      <p:pic>
+        <p:nvPicPr>
+          <p:cNvPr id="3" name="Picture 2">
+            <a:extLst>
+              <a:ext uri="{FF2B5EF4-FFF2-40B4-BE49-F238E27FC236}">
+                <a16:creationId xmlns:a16="http://schemas.microsoft.com/office/drawing/2014/main" id="{874CE023-AA74-B1ED-FDE3-A5EF66525CE9}"/>
+              </a:ext>
+            </a:extLst>
+          </p:cNvPr>
+          <p:cNvPicPr>
+            <a:picLocks noChangeAspect="1"/>
+          </p:cNvPicPr>
+          <p:nvPr/>
+        </p:nvPicPr>
+        <p:blipFill>
+          <a:blip r:embed="rId2">
+            <a:extLst>
+              <a:ext uri="{28A0092B-C50C-407E-A947-70E740481C1C}">
+                <a14:useLocalDpi xmlns:a14="http://schemas.microsoft.com/office/drawing/2010/main" val="0"/>
+              </a:ext>
+            </a:extLst>
+          </a:blip>
+          <a:stretch>
+            <a:fillRect/>
+          </a:stretch>
+        </p:blipFill>
+        <p:spPr>
+          <a:xfrm>
+            <a:off x="1042987" y="280987"/>
+            <a:ext cx="7058025" cy="6296025"/>
+          </a:xfrm>
+          <a:prstGeom prst="rect">
+            <a:avLst/>
+          </a:prstGeom>
+        </p:spPr>
+      </p:pic>
+    </p:spTree>
+    <p:extLst>
+      <p:ext uri="{BB962C8B-B14F-4D97-AF65-F5344CB8AC3E}">
+        <p14:creationId xmlns:p14="http://schemas.microsoft.com/office/powerpoint/2010/main" val="889662210"/>
+      </p:ext>
+    </p:extLst>
+  </p:cSld>
+  <p:clrMapOvr>
+    <a:masterClrMapping/>
+  </p:clrMapOvr>
+</p:sld>
+</file>
+
+<file path=ppt/slides/slide8.xml><?xml version="1.0" encoding="utf-8"?>
 <p:sld xmlns:a="http://schemas.openxmlformats.org/drawingml/2006/main" xmlns:r="http://schemas.openxmlformats.org/officeDocument/2006/relationships" xmlns:p="http://schemas.openxmlformats.org/presentationml/2006/main">
   <p:cSld>
     <p:bg>
@@ -7492,7 +6525,7 @@
 </p:sld>
 </file>
 
-<file path=ppt/slides/slide8.xml><?xml version="1.0" encoding="utf-8"?>
+<file path=ppt/slides/slide9.xml><?xml version="1.0" encoding="utf-8"?>
 <p:sld xmlns:a="http://schemas.openxmlformats.org/drawingml/2006/main" xmlns:r="http://schemas.openxmlformats.org/officeDocument/2006/relationships" xmlns:p="http://schemas.openxmlformats.org/presentationml/2006/main">
   <p:cSld>
     <p:spTree>
@@ -7589,72 +6622,6 @@
           </a:effectLst>
         </p:spPr>
       </p:pic>
-    </p:spTree>
-  </p:cSld>
-  <p:clrMapOvr>
-    <a:masterClrMapping/>
-  </p:clrMapOvr>
-</p:sld>
-</file>
-
-<file path=ppt/slides/slide9.xml><?xml version="1.0" encoding="utf-8"?>
-<p:sld xmlns:a="http://schemas.openxmlformats.org/drawingml/2006/main" xmlns:r="http://schemas.openxmlformats.org/officeDocument/2006/relationships" xmlns:p="http://schemas.openxmlformats.org/presentationml/2006/main">
-  <p:cSld>
-    <p:spTree>
-      <p:nvGrpSpPr>
-        <p:cNvPr id="1" name=""/>
-        <p:cNvGrpSpPr/>
-        <p:nvPr/>
-      </p:nvGrpSpPr>
-      <p:grpSpPr>
-        <a:xfrm>
-          <a:off x="0" y="0"/>
-          <a:ext cx="0" cy="0"/>
-          <a:chOff x="0" y="0"/>
-          <a:chExt cx="0" cy="0"/>
-        </a:xfrm>
-      </p:grpSpPr>
-      <p:sp>
-        <p:nvSpPr>
-          <p:cNvPr id="3" name="Content Placeholder 2"/>
-          <p:cNvSpPr>
-            <a:spLocks noGrp="1"/>
-          </p:cNvSpPr>
-          <p:nvPr>
-            <p:ph idx="1"/>
-          </p:nvPr>
-        </p:nvSpPr>
-        <p:spPr>
-          <a:xfrm>
-            <a:off x="0" y="0"/>
-            <a:ext cx="9144000" cy="6858000"/>
-          </a:xfrm>
-        </p:spPr>
-        <p:txBody>
-          <a:bodyPr/>
-          <a:lstStyle/>
-          <a:p>
-            <a:pPr>
-              <a:buFont typeface="Wingdings" pitchFamily="2" charset="2"/>
-              <a:buChar char="v"/>
-            </a:pPr>
-            <a:r>
-              <a:rPr lang="en-US" dirty="0"/>
-              <a:t>First, FLEX reads a specification of a scanner either from an input file *.lex, or from standard input, and it generates as output a C source file lex.yy.c. </a:t>
-            </a:r>
-          </a:p>
-          <a:p>
-            <a:pPr>
-              <a:buFont typeface="Wingdings" pitchFamily="2" charset="2"/>
-              <a:buChar char="v"/>
-            </a:pPr>
-            <a:r>
-              <a:rPr lang="en-US" dirty="0"/>
-              <a:t>Then, lex.yy.c is compiled and linked with the "-lfl" library to produce an executable a.out. Finally, a.out analyzes its input stream and transforms it into a sequence of tokens. The format of the input file contains three sections. These sections are separated by a line with “%%” symbol.</a:t>
-            </a:r>
-          </a:p>
-        </p:txBody>
-      </p:sp>
     </p:spTree>
   </p:cSld>
   <p:clrMapOvr>
@@ -7946,6 +6913,301 @@
 </a:theme>
 </file>
 
+<file path=ppt/theme/theme2.xml><?xml version="1.0" encoding="utf-8"?>
+<a:theme xmlns:a="http://schemas.openxmlformats.org/drawingml/2006/main" name="Office Theme">
+  <a:themeElements>
+    <a:clrScheme name="Office">
+      <a:dk1>
+        <a:sysClr val="windowText" lastClr="000000"/>
+      </a:dk1>
+      <a:lt1>
+        <a:sysClr val="window" lastClr="FFFFFF"/>
+      </a:lt1>
+      <a:dk2>
+        <a:srgbClr val="44546A"/>
+      </a:dk2>
+      <a:lt2>
+        <a:srgbClr val="E7E6E6"/>
+      </a:lt2>
+      <a:accent1>
+        <a:srgbClr val="4472C4"/>
+      </a:accent1>
+      <a:accent2>
+        <a:srgbClr val="ED7D31"/>
+      </a:accent2>
+      <a:accent3>
+        <a:srgbClr val="A5A5A5"/>
+      </a:accent3>
+      <a:accent4>
+        <a:srgbClr val="FFC000"/>
+      </a:accent4>
+      <a:accent5>
+        <a:srgbClr val="5B9BD5"/>
+      </a:accent5>
+      <a:accent6>
+        <a:srgbClr val="70AD47"/>
+      </a:accent6>
+      <a:hlink>
+        <a:srgbClr val="0563C1"/>
+      </a:hlink>
+      <a:folHlink>
+        <a:srgbClr val="954F72"/>
+      </a:folHlink>
+    </a:clrScheme>
+    <a:fontScheme name="Office">
+      <a:majorFont>
+        <a:latin typeface="Calibri Light" panose="020F0302020204030204"/>
+        <a:ea typeface=""/>
+        <a:cs typeface=""/>
+        <a:font script="Jpan" typeface="游ゴシック Light"/>
+        <a:font script="Hang" typeface="맑은 고딕"/>
+        <a:font script="Hans" typeface="等线 Light"/>
+        <a:font script="Hant" typeface="新細明體"/>
+        <a:font script="Arab" typeface="Times New Roman"/>
+        <a:font script="Hebr" typeface="Times New Roman"/>
+        <a:font script="Thai" typeface="Angsana New"/>
+        <a:font script="Ethi" typeface="Nyala"/>
+        <a:font script="Beng" typeface="Vrinda"/>
+        <a:font script="Gujr" typeface="Shruti"/>
+        <a:font script="Khmr" typeface="MoolBoran"/>
+        <a:font script="Knda" typeface="Tunga"/>
+        <a:font script="Guru" typeface="Raavi"/>
+        <a:font script="Cans" typeface="Euphemia"/>
+        <a:font script="Cher" typeface="Plantagenet Cherokee"/>
+        <a:font script="Yiii" typeface="Microsoft Yi Baiti"/>
+        <a:font script="Tibt" typeface="Microsoft Himalaya"/>
+        <a:font script="Thaa" typeface="MV Boli"/>
+        <a:font script="Deva" typeface="Mangal"/>
+        <a:font script="Telu" typeface="Gautami"/>
+        <a:font script="Taml" typeface="Latha"/>
+        <a:font script="Syrc" typeface="Estrangelo Edessa"/>
+        <a:font script="Orya" typeface="Kalinga"/>
+        <a:font script="Mlym" typeface="Kartika"/>
+        <a:font script="Laoo" typeface="DokChampa"/>
+        <a:font script="Sinh" typeface="Iskoola Pota"/>
+        <a:font script="Mong" typeface="Mongolian Baiti"/>
+        <a:font script="Viet" typeface="Times New Roman"/>
+        <a:font script="Uigh" typeface="Microsoft Uighur"/>
+        <a:font script="Geor" typeface="Sylfaen"/>
+        <a:font script="Armn" typeface="Arial"/>
+        <a:font script="Bugi" typeface="Leelawadee UI"/>
+        <a:font script="Bopo" typeface="Microsoft JhengHei"/>
+        <a:font script="Java" typeface="Javanese Text"/>
+        <a:font script="Lisu" typeface="Segoe UI"/>
+        <a:font script="Mymr" typeface="Myanmar Text"/>
+        <a:font script="Nkoo" typeface="Ebrima"/>
+        <a:font script="Olck" typeface="Nirmala UI"/>
+        <a:font script="Osma" typeface="Ebrima"/>
+        <a:font script="Phag" typeface="Phagspa"/>
+        <a:font script="Syrn" typeface="Estrangelo Edessa"/>
+        <a:font script="Syrj" typeface="Estrangelo Edessa"/>
+        <a:font script="Syre" typeface="Estrangelo Edessa"/>
+        <a:font script="Sora" typeface="Nirmala UI"/>
+        <a:font script="Tale" typeface="Microsoft Tai Le"/>
+        <a:font script="Talu" typeface="Microsoft New Tai Lue"/>
+        <a:font script="Tfng" typeface="Ebrima"/>
+      </a:majorFont>
+      <a:minorFont>
+        <a:latin typeface="Calibri" panose="020F0502020204030204"/>
+        <a:ea typeface=""/>
+        <a:cs typeface=""/>
+        <a:font script="Jpan" typeface="游ゴシック"/>
+        <a:font script="Hang" typeface="맑은 고딕"/>
+        <a:font script="Hans" typeface="等线"/>
+        <a:font script="Hant" typeface="新細明體"/>
+        <a:font script="Arab" typeface="Arial"/>
+        <a:font script="Hebr" typeface="Arial"/>
+        <a:font script="Thai" typeface="Cordia New"/>
+        <a:font script="Ethi" typeface="Nyala"/>
+        <a:font script="Beng" typeface="Vrinda"/>
+        <a:font script="Gujr" typeface="Shruti"/>
+        <a:font script="Khmr" typeface="DaunPenh"/>
+        <a:font script="Knda" typeface="Tunga"/>
+        <a:font script="Guru" typeface="Raavi"/>
+        <a:font script="Cans" typeface="Euphemia"/>
+        <a:font script="Cher" typeface="Plantagenet Cherokee"/>
+        <a:font script="Yiii" typeface="Microsoft Yi Baiti"/>
+        <a:font script="Tibt" typeface="Microsoft Himalaya"/>
+        <a:font script="Thaa" typeface="MV Boli"/>
+        <a:font script="Deva" typeface="Mangal"/>
+        <a:font script="Telu" typeface="Gautami"/>
+        <a:font script="Taml" typeface="Latha"/>
+        <a:font script="Syrc" typeface="Estrangelo Edessa"/>
+        <a:font script="Orya" typeface="Kalinga"/>
+        <a:font script="Mlym" typeface="Kartika"/>
+        <a:font script="Laoo" typeface="DokChampa"/>
+        <a:font script="Sinh" typeface="Iskoola Pota"/>
+        <a:font script="Mong" typeface="Mongolian Baiti"/>
+        <a:font script="Viet" typeface="Arial"/>
+        <a:font script="Uigh" typeface="Microsoft Uighur"/>
+        <a:font script="Geor" typeface="Sylfaen"/>
+        <a:font script="Armn" typeface="Arial"/>
+        <a:font script="Bugi" typeface="Leelawadee UI"/>
+        <a:font script="Bopo" typeface="Microsoft JhengHei"/>
+        <a:font script="Java" typeface="Javanese Text"/>
+        <a:font script="Lisu" typeface="Segoe UI"/>
+        <a:font script="Mymr" typeface="Myanmar Text"/>
+        <a:font script="Nkoo" typeface="Ebrima"/>
+        <a:font script="Olck" typeface="Nirmala UI"/>
+        <a:font script="Osma" typeface="Ebrima"/>
+        <a:font script="Phag" typeface="Phagspa"/>
+        <a:font script="Syrn" typeface="Estrangelo Edessa"/>
+        <a:font script="Syrj" typeface="Estrangelo Edessa"/>
+        <a:font script="Syre" typeface="Estrangelo Edessa"/>
+        <a:font script="Sora" typeface="Nirmala UI"/>
+        <a:font script="Tale" typeface="Microsoft Tai Le"/>
+        <a:font script="Talu" typeface="Microsoft New Tai Lue"/>
+        <a:font script="Tfng" typeface="Ebrima"/>
+      </a:minorFont>
+    </a:fontScheme>
+    <a:fmtScheme name="Office">
+      <a:fillStyleLst>
+        <a:solidFill>
+          <a:schemeClr val="phClr"/>
+        </a:solidFill>
+        <a:gradFill rotWithShape="1">
+          <a:gsLst>
+            <a:gs pos="0">
+              <a:schemeClr val="phClr">
+                <a:lumMod val="110000"/>
+                <a:satMod val="105000"/>
+                <a:tint val="67000"/>
+              </a:schemeClr>
+            </a:gs>
+            <a:gs pos="50000">
+              <a:schemeClr val="phClr">
+                <a:lumMod val="105000"/>
+                <a:satMod val="103000"/>
+                <a:tint val="73000"/>
+              </a:schemeClr>
+            </a:gs>
+            <a:gs pos="100000">
+              <a:schemeClr val="phClr">
+                <a:lumMod val="105000"/>
+                <a:satMod val="109000"/>
+                <a:tint val="81000"/>
+              </a:schemeClr>
+            </a:gs>
+          </a:gsLst>
+          <a:lin ang="5400000" scaled="0"/>
+        </a:gradFill>
+        <a:gradFill rotWithShape="1">
+          <a:gsLst>
+            <a:gs pos="0">
+              <a:schemeClr val="phClr">
+                <a:satMod val="103000"/>
+                <a:lumMod val="102000"/>
+                <a:tint val="94000"/>
+              </a:schemeClr>
+            </a:gs>
+            <a:gs pos="50000">
+              <a:schemeClr val="phClr">
+                <a:satMod val="110000"/>
+                <a:lumMod val="100000"/>
+                <a:shade val="100000"/>
+              </a:schemeClr>
+            </a:gs>
+            <a:gs pos="100000">
+              <a:schemeClr val="phClr">
+                <a:lumMod val="99000"/>
+                <a:satMod val="120000"/>
+                <a:shade val="78000"/>
+              </a:schemeClr>
+            </a:gs>
+          </a:gsLst>
+          <a:lin ang="5400000" scaled="0"/>
+        </a:gradFill>
+      </a:fillStyleLst>
+      <a:lnStyleLst>
+        <a:ln w="6350" cap="flat" cmpd="sng" algn="ctr">
+          <a:solidFill>
+            <a:schemeClr val="phClr"/>
+          </a:solidFill>
+          <a:prstDash val="solid"/>
+          <a:miter lim="800000"/>
+        </a:ln>
+        <a:ln w="12700" cap="flat" cmpd="sng" algn="ctr">
+          <a:solidFill>
+            <a:schemeClr val="phClr"/>
+          </a:solidFill>
+          <a:prstDash val="solid"/>
+          <a:miter lim="800000"/>
+        </a:ln>
+        <a:ln w="19050" cap="flat" cmpd="sng" algn="ctr">
+          <a:solidFill>
+            <a:schemeClr val="phClr"/>
+          </a:solidFill>
+          <a:prstDash val="solid"/>
+          <a:miter lim="800000"/>
+        </a:ln>
+      </a:lnStyleLst>
+      <a:effectStyleLst>
+        <a:effectStyle>
+          <a:effectLst/>
+        </a:effectStyle>
+        <a:effectStyle>
+          <a:effectLst/>
+        </a:effectStyle>
+        <a:effectStyle>
+          <a:effectLst>
+            <a:outerShdw blurRad="57150" dist="19050" dir="5400000" algn="ctr" rotWithShape="0">
+              <a:srgbClr val="000000">
+                <a:alpha val="63000"/>
+              </a:srgbClr>
+            </a:outerShdw>
+          </a:effectLst>
+        </a:effectStyle>
+      </a:effectStyleLst>
+      <a:bgFillStyleLst>
+        <a:solidFill>
+          <a:schemeClr val="phClr"/>
+        </a:solidFill>
+        <a:solidFill>
+          <a:schemeClr val="phClr">
+            <a:tint val="95000"/>
+            <a:satMod val="170000"/>
+          </a:schemeClr>
+        </a:solidFill>
+        <a:gradFill rotWithShape="1">
+          <a:gsLst>
+            <a:gs pos="0">
+              <a:schemeClr val="phClr">
+                <a:tint val="93000"/>
+                <a:satMod val="150000"/>
+                <a:shade val="98000"/>
+                <a:lumMod val="102000"/>
+              </a:schemeClr>
+            </a:gs>
+            <a:gs pos="50000">
+              <a:schemeClr val="phClr">
+                <a:tint val="98000"/>
+                <a:satMod val="130000"/>
+                <a:shade val="90000"/>
+                <a:lumMod val="103000"/>
+              </a:schemeClr>
+            </a:gs>
+            <a:gs pos="100000">
+              <a:schemeClr val="phClr">
+                <a:shade val="63000"/>
+                <a:satMod val="120000"/>
+              </a:schemeClr>
+            </a:gs>
+          </a:gsLst>
+          <a:lin ang="5400000" scaled="0"/>
+        </a:gradFill>
+      </a:bgFillStyleLst>
+    </a:fmtScheme>
+  </a:themeElements>
+  <a:objectDefaults/>
+  <a:extraClrSchemeLst/>
+  <a:extLst>
+    <a:ext uri="{05A4C25C-085E-4340-85A3-A5531E510DB2}">
+      <thm15:themeFamily xmlns:thm15="http://schemas.microsoft.com/office/thememl/2012/main" name="Office Theme" id="{62F939B6-93AF-4DB8-9C6B-D6C7DFDC589F}" vid="{4A3C46E8-61CC-4603-A589-7422A47A8E4A}"/>
+    </a:ext>
+  </a:extLst>
+</a:theme>
+</file>
+
 <file path=ppt/theme/themeOverride1.xml><?xml version="1.0" encoding="utf-8"?>
 <a:themeOverride xmlns:a="http://schemas.openxmlformats.org/drawingml/2006/main">
   <a:clrScheme name="Office">
